--- a/presentacion/presentacion_maestria.pptx
+++ b/presentacion/presentacion_maestria.pptx
@@ -5,42 +5,54 @@
     <p:sldMasterId id="2147483648" r:id="rId1"/>
   </p:sldMasterIdLst>
   <p:notesMasterIdLst>
-    <p:notesMasterId r:id="rId32"/>
+    <p:notesMasterId r:id="rId44"/>
   </p:notesMasterIdLst>
   <p:handoutMasterIdLst>
-    <p:handoutMasterId r:id="rId33"/>
+    <p:handoutMasterId r:id="rId45"/>
   </p:handoutMasterIdLst>
   <p:sldIdLst>
     <p:sldId id="296" r:id="rId2"/>
     <p:sldId id="305" r:id="rId3"/>
     <p:sldId id="308" r:id="rId4"/>
-    <p:sldId id="299" r:id="rId5"/>
-    <p:sldId id="319" r:id="rId6"/>
-    <p:sldId id="320" r:id="rId7"/>
-    <p:sldId id="321" r:id="rId8"/>
-    <p:sldId id="322" r:id="rId9"/>
-    <p:sldId id="323" r:id="rId10"/>
-    <p:sldId id="324" r:id="rId11"/>
-    <p:sldId id="325" r:id="rId12"/>
-    <p:sldId id="326" r:id="rId13"/>
-    <p:sldId id="300" r:id="rId14"/>
-    <p:sldId id="307" r:id="rId15"/>
-    <p:sldId id="301" r:id="rId16"/>
-    <p:sldId id="306" r:id="rId17"/>
-    <p:sldId id="302" r:id="rId18"/>
-    <p:sldId id="304" r:id="rId19"/>
-    <p:sldId id="310" r:id="rId20"/>
-    <p:sldId id="309" r:id="rId21"/>
-    <p:sldId id="311" r:id="rId22"/>
-    <p:sldId id="312" r:id="rId23"/>
-    <p:sldId id="316" r:id="rId24"/>
-    <p:sldId id="313" r:id="rId25"/>
-    <p:sldId id="314" r:id="rId26"/>
-    <p:sldId id="317" r:id="rId27"/>
-    <p:sldId id="318" r:id="rId28"/>
-    <p:sldId id="288" r:id="rId29"/>
-    <p:sldId id="303" r:id="rId30"/>
-    <p:sldId id="315" r:id="rId31"/>
+    <p:sldId id="329" r:id="rId5"/>
+    <p:sldId id="328" r:id="rId6"/>
+    <p:sldId id="330" r:id="rId7"/>
+    <p:sldId id="299" r:id="rId8"/>
+    <p:sldId id="319" r:id="rId9"/>
+    <p:sldId id="327" r:id="rId10"/>
+    <p:sldId id="320" r:id="rId11"/>
+    <p:sldId id="321" r:id="rId12"/>
+    <p:sldId id="338" r:id="rId13"/>
+    <p:sldId id="337" r:id="rId14"/>
+    <p:sldId id="336" r:id="rId15"/>
+    <p:sldId id="339" r:id="rId16"/>
+    <p:sldId id="340" r:id="rId17"/>
+    <p:sldId id="322" r:id="rId18"/>
+    <p:sldId id="335" r:id="rId19"/>
+    <p:sldId id="323" r:id="rId20"/>
+    <p:sldId id="333" r:id="rId21"/>
+    <p:sldId id="334" r:id="rId22"/>
+    <p:sldId id="324" r:id="rId23"/>
+    <p:sldId id="325" r:id="rId24"/>
+    <p:sldId id="326" r:id="rId25"/>
+    <p:sldId id="300" r:id="rId26"/>
+    <p:sldId id="307" r:id="rId27"/>
+    <p:sldId id="301" r:id="rId28"/>
+    <p:sldId id="306" r:id="rId29"/>
+    <p:sldId id="302" r:id="rId30"/>
+    <p:sldId id="304" r:id="rId31"/>
+    <p:sldId id="310" r:id="rId32"/>
+    <p:sldId id="309" r:id="rId33"/>
+    <p:sldId id="311" r:id="rId34"/>
+    <p:sldId id="312" r:id="rId35"/>
+    <p:sldId id="316" r:id="rId36"/>
+    <p:sldId id="313" r:id="rId37"/>
+    <p:sldId id="314" r:id="rId38"/>
+    <p:sldId id="317" r:id="rId39"/>
+    <p:sldId id="318" r:id="rId40"/>
+    <p:sldId id="288" r:id="rId41"/>
+    <p:sldId id="303" r:id="rId42"/>
+    <p:sldId id="315" r:id="rId43"/>
   </p:sldIdLst>
   <p:sldSz cx="12192000" cy="6858000"/>
   <p:notesSz cx="6858000" cy="9144000"/>
@@ -250,7 +262,7 @@
           <a:p>
             <a:fld id="{CBB72EAA-2733-D14F-950A-8F4240385864}" type="datetimeFigureOut">
               <a:rPr lang="en-US" smtClean="0"/>
-              <a:t>9/10/2024</a:t>
+              <a:t>9/16/2024</a:t>
             </a:fld>
             <a:endParaRPr lang="en-US"/>
           </a:p>
@@ -427,7 +439,7 @@
           <a:p>
             <a:fld id="{D4DD062E-52F7-A14D-A443-1F3854784447}" type="datetimeFigureOut">
               <a:rPr lang="en-US" smtClean="0"/>
-              <a:t>9/10/2024</a:t>
+              <a:t>9/16/2024</a:t>
             </a:fld>
             <a:endParaRPr lang="en-US"/>
           </a:p>
@@ -759,7 +771,175 @@
           <a:p>
             <a:fld id="{8CB0EE9E-52B8-AA4F-8DD5-ED0FB4E5CBCC}" type="slidenum">
               <a:rPr lang="en-US" smtClean="0"/>
-              <a:t>13</a:t>
+              <a:t>1</a:t>
+            </a:fld>
+            <a:endParaRPr lang="en-US"/>
+          </a:p>
+        </p:txBody>
+      </p:sp>
+    </p:spTree>
+    <p:extLst>
+      <p:ext uri="{BB962C8B-B14F-4D97-AF65-F5344CB8AC3E}">
+        <p14:creationId xmlns:p14="http://schemas.microsoft.com/office/powerpoint/2010/main" val="1178959560"/>
+      </p:ext>
+    </p:extLst>
+  </p:cSld>
+  <p:clrMapOvr>
+    <a:masterClrMapping/>
+  </p:clrMapOvr>
+</p:notes>
+</file>
+
+<file path=ppt/notesSlides/notesSlide2.xml><?xml version="1.0" encoding="utf-8"?>
+<p:notes xmlns:a="http://schemas.openxmlformats.org/drawingml/2006/main" xmlns:r="http://schemas.openxmlformats.org/officeDocument/2006/relationships" xmlns:p="http://schemas.openxmlformats.org/presentationml/2006/main">
+  <p:cSld>
+    <p:spTree>
+      <p:nvGrpSpPr>
+        <p:cNvPr id="1" name=""/>
+        <p:cNvGrpSpPr/>
+        <p:nvPr/>
+      </p:nvGrpSpPr>
+      <p:grpSpPr>
+        <a:xfrm>
+          <a:off x="0" y="0"/>
+          <a:ext cx="0" cy="0"/>
+          <a:chOff x="0" y="0"/>
+          <a:chExt cx="0" cy="0"/>
+        </a:xfrm>
+      </p:grpSpPr>
+      <p:sp>
+        <p:nvSpPr>
+          <p:cNvPr id="2" name="Slide Image Placeholder 1"/>
+          <p:cNvSpPr>
+            <a:spLocks noGrp="1" noRot="1" noChangeAspect="1"/>
+          </p:cNvSpPr>
+          <p:nvPr>
+            <p:ph type="sldImg"/>
+          </p:nvPr>
+        </p:nvSpPr>
+        <p:spPr/>
+      </p:sp>
+      <p:sp>
+        <p:nvSpPr>
+          <p:cNvPr id="3" name="Notes Placeholder 2"/>
+          <p:cNvSpPr>
+            <a:spLocks noGrp="1"/>
+          </p:cNvSpPr>
+          <p:nvPr>
+            <p:ph type="body" idx="1"/>
+          </p:nvPr>
+        </p:nvSpPr>
+        <p:spPr/>
+        <p:txBody>
+          <a:bodyPr/>
+          <a:lstStyle/>
+          <a:p>
+            <a:endParaRPr lang="en-US" dirty="0"/>
+          </a:p>
+        </p:txBody>
+      </p:sp>
+      <p:sp>
+        <p:nvSpPr>
+          <p:cNvPr id="4" name="Slide Number Placeholder 3"/>
+          <p:cNvSpPr>
+            <a:spLocks noGrp="1"/>
+          </p:cNvSpPr>
+          <p:nvPr>
+            <p:ph type="sldNum" sz="quarter" idx="5"/>
+          </p:nvPr>
+        </p:nvSpPr>
+        <p:spPr/>
+        <p:txBody>
+          <a:bodyPr/>
+          <a:lstStyle/>
+          <a:p>
+            <a:fld id="{8CB0EE9E-52B8-AA4F-8DD5-ED0FB4E5CBCC}" type="slidenum">
+              <a:rPr lang="en-US" smtClean="0"/>
+              <a:t>5</a:t>
+            </a:fld>
+            <a:endParaRPr lang="en-US"/>
+          </a:p>
+        </p:txBody>
+      </p:sp>
+    </p:spTree>
+    <p:extLst>
+      <p:ext uri="{BB962C8B-B14F-4D97-AF65-F5344CB8AC3E}">
+        <p14:creationId xmlns:p14="http://schemas.microsoft.com/office/powerpoint/2010/main" val="2373585253"/>
+      </p:ext>
+    </p:extLst>
+  </p:cSld>
+  <p:clrMapOvr>
+    <a:masterClrMapping/>
+  </p:clrMapOvr>
+</p:notes>
+</file>
+
+<file path=ppt/notesSlides/notesSlide3.xml><?xml version="1.0" encoding="utf-8"?>
+<p:notes xmlns:a="http://schemas.openxmlformats.org/drawingml/2006/main" xmlns:r="http://schemas.openxmlformats.org/officeDocument/2006/relationships" xmlns:p="http://schemas.openxmlformats.org/presentationml/2006/main">
+  <p:cSld>
+    <p:spTree>
+      <p:nvGrpSpPr>
+        <p:cNvPr id="1" name=""/>
+        <p:cNvGrpSpPr/>
+        <p:nvPr/>
+      </p:nvGrpSpPr>
+      <p:grpSpPr>
+        <a:xfrm>
+          <a:off x="0" y="0"/>
+          <a:ext cx="0" cy="0"/>
+          <a:chOff x="0" y="0"/>
+          <a:chExt cx="0" cy="0"/>
+        </a:xfrm>
+      </p:grpSpPr>
+      <p:sp>
+        <p:nvSpPr>
+          <p:cNvPr id="2" name="Slide Image Placeholder 1"/>
+          <p:cNvSpPr>
+            <a:spLocks noGrp="1" noRot="1" noChangeAspect="1"/>
+          </p:cNvSpPr>
+          <p:nvPr>
+            <p:ph type="sldImg"/>
+          </p:nvPr>
+        </p:nvSpPr>
+        <p:spPr/>
+      </p:sp>
+      <p:sp>
+        <p:nvSpPr>
+          <p:cNvPr id="3" name="Notes Placeholder 2"/>
+          <p:cNvSpPr>
+            <a:spLocks noGrp="1"/>
+          </p:cNvSpPr>
+          <p:nvPr>
+            <p:ph type="body" idx="1"/>
+          </p:nvPr>
+        </p:nvSpPr>
+        <p:spPr/>
+        <p:txBody>
+          <a:bodyPr/>
+          <a:lstStyle/>
+          <a:p>
+            <a:endParaRPr lang="en-US" dirty="0"/>
+          </a:p>
+        </p:txBody>
+      </p:sp>
+      <p:sp>
+        <p:nvSpPr>
+          <p:cNvPr id="4" name="Slide Number Placeholder 3"/>
+          <p:cNvSpPr>
+            <a:spLocks noGrp="1"/>
+          </p:cNvSpPr>
+          <p:nvPr>
+            <p:ph type="sldNum" sz="quarter" idx="5"/>
+          </p:nvPr>
+        </p:nvSpPr>
+        <p:spPr/>
+        <p:txBody>
+          <a:bodyPr/>
+          <a:lstStyle/>
+          <a:p>
+            <a:fld id="{8CB0EE9E-52B8-AA4F-8DD5-ED0FB4E5CBCC}" type="slidenum">
+              <a:rPr lang="en-US" smtClean="0"/>
+              <a:t>25</a:t>
             </a:fld>
             <a:endParaRPr lang="en-US"/>
           </a:p>
@@ -1031,10 +1211,10 @@
           <a:bodyPr/>
           <a:lstStyle/>
           <a:p>
-            <a:fld id="{239BABE7-B731-455F-9C7A-B70514F6FBB3}" type="datetime3">
-              <a:rPr lang="en-US" smtClean="0"/>
-              <a:t>10 September 2024</a:t>
-            </a:fld>
+            <a:r>
+              <a:rPr lang="en-US"/>
+              <a:t>23 de Septiembre de 2024</a:t>
+            </a:r>
             <a:endParaRPr lang="en-US" dirty="0"/>
           </a:p>
         </p:txBody>
@@ -1242,10 +1422,10 @@
           <a:bodyPr/>
           <a:lstStyle/>
           <a:p>
-            <a:fld id="{76C3A47D-4A38-44D5-B7A7-F6BD29AF79A3}" type="datetime3">
-              <a:rPr lang="en-US" smtClean="0"/>
-              <a:t>10 September 2024</a:t>
-            </a:fld>
+            <a:r>
+              <a:rPr lang="en-US"/>
+              <a:t>23 de Septiembre de 2024</a:t>
+            </a:r>
             <a:endParaRPr lang="en-US" dirty="0"/>
           </a:p>
         </p:txBody>
@@ -1543,10 +1723,10 @@
           <a:bodyPr/>
           <a:lstStyle/>
           <a:p>
-            <a:fld id="{B9F44CC3-2D68-4E1E-9528-C987563B6BB7}" type="datetime3">
-              <a:rPr lang="en-US" smtClean="0"/>
-              <a:t>10 September 2024</a:t>
-            </a:fld>
+            <a:r>
+              <a:rPr lang="en-US"/>
+              <a:t>23 de Septiembre de 2024</a:t>
+            </a:r>
             <a:endParaRPr lang="en-US" dirty="0"/>
           </a:p>
         </p:txBody>
@@ -2052,10 +2232,10 @@
           <a:bodyPr/>
           <a:lstStyle/>
           <a:p>
-            <a:fld id="{EF24BE21-0713-4BE7-B599-E377EB1E82A8}" type="datetime3">
-              <a:rPr lang="en-US" smtClean="0"/>
-              <a:t>10 September 2024</a:t>
-            </a:fld>
+            <a:r>
+              <a:rPr lang="en-US"/>
+              <a:t>23 de Septiembre de 2024</a:t>
+            </a:r>
             <a:endParaRPr lang="en-US" dirty="0"/>
           </a:p>
         </p:txBody>
@@ -2643,10 +2823,10 @@
           <a:bodyPr/>
           <a:lstStyle/>
           <a:p>
-            <a:fld id="{9E7DBDA0-AC63-4B02-871B-942D656C0E73}" type="datetime3">
-              <a:rPr lang="en-US" smtClean="0"/>
-              <a:t>10 September 2024</a:t>
-            </a:fld>
+            <a:r>
+              <a:rPr lang="en-US"/>
+              <a:t>23 de Septiembre de 2024</a:t>
+            </a:r>
             <a:endParaRPr lang="en-US" dirty="0"/>
           </a:p>
         </p:txBody>
@@ -2937,10 +3117,10 @@
           <a:bodyPr/>
           <a:lstStyle/>
           <a:p>
-            <a:fld id="{90484429-F817-4B89-8B48-F841E41411E7}" type="datetime3">
-              <a:rPr lang="en-US" smtClean="0"/>
-              <a:t>10 September 2024</a:t>
-            </a:fld>
+            <a:r>
+              <a:rPr lang="en-US"/>
+              <a:t>23 de Septiembre de 2024</a:t>
+            </a:r>
             <a:endParaRPr lang="en-US" dirty="0"/>
           </a:p>
         </p:txBody>
@@ -3504,10 +3684,10 @@
           <a:bodyPr/>
           <a:lstStyle/>
           <a:p>
-            <a:fld id="{9AC687DA-5985-4E1A-AAD0-5B3E309BC8CE}" type="datetime3">
-              <a:rPr lang="en-US" smtClean="0"/>
-              <a:t>10 September 2024</a:t>
-            </a:fld>
+            <a:r>
+              <a:rPr lang="en-US"/>
+              <a:t>23 de Septiembre de 2024</a:t>
+            </a:r>
             <a:endParaRPr lang="en-US" dirty="0"/>
           </a:p>
         </p:txBody>
@@ -3905,10 +4085,10 @@
           <a:bodyPr/>
           <a:lstStyle/>
           <a:p>
-            <a:fld id="{5AD0D050-A9CC-4E6B-987C-66465F6BD0F5}" type="datetime3">
-              <a:rPr lang="en-US" smtClean="0"/>
-              <a:t>10 September 2024</a:t>
-            </a:fld>
+            <a:r>
+              <a:rPr lang="en-US"/>
+              <a:t>23 de Septiembre de 2024</a:t>
+            </a:r>
             <a:endParaRPr lang="en-US" dirty="0"/>
           </a:p>
         </p:txBody>
@@ -4261,10 +4441,10 @@
           <a:bodyPr/>
           <a:lstStyle/>
           <a:p>
-            <a:fld id="{E6A81D71-EBB7-4889-B866-07B01B94E4D5}" type="datetime3">
-              <a:rPr lang="en-US" smtClean="0"/>
-              <a:t>10 September 2024</a:t>
-            </a:fld>
+            <a:r>
+              <a:rPr lang="en-US"/>
+              <a:t>23 de Septiembre de 2024</a:t>
+            </a:r>
             <a:endParaRPr lang="en-US" dirty="0"/>
           </a:p>
         </p:txBody>
@@ -4402,10 +4582,10 @@
           <a:bodyPr/>
           <a:lstStyle/>
           <a:p>
-            <a:fld id="{E5976B44-BBB6-4EFB-8231-61444CC23006}" type="datetime3">
-              <a:rPr lang="en-US" smtClean="0"/>
-              <a:t>10 September 2024</a:t>
-            </a:fld>
+            <a:r>
+              <a:rPr lang="en-US"/>
+              <a:t>23 de Septiembre de 2024</a:t>
+            </a:r>
             <a:endParaRPr lang="en-US" dirty="0"/>
           </a:p>
         </p:txBody>
@@ -4619,10 +4799,10 @@
           <a:bodyPr/>
           <a:lstStyle/>
           <a:p>
-            <a:fld id="{C2B4FFC7-2FB2-4298-BAC1-F0F13D06FA3C}" type="datetime3">
-              <a:rPr lang="en-US" smtClean="0"/>
-              <a:t>10 September 2024</a:t>
-            </a:fld>
+            <a:r>
+              <a:rPr lang="en-US"/>
+              <a:t>23 de Septiembre de 2024</a:t>
+            </a:r>
             <a:endParaRPr lang="en-US" dirty="0"/>
           </a:p>
         </p:txBody>
@@ -4737,10 +4917,10 @@
           <a:bodyPr/>
           <a:lstStyle/>
           <a:p>
-            <a:fld id="{C1560FEE-48A6-4436-AD88-0B1CFB57DEB7}" type="datetime3">
-              <a:rPr lang="en-US" smtClean="0"/>
-              <a:t>10 September 2024</a:t>
-            </a:fld>
+            <a:r>
+              <a:rPr lang="en-US"/>
+              <a:t>23 de Septiembre de 2024</a:t>
+            </a:r>
             <a:endParaRPr lang="en-US" dirty="0"/>
           </a:p>
         </p:txBody>
@@ -5095,7 +5275,7 @@
         </p:blipFill>
         <p:spPr>
           <a:xfrm>
-            <a:off x="4932052" y="415640"/>
+            <a:off x="4932052" y="323280"/>
             <a:ext cx="1755242" cy="1814944"/>
           </a:xfrm>
           <a:prstGeom prst="rect">
@@ -5290,10 +5470,10 @@
           <a:bodyPr/>
           <a:lstStyle/>
           <a:p>
-            <a:fld id="{C2FDBD09-F8E2-4718-86B9-53051C0EEF83}" type="datetime3">
-              <a:rPr lang="en-US" smtClean="0"/>
-              <a:t>10 September 2024</a:t>
-            </a:fld>
+            <a:r>
+              <a:rPr lang="en-US"/>
+              <a:t>23 de Septiembre de 2024</a:t>
+            </a:r>
             <a:endParaRPr lang="en-US" dirty="0"/>
           </a:p>
         </p:txBody>
@@ -5543,10 +5723,10 @@
           <a:bodyPr/>
           <a:lstStyle/>
           <a:p>
-            <a:fld id="{0256DC38-7BA7-4E40-891F-66B7808D63A0}" type="datetime3">
-              <a:rPr lang="en-US" smtClean="0"/>
-              <a:t>10 September 2024</a:t>
-            </a:fld>
+            <a:r>
+              <a:rPr lang="en-US"/>
+              <a:t>23 de Septiembre de 2024</a:t>
+            </a:r>
             <a:endParaRPr lang="en-US" dirty="0"/>
           </a:p>
         </p:txBody>
@@ -5690,10 +5870,10 @@
           <a:bodyPr/>
           <a:lstStyle/>
           <a:p>
-            <a:fld id="{83135288-B901-4C02-AEE9-CCFA0DEED1DB}" type="datetime3">
-              <a:rPr lang="en-US" smtClean="0"/>
-              <a:t>10 September 2024</a:t>
-            </a:fld>
+            <a:r>
+              <a:rPr lang="en-US"/>
+              <a:t>23 de Septiembre de 2024</a:t>
+            </a:r>
             <a:endParaRPr lang="en-US" dirty="0"/>
           </a:p>
         </p:txBody>
@@ -6004,10 +6184,10 @@
           <a:bodyPr/>
           <a:lstStyle/>
           <a:p>
-            <a:fld id="{7080A4CB-4AFD-4073-B1D8-386E98E1D81B}" type="datetime3">
-              <a:rPr lang="en-US" smtClean="0"/>
-              <a:t>10 September 2024</a:t>
-            </a:fld>
+            <a:r>
+              <a:rPr lang="en-US"/>
+              <a:t>23 de Septiembre de 2024</a:t>
+            </a:r>
             <a:endParaRPr lang="en-US" dirty="0"/>
           </a:p>
         </p:txBody>
@@ -6242,10 +6422,10 @@
           <a:bodyPr/>
           <a:lstStyle/>
           <a:p>
-            <a:fld id="{AB9C86A2-36D5-4FD6-BF41-32E4F85A71BB}" type="datetime3">
-              <a:rPr lang="en-US" smtClean="0"/>
-              <a:t>10 September 2024</a:t>
-            </a:fld>
+            <a:r>
+              <a:rPr lang="en-US"/>
+              <a:t>23 de Septiembre de 2024</a:t>
+            </a:r>
             <a:endParaRPr lang="en-US" dirty="0"/>
           </a:p>
         </p:txBody>
@@ -6636,10 +6816,10 @@
           <a:bodyPr/>
           <a:lstStyle/>
           <a:p>
-            <a:fld id="{A0FB0CFE-B7E2-4928-A849-9CBFE0DCBE6C}" type="datetime3">
-              <a:rPr lang="en-US" smtClean="0"/>
-              <a:t>10 September 2024</a:t>
-            </a:fld>
+            <a:r>
+              <a:rPr lang="en-US"/>
+              <a:t>23 de Septiembre de 2024</a:t>
+            </a:r>
             <a:endParaRPr lang="en-US" dirty="0"/>
           </a:p>
         </p:txBody>
@@ -6872,10 +7052,10 @@
             </a:lvl1pPr>
           </a:lstStyle>
           <a:p>
-            <a:fld id="{EFE03E96-7061-43F9-AF75-05F4C1CADAD0}" type="datetime3">
-              <a:rPr lang="en-US" smtClean="0"/>
-              <a:t>10 September 2024</a:t>
-            </a:fld>
+            <a:r>
+              <a:rPr lang="en-US"/>
+              <a:t>23 de Septiembre de 2024</a:t>
+            </a:r>
             <a:endParaRPr lang="en-US" dirty="0"/>
           </a:p>
         </p:txBody>
@@ -7509,7 +7689,7 @@
         </p:nvSpPr>
         <p:spPr>
           <a:xfrm>
-            <a:off x="407987" y="2612920"/>
+            <a:off x="407987" y="2347455"/>
             <a:ext cx="11376025" cy="2153265"/>
           </a:xfrm>
         </p:spPr>
@@ -7517,10 +7697,16 @@
           <a:bodyPr/>
           <a:lstStyle/>
           <a:p>
-            <a:r>
-              <a:rPr lang="es-MX" noProof="0" dirty="0"/>
-              <a:t>Título de tesis de maestría</a:t>
-            </a:r>
+            <a:pPr algn="just"/>
+            <a:r>
+              <a:rPr lang="es-MX" sz="4800" noProof="0" dirty="0"/>
+              <a:t>Diseño y caracterización del sistema de instrumentación para un arreglo de </a:t>
+            </a:r>
+            <a:r>
+              <a:rPr lang="es-MX" sz="4800" noProof="0" dirty="0" err="1"/>
+              <a:t>microbolómetros</a:t>
+            </a:r>
+            <a:endParaRPr lang="es-MX" sz="4800" noProof="0" dirty="0"/>
           </a:p>
         </p:txBody>
       </p:sp>
@@ -7542,8 +7728,8 @@
         </p:nvSpPr>
         <p:spPr>
           <a:xfrm>
-            <a:off x="419139" y="3846792"/>
-            <a:ext cx="11376026" cy="2643218"/>
+            <a:off x="419139" y="4530216"/>
+            <a:ext cx="11376026" cy="1723825"/>
           </a:xfrm>
         </p:spPr>
         <p:txBody>
@@ -7593,20 +7779,10 @@
             </a:r>
           </a:p>
           <a:p>
-            <a:r>
-              <a:rPr lang="es-MX" noProof="0" dirty="0"/>
-              <a:t>Coasesor: </a:t>
-            </a:r>
+            <a:pPr algn="r"/>
             <a:r>
               <a:rPr lang="es-MX" b="0" noProof="0" dirty="0"/>
-              <a:t>Dr. José de Jesús Rangel Magdaleno (INAOE)</a:t>
-            </a:r>
-          </a:p>
-          <a:p>
-            <a:pPr algn="r"/>
-            <a:r>
-              <a:rPr lang="es-MX" b="0" noProof="0" dirty="0"/>
-              <a:t>25 de Septiembre de 2024</a:t>
+              <a:t>23 de Septiembre de 2024</a:t>
             </a:r>
           </a:p>
         </p:txBody>
@@ -7663,10 +7839,9 @@
           <a:lstStyle/>
           <a:p>
             <a:r>
-              <a:rPr lang="es-MX" dirty="0"/>
-              <a:t>Diseño de PCB</a:t>
-            </a:r>
-            <a:endParaRPr lang="es-MX" noProof="0" dirty="0"/>
+              <a:rPr lang="es-MX" noProof="0" dirty="0"/>
+              <a:t>Antecedentes</a:t>
+            </a:r>
           </a:p>
         </p:txBody>
       </p:sp>
@@ -7716,10 +7891,10 @@
           <a:bodyPr/>
           <a:lstStyle/>
           <a:p>
-            <a:fld id="{6C63F6D8-0BE3-4DFD-A4A8-43C7192B7E31}" type="datetime3">
-              <a:rPr lang="en-US" smtClean="0"/>
-              <a:t>10 September 2024</a:t>
-            </a:fld>
+            <a:r>
+              <a:rPr lang="en-US"/>
+              <a:t>23 de Septiembre de 2024</a:t>
+            </a:r>
             <a:endParaRPr lang="en-US" dirty="0"/>
           </a:p>
         </p:txBody>
@@ -7786,7 +7961,7 @@
     </p:spTree>
     <p:extLst>
       <p:ext uri="{BB962C8B-B14F-4D97-AF65-F5344CB8AC3E}">
-        <p14:creationId xmlns:p14="http://schemas.microsoft.com/office/powerpoint/2010/main" val="3423026453"/>
+        <p14:creationId xmlns:p14="http://schemas.microsoft.com/office/powerpoint/2010/main" val="1198284743"/>
       </p:ext>
     </p:extLst>
   </p:cSld>
@@ -7836,7 +8011,7 @@
           <a:p>
             <a:r>
               <a:rPr lang="es-MX" noProof="0" dirty="0"/>
-              <a:t>Resultados</a:t>
+              <a:t>Máquinas de estado finito (FSM)</a:t>
             </a:r>
           </a:p>
         </p:txBody>
@@ -7887,10 +8062,10 @@
           <a:bodyPr/>
           <a:lstStyle/>
           <a:p>
-            <a:fld id="{6C63F6D8-0BE3-4DFD-A4A8-43C7192B7E31}" type="datetime3">
-              <a:rPr lang="en-US" smtClean="0"/>
-              <a:t>10 September 2024</a:t>
-            </a:fld>
+            <a:r>
+              <a:rPr lang="en-US"/>
+              <a:t>23 de Septiembre de 2024</a:t>
+            </a:r>
             <a:endParaRPr lang="en-US" dirty="0"/>
           </a:p>
         </p:txBody>
@@ -7957,7 +8132,7 @@
     </p:spTree>
     <p:extLst>
       <p:ext uri="{BB962C8B-B14F-4D97-AF65-F5344CB8AC3E}">
-        <p14:creationId xmlns:p14="http://schemas.microsoft.com/office/powerpoint/2010/main" val="1845989637"/>
+        <p14:creationId xmlns:p14="http://schemas.microsoft.com/office/powerpoint/2010/main" val="1397630915"/>
       </p:ext>
     </p:extLst>
   </p:cSld>
@@ -7986,55 +8161,80 @@
       </p:grpSpPr>
       <p:sp>
         <p:nvSpPr>
-          <p:cNvPr id="2" name="Title 1">
-            <a:extLst>
-              <a:ext uri="{FF2B5EF4-FFF2-40B4-BE49-F238E27FC236}">
-                <a16:creationId xmlns:a16="http://schemas.microsoft.com/office/drawing/2014/main" id="{DADC95AA-4A37-E463-6476-9ACB0C4023A5}"/>
-              </a:ext>
-            </a:extLst>
-          </p:cNvPr>
-          <p:cNvSpPr>
-            <a:spLocks noGrp="1"/>
-          </p:cNvSpPr>
-          <p:nvPr>
-            <p:ph type="ctrTitle"/>
-          </p:nvPr>
-        </p:nvSpPr>
-        <p:spPr/>
-        <p:txBody>
-          <a:bodyPr/>
-          <a:lstStyle/>
-          <a:p>
-            <a:r>
-              <a:rPr lang="es-MX" dirty="0"/>
-              <a:t>Conclusiones</a:t>
-            </a:r>
-            <a:endParaRPr lang="es-MX" noProof="0" dirty="0"/>
-          </a:p>
-        </p:txBody>
-      </p:sp>
-      <p:sp>
-        <p:nvSpPr>
-          <p:cNvPr id="3" name="Subtitle 2">
-            <a:extLst>
-              <a:ext uri="{FF2B5EF4-FFF2-40B4-BE49-F238E27FC236}">
-                <a16:creationId xmlns:a16="http://schemas.microsoft.com/office/drawing/2014/main" id="{D84140F7-8425-C993-E34E-99C89BF3F339}"/>
-              </a:ext>
-            </a:extLst>
-          </p:cNvPr>
-          <p:cNvSpPr>
-            <a:spLocks noGrp="1"/>
-          </p:cNvSpPr>
-          <p:nvPr>
-            <p:ph type="subTitle" idx="1"/>
-          </p:nvPr>
-        </p:nvSpPr>
-        <p:spPr/>
-        <p:txBody>
-          <a:bodyPr/>
-          <a:lstStyle/>
-          <a:p>
-            <a:endParaRPr lang="en-US"/>
+          <p:cNvPr id="3" name="Title 2">
+            <a:extLst>
+              <a:ext uri="{FF2B5EF4-FFF2-40B4-BE49-F238E27FC236}">
+                <a16:creationId xmlns:a16="http://schemas.microsoft.com/office/drawing/2014/main" id="{FC92709B-8339-A065-4CE2-344E2041C050}"/>
+              </a:ext>
+            </a:extLst>
+          </p:cNvPr>
+          <p:cNvSpPr>
+            <a:spLocks noGrp="1"/>
+          </p:cNvSpPr>
+          <p:nvPr>
+            <p:ph type="title"/>
+          </p:nvPr>
+        </p:nvSpPr>
+        <p:spPr>
+          <a:xfrm>
+            <a:off x="407989" y="373593"/>
+            <a:ext cx="11376024" cy="1065742"/>
+          </a:xfrm>
+        </p:spPr>
+        <p:txBody>
+          <a:bodyPr anchor="t">
+            <a:normAutofit/>
+          </a:bodyPr>
+          <a:lstStyle/>
+          <a:p>
+            <a:r>
+              <a:rPr lang="es-MX" noProof="0" dirty="0"/>
+              <a:t>Definición de FSM </a:t>
+            </a:r>
+          </a:p>
+        </p:txBody>
+      </p:sp>
+      <p:sp>
+        <p:nvSpPr>
+          <p:cNvPr id="2" name="Content Placeholder 1">
+            <a:extLst>
+              <a:ext uri="{FF2B5EF4-FFF2-40B4-BE49-F238E27FC236}">
+                <a16:creationId xmlns:a16="http://schemas.microsoft.com/office/drawing/2014/main" id="{0B392290-90D7-DBFD-BB03-5DEBDBBD27C4}"/>
+              </a:ext>
+            </a:extLst>
+          </p:cNvPr>
+          <p:cNvSpPr>
+            <a:spLocks noGrp="1"/>
+          </p:cNvSpPr>
+          <p:nvPr>
+            <p:ph sz="half" idx="1"/>
+          </p:nvPr>
+        </p:nvSpPr>
+        <p:spPr>
+          <a:xfrm>
+            <a:off x="407987" y="1598658"/>
+            <a:ext cx="5616576" cy="4608512"/>
+          </a:xfrm>
+        </p:spPr>
+        <p:txBody>
+          <a:bodyPr>
+            <a:normAutofit/>
+          </a:bodyPr>
+          <a:lstStyle/>
+          <a:p>
+            <a:pPr algn="just"/>
+            <a:r>
+              <a:rPr lang="es-ES" noProof="0" dirty="0"/>
+              <a:t>Una máquina de estados finitos (FSM, por sus siglas en inglés) se utiliza para modelar un sistema que transita entre un número finito de estados internos, con transiciones que dependen del estado actual y de una entrada externa. </a:t>
+            </a:r>
+          </a:p>
+          <a:p>
+            <a:pPr algn="just"/>
+            <a:r>
+              <a:rPr lang="es-ES" b="0" noProof="0" dirty="0"/>
+              <a:t>A diferencia de un circuito secuencial convencional, las transiciones de estado de una FSM no siguen un patrón simple y repetitivo. La lógica de estado siguiente en una FSM generalmente se construye desde cero. </a:t>
+            </a:r>
+            <a:endParaRPr lang="es-MX" b="0" noProof="0" dirty="0"/>
           </a:p>
         </p:txBody>
       </p:sp>
@@ -8043,27 +8243,38 @@
           <p:cNvPr id="4" name="Date Placeholder 3">
             <a:extLst>
               <a:ext uri="{FF2B5EF4-FFF2-40B4-BE49-F238E27FC236}">
-                <a16:creationId xmlns:a16="http://schemas.microsoft.com/office/drawing/2014/main" id="{75A7162D-D612-6FA5-8E00-6C033C9D1343}"/>
-              </a:ext>
-            </a:extLst>
-          </p:cNvPr>
-          <p:cNvSpPr>
-            <a:spLocks noGrp="1"/>
-          </p:cNvSpPr>
-          <p:nvPr>
-            <p:ph type="dt" sz="half" idx="10"/>
-          </p:nvPr>
-        </p:nvSpPr>
-        <p:spPr/>
-        <p:txBody>
-          <a:bodyPr/>
-          <a:lstStyle/>
-          <a:p>
-            <a:fld id="{6C63F6D8-0BE3-4DFD-A4A8-43C7192B7E31}" type="datetime3">
-              <a:rPr lang="en-US" smtClean="0"/>
-              <a:t>10 September 2024</a:t>
-            </a:fld>
-            <a:endParaRPr lang="en-US" dirty="0"/>
+                <a16:creationId xmlns:a16="http://schemas.microsoft.com/office/drawing/2014/main" id="{B7D15081-0B82-9F80-22A2-66AD0AE45856}"/>
+              </a:ext>
+            </a:extLst>
+          </p:cNvPr>
+          <p:cNvSpPr>
+            <a:spLocks noGrp="1"/>
+          </p:cNvSpPr>
+          <p:nvPr>
+            <p:ph type="dt" sz="half" idx="14"/>
+          </p:nvPr>
+        </p:nvSpPr>
+        <p:spPr>
+          <a:xfrm>
+            <a:off x="8101915" y="6424993"/>
+            <a:ext cx="1773923" cy="365125"/>
+          </a:xfrm>
+        </p:spPr>
+        <p:txBody>
+          <a:bodyPr anchor="ctr">
+            <a:normAutofit/>
+          </a:bodyPr>
+          <a:lstStyle/>
+          <a:p>
+            <a:pPr>
+              <a:spcAft>
+                <a:spcPts val="600"/>
+              </a:spcAft>
+            </a:pPr>
+            <a:r>
+              <a:rPr lang="en-US"/>
+              <a:t>23 de Septiembre de 2024</a:t>
+            </a:r>
           </a:p>
         </p:txBody>
       </p:sp>
@@ -8072,27 +8283,39 @@
           <p:cNvPr id="5" name="Footer Placeholder 4">
             <a:extLst>
               <a:ext uri="{FF2B5EF4-FFF2-40B4-BE49-F238E27FC236}">
-                <a16:creationId xmlns:a16="http://schemas.microsoft.com/office/drawing/2014/main" id="{B6E32D0C-E644-BCDD-2D86-EFE84602CF8D}"/>
-              </a:ext>
-            </a:extLst>
-          </p:cNvPr>
-          <p:cNvSpPr>
-            <a:spLocks noGrp="1"/>
-          </p:cNvSpPr>
-          <p:nvPr>
-            <p:ph type="ftr" sz="quarter" idx="11"/>
-          </p:nvPr>
-        </p:nvSpPr>
-        <p:spPr/>
-        <p:txBody>
-          <a:bodyPr/>
-          <a:lstStyle/>
-          <a:p>
+                <a16:creationId xmlns:a16="http://schemas.microsoft.com/office/drawing/2014/main" id="{A6225D6D-E033-CFAE-D4B5-6E8CE41892DD}"/>
+              </a:ext>
+            </a:extLst>
+          </p:cNvPr>
+          <p:cNvSpPr>
+            <a:spLocks noGrp="1"/>
+          </p:cNvSpPr>
+          <p:nvPr>
+            <p:ph type="ftr" sz="quarter" idx="15"/>
+          </p:nvPr>
+        </p:nvSpPr>
+        <p:spPr>
+          <a:xfrm>
+            <a:off x="835152" y="6424993"/>
+            <a:ext cx="6190488" cy="365125"/>
+          </a:xfrm>
+        </p:spPr>
+        <p:txBody>
+          <a:bodyPr anchor="ctr">
+            <a:normAutofit/>
+          </a:bodyPr>
+          <a:lstStyle/>
+          <a:p>
+            <a:pPr>
+              <a:spcAft>
+                <a:spcPts val="600"/>
+              </a:spcAft>
+            </a:pPr>
             <a:r>
               <a:rPr lang="es-ES"/>
               <a:t>Julisa Verdejo Palacios | Defensa de tesis de maestría</a:t>
             </a:r>
-            <a:endParaRPr lang="en-US" dirty="0"/>
+            <a:endParaRPr lang="en-US"/>
           </a:p>
         </p:txBody>
       </p:sp>
@@ -8101,35 +8324,87 @@
           <p:cNvPr id="6" name="Slide Number Placeholder 5">
             <a:extLst>
               <a:ext uri="{FF2B5EF4-FFF2-40B4-BE49-F238E27FC236}">
-                <a16:creationId xmlns:a16="http://schemas.microsoft.com/office/drawing/2014/main" id="{9B6C52DA-AFD7-A4DC-D721-0BD931241DAA}"/>
-              </a:ext>
-            </a:extLst>
-          </p:cNvPr>
-          <p:cNvSpPr>
-            <a:spLocks noGrp="1"/>
-          </p:cNvSpPr>
-          <p:nvPr>
-            <p:ph type="sldNum" sz="quarter" idx="12"/>
-          </p:nvPr>
-        </p:nvSpPr>
-        <p:spPr/>
-        <p:txBody>
-          <a:bodyPr/>
-          <a:lstStyle/>
-          <a:p>
+                <a16:creationId xmlns:a16="http://schemas.microsoft.com/office/drawing/2014/main" id="{4634F3CE-1FDE-E9E6-C919-82384086EA9D}"/>
+              </a:ext>
+            </a:extLst>
+          </p:cNvPr>
+          <p:cNvSpPr>
+            <a:spLocks noGrp="1"/>
+          </p:cNvSpPr>
+          <p:nvPr>
+            <p:ph type="sldNum" sz="quarter" idx="16"/>
+          </p:nvPr>
+        </p:nvSpPr>
+        <p:spPr>
+          <a:xfrm>
+            <a:off x="11107546" y="6424993"/>
+            <a:ext cx="681254" cy="365125"/>
+          </a:xfrm>
+        </p:spPr>
+        <p:txBody>
+          <a:bodyPr anchor="ctr">
+            <a:normAutofit/>
+          </a:bodyPr>
+          <a:lstStyle/>
+          <a:p>
+            <a:pPr>
+              <a:spcAft>
+                <a:spcPts val="600"/>
+              </a:spcAft>
+            </a:pPr>
             <a:fld id="{36B5EA5A-BC32-A742-B11B-8E7414D5B535}" type="slidenum">
               <a:rPr lang="en-US" smtClean="0"/>
-              <a:pPr/>
+              <a:pPr>
+                <a:spcAft>
+                  <a:spcPts val="600"/>
+                </a:spcAft>
+              </a:pPr>
               <a:t>12</a:t>
             </a:fld>
-            <a:endParaRPr lang="en-US" dirty="0"/>
-          </a:p>
-        </p:txBody>
-      </p:sp>
+            <a:endParaRPr lang="en-US"/>
+          </a:p>
+        </p:txBody>
+      </p:sp>
+      <p:pic>
+        <p:nvPicPr>
+          <p:cNvPr id="8" name="Graphic 7">
+            <a:extLst>
+              <a:ext uri="{FF2B5EF4-FFF2-40B4-BE49-F238E27FC236}">
+                <a16:creationId xmlns:a16="http://schemas.microsoft.com/office/drawing/2014/main" id="{AD55877B-0567-9B3E-0FBF-A092BFA7EE7E}"/>
+              </a:ext>
+            </a:extLst>
+          </p:cNvPr>
+          <p:cNvPicPr>
+            <a:picLocks noChangeAspect="1"/>
+          </p:cNvPicPr>
+          <p:nvPr/>
+        </p:nvPicPr>
+        <p:blipFill>
+          <a:blip r:embed="rId2">
+            <a:extLst>
+              <a:ext uri="{96DAC541-7B7A-43D3-8B79-37D633B846F1}">
+                <asvg:svgBlip xmlns:asvg="http://schemas.microsoft.com/office/drawing/2016/SVG/main" r:embed="rId3"/>
+              </a:ext>
+            </a:extLst>
+          </a:blip>
+          <a:stretch>
+            <a:fillRect/>
+          </a:stretch>
+        </p:blipFill>
+        <p:spPr>
+          <a:xfrm>
+            <a:off x="6898138" y="1137958"/>
+            <a:ext cx="4181475" cy="4057650"/>
+          </a:xfrm>
+          <a:prstGeom prst="rect">
+            <a:avLst/>
+          </a:prstGeom>
+        </p:spPr>
+      </p:pic>
     </p:spTree>
     <p:extLst>
       <p:ext uri="{BB962C8B-B14F-4D97-AF65-F5344CB8AC3E}">
-        <p14:creationId xmlns:p14="http://schemas.microsoft.com/office/powerpoint/2010/main" val="4225605585"/>
+        <p14:creationId xmlns:p14="http://schemas.microsoft.com/office/powerpoint/2010/main" val="3988292536"/>
       </p:ext>
     </p:extLst>
   </p:cSld>
@@ -8158,10 +8433,71 @@
       </p:grpSpPr>
       <p:sp>
         <p:nvSpPr>
+          <p:cNvPr id="2" name="Content Placeholder 1">
+            <a:extLst>
+              <a:ext uri="{FF2B5EF4-FFF2-40B4-BE49-F238E27FC236}">
+                <a16:creationId xmlns:a16="http://schemas.microsoft.com/office/drawing/2014/main" id="{0B392290-90D7-DBFD-BB03-5DEBDBBD27C4}"/>
+              </a:ext>
+            </a:extLst>
+          </p:cNvPr>
+          <p:cNvSpPr>
+            <a:spLocks noGrp="1"/>
+          </p:cNvSpPr>
+          <p:nvPr>
+            <p:ph idx="1"/>
+          </p:nvPr>
+        </p:nvSpPr>
+        <p:spPr>
+          <a:xfrm>
+            <a:off x="407988" y="1592263"/>
+            <a:ext cx="11380812" cy="4608512"/>
+          </a:xfrm>
+        </p:spPr>
+        <p:txBody>
+          <a:bodyPr/>
+          <a:lstStyle/>
+          <a:p>
+            <a:pPr algn="just"/>
+            <a:r>
+              <a:rPr lang="es-ES" noProof="0" dirty="0"/>
+              <a:t>Una FSM consta de un registro de estado, lógica de próximo estado y lógica de salida.</a:t>
+            </a:r>
+          </a:p>
+          <a:p>
+            <a:pPr lvl="1" algn="just"/>
+            <a:r>
+              <a:rPr lang="es-ES" noProof="0" dirty="0"/>
+              <a:t>Se denomina máquina Moore si la salida depende únicamente del estado.</a:t>
+            </a:r>
+          </a:p>
+          <a:p>
+            <a:pPr lvl="1" algn="just"/>
+            <a:r>
+              <a:rPr lang="es-ES" dirty="0"/>
+              <a:t>Se denomina </a:t>
+            </a:r>
+            <a:r>
+              <a:rPr lang="es-ES" noProof="0" dirty="0"/>
+              <a:t>máquina </a:t>
+            </a:r>
+            <a:r>
+              <a:rPr lang="es-ES" noProof="0" dirty="0" err="1"/>
+              <a:t>Mealy</a:t>
+            </a:r>
+            <a:r>
+              <a:rPr lang="es-ES" noProof="0" dirty="0"/>
+              <a:t> si la salida depende tanto del estado como de la entrada externa.</a:t>
+            </a:r>
+            <a:endParaRPr lang="es-MX" noProof="0" dirty="0"/>
+          </a:p>
+        </p:txBody>
+      </p:sp>
+      <p:sp>
+        <p:nvSpPr>
           <p:cNvPr id="3" name="Title 2">
             <a:extLst>
               <a:ext uri="{FF2B5EF4-FFF2-40B4-BE49-F238E27FC236}">
-                <a16:creationId xmlns:a16="http://schemas.microsoft.com/office/drawing/2014/main" id="{5B61CAD0-F089-9545-A1D5-76F8D89EA825}"/>
+                <a16:creationId xmlns:a16="http://schemas.microsoft.com/office/drawing/2014/main" id="{FC92709B-8339-A065-4CE2-344E2041C050}"/>
               </a:ext>
             </a:extLst>
           </p:cNvPr>
@@ -8178,18 +8514,9 @@
           <a:lstStyle/>
           <a:p>
             <a:r>
-              <a:rPr lang="es-MX" noProof="0" dirty="0" err="1"/>
-              <a:t>Courses</a:t>
-            </a:r>
-            <a:r>
-              <a:rPr lang="es-MX" noProof="0" dirty="0"/>
-              <a:t> and training </a:t>
-            </a:r>
-            <a:r>
-              <a:rPr lang="es-MX" noProof="0" dirty="0" err="1"/>
-              <a:t>activities</a:t>
-            </a:r>
-            <a:endParaRPr lang="es-MX" noProof="0" dirty="0"/>
+              <a:rPr lang="es-MX" noProof="0" dirty="0"/>
+              <a:t>Estructura y tipos de FSM</a:t>
+            </a:r>
           </a:p>
         </p:txBody>
       </p:sp>
@@ -8198,7 +8525,7 @@
           <p:cNvPr id="4" name="Date Placeholder 3">
             <a:extLst>
               <a:ext uri="{FF2B5EF4-FFF2-40B4-BE49-F238E27FC236}">
-                <a16:creationId xmlns:a16="http://schemas.microsoft.com/office/drawing/2014/main" id="{2FFBFC41-B809-5540-B09D-AFCC4BAA0364}"/>
+                <a16:creationId xmlns:a16="http://schemas.microsoft.com/office/drawing/2014/main" id="{B7D15081-0B82-9F80-22A2-66AD0AE45856}"/>
               </a:ext>
             </a:extLst>
           </p:cNvPr>
@@ -8214,10 +8541,10 @@
           <a:bodyPr/>
           <a:lstStyle/>
           <a:p>
-            <a:fld id="{FA3ACD83-9AA0-4955-BFC2-359A5880F651}" type="datetime3">
-              <a:rPr lang="en-US" smtClean="0"/>
-              <a:t>10 September 2024</a:t>
-            </a:fld>
+            <a:r>
+              <a:rPr lang="en-US"/>
+              <a:t>23 de Septiembre de 2024</a:t>
+            </a:r>
             <a:endParaRPr lang="en-US" dirty="0"/>
           </a:p>
         </p:txBody>
@@ -8227,7 +8554,7 @@
           <p:cNvPr id="5" name="Footer Placeholder 4">
             <a:extLst>
               <a:ext uri="{FF2B5EF4-FFF2-40B4-BE49-F238E27FC236}">
-                <a16:creationId xmlns:a16="http://schemas.microsoft.com/office/drawing/2014/main" id="{233E56A2-1225-834F-8541-6BE7679C0A87}"/>
+                <a16:creationId xmlns:a16="http://schemas.microsoft.com/office/drawing/2014/main" id="{A6225D6D-E033-CFAE-D4B5-6E8CE41892DD}"/>
               </a:ext>
             </a:extLst>
           </p:cNvPr>
@@ -8256,7 +8583,7 @@
           <p:cNvPr id="6" name="Slide Number Placeholder 5">
             <a:extLst>
               <a:ext uri="{FF2B5EF4-FFF2-40B4-BE49-F238E27FC236}">
-                <a16:creationId xmlns:a16="http://schemas.microsoft.com/office/drawing/2014/main" id="{9EF46007-DF06-5749-86B0-DCBA69FCA676}"/>
+                <a16:creationId xmlns:a16="http://schemas.microsoft.com/office/drawing/2014/main" id="{4634F3CE-1FDE-E9E6-C919-82384086EA9D}"/>
               </a:ext>
             </a:extLst>
           </p:cNvPr>
@@ -8276,6 +8603,2509 @@
               <a:rPr lang="en-US" smtClean="0"/>
               <a:pPr/>
               <a:t>13</a:t>
+            </a:fld>
+            <a:endParaRPr lang="en-US" dirty="0"/>
+          </a:p>
+        </p:txBody>
+      </p:sp>
+      <p:pic>
+        <p:nvPicPr>
+          <p:cNvPr id="16" name="Picture 15" descr="A diagram of a computer program&#10;&#10;Description automatically generated with medium confidence">
+            <a:extLst>
+              <a:ext uri="{FF2B5EF4-FFF2-40B4-BE49-F238E27FC236}">
+                <a16:creationId xmlns:a16="http://schemas.microsoft.com/office/drawing/2014/main" id="{9E58B64E-6F50-FA87-505C-3996E7FA2B7C}"/>
+              </a:ext>
+            </a:extLst>
+          </p:cNvPr>
+          <p:cNvPicPr>
+            <a:picLocks noChangeAspect="1"/>
+          </p:cNvPicPr>
+          <p:nvPr/>
+        </p:nvPicPr>
+        <p:blipFill>
+          <a:blip r:embed="rId2"/>
+          <a:stretch>
+            <a:fillRect/>
+          </a:stretch>
+        </p:blipFill>
+        <p:spPr>
+          <a:xfrm>
+            <a:off x="2684166" y="2628900"/>
+            <a:ext cx="6823668" cy="3851552"/>
+          </a:xfrm>
+          <a:prstGeom prst="rect">
+            <a:avLst/>
+          </a:prstGeom>
+        </p:spPr>
+      </p:pic>
+    </p:spTree>
+    <p:extLst>
+      <p:ext uri="{BB962C8B-B14F-4D97-AF65-F5344CB8AC3E}">
+        <p14:creationId xmlns:p14="http://schemas.microsoft.com/office/powerpoint/2010/main" val="4008349944"/>
+      </p:ext>
+    </p:extLst>
+  </p:cSld>
+  <p:clrMapOvr>
+    <a:masterClrMapping/>
+  </p:clrMapOvr>
+</p:sld>
+</file>
+
+<file path=ppt/slides/slide14.xml><?xml version="1.0" encoding="utf-8"?>
+<p:sld xmlns:a="http://schemas.openxmlformats.org/drawingml/2006/main" xmlns:r="http://schemas.openxmlformats.org/officeDocument/2006/relationships" xmlns:p="http://schemas.openxmlformats.org/presentationml/2006/main">
+  <p:cSld>
+    <p:spTree>
+      <p:nvGrpSpPr>
+        <p:cNvPr id="1" name=""/>
+        <p:cNvGrpSpPr/>
+        <p:nvPr/>
+      </p:nvGrpSpPr>
+      <p:grpSpPr>
+        <a:xfrm>
+          <a:off x="0" y="0"/>
+          <a:ext cx="0" cy="0"/>
+          <a:chOff x="0" y="0"/>
+          <a:chExt cx="0" cy="0"/>
+        </a:xfrm>
+      </p:grpSpPr>
+      <p:sp>
+        <p:nvSpPr>
+          <p:cNvPr id="2" name="Content Placeholder 1">
+            <a:extLst>
+              <a:ext uri="{FF2B5EF4-FFF2-40B4-BE49-F238E27FC236}">
+                <a16:creationId xmlns:a16="http://schemas.microsoft.com/office/drawing/2014/main" id="{0B392290-90D7-DBFD-BB03-5DEBDBBD27C4}"/>
+              </a:ext>
+            </a:extLst>
+          </p:cNvPr>
+          <p:cNvSpPr>
+            <a:spLocks noGrp="1"/>
+          </p:cNvSpPr>
+          <p:nvPr>
+            <p:ph idx="1"/>
+          </p:nvPr>
+        </p:nvSpPr>
+        <p:spPr/>
+        <p:txBody>
+          <a:bodyPr/>
+          <a:lstStyle/>
+          <a:p>
+            <a:pPr algn="just"/>
+            <a:r>
+              <a:rPr lang="es-ES" b="0" noProof="0" dirty="0"/>
+              <a:t>Una FSM generalmente se describe mediante un </a:t>
+            </a:r>
+            <a:r>
+              <a:rPr lang="es-ES" noProof="0" dirty="0"/>
+              <a:t>diagrama de estados abstracto </a:t>
+            </a:r>
+            <a:r>
+              <a:rPr lang="es-ES" b="0" noProof="0" dirty="0"/>
+              <a:t>o</a:t>
+            </a:r>
+            <a:r>
+              <a:rPr lang="es-ES" noProof="0" dirty="0"/>
+              <a:t> un diagrama ASM (diagrama de máquina de estados algorítmica), </a:t>
+            </a:r>
+            <a:r>
+              <a:rPr lang="es-ES" b="0" noProof="0" dirty="0"/>
+              <a:t>ambos capturando la entrada, salida, estados y transiciones de la FSM en una representación gráfica. </a:t>
+            </a:r>
+          </a:p>
+          <a:p>
+            <a:pPr algn="just"/>
+            <a:r>
+              <a:rPr lang="es-ES" noProof="0" dirty="0"/>
+              <a:t>Ambas representaciones contienen la misma información. </a:t>
+            </a:r>
+          </a:p>
+          <a:p>
+            <a:pPr lvl="1" algn="just"/>
+            <a:r>
+              <a:rPr lang="es-ES" noProof="0" dirty="0"/>
+              <a:t>El diagrama de estados es más compacto y adecuado para aplicaciones simples, mientras que el diagrama ASM, que se asemeja a un diagrama de flujo, es más descriptivo y útil para aplicaciones con condiciones de transición y acciones complejas.</a:t>
+            </a:r>
+            <a:endParaRPr lang="es-MX" b="0" noProof="0" dirty="0"/>
+          </a:p>
+        </p:txBody>
+      </p:sp>
+      <p:sp>
+        <p:nvSpPr>
+          <p:cNvPr id="3" name="Title 2">
+            <a:extLst>
+              <a:ext uri="{FF2B5EF4-FFF2-40B4-BE49-F238E27FC236}">
+                <a16:creationId xmlns:a16="http://schemas.microsoft.com/office/drawing/2014/main" id="{FC92709B-8339-A065-4CE2-344E2041C050}"/>
+              </a:ext>
+            </a:extLst>
+          </p:cNvPr>
+          <p:cNvSpPr>
+            <a:spLocks noGrp="1"/>
+          </p:cNvSpPr>
+          <p:nvPr>
+            <p:ph type="title"/>
+          </p:nvPr>
+        </p:nvSpPr>
+        <p:spPr/>
+        <p:txBody>
+          <a:bodyPr/>
+          <a:lstStyle/>
+          <a:p>
+            <a:r>
+              <a:rPr lang="es-MX" noProof="0" dirty="0"/>
+              <a:t>Representación</a:t>
+            </a:r>
+            <a:r>
+              <a:rPr lang="es-MX" dirty="0"/>
+              <a:t> de FSM</a:t>
+            </a:r>
+            <a:endParaRPr lang="es-MX" noProof="0" dirty="0"/>
+          </a:p>
+        </p:txBody>
+      </p:sp>
+      <p:sp>
+        <p:nvSpPr>
+          <p:cNvPr id="4" name="Date Placeholder 3">
+            <a:extLst>
+              <a:ext uri="{FF2B5EF4-FFF2-40B4-BE49-F238E27FC236}">
+                <a16:creationId xmlns:a16="http://schemas.microsoft.com/office/drawing/2014/main" id="{B7D15081-0B82-9F80-22A2-66AD0AE45856}"/>
+              </a:ext>
+            </a:extLst>
+          </p:cNvPr>
+          <p:cNvSpPr>
+            <a:spLocks noGrp="1"/>
+          </p:cNvSpPr>
+          <p:nvPr>
+            <p:ph type="dt" sz="half" idx="10"/>
+          </p:nvPr>
+        </p:nvSpPr>
+        <p:spPr/>
+        <p:txBody>
+          <a:bodyPr/>
+          <a:lstStyle/>
+          <a:p>
+            <a:r>
+              <a:rPr lang="en-US"/>
+              <a:t>23 de Septiembre de 2024</a:t>
+            </a:r>
+            <a:endParaRPr lang="en-US" dirty="0"/>
+          </a:p>
+        </p:txBody>
+      </p:sp>
+      <p:sp>
+        <p:nvSpPr>
+          <p:cNvPr id="5" name="Footer Placeholder 4">
+            <a:extLst>
+              <a:ext uri="{FF2B5EF4-FFF2-40B4-BE49-F238E27FC236}">
+                <a16:creationId xmlns:a16="http://schemas.microsoft.com/office/drawing/2014/main" id="{A6225D6D-E033-CFAE-D4B5-6E8CE41892DD}"/>
+              </a:ext>
+            </a:extLst>
+          </p:cNvPr>
+          <p:cNvSpPr>
+            <a:spLocks noGrp="1"/>
+          </p:cNvSpPr>
+          <p:nvPr>
+            <p:ph type="ftr" sz="quarter" idx="11"/>
+          </p:nvPr>
+        </p:nvSpPr>
+        <p:spPr/>
+        <p:txBody>
+          <a:bodyPr/>
+          <a:lstStyle/>
+          <a:p>
+            <a:r>
+              <a:rPr lang="es-ES"/>
+              <a:t>Julisa Verdejo Palacios | Defensa de tesis de maestría</a:t>
+            </a:r>
+            <a:endParaRPr lang="en-US" dirty="0"/>
+          </a:p>
+        </p:txBody>
+      </p:sp>
+      <p:sp>
+        <p:nvSpPr>
+          <p:cNvPr id="6" name="Slide Number Placeholder 5">
+            <a:extLst>
+              <a:ext uri="{FF2B5EF4-FFF2-40B4-BE49-F238E27FC236}">
+                <a16:creationId xmlns:a16="http://schemas.microsoft.com/office/drawing/2014/main" id="{4634F3CE-1FDE-E9E6-C919-82384086EA9D}"/>
+              </a:ext>
+            </a:extLst>
+          </p:cNvPr>
+          <p:cNvSpPr>
+            <a:spLocks noGrp="1"/>
+          </p:cNvSpPr>
+          <p:nvPr>
+            <p:ph type="sldNum" sz="quarter" idx="12"/>
+          </p:nvPr>
+        </p:nvSpPr>
+        <p:spPr/>
+        <p:txBody>
+          <a:bodyPr/>
+          <a:lstStyle/>
+          <a:p>
+            <a:fld id="{36B5EA5A-BC32-A742-B11B-8E7414D5B535}" type="slidenum">
+              <a:rPr lang="en-US" smtClean="0"/>
+              <a:pPr/>
+              <a:t>14</a:t>
+            </a:fld>
+            <a:endParaRPr lang="en-US" dirty="0"/>
+          </a:p>
+        </p:txBody>
+      </p:sp>
+    </p:spTree>
+    <p:extLst>
+      <p:ext uri="{BB962C8B-B14F-4D97-AF65-F5344CB8AC3E}">
+        <p14:creationId xmlns:p14="http://schemas.microsoft.com/office/powerpoint/2010/main" val="1792969174"/>
+      </p:ext>
+    </p:extLst>
+  </p:cSld>
+  <p:clrMapOvr>
+    <a:masterClrMapping/>
+  </p:clrMapOvr>
+</p:sld>
+</file>
+
+<file path=ppt/slides/slide15.xml><?xml version="1.0" encoding="utf-8"?>
+<p:sld xmlns:a="http://schemas.openxmlformats.org/drawingml/2006/main" xmlns:r="http://schemas.openxmlformats.org/officeDocument/2006/relationships" xmlns:p="http://schemas.openxmlformats.org/presentationml/2006/main">
+  <p:cSld>
+    <p:spTree>
+      <p:nvGrpSpPr>
+        <p:cNvPr id="1" name=""/>
+        <p:cNvGrpSpPr/>
+        <p:nvPr/>
+      </p:nvGrpSpPr>
+      <p:grpSpPr>
+        <a:xfrm>
+          <a:off x="0" y="0"/>
+          <a:ext cx="0" cy="0"/>
+          <a:chOff x="0" y="0"/>
+          <a:chExt cx="0" cy="0"/>
+        </a:xfrm>
+      </p:grpSpPr>
+      <p:sp>
+        <p:nvSpPr>
+          <p:cNvPr id="2" name="Content Placeholder 1">
+            <a:extLst>
+              <a:ext uri="{FF2B5EF4-FFF2-40B4-BE49-F238E27FC236}">
+                <a16:creationId xmlns:a16="http://schemas.microsoft.com/office/drawing/2014/main" id="{0B392290-90D7-DBFD-BB03-5DEBDBBD27C4}"/>
+              </a:ext>
+            </a:extLst>
+          </p:cNvPr>
+          <p:cNvSpPr>
+            <a:spLocks noGrp="1"/>
+          </p:cNvSpPr>
+          <p:nvPr>
+            <p:ph idx="1"/>
+          </p:nvPr>
+        </p:nvSpPr>
+        <p:spPr>
+          <a:xfrm>
+            <a:off x="407989" y="1592263"/>
+            <a:ext cx="5616574" cy="4608512"/>
+          </a:xfrm>
+        </p:spPr>
+        <p:txBody>
+          <a:bodyPr/>
+          <a:lstStyle/>
+          <a:p>
+            <a:pPr algn="just"/>
+            <a:r>
+              <a:rPr lang="es-ES" noProof="0" dirty="0"/>
+              <a:t>Una FSM generalmente se describe mediante un diagrama de estados abstracto o un diagrama ASM (diagrama de máquina de estados algorítmica), ambos capturando la entrada, salida, estados y transiciones de la FSM en una representación gráfica. </a:t>
+            </a:r>
+          </a:p>
+          <a:p>
+            <a:pPr algn="just"/>
+            <a:r>
+              <a:rPr lang="es-ES" noProof="0" dirty="0"/>
+              <a:t>Ambas representaciones contienen la misma información. </a:t>
+            </a:r>
+          </a:p>
+          <a:p>
+            <a:pPr lvl="1" algn="just"/>
+            <a:r>
+              <a:rPr lang="es-ES" noProof="0" dirty="0"/>
+              <a:t>El diagrama de estados es más compacto y adecuado para aplicaciones simples, mientras que el diagrama ASM, que se asemeja a un diagrama de flujo, es más descriptivo y útil para aplicaciones con condiciones de transición y acciones complejas.</a:t>
+            </a:r>
+            <a:endParaRPr lang="es-MX" b="0" noProof="0" dirty="0"/>
+          </a:p>
+        </p:txBody>
+      </p:sp>
+      <p:sp>
+        <p:nvSpPr>
+          <p:cNvPr id="3" name="Title 2">
+            <a:extLst>
+              <a:ext uri="{FF2B5EF4-FFF2-40B4-BE49-F238E27FC236}">
+                <a16:creationId xmlns:a16="http://schemas.microsoft.com/office/drawing/2014/main" id="{FC92709B-8339-A065-4CE2-344E2041C050}"/>
+              </a:ext>
+            </a:extLst>
+          </p:cNvPr>
+          <p:cNvSpPr>
+            <a:spLocks noGrp="1"/>
+          </p:cNvSpPr>
+          <p:nvPr>
+            <p:ph type="title"/>
+          </p:nvPr>
+        </p:nvSpPr>
+        <p:spPr/>
+        <p:txBody>
+          <a:bodyPr/>
+          <a:lstStyle/>
+          <a:p>
+            <a:r>
+              <a:rPr lang="es-ES" dirty="0"/>
+              <a:t>D</a:t>
+            </a:r>
+            <a:r>
+              <a:rPr lang="es-ES" noProof="0" dirty="0" err="1"/>
+              <a:t>iagrama</a:t>
+            </a:r>
+            <a:r>
+              <a:rPr lang="es-ES" noProof="0" dirty="0"/>
+              <a:t> de estados abstracto</a:t>
+            </a:r>
+            <a:endParaRPr lang="es-MX" noProof="0" dirty="0"/>
+          </a:p>
+        </p:txBody>
+      </p:sp>
+      <p:sp>
+        <p:nvSpPr>
+          <p:cNvPr id="4" name="Date Placeholder 3">
+            <a:extLst>
+              <a:ext uri="{FF2B5EF4-FFF2-40B4-BE49-F238E27FC236}">
+                <a16:creationId xmlns:a16="http://schemas.microsoft.com/office/drawing/2014/main" id="{B7D15081-0B82-9F80-22A2-66AD0AE45856}"/>
+              </a:ext>
+            </a:extLst>
+          </p:cNvPr>
+          <p:cNvSpPr>
+            <a:spLocks noGrp="1"/>
+          </p:cNvSpPr>
+          <p:nvPr>
+            <p:ph type="dt" sz="half" idx="10"/>
+          </p:nvPr>
+        </p:nvSpPr>
+        <p:spPr/>
+        <p:txBody>
+          <a:bodyPr/>
+          <a:lstStyle/>
+          <a:p>
+            <a:r>
+              <a:rPr lang="en-US"/>
+              <a:t>23 de Septiembre de 2024</a:t>
+            </a:r>
+            <a:endParaRPr lang="en-US" dirty="0"/>
+          </a:p>
+        </p:txBody>
+      </p:sp>
+      <p:sp>
+        <p:nvSpPr>
+          <p:cNvPr id="5" name="Footer Placeholder 4">
+            <a:extLst>
+              <a:ext uri="{FF2B5EF4-FFF2-40B4-BE49-F238E27FC236}">
+                <a16:creationId xmlns:a16="http://schemas.microsoft.com/office/drawing/2014/main" id="{A6225D6D-E033-CFAE-D4B5-6E8CE41892DD}"/>
+              </a:ext>
+            </a:extLst>
+          </p:cNvPr>
+          <p:cNvSpPr>
+            <a:spLocks noGrp="1"/>
+          </p:cNvSpPr>
+          <p:nvPr>
+            <p:ph type="ftr" sz="quarter" idx="11"/>
+          </p:nvPr>
+        </p:nvSpPr>
+        <p:spPr/>
+        <p:txBody>
+          <a:bodyPr/>
+          <a:lstStyle/>
+          <a:p>
+            <a:r>
+              <a:rPr lang="es-ES"/>
+              <a:t>Julisa Verdejo Palacios | Defensa de tesis de maestría</a:t>
+            </a:r>
+            <a:endParaRPr lang="en-US" dirty="0"/>
+          </a:p>
+        </p:txBody>
+      </p:sp>
+      <p:sp>
+        <p:nvSpPr>
+          <p:cNvPr id="6" name="Slide Number Placeholder 5">
+            <a:extLst>
+              <a:ext uri="{FF2B5EF4-FFF2-40B4-BE49-F238E27FC236}">
+                <a16:creationId xmlns:a16="http://schemas.microsoft.com/office/drawing/2014/main" id="{4634F3CE-1FDE-E9E6-C919-82384086EA9D}"/>
+              </a:ext>
+            </a:extLst>
+          </p:cNvPr>
+          <p:cNvSpPr>
+            <a:spLocks noGrp="1"/>
+          </p:cNvSpPr>
+          <p:nvPr>
+            <p:ph type="sldNum" sz="quarter" idx="12"/>
+          </p:nvPr>
+        </p:nvSpPr>
+        <p:spPr/>
+        <p:txBody>
+          <a:bodyPr/>
+          <a:lstStyle/>
+          <a:p>
+            <a:fld id="{36B5EA5A-BC32-A742-B11B-8E7414D5B535}" type="slidenum">
+              <a:rPr lang="en-US" smtClean="0"/>
+              <a:pPr/>
+              <a:t>15</a:t>
+            </a:fld>
+            <a:endParaRPr lang="en-US" dirty="0"/>
+          </a:p>
+        </p:txBody>
+      </p:sp>
+      <p:pic>
+        <p:nvPicPr>
+          <p:cNvPr id="7" name="Graphic 6">
+            <a:extLst>
+              <a:ext uri="{FF2B5EF4-FFF2-40B4-BE49-F238E27FC236}">
+                <a16:creationId xmlns:a16="http://schemas.microsoft.com/office/drawing/2014/main" id="{9F2E643E-EB74-C415-47A8-60DAAB0C4612}"/>
+              </a:ext>
+            </a:extLst>
+          </p:cNvPr>
+          <p:cNvPicPr>
+            <a:picLocks noChangeAspect="1"/>
+          </p:cNvPicPr>
+          <p:nvPr/>
+        </p:nvPicPr>
+        <p:blipFill>
+          <a:blip r:embed="rId2">
+            <a:extLst>
+              <a:ext uri="{96DAC541-7B7A-43D3-8B79-37D633B846F1}">
+                <asvg:svgBlip xmlns:asvg="http://schemas.microsoft.com/office/drawing/2016/SVG/main" r:embed="rId3"/>
+              </a:ext>
+            </a:extLst>
+          </a:blip>
+          <a:stretch>
+            <a:fillRect/>
+          </a:stretch>
+        </p:blipFill>
+        <p:spPr>
+          <a:xfrm>
+            <a:off x="7025640" y="1592263"/>
+            <a:ext cx="4181475" cy="4057650"/>
+          </a:xfrm>
+          <a:prstGeom prst="rect">
+            <a:avLst/>
+          </a:prstGeom>
+        </p:spPr>
+      </p:pic>
+    </p:spTree>
+    <p:extLst>
+      <p:ext uri="{BB962C8B-B14F-4D97-AF65-F5344CB8AC3E}">
+        <p14:creationId xmlns:p14="http://schemas.microsoft.com/office/powerpoint/2010/main" val="3204706189"/>
+      </p:ext>
+    </p:extLst>
+  </p:cSld>
+  <p:clrMapOvr>
+    <a:masterClrMapping/>
+  </p:clrMapOvr>
+</p:sld>
+</file>
+
+<file path=ppt/slides/slide16.xml><?xml version="1.0" encoding="utf-8"?>
+<p:sld xmlns:a="http://schemas.openxmlformats.org/drawingml/2006/main" xmlns:r="http://schemas.openxmlformats.org/officeDocument/2006/relationships" xmlns:p="http://schemas.openxmlformats.org/presentationml/2006/main">
+  <p:cSld>
+    <p:spTree>
+      <p:nvGrpSpPr>
+        <p:cNvPr id="1" name=""/>
+        <p:cNvGrpSpPr/>
+        <p:nvPr/>
+      </p:nvGrpSpPr>
+      <p:grpSpPr>
+        <a:xfrm>
+          <a:off x="0" y="0"/>
+          <a:ext cx="0" cy="0"/>
+          <a:chOff x="0" y="0"/>
+          <a:chExt cx="0" cy="0"/>
+        </a:xfrm>
+      </p:grpSpPr>
+      <p:sp>
+        <p:nvSpPr>
+          <p:cNvPr id="2" name="Content Placeholder 1">
+            <a:extLst>
+              <a:ext uri="{FF2B5EF4-FFF2-40B4-BE49-F238E27FC236}">
+                <a16:creationId xmlns:a16="http://schemas.microsoft.com/office/drawing/2014/main" id="{0B392290-90D7-DBFD-BB03-5DEBDBBD27C4}"/>
+              </a:ext>
+            </a:extLst>
+          </p:cNvPr>
+          <p:cNvSpPr>
+            <a:spLocks noGrp="1"/>
+          </p:cNvSpPr>
+          <p:nvPr>
+            <p:ph idx="1"/>
+          </p:nvPr>
+        </p:nvSpPr>
+        <p:spPr>
+          <a:xfrm>
+            <a:off x="407989" y="1592263"/>
+            <a:ext cx="5616574" cy="4608512"/>
+          </a:xfrm>
+        </p:spPr>
+        <p:txBody>
+          <a:bodyPr/>
+          <a:lstStyle/>
+          <a:p>
+            <a:pPr algn="just"/>
+            <a:r>
+              <a:rPr lang="es-ES" noProof="0" dirty="0"/>
+              <a:t>Una FSM generalmente se describe mediante un diagrama de estados abstracto o un diagrama ASM (diagrama de máquina de estados algorítmica), ambos capturando la entrada, salida, estados y transiciones de la FSM en una representación gráfica. </a:t>
+            </a:r>
+          </a:p>
+          <a:p>
+            <a:pPr algn="just"/>
+            <a:r>
+              <a:rPr lang="es-ES" noProof="0" dirty="0"/>
+              <a:t>Ambas representaciones contienen la misma información. </a:t>
+            </a:r>
+          </a:p>
+          <a:p>
+            <a:pPr lvl="1" algn="just"/>
+            <a:r>
+              <a:rPr lang="es-ES" noProof="0" dirty="0"/>
+              <a:t>El diagrama de estados es más compacto y adecuado para aplicaciones simples, mientras que el diagrama ASM, que se asemeja a un diagrama de flujo, es más descriptivo y útil para aplicaciones con condiciones de transición y acciones complejas.</a:t>
+            </a:r>
+            <a:endParaRPr lang="es-MX" b="0" noProof="0" dirty="0"/>
+          </a:p>
+        </p:txBody>
+      </p:sp>
+      <p:sp>
+        <p:nvSpPr>
+          <p:cNvPr id="3" name="Title 2">
+            <a:extLst>
+              <a:ext uri="{FF2B5EF4-FFF2-40B4-BE49-F238E27FC236}">
+                <a16:creationId xmlns:a16="http://schemas.microsoft.com/office/drawing/2014/main" id="{FC92709B-8339-A065-4CE2-344E2041C050}"/>
+              </a:ext>
+            </a:extLst>
+          </p:cNvPr>
+          <p:cNvSpPr>
+            <a:spLocks noGrp="1"/>
+          </p:cNvSpPr>
+          <p:nvPr>
+            <p:ph type="title"/>
+          </p:nvPr>
+        </p:nvSpPr>
+        <p:spPr/>
+        <p:txBody>
+          <a:bodyPr/>
+          <a:lstStyle/>
+          <a:p>
+            <a:r>
+              <a:rPr lang="es-ES" dirty="0"/>
+              <a:t>D</a:t>
+            </a:r>
+            <a:r>
+              <a:rPr lang="es-ES" noProof="0" dirty="0" err="1"/>
+              <a:t>iagrama</a:t>
+            </a:r>
+            <a:r>
+              <a:rPr lang="es-ES" noProof="0" dirty="0"/>
+              <a:t> ASM (diagrama de máquina de estados algorítmica)</a:t>
+            </a:r>
+            <a:endParaRPr lang="es-MX" noProof="0" dirty="0"/>
+          </a:p>
+        </p:txBody>
+      </p:sp>
+      <p:sp>
+        <p:nvSpPr>
+          <p:cNvPr id="4" name="Date Placeholder 3">
+            <a:extLst>
+              <a:ext uri="{FF2B5EF4-FFF2-40B4-BE49-F238E27FC236}">
+                <a16:creationId xmlns:a16="http://schemas.microsoft.com/office/drawing/2014/main" id="{B7D15081-0B82-9F80-22A2-66AD0AE45856}"/>
+              </a:ext>
+            </a:extLst>
+          </p:cNvPr>
+          <p:cNvSpPr>
+            <a:spLocks noGrp="1"/>
+          </p:cNvSpPr>
+          <p:nvPr>
+            <p:ph type="dt" sz="half" idx="10"/>
+          </p:nvPr>
+        </p:nvSpPr>
+        <p:spPr/>
+        <p:txBody>
+          <a:bodyPr/>
+          <a:lstStyle/>
+          <a:p>
+            <a:r>
+              <a:rPr lang="en-US"/>
+              <a:t>23 de Septiembre de 2024</a:t>
+            </a:r>
+            <a:endParaRPr lang="en-US" dirty="0"/>
+          </a:p>
+        </p:txBody>
+      </p:sp>
+      <p:sp>
+        <p:nvSpPr>
+          <p:cNvPr id="5" name="Footer Placeholder 4">
+            <a:extLst>
+              <a:ext uri="{FF2B5EF4-FFF2-40B4-BE49-F238E27FC236}">
+                <a16:creationId xmlns:a16="http://schemas.microsoft.com/office/drawing/2014/main" id="{A6225D6D-E033-CFAE-D4B5-6E8CE41892DD}"/>
+              </a:ext>
+            </a:extLst>
+          </p:cNvPr>
+          <p:cNvSpPr>
+            <a:spLocks noGrp="1"/>
+          </p:cNvSpPr>
+          <p:nvPr>
+            <p:ph type="ftr" sz="quarter" idx="11"/>
+          </p:nvPr>
+        </p:nvSpPr>
+        <p:spPr/>
+        <p:txBody>
+          <a:bodyPr/>
+          <a:lstStyle/>
+          <a:p>
+            <a:r>
+              <a:rPr lang="es-ES"/>
+              <a:t>Julisa Verdejo Palacios | Defensa de tesis de maestría</a:t>
+            </a:r>
+            <a:endParaRPr lang="en-US" dirty="0"/>
+          </a:p>
+        </p:txBody>
+      </p:sp>
+      <p:sp>
+        <p:nvSpPr>
+          <p:cNvPr id="6" name="Slide Number Placeholder 5">
+            <a:extLst>
+              <a:ext uri="{FF2B5EF4-FFF2-40B4-BE49-F238E27FC236}">
+                <a16:creationId xmlns:a16="http://schemas.microsoft.com/office/drawing/2014/main" id="{4634F3CE-1FDE-E9E6-C919-82384086EA9D}"/>
+              </a:ext>
+            </a:extLst>
+          </p:cNvPr>
+          <p:cNvSpPr>
+            <a:spLocks noGrp="1"/>
+          </p:cNvSpPr>
+          <p:nvPr>
+            <p:ph type="sldNum" sz="quarter" idx="12"/>
+          </p:nvPr>
+        </p:nvSpPr>
+        <p:spPr/>
+        <p:txBody>
+          <a:bodyPr/>
+          <a:lstStyle/>
+          <a:p>
+            <a:fld id="{36B5EA5A-BC32-A742-B11B-8E7414D5B535}" type="slidenum">
+              <a:rPr lang="en-US" smtClean="0"/>
+              <a:pPr/>
+              <a:t>16</a:t>
+            </a:fld>
+            <a:endParaRPr lang="en-US" dirty="0"/>
+          </a:p>
+        </p:txBody>
+      </p:sp>
+      <p:pic>
+        <p:nvPicPr>
+          <p:cNvPr id="8" name="Graphic 7">
+            <a:extLst>
+              <a:ext uri="{FF2B5EF4-FFF2-40B4-BE49-F238E27FC236}">
+                <a16:creationId xmlns:a16="http://schemas.microsoft.com/office/drawing/2014/main" id="{3885B85A-54C5-A914-F04C-81446D3DA2D1}"/>
+              </a:ext>
+            </a:extLst>
+          </p:cNvPr>
+          <p:cNvPicPr>
+            <a:picLocks noChangeAspect="1"/>
+          </p:cNvPicPr>
+          <p:nvPr/>
+        </p:nvPicPr>
+        <p:blipFill>
+          <a:blip r:embed="rId2">
+            <a:extLst>
+              <a:ext uri="{96DAC541-7B7A-43D3-8B79-37D633B846F1}">
+                <asvg:svgBlip xmlns:asvg="http://schemas.microsoft.com/office/drawing/2016/SVG/main" r:embed="rId3"/>
+              </a:ext>
+            </a:extLst>
+          </a:blip>
+          <a:stretch>
+            <a:fillRect/>
+          </a:stretch>
+        </p:blipFill>
+        <p:spPr>
+          <a:xfrm>
+            <a:off x="7649829" y="1016000"/>
+            <a:ext cx="3288370" cy="5224514"/>
+          </a:xfrm>
+          <a:prstGeom prst="rect">
+            <a:avLst/>
+          </a:prstGeom>
+        </p:spPr>
+      </p:pic>
+    </p:spTree>
+    <p:extLst>
+      <p:ext uri="{BB962C8B-B14F-4D97-AF65-F5344CB8AC3E}">
+        <p14:creationId xmlns:p14="http://schemas.microsoft.com/office/powerpoint/2010/main" val="2382655443"/>
+      </p:ext>
+    </p:extLst>
+  </p:cSld>
+  <p:clrMapOvr>
+    <a:masterClrMapping/>
+  </p:clrMapOvr>
+</p:sld>
+</file>
+
+<file path=ppt/slides/slide17.xml><?xml version="1.0" encoding="utf-8"?>
+<p:sld xmlns:a="http://schemas.openxmlformats.org/drawingml/2006/main" xmlns:r="http://schemas.openxmlformats.org/officeDocument/2006/relationships" xmlns:p="http://schemas.openxmlformats.org/presentationml/2006/main">
+  <p:cSld>
+    <p:spTree>
+      <p:nvGrpSpPr>
+        <p:cNvPr id="1" name=""/>
+        <p:cNvGrpSpPr/>
+        <p:nvPr/>
+      </p:nvGrpSpPr>
+      <p:grpSpPr>
+        <a:xfrm>
+          <a:off x="0" y="0"/>
+          <a:ext cx="0" cy="0"/>
+          <a:chOff x="0" y="0"/>
+          <a:chExt cx="0" cy="0"/>
+        </a:xfrm>
+      </p:grpSpPr>
+      <p:sp>
+        <p:nvSpPr>
+          <p:cNvPr id="2" name="Title 1">
+            <a:extLst>
+              <a:ext uri="{FF2B5EF4-FFF2-40B4-BE49-F238E27FC236}">
+                <a16:creationId xmlns:a16="http://schemas.microsoft.com/office/drawing/2014/main" id="{DADC95AA-4A37-E463-6476-9ACB0C4023A5}"/>
+              </a:ext>
+            </a:extLst>
+          </p:cNvPr>
+          <p:cNvSpPr>
+            <a:spLocks noGrp="1"/>
+          </p:cNvSpPr>
+          <p:nvPr>
+            <p:ph type="ctrTitle"/>
+          </p:nvPr>
+        </p:nvSpPr>
+        <p:spPr/>
+        <p:txBody>
+          <a:bodyPr/>
+          <a:lstStyle/>
+          <a:p>
+            <a:r>
+              <a:rPr lang="es-MX" noProof="0" dirty="0" err="1"/>
+              <a:t>ADCs</a:t>
+            </a:r>
+            <a:r>
+              <a:rPr lang="es-MX" noProof="0" dirty="0"/>
+              <a:t> y </a:t>
+            </a:r>
+            <a:r>
+              <a:rPr lang="es-MX" noProof="0" dirty="0" err="1"/>
+              <a:t>DACs</a:t>
+            </a:r>
+            <a:endParaRPr lang="es-MX" noProof="0" dirty="0"/>
+          </a:p>
+        </p:txBody>
+      </p:sp>
+      <p:sp>
+        <p:nvSpPr>
+          <p:cNvPr id="3" name="Subtitle 2">
+            <a:extLst>
+              <a:ext uri="{FF2B5EF4-FFF2-40B4-BE49-F238E27FC236}">
+                <a16:creationId xmlns:a16="http://schemas.microsoft.com/office/drawing/2014/main" id="{D84140F7-8425-C993-E34E-99C89BF3F339}"/>
+              </a:ext>
+            </a:extLst>
+          </p:cNvPr>
+          <p:cNvSpPr>
+            <a:spLocks noGrp="1"/>
+          </p:cNvSpPr>
+          <p:nvPr>
+            <p:ph type="subTitle" idx="1"/>
+          </p:nvPr>
+        </p:nvSpPr>
+        <p:spPr/>
+        <p:txBody>
+          <a:bodyPr/>
+          <a:lstStyle/>
+          <a:p>
+            <a:endParaRPr lang="en-US"/>
+          </a:p>
+        </p:txBody>
+      </p:sp>
+      <p:sp>
+        <p:nvSpPr>
+          <p:cNvPr id="4" name="Date Placeholder 3">
+            <a:extLst>
+              <a:ext uri="{FF2B5EF4-FFF2-40B4-BE49-F238E27FC236}">
+                <a16:creationId xmlns:a16="http://schemas.microsoft.com/office/drawing/2014/main" id="{75A7162D-D612-6FA5-8E00-6C033C9D1343}"/>
+              </a:ext>
+            </a:extLst>
+          </p:cNvPr>
+          <p:cNvSpPr>
+            <a:spLocks noGrp="1"/>
+          </p:cNvSpPr>
+          <p:nvPr>
+            <p:ph type="dt" sz="half" idx="10"/>
+          </p:nvPr>
+        </p:nvSpPr>
+        <p:spPr/>
+        <p:txBody>
+          <a:bodyPr/>
+          <a:lstStyle/>
+          <a:p>
+            <a:r>
+              <a:rPr lang="en-US"/>
+              <a:t>23 de Septiembre de 2024</a:t>
+            </a:r>
+            <a:endParaRPr lang="en-US" dirty="0"/>
+          </a:p>
+        </p:txBody>
+      </p:sp>
+      <p:sp>
+        <p:nvSpPr>
+          <p:cNvPr id="5" name="Footer Placeholder 4">
+            <a:extLst>
+              <a:ext uri="{FF2B5EF4-FFF2-40B4-BE49-F238E27FC236}">
+                <a16:creationId xmlns:a16="http://schemas.microsoft.com/office/drawing/2014/main" id="{B6E32D0C-E644-BCDD-2D86-EFE84602CF8D}"/>
+              </a:ext>
+            </a:extLst>
+          </p:cNvPr>
+          <p:cNvSpPr>
+            <a:spLocks noGrp="1"/>
+          </p:cNvSpPr>
+          <p:nvPr>
+            <p:ph type="ftr" sz="quarter" idx="11"/>
+          </p:nvPr>
+        </p:nvSpPr>
+        <p:spPr/>
+        <p:txBody>
+          <a:bodyPr/>
+          <a:lstStyle/>
+          <a:p>
+            <a:r>
+              <a:rPr lang="es-ES"/>
+              <a:t>Julisa Verdejo Palacios | Defensa de tesis de maestría</a:t>
+            </a:r>
+            <a:endParaRPr lang="en-US" dirty="0"/>
+          </a:p>
+        </p:txBody>
+      </p:sp>
+      <p:sp>
+        <p:nvSpPr>
+          <p:cNvPr id="6" name="Slide Number Placeholder 5">
+            <a:extLst>
+              <a:ext uri="{FF2B5EF4-FFF2-40B4-BE49-F238E27FC236}">
+                <a16:creationId xmlns:a16="http://schemas.microsoft.com/office/drawing/2014/main" id="{9B6C52DA-AFD7-A4DC-D721-0BD931241DAA}"/>
+              </a:ext>
+            </a:extLst>
+          </p:cNvPr>
+          <p:cNvSpPr>
+            <a:spLocks noGrp="1"/>
+          </p:cNvSpPr>
+          <p:nvPr>
+            <p:ph type="sldNum" sz="quarter" idx="12"/>
+          </p:nvPr>
+        </p:nvSpPr>
+        <p:spPr/>
+        <p:txBody>
+          <a:bodyPr/>
+          <a:lstStyle/>
+          <a:p>
+            <a:fld id="{36B5EA5A-BC32-A742-B11B-8E7414D5B535}" type="slidenum">
+              <a:rPr lang="en-US" smtClean="0"/>
+              <a:pPr/>
+              <a:t>17</a:t>
+            </a:fld>
+            <a:endParaRPr lang="en-US" dirty="0"/>
+          </a:p>
+        </p:txBody>
+      </p:sp>
+    </p:spTree>
+    <p:extLst>
+      <p:ext uri="{BB962C8B-B14F-4D97-AF65-F5344CB8AC3E}">
+        <p14:creationId xmlns:p14="http://schemas.microsoft.com/office/powerpoint/2010/main" val="789808269"/>
+      </p:ext>
+    </p:extLst>
+  </p:cSld>
+  <p:clrMapOvr>
+    <a:masterClrMapping/>
+  </p:clrMapOvr>
+</p:sld>
+</file>
+
+<file path=ppt/slides/slide18.xml><?xml version="1.0" encoding="utf-8"?>
+<p:sld xmlns:a="http://schemas.openxmlformats.org/drawingml/2006/main" xmlns:r="http://schemas.openxmlformats.org/officeDocument/2006/relationships" xmlns:p="http://schemas.openxmlformats.org/presentationml/2006/main">
+  <p:cSld>
+    <p:spTree>
+      <p:nvGrpSpPr>
+        <p:cNvPr id="1" name=""/>
+        <p:cNvGrpSpPr/>
+        <p:nvPr/>
+      </p:nvGrpSpPr>
+      <p:grpSpPr>
+        <a:xfrm>
+          <a:off x="0" y="0"/>
+          <a:ext cx="0" cy="0"/>
+          <a:chOff x="0" y="0"/>
+          <a:chExt cx="0" cy="0"/>
+        </a:xfrm>
+      </p:grpSpPr>
+      <p:sp>
+        <p:nvSpPr>
+          <p:cNvPr id="2" name="Content Placeholder 1">
+            <a:extLst>
+              <a:ext uri="{FF2B5EF4-FFF2-40B4-BE49-F238E27FC236}">
+                <a16:creationId xmlns:a16="http://schemas.microsoft.com/office/drawing/2014/main" id="{0B392290-90D7-DBFD-BB03-5DEBDBBD27C4}"/>
+              </a:ext>
+            </a:extLst>
+          </p:cNvPr>
+          <p:cNvSpPr>
+            <a:spLocks noGrp="1"/>
+          </p:cNvSpPr>
+          <p:nvPr>
+            <p:ph idx="1"/>
+          </p:nvPr>
+        </p:nvSpPr>
+        <p:spPr/>
+        <p:txBody>
+          <a:bodyPr/>
+          <a:lstStyle/>
+          <a:p>
+            <a:r>
+              <a:rPr lang="es-MX" noProof="0" dirty="0"/>
+              <a:t>Alguna introducción</a:t>
+            </a:r>
+            <a:endParaRPr lang="es-MX" b="0" noProof="0" dirty="0"/>
+          </a:p>
+        </p:txBody>
+      </p:sp>
+      <p:sp>
+        <p:nvSpPr>
+          <p:cNvPr id="3" name="Title 2">
+            <a:extLst>
+              <a:ext uri="{FF2B5EF4-FFF2-40B4-BE49-F238E27FC236}">
+                <a16:creationId xmlns:a16="http://schemas.microsoft.com/office/drawing/2014/main" id="{FC92709B-8339-A065-4CE2-344E2041C050}"/>
+              </a:ext>
+            </a:extLst>
+          </p:cNvPr>
+          <p:cNvSpPr>
+            <a:spLocks noGrp="1"/>
+          </p:cNvSpPr>
+          <p:nvPr>
+            <p:ph type="title"/>
+          </p:nvPr>
+        </p:nvSpPr>
+        <p:spPr/>
+        <p:txBody>
+          <a:bodyPr/>
+          <a:lstStyle/>
+          <a:p>
+            <a:r>
+              <a:rPr lang="es-MX" noProof="0" dirty="0"/>
+              <a:t>Protocolo UART</a:t>
+            </a:r>
+          </a:p>
+        </p:txBody>
+      </p:sp>
+      <p:sp>
+        <p:nvSpPr>
+          <p:cNvPr id="4" name="Date Placeholder 3">
+            <a:extLst>
+              <a:ext uri="{FF2B5EF4-FFF2-40B4-BE49-F238E27FC236}">
+                <a16:creationId xmlns:a16="http://schemas.microsoft.com/office/drawing/2014/main" id="{B7D15081-0B82-9F80-22A2-66AD0AE45856}"/>
+              </a:ext>
+            </a:extLst>
+          </p:cNvPr>
+          <p:cNvSpPr>
+            <a:spLocks noGrp="1"/>
+          </p:cNvSpPr>
+          <p:nvPr>
+            <p:ph type="dt" sz="half" idx="10"/>
+          </p:nvPr>
+        </p:nvSpPr>
+        <p:spPr/>
+        <p:txBody>
+          <a:bodyPr/>
+          <a:lstStyle/>
+          <a:p>
+            <a:r>
+              <a:rPr lang="en-US"/>
+              <a:t>23 de Septiembre de 2024</a:t>
+            </a:r>
+            <a:endParaRPr lang="en-US" dirty="0"/>
+          </a:p>
+        </p:txBody>
+      </p:sp>
+      <p:sp>
+        <p:nvSpPr>
+          <p:cNvPr id="5" name="Footer Placeholder 4">
+            <a:extLst>
+              <a:ext uri="{FF2B5EF4-FFF2-40B4-BE49-F238E27FC236}">
+                <a16:creationId xmlns:a16="http://schemas.microsoft.com/office/drawing/2014/main" id="{A6225D6D-E033-CFAE-D4B5-6E8CE41892DD}"/>
+              </a:ext>
+            </a:extLst>
+          </p:cNvPr>
+          <p:cNvSpPr>
+            <a:spLocks noGrp="1"/>
+          </p:cNvSpPr>
+          <p:nvPr>
+            <p:ph type="ftr" sz="quarter" idx="11"/>
+          </p:nvPr>
+        </p:nvSpPr>
+        <p:spPr/>
+        <p:txBody>
+          <a:bodyPr/>
+          <a:lstStyle/>
+          <a:p>
+            <a:r>
+              <a:rPr lang="es-ES"/>
+              <a:t>Julisa Verdejo Palacios | Defensa de tesis de maestría</a:t>
+            </a:r>
+            <a:endParaRPr lang="en-US" dirty="0"/>
+          </a:p>
+        </p:txBody>
+      </p:sp>
+      <p:sp>
+        <p:nvSpPr>
+          <p:cNvPr id="6" name="Slide Number Placeholder 5">
+            <a:extLst>
+              <a:ext uri="{FF2B5EF4-FFF2-40B4-BE49-F238E27FC236}">
+                <a16:creationId xmlns:a16="http://schemas.microsoft.com/office/drawing/2014/main" id="{4634F3CE-1FDE-E9E6-C919-82384086EA9D}"/>
+              </a:ext>
+            </a:extLst>
+          </p:cNvPr>
+          <p:cNvSpPr>
+            <a:spLocks noGrp="1"/>
+          </p:cNvSpPr>
+          <p:nvPr>
+            <p:ph type="sldNum" sz="quarter" idx="12"/>
+          </p:nvPr>
+        </p:nvSpPr>
+        <p:spPr/>
+        <p:txBody>
+          <a:bodyPr/>
+          <a:lstStyle/>
+          <a:p>
+            <a:fld id="{36B5EA5A-BC32-A742-B11B-8E7414D5B535}" type="slidenum">
+              <a:rPr lang="en-US" smtClean="0"/>
+              <a:pPr/>
+              <a:t>18</a:t>
+            </a:fld>
+            <a:endParaRPr lang="en-US" dirty="0"/>
+          </a:p>
+        </p:txBody>
+      </p:sp>
+    </p:spTree>
+    <p:extLst>
+      <p:ext uri="{BB962C8B-B14F-4D97-AF65-F5344CB8AC3E}">
+        <p14:creationId xmlns:p14="http://schemas.microsoft.com/office/powerpoint/2010/main" val="2426640196"/>
+      </p:ext>
+    </p:extLst>
+  </p:cSld>
+  <p:clrMapOvr>
+    <a:masterClrMapping/>
+  </p:clrMapOvr>
+</p:sld>
+</file>
+
+<file path=ppt/slides/slide19.xml><?xml version="1.0" encoding="utf-8"?>
+<p:sld xmlns:a="http://schemas.openxmlformats.org/drawingml/2006/main" xmlns:r="http://schemas.openxmlformats.org/officeDocument/2006/relationships" xmlns:p="http://schemas.openxmlformats.org/presentationml/2006/main">
+  <p:cSld>
+    <p:spTree>
+      <p:nvGrpSpPr>
+        <p:cNvPr id="1" name=""/>
+        <p:cNvGrpSpPr/>
+        <p:nvPr/>
+      </p:nvGrpSpPr>
+      <p:grpSpPr>
+        <a:xfrm>
+          <a:off x="0" y="0"/>
+          <a:ext cx="0" cy="0"/>
+          <a:chOff x="0" y="0"/>
+          <a:chExt cx="0" cy="0"/>
+        </a:xfrm>
+      </p:grpSpPr>
+      <p:sp>
+        <p:nvSpPr>
+          <p:cNvPr id="2" name="Title 1">
+            <a:extLst>
+              <a:ext uri="{FF2B5EF4-FFF2-40B4-BE49-F238E27FC236}">
+                <a16:creationId xmlns:a16="http://schemas.microsoft.com/office/drawing/2014/main" id="{DADC95AA-4A37-E463-6476-9ACB0C4023A5}"/>
+              </a:ext>
+            </a:extLst>
+          </p:cNvPr>
+          <p:cNvSpPr>
+            <a:spLocks noGrp="1"/>
+          </p:cNvSpPr>
+          <p:nvPr>
+            <p:ph type="ctrTitle"/>
+          </p:nvPr>
+        </p:nvSpPr>
+        <p:spPr/>
+        <p:txBody>
+          <a:bodyPr/>
+          <a:lstStyle/>
+          <a:p>
+            <a:r>
+              <a:rPr lang="es-MX" noProof="0" dirty="0"/>
+              <a:t>Diseño de firmware</a:t>
+            </a:r>
+          </a:p>
+        </p:txBody>
+      </p:sp>
+      <p:sp>
+        <p:nvSpPr>
+          <p:cNvPr id="3" name="Subtitle 2">
+            <a:extLst>
+              <a:ext uri="{FF2B5EF4-FFF2-40B4-BE49-F238E27FC236}">
+                <a16:creationId xmlns:a16="http://schemas.microsoft.com/office/drawing/2014/main" id="{D84140F7-8425-C993-E34E-99C89BF3F339}"/>
+              </a:ext>
+            </a:extLst>
+          </p:cNvPr>
+          <p:cNvSpPr>
+            <a:spLocks noGrp="1"/>
+          </p:cNvSpPr>
+          <p:nvPr>
+            <p:ph type="subTitle" idx="1"/>
+          </p:nvPr>
+        </p:nvSpPr>
+        <p:spPr/>
+        <p:txBody>
+          <a:bodyPr/>
+          <a:lstStyle/>
+          <a:p>
+            <a:endParaRPr lang="en-US"/>
+          </a:p>
+        </p:txBody>
+      </p:sp>
+      <p:sp>
+        <p:nvSpPr>
+          <p:cNvPr id="4" name="Date Placeholder 3">
+            <a:extLst>
+              <a:ext uri="{FF2B5EF4-FFF2-40B4-BE49-F238E27FC236}">
+                <a16:creationId xmlns:a16="http://schemas.microsoft.com/office/drawing/2014/main" id="{75A7162D-D612-6FA5-8E00-6C033C9D1343}"/>
+              </a:ext>
+            </a:extLst>
+          </p:cNvPr>
+          <p:cNvSpPr>
+            <a:spLocks noGrp="1"/>
+          </p:cNvSpPr>
+          <p:nvPr>
+            <p:ph type="dt" sz="half" idx="10"/>
+          </p:nvPr>
+        </p:nvSpPr>
+        <p:spPr/>
+        <p:txBody>
+          <a:bodyPr/>
+          <a:lstStyle/>
+          <a:p>
+            <a:r>
+              <a:rPr lang="en-US"/>
+              <a:t>23 de Septiembre de 2024</a:t>
+            </a:r>
+            <a:endParaRPr lang="en-US" dirty="0"/>
+          </a:p>
+        </p:txBody>
+      </p:sp>
+      <p:sp>
+        <p:nvSpPr>
+          <p:cNvPr id="5" name="Footer Placeholder 4">
+            <a:extLst>
+              <a:ext uri="{FF2B5EF4-FFF2-40B4-BE49-F238E27FC236}">
+                <a16:creationId xmlns:a16="http://schemas.microsoft.com/office/drawing/2014/main" id="{B6E32D0C-E644-BCDD-2D86-EFE84602CF8D}"/>
+              </a:ext>
+            </a:extLst>
+          </p:cNvPr>
+          <p:cNvSpPr>
+            <a:spLocks noGrp="1"/>
+          </p:cNvSpPr>
+          <p:nvPr>
+            <p:ph type="ftr" sz="quarter" idx="11"/>
+          </p:nvPr>
+        </p:nvSpPr>
+        <p:spPr/>
+        <p:txBody>
+          <a:bodyPr/>
+          <a:lstStyle/>
+          <a:p>
+            <a:r>
+              <a:rPr lang="es-ES"/>
+              <a:t>Julisa Verdejo Palacios | Defensa de tesis de maestría</a:t>
+            </a:r>
+            <a:endParaRPr lang="en-US" dirty="0"/>
+          </a:p>
+        </p:txBody>
+      </p:sp>
+      <p:sp>
+        <p:nvSpPr>
+          <p:cNvPr id="6" name="Slide Number Placeholder 5">
+            <a:extLst>
+              <a:ext uri="{FF2B5EF4-FFF2-40B4-BE49-F238E27FC236}">
+                <a16:creationId xmlns:a16="http://schemas.microsoft.com/office/drawing/2014/main" id="{9B6C52DA-AFD7-A4DC-D721-0BD931241DAA}"/>
+              </a:ext>
+            </a:extLst>
+          </p:cNvPr>
+          <p:cNvSpPr>
+            <a:spLocks noGrp="1"/>
+          </p:cNvSpPr>
+          <p:nvPr>
+            <p:ph type="sldNum" sz="quarter" idx="12"/>
+          </p:nvPr>
+        </p:nvSpPr>
+        <p:spPr/>
+        <p:txBody>
+          <a:bodyPr/>
+          <a:lstStyle/>
+          <a:p>
+            <a:fld id="{36B5EA5A-BC32-A742-B11B-8E7414D5B535}" type="slidenum">
+              <a:rPr lang="en-US" smtClean="0"/>
+              <a:pPr/>
+              <a:t>19</a:t>
+            </a:fld>
+            <a:endParaRPr lang="en-US" dirty="0"/>
+          </a:p>
+        </p:txBody>
+      </p:sp>
+    </p:spTree>
+    <p:extLst>
+      <p:ext uri="{BB962C8B-B14F-4D97-AF65-F5344CB8AC3E}">
+        <p14:creationId xmlns:p14="http://schemas.microsoft.com/office/powerpoint/2010/main" val="2683029909"/>
+      </p:ext>
+    </p:extLst>
+  </p:cSld>
+  <p:clrMapOvr>
+    <a:masterClrMapping/>
+  </p:clrMapOvr>
+</p:sld>
+</file>
+
+<file path=ppt/slides/slide2.xml><?xml version="1.0" encoding="utf-8"?>
+<p:sld xmlns:a="http://schemas.openxmlformats.org/drawingml/2006/main" xmlns:r="http://schemas.openxmlformats.org/officeDocument/2006/relationships" xmlns:p="http://schemas.openxmlformats.org/presentationml/2006/main">
+  <p:cSld>
+    <p:spTree>
+      <p:nvGrpSpPr>
+        <p:cNvPr id="1" name=""/>
+        <p:cNvGrpSpPr/>
+        <p:nvPr/>
+      </p:nvGrpSpPr>
+      <p:grpSpPr>
+        <a:xfrm>
+          <a:off x="0" y="0"/>
+          <a:ext cx="0" cy="0"/>
+          <a:chOff x="0" y="0"/>
+          <a:chExt cx="0" cy="0"/>
+        </a:xfrm>
+      </p:grpSpPr>
+      <p:sp>
+        <p:nvSpPr>
+          <p:cNvPr id="2" name="Content Placeholder 1">
+            <a:extLst>
+              <a:ext uri="{FF2B5EF4-FFF2-40B4-BE49-F238E27FC236}">
+                <a16:creationId xmlns:a16="http://schemas.microsoft.com/office/drawing/2014/main" id="{A5B708AE-B6AF-3613-E6AB-508D5CD0774E}"/>
+              </a:ext>
+            </a:extLst>
+          </p:cNvPr>
+          <p:cNvSpPr>
+            <a:spLocks noGrp="1"/>
+          </p:cNvSpPr>
+          <p:nvPr>
+            <p:ph idx="1"/>
+          </p:nvPr>
+        </p:nvSpPr>
+        <p:spPr/>
+        <p:txBody>
+          <a:bodyPr/>
+          <a:lstStyle/>
+          <a:p>
+            <a:r>
+              <a:rPr lang="es-MX" noProof="0" dirty="0"/>
+              <a:t>Introducción</a:t>
+            </a:r>
+          </a:p>
+          <a:p>
+            <a:r>
+              <a:rPr lang="es-MX" noProof="0" dirty="0"/>
+              <a:t>Objetivos</a:t>
+            </a:r>
+          </a:p>
+          <a:p>
+            <a:r>
+              <a:rPr lang="es-MX" dirty="0"/>
+              <a:t>Antecedentes</a:t>
+            </a:r>
+          </a:p>
+          <a:p>
+            <a:r>
+              <a:rPr lang="es-MX" noProof="0" dirty="0"/>
+              <a:t>Máquinas de estado finito (FSM)</a:t>
+            </a:r>
+          </a:p>
+          <a:p>
+            <a:r>
+              <a:rPr lang="es-MX" noProof="0" dirty="0" err="1"/>
+              <a:t>DACs</a:t>
+            </a:r>
+            <a:r>
+              <a:rPr lang="es-MX" noProof="0" dirty="0"/>
+              <a:t> y </a:t>
+            </a:r>
+            <a:r>
+              <a:rPr lang="es-MX" noProof="0" dirty="0" err="1"/>
+              <a:t>ADCs</a:t>
+            </a:r>
+            <a:endParaRPr lang="es-MX" noProof="0" dirty="0"/>
+          </a:p>
+          <a:p>
+            <a:r>
+              <a:rPr lang="es-MX" noProof="0" dirty="0"/>
+              <a:t>Diseño de firmware</a:t>
+            </a:r>
+          </a:p>
+          <a:p>
+            <a:r>
+              <a:rPr lang="es-MX" dirty="0"/>
+              <a:t>Diseño de PCB</a:t>
+            </a:r>
+          </a:p>
+          <a:p>
+            <a:r>
+              <a:rPr lang="es-MX" noProof="0" dirty="0"/>
+              <a:t>Resultados</a:t>
+            </a:r>
+          </a:p>
+          <a:p>
+            <a:r>
+              <a:rPr lang="es-MX" dirty="0"/>
+              <a:t>Conclusiones</a:t>
+            </a:r>
+            <a:endParaRPr lang="es-MX" noProof="0" dirty="0"/>
+          </a:p>
+        </p:txBody>
+      </p:sp>
+      <p:sp>
+        <p:nvSpPr>
+          <p:cNvPr id="3" name="Title 2">
+            <a:extLst>
+              <a:ext uri="{FF2B5EF4-FFF2-40B4-BE49-F238E27FC236}">
+                <a16:creationId xmlns:a16="http://schemas.microsoft.com/office/drawing/2014/main" id="{37574C0B-6F6F-9715-E2E2-EB7390D23E67}"/>
+              </a:ext>
+            </a:extLst>
+          </p:cNvPr>
+          <p:cNvSpPr>
+            <a:spLocks noGrp="1"/>
+          </p:cNvSpPr>
+          <p:nvPr>
+            <p:ph type="title"/>
+          </p:nvPr>
+        </p:nvSpPr>
+        <p:spPr/>
+        <p:txBody>
+          <a:bodyPr/>
+          <a:lstStyle/>
+          <a:p>
+            <a:r>
+              <a:rPr lang="es-MX" noProof="0" dirty="0"/>
+              <a:t>Índice</a:t>
+            </a:r>
+          </a:p>
+        </p:txBody>
+      </p:sp>
+      <p:sp>
+        <p:nvSpPr>
+          <p:cNvPr id="4" name="Date Placeholder 3">
+            <a:extLst>
+              <a:ext uri="{FF2B5EF4-FFF2-40B4-BE49-F238E27FC236}">
+                <a16:creationId xmlns:a16="http://schemas.microsoft.com/office/drawing/2014/main" id="{C74C43E3-38A1-EE50-7C51-53C78416EA1A}"/>
+              </a:ext>
+            </a:extLst>
+          </p:cNvPr>
+          <p:cNvSpPr>
+            <a:spLocks noGrp="1"/>
+          </p:cNvSpPr>
+          <p:nvPr>
+            <p:ph type="dt" sz="half" idx="10"/>
+          </p:nvPr>
+        </p:nvSpPr>
+        <p:spPr/>
+        <p:txBody>
+          <a:bodyPr/>
+          <a:lstStyle/>
+          <a:p>
+            <a:r>
+              <a:rPr lang="en-US"/>
+              <a:t>23 de Septiembre de 2024</a:t>
+            </a:r>
+            <a:endParaRPr lang="en-US" dirty="0"/>
+          </a:p>
+        </p:txBody>
+      </p:sp>
+      <p:sp>
+        <p:nvSpPr>
+          <p:cNvPr id="5" name="Footer Placeholder 4">
+            <a:extLst>
+              <a:ext uri="{FF2B5EF4-FFF2-40B4-BE49-F238E27FC236}">
+                <a16:creationId xmlns:a16="http://schemas.microsoft.com/office/drawing/2014/main" id="{C9C9F518-260B-89CA-F456-4202C5A82A5D}"/>
+              </a:ext>
+            </a:extLst>
+          </p:cNvPr>
+          <p:cNvSpPr>
+            <a:spLocks noGrp="1"/>
+          </p:cNvSpPr>
+          <p:nvPr>
+            <p:ph type="ftr" sz="quarter" idx="11"/>
+          </p:nvPr>
+        </p:nvSpPr>
+        <p:spPr/>
+        <p:txBody>
+          <a:bodyPr/>
+          <a:lstStyle/>
+          <a:p>
+            <a:r>
+              <a:rPr lang="es-ES" dirty="0" err="1"/>
+              <a:t>Julisa</a:t>
+            </a:r>
+            <a:r>
+              <a:rPr lang="es-ES" dirty="0"/>
+              <a:t> Verdejo Palacios | Defensa de tesis de maestría</a:t>
+            </a:r>
+            <a:endParaRPr lang="en-US" dirty="0"/>
+          </a:p>
+        </p:txBody>
+      </p:sp>
+      <p:sp>
+        <p:nvSpPr>
+          <p:cNvPr id="6" name="Slide Number Placeholder 5">
+            <a:extLst>
+              <a:ext uri="{FF2B5EF4-FFF2-40B4-BE49-F238E27FC236}">
+                <a16:creationId xmlns:a16="http://schemas.microsoft.com/office/drawing/2014/main" id="{513EAD77-D27D-7148-AE4C-6B73C2ED6D6A}"/>
+              </a:ext>
+            </a:extLst>
+          </p:cNvPr>
+          <p:cNvSpPr>
+            <a:spLocks noGrp="1"/>
+          </p:cNvSpPr>
+          <p:nvPr>
+            <p:ph type="sldNum" sz="quarter" idx="12"/>
+          </p:nvPr>
+        </p:nvSpPr>
+        <p:spPr/>
+        <p:txBody>
+          <a:bodyPr/>
+          <a:lstStyle/>
+          <a:p>
+            <a:fld id="{36B5EA5A-BC32-A742-B11B-8E7414D5B535}" type="slidenum">
+              <a:rPr lang="en-US" smtClean="0"/>
+              <a:pPr/>
+              <a:t>2</a:t>
+            </a:fld>
+            <a:endParaRPr lang="en-US" dirty="0"/>
+          </a:p>
+        </p:txBody>
+      </p:sp>
+    </p:spTree>
+    <p:extLst>
+      <p:ext uri="{BB962C8B-B14F-4D97-AF65-F5344CB8AC3E}">
+        <p14:creationId xmlns:p14="http://schemas.microsoft.com/office/powerpoint/2010/main" val="1707193205"/>
+      </p:ext>
+    </p:extLst>
+  </p:cSld>
+  <p:clrMapOvr>
+    <a:masterClrMapping/>
+  </p:clrMapOvr>
+</p:sld>
+</file>
+
+<file path=ppt/slides/slide20.xml><?xml version="1.0" encoding="utf-8"?>
+<p:sld xmlns:a="http://schemas.openxmlformats.org/drawingml/2006/main" xmlns:r="http://schemas.openxmlformats.org/officeDocument/2006/relationships" xmlns:p="http://schemas.openxmlformats.org/presentationml/2006/main">
+  <p:cSld>
+    <p:spTree>
+      <p:nvGrpSpPr>
+        <p:cNvPr id="1" name=""/>
+        <p:cNvGrpSpPr/>
+        <p:nvPr/>
+      </p:nvGrpSpPr>
+      <p:grpSpPr>
+        <a:xfrm>
+          <a:off x="0" y="0"/>
+          <a:ext cx="0" cy="0"/>
+          <a:chOff x="0" y="0"/>
+          <a:chExt cx="0" cy="0"/>
+        </a:xfrm>
+      </p:grpSpPr>
+      <p:sp>
+        <p:nvSpPr>
+          <p:cNvPr id="2" name="Content Placeholder 1">
+            <a:extLst>
+              <a:ext uri="{FF2B5EF4-FFF2-40B4-BE49-F238E27FC236}">
+                <a16:creationId xmlns:a16="http://schemas.microsoft.com/office/drawing/2014/main" id="{0B392290-90D7-DBFD-BB03-5DEBDBBD27C4}"/>
+              </a:ext>
+            </a:extLst>
+          </p:cNvPr>
+          <p:cNvSpPr>
+            <a:spLocks noGrp="1"/>
+          </p:cNvSpPr>
+          <p:nvPr>
+            <p:ph idx="1"/>
+          </p:nvPr>
+        </p:nvSpPr>
+        <p:spPr/>
+        <p:txBody>
+          <a:bodyPr/>
+          <a:lstStyle/>
+          <a:p>
+            <a:r>
+              <a:rPr lang="es-MX" noProof="0" dirty="0"/>
+              <a:t>Alguna introducción</a:t>
+            </a:r>
+            <a:endParaRPr lang="es-MX" b="0" noProof="0" dirty="0"/>
+          </a:p>
+        </p:txBody>
+      </p:sp>
+      <p:sp>
+        <p:nvSpPr>
+          <p:cNvPr id="3" name="Title 2">
+            <a:extLst>
+              <a:ext uri="{FF2B5EF4-FFF2-40B4-BE49-F238E27FC236}">
+                <a16:creationId xmlns:a16="http://schemas.microsoft.com/office/drawing/2014/main" id="{FC92709B-8339-A065-4CE2-344E2041C050}"/>
+              </a:ext>
+            </a:extLst>
+          </p:cNvPr>
+          <p:cNvSpPr>
+            <a:spLocks noGrp="1"/>
+          </p:cNvSpPr>
+          <p:nvPr>
+            <p:ph type="title"/>
+          </p:nvPr>
+        </p:nvSpPr>
+        <p:spPr/>
+        <p:txBody>
+          <a:bodyPr/>
+          <a:lstStyle/>
+          <a:p>
+            <a:r>
+              <a:rPr lang="es-MX" noProof="0" dirty="0"/>
+              <a:t>Protocolo UART</a:t>
+            </a:r>
+          </a:p>
+        </p:txBody>
+      </p:sp>
+      <p:sp>
+        <p:nvSpPr>
+          <p:cNvPr id="4" name="Date Placeholder 3">
+            <a:extLst>
+              <a:ext uri="{FF2B5EF4-FFF2-40B4-BE49-F238E27FC236}">
+                <a16:creationId xmlns:a16="http://schemas.microsoft.com/office/drawing/2014/main" id="{B7D15081-0B82-9F80-22A2-66AD0AE45856}"/>
+              </a:ext>
+            </a:extLst>
+          </p:cNvPr>
+          <p:cNvSpPr>
+            <a:spLocks noGrp="1"/>
+          </p:cNvSpPr>
+          <p:nvPr>
+            <p:ph type="dt" sz="half" idx="10"/>
+          </p:nvPr>
+        </p:nvSpPr>
+        <p:spPr/>
+        <p:txBody>
+          <a:bodyPr/>
+          <a:lstStyle/>
+          <a:p>
+            <a:r>
+              <a:rPr lang="en-US"/>
+              <a:t>23 de Septiembre de 2024</a:t>
+            </a:r>
+            <a:endParaRPr lang="en-US" dirty="0"/>
+          </a:p>
+        </p:txBody>
+      </p:sp>
+      <p:sp>
+        <p:nvSpPr>
+          <p:cNvPr id="5" name="Footer Placeholder 4">
+            <a:extLst>
+              <a:ext uri="{FF2B5EF4-FFF2-40B4-BE49-F238E27FC236}">
+                <a16:creationId xmlns:a16="http://schemas.microsoft.com/office/drawing/2014/main" id="{A6225D6D-E033-CFAE-D4B5-6E8CE41892DD}"/>
+              </a:ext>
+            </a:extLst>
+          </p:cNvPr>
+          <p:cNvSpPr>
+            <a:spLocks noGrp="1"/>
+          </p:cNvSpPr>
+          <p:nvPr>
+            <p:ph type="ftr" sz="quarter" idx="11"/>
+          </p:nvPr>
+        </p:nvSpPr>
+        <p:spPr/>
+        <p:txBody>
+          <a:bodyPr/>
+          <a:lstStyle/>
+          <a:p>
+            <a:r>
+              <a:rPr lang="es-ES"/>
+              <a:t>Julisa Verdejo Palacios | Defensa de tesis de maestría</a:t>
+            </a:r>
+            <a:endParaRPr lang="en-US" dirty="0"/>
+          </a:p>
+        </p:txBody>
+      </p:sp>
+      <p:sp>
+        <p:nvSpPr>
+          <p:cNvPr id="6" name="Slide Number Placeholder 5">
+            <a:extLst>
+              <a:ext uri="{FF2B5EF4-FFF2-40B4-BE49-F238E27FC236}">
+                <a16:creationId xmlns:a16="http://schemas.microsoft.com/office/drawing/2014/main" id="{4634F3CE-1FDE-E9E6-C919-82384086EA9D}"/>
+              </a:ext>
+            </a:extLst>
+          </p:cNvPr>
+          <p:cNvSpPr>
+            <a:spLocks noGrp="1"/>
+          </p:cNvSpPr>
+          <p:nvPr>
+            <p:ph type="sldNum" sz="quarter" idx="12"/>
+          </p:nvPr>
+        </p:nvSpPr>
+        <p:spPr/>
+        <p:txBody>
+          <a:bodyPr/>
+          <a:lstStyle/>
+          <a:p>
+            <a:fld id="{36B5EA5A-BC32-A742-B11B-8E7414D5B535}" type="slidenum">
+              <a:rPr lang="en-US" smtClean="0"/>
+              <a:pPr/>
+              <a:t>20</a:t>
+            </a:fld>
+            <a:endParaRPr lang="en-US" dirty="0"/>
+          </a:p>
+        </p:txBody>
+      </p:sp>
+    </p:spTree>
+    <p:extLst>
+      <p:ext uri="{BB962C8B-B14F-4D97-AF65-F5344CB8AC3E}">
+        <p14:creationId xmlns:p14="http://schemas.microsoft.com/office/powerpoint/2010/main" val="1100827059"/>
+      </p:ext>
+    </p:extLst>
+  </p:cSld>
+  <p:clrMapOvr>
+    <a:masterClrMapping/>
+  </p:clrMapOvr>
+</p:sld>
+</file>
+
+<file path=ppt/slides/slide21.xml><?xml version="1.0" encoding="utf-8"?>
+<p:sld xmlns:a="http://schemas.openxmlformats.org/drawingml/2006/main" xmlns:r="http://schemas.openxmlformats.org/officeDocument/2006/relationships" xmlns:p="http://schemas.openxmlformats.org/presentationml/2006/main">
+  <p:cSld>
+    <p:spTree>
+      <p:nvGrpSpPr>
+        <p:cNvPr id="1" name=""/>
+        <p:cNvGrpSpPr/>
+        <p:nvPr/>
+      </p:nvGrpSpPr>
+      <p:grpSpPr>
+        <a:xfrm>
+          <a:off x="0" y="0"/>
+          <a:ext cx="0" cy="0"/>
+          <a:chOff x="0" y="0"/>
+          <a:chExt cx="0" cy="0"/>
+        </a:xfrm>
+      </p:grpSpPr>
+      <p:sp>
+        <p:nvSpPr>
+          <p:cNvPr id="2" name="Content Placeholder 1">
+            <a:extLst>
+              <a:ext uri="{FF2B5EF4-FFF2-40B4-BE49-F238E27FC236}">
+                <a16:creationId xmlns:a16="http://schemas.microsoft.com/office/drawing/2014/main" id="{0B392290-90D7-DBFD-BB03-5DEBDBBD27C4}"/>
+              </a:ext>
+            </a:extLst>
+          </p:cNvPr>
+          <p:cNvSpPr>
+            <a:spLocks noGrp="1"/>
+          </p:cNvSpPr>
+          <p:nvPr>
+            <p:ph idx="1"/>
+          </p:nvPr>
+        </p:nvSpPr>
+        <p:spPr/>
+        <p:txBody>
+          <a:bodyPr/>
+          <a:lstStyle/>
+          <a:p>
+            <a:r>
+              <a:rPr lang="es-MX" noProof="0" dirty="0"/>
+              <a:t>Alguna introducción</a:t>
+            </a:r>
+            <a:endParaRPr lang="es-MX" b="0" noProof="0" dirty="0"/>
+          </a:p>
+        </p:txBody>
+      </p:sp>
+      <p:sp>
+        <p:nvSpPr>
+          <p:cNvPr id="3" name="Title 2">
+            <a:extLst>
+              <a:ext uri="{FF2B5EF4-FFF2-40B4-BE49-F238E27FC236}">
+                <a16:creationId xmlns:a16="http://schemas.microsoft.com/office/drawing/2014/main" id="{FC92709B-8339-A065-4CE2-344E2041C050}"/>
+              </a:ext>
+            </a:extLst>
+          </p:cNvPr>
+          <p:cNvSpPr>
+            <a:spLocks noGrp="1"/>
+          </p:cNvSpPr>
+          <p:nvPr>
+            <p:ph type="title"/>
+          </p:nvPr>
+        </p:nvSpPr>
+        <p:spPr/>
+        <p:txBody>
+          <a:bodyPr/>
+          <a:lstStyle/>
+          <a:p>
+            <a:r>
+              <a:rPr lang="es-MX" noProof="0" dirty="0"/>
+              <a:t>Protocolo SPI</a:t>
+            </a:r>
+          </a:p>
+        </p:txBody>
+      </p:sp>
+      <p:sp>
+        <p:nvSpPr>
+          <p:cNvPr id="4" name="Date Placeholder 3">
+            <a:extLst>
+              <a:ext uri="{FF2B5EF4-FFF2-40B4-BE49-F238E27FC236}">
+                <a16:creationId xmlns:a16="http://schemas.microsoft.com/office/drawing/2014/main" id="{B7D15081-0B82-9F80-22A2-66AD0AE45856}"/>
+              </a:ext>
+            </a:extLst>
+          </p:cNvPr>
+          <p:cNvSpPr>
+            <a:spLocks noGrp="1"/>
+          </p:cNvSpPr>
+          <p:nvPr>
+            <p:ph type="dt" sz="half" idx="10"/>
+          </p:nvPr>
+        </p:nvSpPr>
+        <p:spPr/>
+        <p:txBody>
+          <a:bodyPr/>
+          <a:lstStyle/>
+          <a:p>
+            <a:r>
+              <a:rPr lang="en-US"/>
+              <a:t>23 de Septiembre de 2024</a:t>
+            </a:r>
+            <a:endParaRPr lang="en-US" dirty="0"/>
+          </a:p>
+        </p:txBody>
+      </p:sp>
+      <p:sp>
+        <p:nvSpPr>
+          <p:cNvPr id="5" name="Footer Placeholder 4">
+            <a:extLst>
+              <a:ext uri="{FF2B5EF4-FFF2-40B4-BE49-F238E27FC236}">
+                <a16:creationId xmlns:a16="http://schemas.microsoft.com/office/drawing/2014/main" id="{A6225D6D-E033-CFAE-D4B5-6E8CE41892DD}"/>
+              </a:ext>
+            </a:extLst>
+          </p:cNvPr>
+          <p:cNvSpPr>
+            <a:spLocks noGrp="1"/>
+          </p:cNvSpPr>
+          <p:nvPr>
+            <p:ph type="ftr" sz="quarter" idx="11"/>
+          </p:nvPr>
+        </p:nvSpPr>
+        <p:spPr/>
+        <p:txBody>
+          <a:bodyPr/>
+          <a:lstStyle/>
+          <a:p>
+            <a:r>
+              <a:rPr lang="es-ES"/>
+              <a:t>Julisa Verdejo Palacios | Defensa de tesis de maestría</a:t>
+            </a:r>
+            <a:endParaRPr lang="en-US" dirty="0"/>
+          </a:p>
+        </p:txBody>
+      </p:sp>
+      <p:sp>
+        <p:nvSpPr>
+          <p:cNvPr id="6" name="Slide Number Placeholder 5">
+            <a:extLst>
+              <a:ext uri="{FF2B5EF4-FFF2-40B4-BE49-F238E27FC236}">
+                <a16:creationId xmlns:a16="http://schemas.microsoft.com/office/drawing/2014/main" id="{4634F3CE-1FDE-E9E6-C919-82384086EA9D}"/>
+              </a:ext>
+            </a:extLst>
+          </p:cNvPr>
+          <p:cNvSpPr>
+            <a:spLocks noGrp="1"/>
+          </p:cNvSpPr>
+          <p:nvPr>
+            <p:ph type="sldNum" sz="quarter" idx="12"/>
+          </p:nvPr>
+        </p:nvSpPr>
+        <p:spPr/>
+        <p:txBody>
+          <a:bodyPr/>
+          <a:lstStyle/>
+          <a:p>
+            <a:fld id="{36B5EA5A-BC32-A742-B11B-8E7414D5B535}" type="slidenum">
+              <a:rPr lang="en-US" smtClean="0"/>
+              <a:pPr/>
+              <a:t>21</a:t>
+            </a:fld>
+            <a:endParaRPr lang="en-US" dirty="0"/>
+          </a:p>
+        </p:txBody>
+      </p:sp>
+    </p:spTree>
+    <p:extLst>
+      <p:ext uri="{BB962C8B-B14F-4D97-AF65-F5344CB8AC3E}">
+        <p14:creationId xmlns:p14="http://schemas.microsoft.com/office/powerpoint/2010/main" val="3357196988"/>
+      </p:ext>
+    </p:extLst>
+  </p:cSld>
+  <p:clrMapOvr>
+    <a:masterClrMapping/>
+  </p:clrMapOvr>
+</p:sld>
+</file>
+
+<file path=ppt/slides/slide22.xml><?xml version="1.0" encoding="utf-8"?>
+<p:sld xmlns:a="http://schemas.openxmlformats.org/drawingml/2006/main" xmlns:r="http://schemas.openxmlformats.org/officeDocument/2006/relationships" xmlns:p="http://schemas.openxmlformats.org/presentationml/2006/main">
+  <p:cSld>
+    <p:spTree>
+      <p:nvGrpSpPr>
+        <p:cNvPr id="1" name=""/>
+        <p:cNvGrpSpPr/>
+        <p:nvPr/>
+      </p:nvGrpSpPr>
+      <p:grpSpPr>
+        <a:xfrm>
+          <a:off x="0" y="0"/>
+          <a:ext cx="0" cy="0"/>
+          <a:chOff x="0" y="0"/>
+          <a:chExt cx="0" cy="0"/>
+        </a:xfrm>
+      </p:grpSpPr>
+      <p:sp>
+        <p:nvSpPr>
+          <p:cNvPr id="2" name="Title 1">
+            <a:extLst>
+              <a:ext uri="{FF2B5EF4-FFF2-40B4-BE49-F238E27FC236}">
+                <a16:creationId xmlns:a16="http://schemas.microsoft.com/office/drawing/2014/main" id="{DADC95AA-4A37-E463-6476-9ACB0C4023A5}"/>
+              </a:ext>
+            </a:extLst>
+          </p:cNvPr>
+          <p:cNvSpPr>
+            <a:spLocks noGrp="1"/>
+          </p:cNvSpPr>
+          <p:nvPr>
+            <p:ph type="ctrTitle"/>
+          </p:nvPr>
+        </p:nvSpPr>
+        <p:spPr/>
+        <p:txBody>
+          <a:bodyPr/>
+          <a:lstStyle/>
+          <a:p>
+            <a:r>
+              <a:rPr lang="es-MX" dirty="0"/>
+              <a:t>Diseño de PCB</a:t>
+            </a:r>
+            <a:endParaRPr lang="es-MX" noProof="0" dirty="0"/>
+          </a:p>
+        </p:txBody>
+      </p:sp>
+      <p:sp>
+        <p:nvSpPr>
+          <p:cNvPr id="3" name="Subtitle 2">
+            <a:extLst>
+              <a:ext uri="{FF2B5EF4-FFF2-40B4-BE49-F238E27FC236}">
+                <a16:creationId xmlns:a16="http://schemas.microsoft.com/office/drawing/2014/main" id="{D84140F7-8425-C993-E34E-99C89BF3F339}"/>
+              </a:ext>
+            </a:extLst>
+          </p:cNvPr>
+          <p:cNvSpPr>
+            <a:spLocks noGrp="1"/>
+          </p:cNvSpPr>
+          <p:nvPr>
+            <p:ph type="subTitle" idx="1"/>
+          </p:nvPr>
+        </p:nvSpPr>
+        <p:spPr/>
+        <p:txBody>
+          <a:bodyPr/>
+          <a:lstStyle/>
+          <a:p>
+            <a:endParaRPr lang="en-US"/>
+          </a:p>
+        </p:txBody>
+      </p:sp>
+      <p:sp>
+        <p:nvSpPr>
+          <p:cNvPr id="4" name="Date Placeholder 3">
+            <a:extLst>
+              <a:ext uri="{FF2B5EF4-FFF2-40B4-BE49-F238E27FC236}">
+                <a16:creationId xmlns:a16="http://schemas.microsoft.com/office/drawing/2014/main" id="{75A7162D-D612-6FA5-8E00-6C033C9D1343}"/>
+              </a:ext>
+            </a:extLst>
+          </p:cNvPr>
+          <p:cNvSpPr>
+            <a:spLocks noGrp="1"/>
+          </p:cNvSpPr>
+          <p:nvPr>
+            <p:ph type="dt" sz="half" idx="10"/>
+          </p:nvPr>
+        </p:nvSpPr>
+        <p:spPr/>
+        <p:txBody>
+          <a:bodyPr/>
+          <a:lstStyle/>
+          <a:p>
+            <a:r>
+              <a:rPr lang="en-US"/>
+              <a:t>23 de Septiembre de 2024</a:t>
+            </a:r>
+            <a:endParaRPr lang="en-US" dirty="0"/>
+          </a:p>
+        </p:txBody>
+      </p:sp>
+      <p:sp>
+        <p:nvSpPr>
+          <p:cNvPr id="5" name="Footer Placeholder 4">
+            <a:extLst>
+              <a:ext uri="{FF2B5EF4-FFF2-40B4-BE49-F238E27FC236}">
+                <a16:creationId xmlns:a16="http://schemas.microsoft.com/office/drawing/2014/main" id="{B6E32D0C-E644-BCDD-2D86-EFE84602CF8D}"/>
+              </a:ext>
+            </a:extLst>
+          </p:cNvPr>
+          <p:cNvSpPr>
+            <a:spLocks noGrp="1"/>
+          </p:cNvSpPr>
+          <p:nvPr>
+            <p:ph type="ftr" sz="quarter" idx="11"/>
+          </p:nvPr>
+        </p:nvSpPr>
+        <p:spPr/>
+        <p:txBody>
+          <a:bodyPr/>
+          <a:lstStyle/>
+          <a:p>
+            <a:r>
+              <a:rPr lang="es-ES"/>
+              <a:t>Julisa Verdejo Palacios | Defensa de tesis de maestría</a:t>
+            </a:r>
+            <a:endParaRPr lang="en-US" dirty="0"/>
+          </a:p>
+        </p:txBody>
+      </p:sp>
+      <p:sp>
+        <p:nvSpPr>
+          <p:cNvPr id="6" name="Slide Number Placeholder 5">
+            <a:extLst>
+              <a:ext uri="{FF2B5EF4-FFF2-40B4-BE49-F238E27FC236}">
+                <a16:creationId xmlns:a16="http://schemas.microsoft.com/office/drawing/2014/main" id="{9B6C52DA-AFD7-A4DC-D721-0BD931241DAA}"/>
+              </a:ext>
+            </a:extLst>
+          </p:cNvPr>
+          <p:cNvSpPr>
+            <a:spLocks noGrp="1"/>
+          </p:cNvSpPr>
+          <p:nvPr>
+            <p:ph type="sldNum" sz="quarter" idx="12"/>
+          </p:nvPr>
+        </p:nvSpPr>
+        <p:spPr/>
+        <p:txBody>
+          <a:bodyPr/>
+          <a:lstStyle/>
+          <a:p>
+            <a:fld id="{36B5EA5A-BC32-A742-B11B-8E7414D5B535}" type="slidenum">
+              <a:rPr lang="en-US" smtClean="0"/>
+              <a:pPr/>
+              <a:t>22</a:t>
+            </a:fld>
+            <a:endParaRPr lang="en-US" dirty="0"/>
+          </a:p>
+        </p:txBody>
+      </p:sp>
+    </p:spTree>
+    <p:extLst>
+      <p:ext uri="{BB962C8B-B14F-4D97-AF65-F5344CB8AC3E}">
+        <p14:creationId xmlns:p14="http://schemas.microsoft.com/office/powerpoint/2010/main" val="3423026453"/>
+      </p:ext>
+    </p:extLst>
+  </p:cSld>
+  <p:clrMapOvr>
+    <a:masterClrMapping/>
+  </p:clrMapOvr>
+</p:sld>
+</file>
+
+<file path=ppt/slides/slide23.xml><?xml version="1.0" encoding="utf-8"?>
+<p:sld xmlns:a="http://schemas.openxmlformats.org/drawingml/2006/main" xmlns:r="http://schemas.openxmlformats.org/officeDocument/2006/relationships" xmlns:p="http://schemas.openxmlformats.org/presentationml/2006/main">
+  <p:cSld>
+    <p:spTree>
+      <p:nvGrpSpPr>
+        <p:cNvPr id="1" name=""/>
+        <p:cNvGrpSpPr/>
+        <p:nvPr/>
+      </p:nvGrpSpPr>
+      <p:grpSpPr>
+        <a:xfrm>
+          <a:off x="0" y="0"/>
+          <a:ext cx="0" cy="0"/>
+          <a:chOff x="0" y="0"/>
+          <a:chExt cx="0" cy="0"/>
+        </a:xfrm>
+      </p:grpSpPr>
+      <p:sp>
+        <p:nvSpPr>
+          <p:cNvPr id="2" name="Title 1">
+            <a:extLst>
+              <a:ext uri="{FF2B5EF4-FFF2-40B4-BE49-F238E27FC236}">
+                <a16:creationId xmlns:a16="http://schemas.microsoft.com/office/drawing/2014/main" id="{DADC95AA-4A37-E463-6476-9ACB0C4023A5}"/>
+              </a:ext>
+            </a:extLst>
+          </p:cNvPr>
+          <p:cNvSpPr>
+            <a:spLocks noGrp="1"/>
+          </p:cNvSpPr>
+          <p:nvPr>
+            <p:ph type="ctrTitle"/>
+          </p:nvPr>
+        </p:nvSpPr>
+        <p:spPr/>
+        <p:txBody>
+          <a:bodyPr/>
+          <a:lstStyle/>
+          <a:p>
+            <a:r>
+              <a:rPr lang="es-MX" noProof="0" dirty="0"/>
+              <a:t>Resultados</a:t>
+            </a:r>
+          </a:p>
+        </p:txBody>
+      </p:sp>
+      <p:sp>
+        <p:nvSpPr>
+          <p:cNvPr id="3" name="Subtitle 2">
+            <a:extLst>
+              <a:ext uri="{FF2B5EF4-FFF2-40B4-BE49-F238E27FC236}">
+                <a16:creationId xmlns:a16="http://schemas.microsoft.com/office/drawing/2014/main" id="{D84140F7-8425-C993-E34E-99C89BF3F339}"/>
+              </a:ext>
+            </a:extLst>
+          </p:cNvPr>
+          <p:cNvSpPr>
+            <a:spLocks noGrp="1"/>
+          </p:cNvSpPr>
+          <p:nvPr>
+            <p:ph type="subTitle" idx="1"/>
+          </p:nvPr>
+        </p:nvSpPr>
+        <p:spPr/>
+        <p:txBody>
+          <a:bodyPr/>
+          <a:lstStyle/>
+          <a:p>
+            <a:endParaRPr lang="en-US"/>
+          </a:p>
+        </p:txBody>
+      </p:sp>
+      <p:sp>
+        <p:nvSpPr>
+          <p:cNvPr id="4" name="Date Placeholder 3">
+            <a:extLst>
+              <a:ext uri="{FF2B5EF4-FFF2-40B4-BE49-F238E27FC236}">
+                <a16:creationId xmlns:a16="http://schemas.microsoft.com/office/drawing/2014/main" id="{75A7162D-D612-6FA5-8E00-6C033C9D1343}"/>
+              </a:ext>
+            </a:extLst>
+          </p:cNvPr>
+          <p:cNvSpPr>
+            <a:spLocks noGrp="1"/>
+          </p:cNvSpPr>
+          <p:nvPr>
+            <p:ph type="dt" sz="half" idx="10"/>
+          </p:nvPr>
+        </p:nvSpPr>
+        <p:spPr/>
+        <p:txBody>
+          <a:bodyPr/>
+          <a:lstStyle/>
+          <a:p>
+            <a:r>
+              <a:rPr lang="en-US"/>
+              <a:t>23 de Septiembre de 2024</a:t>
+            </a:r>
+            <a:endParaRPr lang="en-US" dirty="0"/>
+          </a:p>
+        </p:txBody>
+      </p:sp>
+      <p:sp>
+        <p:nvSpPr>
+          <p:cNvPr id="5" name="Footer Placeholder 4">
+            <a:extLst>
+              <a:ext uri="{FF2B5EF4-FFF2-40B4-BE49-F238E27FC236}">
+                <a16:creationId xmlns:a16="http://schemas.microsoft.com/office/drawing/2014/main" id="{B6E32D0C-E644-BCDD-2D86-EFE84602CF8D}"/>
+              </a:ext>
+            </a:extLst>
+          </p:cNvPr>
+          <p:cNvSpPr>
+            <a:spLocks noGrp="1"/>
+          </p:cNvSpPr>
+          <p:nvPr>
+            <p:ph type="ftr" sz="quarter" idx="11"/>
+          </p:nvPr>
+        </p:nvSpPr>
+        <p:spPr/>
+        <p:txBody>
+          <a:bodyPr/>
+          <a:lstStyle/>
+          <a:p>
+            <a:r>
+              <a:rPr lang="es-ES"/>
+              <a:t>Julisa Verdejo Palacios | Defensa de tesis de maestría</a:t>
+            </a:r>
+            <a:endParaRPr lang="en-US" dirty="0"/>
+          </a:p>
+        </p:txBody>
+      </p:sp>
+      <p:sp>
+        <p:nvSpPr>
+          <p:cNvPr id="6" name="Slide Number Placeholder 5">
+            <a:extLst>
+              <a:ext uri="{FF2B5EF4-FFF2-40B4-BE49-F238E27FC236}">
+                <a16:creationId xmlns:a16="http://schemas.microsoft.com/office/drawing/2014/main" id="{9B6C52DA-AFD7-A4DC-D721-0BD931241DAA}"/>
+              </a:ext>
+            </a:extLst>
+          </p:cNvPr>
+          <p:cNvSpPr>
+            <a:spLocks noGrp="1"/>
+          </p:cNvSpPr>
+          <p:nvPr>
+            <p:ph type="sldNum" sz="quarter" idx="12"/>
+          </p:nvPr>
+        </p:nvSpPr>
+        <p:spPr/>
+        <p:txBody>
+          <a:bodyPr/>
+          <a:lstStyle/>
+          <a:p>
+            <a:fld id="{36B5EA5A-BC32-A742-B11B-8E7414D5B535}" type="slidenum">
+              <a:rPr lang="en-US" smtClean="0"/>
+              <a:pPr/>
+              <a:t>23</a:t>
+            </a:fld>
+            <a:endParaRPr lang="en-US" dirty="0"/>
+          </a:p>
+        </p:txBody>
+      </p:sp>
+    </p:spTree>
+    <p:extLst>
+      <p:ext uri="{BB962C8B-B14F-4D97-AF65-F5344CB8AC3E}">
+        <p14:creationId xmlns:p14="http://schemas.microsoft.com/office/powerpoint/2010/main" val="1845989637"/>
+      </p:ext>
+    </p:extLst>
+  </p:cSld>
+  <p:clrMapOvr>
+    <a:masterClrMapping/>
+  </p:clrMapOvr>
+</p:sld>
+</file>
+
+<file path=ppt/slides/slide24.xml><?xml version="1.0" encoding="utf-8"?>
+<p:sld xmlns:a="http://schemas.openxmlformats.org/drawingml/2006/main" xmlns:r="http://schemas.openxmlformats.org/officeDocument/2006/relationships" xmlns:p="http://schemas.openxmlformats.org/presentationml/2006/main">
+  <p:cSld>
+    <p:spTree>
+      <p:nvGrpSpPr>
+        <p:cNvPr id="1" name=""/>
+        <p:cNvGrpSpPr/>
+        <p:nvPr/>
+      </p:nvGrpSpPr>
+      <p:grpSpPr>
+        <a:xfrm>
+          <a:off x="0" y="0"/>
+          <a:ext cx="0" cy="0"/>
+          <a:chOff x="0" y="0"/>
+          <a:chExt cx="0" cy="0"/>
+        </a:xfrm>
+      </p:grpSpPr>
+      <p:sp>
+        <p:nvSpPr>
+          <p:cNvPr id="2" name="Title 1">
+            <a:extLst>
+              <a:ext uri="{FF2B5EF4-FFF2-40B4-BE49-F238E27FC236}">
+                <a16:creationId xmlns:a16="http://schemas.microsoft.com/office/drawing/2014/main" id="{DADC95AA-4A37-E463-6476-9ACB0C4023A5}"/>
+              </a:ext>
+            </a:extLst>
+          </p:cNvPr>
+          <p:cNvSpPr>
+            <a:spLocks noGrp="1"/>
+          </p:cNvSpPr>
+          <p:nvPr>
+            <p:ph type="ctrTitle"/>
+          </p:nvPr>
+        </p:nvSpPr>
+        <p:spPr/>
+        <p:txBody>
+          <a:bodyPr/>
+          <a:lstStyle/>
+          <a:p>
+            <a:r>
+              <a:rPr lang="es-MX" dirty="0"/>
+              <a:t>Conclusiones</a:t>
+            </a:r>
+            <a:endParaRPr lang="es-MX" noProof="0" dirty="0"/>
+          </a:p>
+        </p:txBody>
+      </p:sp>
+      <p:sp>
+        <p:nvSpPr>
+          <p:cNvPr id="3" name="Subtitle 2">
+            <a:extLst>
+              <a:ext uri="{FF2B5EF4-FFF2-40B4-BE49-F238E27FC236}">
+                <a16:creationId xmlns:a16="http://schemas.microsoft.com/office/drawing/2014/main" id="{D84140F7-8425-C993-E34E-99C89BF3F339}"/>
+              </a:ext>
+            </a:extLst>
+          </p:cNvPr>
+          <p:cNvSpPr>
+            <a:spLocks noGrp="1"/>
+          </p:cNvSpPr>
+          <p:nvPr>
+            <p:ph type="subTitle" idx="1"/>
+          </p:nvPr>
+        </p:nvSpPr>
+        <p:spPr/>
+        <p:txBody>
+          <a:bodyPr/>
+          <a:lstStyle/>
+          <a:p>
+            <a:endParaRPr lang="en-US"/>
+          </a:p>
+        </p:txBody>
+      </p:sp>
+      <p:sp>
+        <p:nvSpPr>
+          <p:cNvPr id="4" name="Date Placeholder 3">
+            <a:extLst>
+              <a:ext uri="{FF2B5EF4-FFF2-40B4-BE49-F238E27FC236}">
+                <a16:creationId xmlns:a16="http://schemas.microsoft.com/office/drawing/2014/main" id="{75A7162D-D612-6FA5-8E00-6C033C9D1343}"/>
+              </a:ext>
+            </a:extLst>
+          </p:cNvPr>
+          <p:cNvSpPr>
+            <a:spLocks noGrp="1"/>
+          </p:cNvSpPr>
+          <p:nvPr>
+            <p:ph type="dt" sz="half" idx="10"/>
+          </p:nvPr>
+        </p:nvSpPr>
+        <p:spPr/>
+        <p:txBody>
+          <a:bodyPr/>
+          <a:lstStyle/>
+          <a:p>
+            <a:r>
+              <a:rPr lang="en-US"/>
+              <a:t>23 de Septiembre de 2024</a:t>
+            </a:r>
+            <a:endParaRPr lang="en-US" dirty="0"/>
+          </a:p>
+        </p:txBody>
+      </p:sp>
+      <p:sp>
+        <p:nvSpPr>
+          <p:cNvPr id="5" name="Footer Placeholder 4">
+            <a:extLst>
+              <a:ext uri="{FF2B5EF4-FFF2-40B4-BE49-F238E27FC236}">
+                <a16:creationId xmlns:a16="http://schemas.microsoft.com/office/drawing/2014/main" id="{B6E32D0C-E644-BCDD-2D86-EFE84602CF8D}"/>
+              </a:ext>
+            </a:extLst>
+          </p:cNvPr>
+          <p:cNvSpPr>
+            <a:spLocks noGrp="1"/>
+          </p:cNvSpPr>
+          <p:nvPr>
+            <p:ph type="ftr" sz="quarter" idx="11"/>
+          </p:nvPr>
+        </p:nvSpPr>
+        <p:spPr/>
+        <p:txBody>
+          <a:bodyPr/>
+          <a:lstStyle/>
+          <a:p>
+            <a:r>
+              <a:rPr lang="es-ES"/>
+              <a:t>Julisa Verdejo Palacios | Defensa de tesis de maestría</a:t>
+            </a:r>
+            <a:endParaRPr lang="en-US" dirty="0"/>
+          </a:p>
+        </p:txBody>
+      </p:sp>
+      <p:sp>
+        <p:nvSpPr>
+          <p:cNvPr id="6" name="Slide Number Placeholder 5">
+            <a:extLst>
+              <a:ext uri="{FF2B5EF4-FFF2-40B4-BE49-F238E27FC236}">
+                <a16:creationId xmlns:a16="http://schemas.microsoft.com/office/drawing/2014/main" id="{9B6C52DA-AFD7-A4DC-D721-0BD931241DAA}"/>
+              </a:ext>
+            </a:extLst>
+          </p:cNvPr>
+          <p:cNvSpPr>
+            <a:spLocks noGrp="1"/>
+          </p:cNvSpPr>
+          <p:nvPr>
+            <p:ph type="sldNum" sz="quarter" idx="12"/>
+          </p:nvPr>
+        </p:nvSpPr>
+        <p:spPr/>
+        <p:txBody>
+          <a:bodyPr/>
+          <a:lstStyle/>
+          <a:p>
+            <a:fld id="{36B5EA5A-BC32-A742-B11B-8E7414D5B535}" type="slidenum">
+              <a:rPr lang="en-US" smtClean="0"/>
+              <a:pPr/>
+              <a:t>24</a:t>
+            </a:fld>
+            <a:endParaRPr lang="en-US" dirty="0"/>
+          </a:p>
+        </p:txBody>
+      </p:sp>
+    </p:spTree>
+    <p:extLst>
+      <p:ext uri="{BB962C8B-B14F-4D97-AF65-F5344CB8AC3E}">
+        <p14:creationId xmlns:p14="http://schemas.microsoft.com/office/powerpoint/2010/main" val="4225605585"/>
+      </p:ext>
+    </p:extLst>
+  </p:cSld>
+  <p:clrMapOvr>
+    <a:masterClrMapping/>
+  </p:clrMapOvr>
+</p:sld>
+</file>
+
+<file path=ppt/slides/slide25.xml><?xml version="1.0" encoding="utf-8"?>
+<p:sld xmlns:a="http://schemas.openxmlformats.org/drawingml/2006/main" xmlns:r="http://schemas.openxmlformats.org/officeDocument/2006/relationships" xmlns:p="http://schemas.openxmlformats.org/presentationml/2006/main">
+  <p:cSld>
+    <p:spTree>
+      <p:nvGrpSpPr>
+        <p:cNvPr id="1" name=""/>
+        <p:cNvGrpSpPr/>
+        <p:nvPr/>
+      </p:nvGrpSpPr>
+      <p:grpSpPr>
+        <a:xfrm>
+          <a:off x="0" y="0"/>
+          <a:ext cx="0" cy="0"/>
+          <a:chOff x="0" y="0"/>
+          <a:chExt cx="0" cy="0"/>
+        </a:xfrm>
+      </p:grpSpPr>
+      <p:sp>
+        <p:nvSpPr>
+          <p:cNvPr id="3" name="Title 2">
+            <a:extLst>
+              <a:ext uri="{FF2B5EF4-FFF2-40B4-BE49-F238E27FC236}">
+                <a16:creationId xmlns:a16="http://schemas.microsoft.com/office/drawing/2014/main" id="{5B61CAD0-F089-9545-A1D5-76F8D89EA825}"/>
+              </a:ext>
+            </a:extLst>
+          </p:cNvPr>
+          <p:cNvSpPr>
+            <a:spLocks noGrp="1"/>
+          </p:cNvSpPr>
+          <p:nvPr>
+            <p:ph type="title"/>
+          </p:nvPr>
+        </p:nvSpPr>
+        <p:spPr/>
+        <p:txBody>
+          <a:bodyPr/>
+          <a:lstStyle/>
+          <a:p>
+            <a:r>
+              <a:rPr lang="es-MX" noProof="0" dirty="0" err="1"/>
+              <a:t>Courses</a:t>
+            </a:r>
+            <a:r>
+              <a:rPr lang="es-MX" noProof="0" dirty="0"/>
+              <a:t> and training </a:t>
+            </a:r>
+            <a:r>
+              <a:rPr lang="es-MX" noProof="0" dirty="0" err="1"/>
+              <a:t>activities</a:t>
+            </a:r>
+            <a:endParaRPr lang="es-MX" noProof="0" dirty="0"/>
+          </a:p>
+        </p:txBody>
+      </p:sp>
+      <p:sp>
+        <p:nvSpPr>
+          <p:cNvPr id="4" name="Date Placeholder 3">
+            <a:extLst>
+              <a:ext uri="{FF2B5EF4-FFF2-40B4-BE49-F238E27FC236}">
+                <a16:creationId xmlns:a16="http://schemas.microsoft.com/office/drawing/2014/main" id="{2FFBFC41-B809-5540-B09D-AFCC4BAA0364}"/>
+              </a:ext>
+            </a:extLst>
+          </p:cNvPr>
+          <p:cNvSpPr>
+            <a:spLocks noGrp="1"/>
+          </p:cNvSpPr>
+          <p:nvPr>
+            <p:ph type="dt" sz="half" idx="10"/>
+          </p:nvPr>
+        </p:nvSpPr>
+        <p:spPr/>
+        <p:txBody>
+          <a:bodyPr/>
+          <a:lstStyle/>
+          <a:p>
+            <a:r>
+              <a:rPr lang="en-US"/>
+              <a:t>23 de Septiembre de 2024</a:t>
+            </a:r>
+            <a:endParaRPr lang="en-US" dirty="0"/>
+          </a:p>
+        </p:txBody>
+      </p:sp>
+      <p:sp>
+        <p:nvSpPr>
+          <p:cNvPr id="5" name="Footer Placeholder 4">
+            <a:extLst>
+              <a:ext uri="{FF2B5EF4-FFF2-40B4-BE49-F238E27FC236}">
+                <a16:creationId xmlns:a16="http://schemas.microsoft.com/office/drawing/2014/main" id="{233E56A2-1225-834F-8541-6BE7679C0A87}"/>
+              </a:ext>
+            </a:extLst>
+          </p:cNvPr>
+          <p:cNvSpPr>
+            <a:spLocks noGrp="1"/>
+          </p:cNvSpPr>
+          <p:nvPr>
+            <p:ph type="ftr" sz="quarter" idx="11"/>
+          </p:nvPr>
+        </p:nvSpPr>
+        <p:spPr/>
+        <p:txBody>
+          <a:bodyPr/>
+          <a:lstStyle/>
+          <a:p>
+            <a:r>
+              <a:rPr lang="es-ES"/>
+              <a:t>Julisa Verdejo Palacios | Defensa de tesis de maestría</a:t>
+            </a:r>
+            <a:endParaRPr lang="en-US" dirty="0"/>
+          </a:p>
+        </p:txBody>
+      </p:sp>
+      <p:sp>
+        <p:nvSpPr>
+          <p:cNvPr id="6" name="Slide Number Placeholder 5">
+            <a:extLst>
+              <a:ext uri="{FF2B5EF4-FFF2-40B4-BE49-F238E27FC236}">
+                <a16:creationId xmlns:a16="http://schemas.microsoft.com/office/drawing/2014/main" id="{9EF46007-DF06-5749-86B0-DCBA69FCA676}"/>
+              </a:ext>
+            </a:extLst>
+          </p:cNvPr>
+          <p:cNvSpPr>
+            <a:spLocks noGrp="1"/>
+          </p:cNvSpPr>
+          <p:nvPr>
+            <p:ph type="sldNum" sz="quarter" idx="12"/>
+          </p:nvPr>
+        </p:nvSpPr>
+        <p:spPr/>
+        <p:txBody>
+          <a:bodyPr/>
+          <a:lstStyle/>
+          <a:p>
+            <a:fld id="{36B5EA5A-BC32-A742-B11B-8E7414D5B535}" type="slidenum">
+              <a:rPr lang="en-US" smtClean="0"/>
+              <a:pPr/>
+              <a:t>25</a:t>
             </a:fld>
             <a:endParaRPr lang="en-US" dirty="0"/>
           </a:p>
@@ -9543,7 +12373,7 @@
 </p:sld>
 </file>
 
-<file path=ppt/slides/slide14.xml><?xml version="1.0" encoding="utf-8"?>
+<file path=ppt/slides/slide26.xml><?xml version="1.0" encoding="utf-8"?>
 <p:sld xmlns:a="http://schemas.openxmlformats.org/drawingml/2006/main" xmlns:r="http://schemas.openxmlformats.org/officeDocument/2006/relationships" xmlns:p="http://schemas.openxmlformats.org/presentationml/2006/main">
   <p:cSld>
     <p:spTree>
@@ -9651,10 +12481,10 @@
           <a:bodyPr/>
           <a:lstStyle/>
           <a:p>
-            <a:fld id="{3E7902E4-DEB8-4990-AF0C-465DCA6C0C7B}" type="datetime3">
-              <a:rPr lang="en-US" smtClean="0"/>
-              <a:t>10 September 2024</a:t>
-            </a:fld>
+            <a:r>
+              <a:rPr lang="en-US"/>
+              <a:t>23 de Septiembre de 2024</a:t>
+            </a:r>
             <a:endParaRPr lang="en-US" dirty="0"/>
           </a:p>
         </p:txBody>
@@ -9712,7 +12542,7 @@
             <a:fld id="{36B5EA5A-BC32-A742-B11B-8E7414D5B535}" type="slidenum">
               <a:rPr lang="en-US" smtClean="0"/>
               <a:pPr/>
-              <a:t>14</a:t>
+              <a:t>26</a:t>
             </a:fld>
             <a:endParaRPr lang="en-US" dirty="0"/>
           </a:p>
@@ -9731,7 +12561,7 @@
 </p:sld>
 </file>
 
-<file path=ppt/slides/slide15.xml><?xml version="1.0" encoding="utf-8"?>
+<file path=ppt/slides/slide27.xml><?xml version="1.0" encoding="utf-8"?>
 <p:sld xmlns:a="http://schemas.openxmlformats.org/drawingml/2006/main" xmlns:r="http://schemas.openxmlformats.org/officeDocument/2006/relationships" xmlns:p="http://schemas.openxmlformats.org/presentationml/2006/main">
   <p:cSld>
     <p:spTree>
@@ -10295,10 +13125,10 @@
           <a:bodyPr/>
           <a:lstStyle/>
           <a:p>
-            <a:fld id="{A42D447A-3EE0-4139-85F1-8F6C87954CFC}" type="datetime3">
-              <a:rPr lang="en-US" smtClean="0"/>
-              <a:t>10 September 2024</a:t>
-            </a:fld>
+            <a:r>
+              <a:rPr lang="en-US"/>
+              <a:t>23 de Septiembre de 2024</a:t>
+            </a:r>
             <a:endParaRPr lang="en-US" dirty="0"/>
           </a:p>
         </p:txBody>
@@ -10356,7 +13186,7 @@
             <a:fld id="{36B5EA5A-BC32-A742-B11B-8E7414D5B535}" type="slidenum">
               <a:rPr lang="en-US" smtClean="0"/>
               <a:pPr/>
-              <a:t>15</a:t>
+              <a:t>27</a:t>
             </a:fld>
             <a:endParaRPr lang="en-US" dirty="0"/>
           </a:p>
@@ -10411,7 +13241,7 @@
 </p:sld>
 </file>
 
-<file path=ppt/slides/slide16.xml><?xml version="1.0" encoding="utf-8"?>
+<file path=ppt/slides/slide28.xml><?xml version="1.0" encoding="utf-8"?>
 <p:sld xmlns:a="http://schemas.openxmlformats.org/drawingml/2006/main" xmlns:r="http://schemas.openxmlformats.org/officeDocument/2006/relationships" xmlns:p="http://schemas.openxmlformats.org/presentationml/2006/main">
   <p:cSld>
     <p:spTree>
@@ -10506,10 +13336,10 @@
           <a:bodyPr/>
           <a:lstStyle/>
           <a:p>
-            <a:fld id="{01DE1BC1-2596-4CA3-95A6-D456BC4E2B08}" type="datetime3">
-              <a:rPr lang="en-US" smtClean="0"/>
-              <a:t>10 September 2024</a:t>
-            </a:fld>
+            <a:r>
+              <a:rPr lang="en-US"/>
+              <a:t>23 de Septiembre de 2024</a:t>
+            </a:r>
             <a:endParaRPr lang="en-US" dirty="0"/>
           </a:p>
         </p:txBody>
@@ -10567,7 +13397,7 @@
             <a:fld id="{36B5EA5A-BC32-A742-B11B-8E7414D5B535}" type="slidenum">
               <a:rPr lang="en-US" smtClean="0"/>
               <a:pPr/>
-              <a:t>16</a:t>
+              <a:t>28</a:t>
             </a:fld>
             <a:endParaRPr lang="en-US" dirty="0"/>
           </a:p>
@@ -10586,7 +13416,7 @@
 </p:sld>
 </file>
 
-<file path=ppt/slides/slide17.xml><?xml version="1.0" encoding="utf-8"?>
+<file path=ppt/slides/slide29.xml><?xml version="1.0" encoding="utf-8"?>
 <p:sld xmlns:a="http://schemas.openxmlformats.org/drawingml/2006/main" xmlns:r="http://schemas.openxmlformats.org/officeDocument/2006/relationships" xmlns:p="http://schemas.openxmlformats.org/presentationml/2006/main">
   <p:cSld>
     <p:spTree>
@@ -11040,10 +13870,10 @@
           <a:bodyPr/>
           <a:lstStyle/>
           <a:p>
-            <a:fld id="{18ACC240-1DC1-44D5-8DD5-5CB6A8C986FF}" type="datetime3">
-              <a:rPr lang="en-US" smtClean="0"/>
-              <a:t>10 September 2024</a:t>
-            </a:fld>
+            <a:r>
+              <a:rPr lang="en-US"/>
+              <a:t>23 de Septiembre de 2024</a:t>
+            </a:r>
             <a:endParaRPr lang="en-US" dirty="0"/>
           </a:p>
         </p:txBody>
@@ -11101,7 +13931,7 @@
             <a:fld id="{36B5EA5A-BC32-A742-B11B-8E7414D5B535}" type="slidenum">
               <a:rPr lang="en-US" smtClean="0"/>
               <a:pPr/>
-              <a:t>17</a:t>
+              <a:t>29</a:t>
             </a:fld>
             <a:endParaRPr lang="en-US" dirty="0"/>
           </a:p>
@@ -11197,7 +14027,7 @@
 </p:sld>
 </file>
 
-<file path=ppt/slides/slide18.xml><?xml version="1.0" encoding="utf-8"?>
+<file path=ppt/slides/slide3.xml><?xml version="1.0" encoding="utf-8"?>
 <p:sld xmlns:a="http://schemas.openxmlformats.org/drawingml/2006/main" xmlns:r="http://schemas.openxmlformats.org/officeDocument/2006/relationships" xmlns:p="http://schemas.openxmlformats.org/presentationml/2006/main">
   <p:cSld>
     <p:spTree>
@@ -11219,6 +14049,177 @@
           <p:cNvPr id="2" name="Title 1">
             <a:extLst>
               <a:ext uri="{FF2B5EF4-FFF2-40B4-BE49-F238E27FC236}">
+                <a16:creationId xmlns:a16="http://schemas.microsoft.com/office/drawing/2014/main" id="{DADC95AA-4A37-E463-6476-9ACB0C4023A5}"/>
+              </a:ext>
+            </a:extLst>
+          </p:cNvPr>
+          <p:cNvSpPr>
+            <a:spLocks noGrp="1"/>
+          </p:cNvSpPr>
+          <p:nvPr>
+            <p:ph type="ctrTitle"/>
+          </p:nvPr>
+        </p:nvSpPr>
+        <p:spPr/>
+        <p:txBody>
+          <a:bodyPr/>
+          <a:lstStyle/>
+          <a:p>
+            <a:r>
+              <a:rPr lang="es-MX" noProof="0" dirty="0"/>
+              <a:t>Introducción</a:t>
+            </a:r>
+          </a:p>
+        </p:txBody>
+      </p:sp>
+      <p:sp>
+        <p:nvSpPr>
+          <p:cNvPr id="3" name="Subtitle 2">
+            <a:extLst>
+              <a:ext uri="{FF2B5EF4-FFF2-40B4-BE49-F238E27FC236}">
+                <a16:creationId xmlns:a16="http://schemas.microsoft.com/office/drawing/2014/main" id="{D84140F7-8425-C993-E34E-99C89BF3F339}"/>
+              </a:ext>
+            </a:extLst>
+          </p:cNvPr>
+          <p:cNvSpPr>
+            <a:spLocks noGrp="1"/>
+          </p:cNvSpPr>
+          <p:nvPr>
+            <p:ph type="subTitle" idx="1"/>
+          </p:nvPr>
+        </p:nvSpPr>
+        <p:spPr/>
+        <p:txBody>
+          <a:bodyPr/>
+          <a:lstStyle/>
+          <a:p>
+            <a:endParaRPr lang="en-US"/>
+          </a:p>
+        </p:txBody>
+      </p:sp>
+      <p:sp>
+        <p:nvSpPr>
+          <p:cNvPr id="4" name="Date Placeholder 3">
+            <a:extLst>
+              <a:ext uri="{FF2B5EF4-FFF2-40B4-BE49-F238E27FC236}">
+                <a16:creationId xmlns:a16="http://schemas.microsoft.com/office/drawing/2014/main" id="{75A7162D-D612-6FA5-8E00-6C033C9D1343}"/>
+              </a:ext>
+            </a:extLst>
+          </p:cNvPr>
+          <p:cNvSpPr>
+            <a:spLocks noGrp="1"/>
+          </p:cNvSpPr>
+          <p:nvPr>
+            <p:ph type="dt" sz="half" idx="10"/>
+          </p:nvPr>
+        </p:nvSpPr>
+        <p:spPr/>
+        <p:txBody>
+          <a:bodyPr/>
+          <a:lstStyle/>
+          <a:p>
+            <a:r>
+              <a:rPr lang="en-US"/>
+              <a:t>23 de Septiembre de 2024</a:t>
+            </a:r>
+            <a:endParaRPr lang="en-US" dirty="0"/>
+          </a:p>
+        </p:txBody>
+      </p:sp>
+      <p:sp>
+        <p:nvSpPr>
+          <p:cNvPr id="5" name="Footer Placeholder 4">
+            <a:extLst>
+              <a:ext uri="{FF2B5EF4-FFF2-40B4-BE49-F238E27FC236}">
+                <a16:creationId xmlns:a16="http://schemas.microsoft.com/office/drawing/2014/main" id="{B6E32D0C-E644-BCDD-2D86-EFE84602CF8D}"/>
+              </a:ext>
+            </a:extLst>
+          </p:cNvPr>
+          <p:cNvSpPr>
+            <a:spLocks noGrp="1"/>
+          </p:cNvSpPr>
+          <p:nvPr>
+            <p:ph type="ftr" sz="quarter" idx="11"/>
+          </p:nvPr>
+        </p:nvSpPr>
+        <p:spPr/>
+        <p:txBody>
+          <a:bodyPr/>
+          <a:lstStyle/>
+          <a:p>
+            <a:r>
+              <a:rPr lang="es-ES"/>
+              <a:t>Julisa Verdejo Palacios | Defensa de tesis de maestría</a:t>
+            </a:r>
+            <a:endParaRPr lang="en-US" dirty="0"/>
+          </a:p>
+        </p:txBody>
+      </p:sp>
+      <p:sp>
+        <p:nvSpPr>
+          <p:cNvPr id="6" name="Slide Number Placeholder 5">
+            <a:extLst>
+              <a:ext uri="{FF2B5EF4-FFF2-40B4-BE49-F238E27FC236}">
+                <a16:creationId xmlns:a16="http://schemas.microsoft.com/office/drawing/2014/main" id="{9B6C52DA-AFD7-A4DC-D721-0BD931241DAA}"/>
+              </a:ext>
+            </a:extLst>
+          </p:cNvPr>
+          <p:cNvSpPr>
+            <a:spLocks noGrp="1"/>
+          </p:cNvSpPr>
+          <p:nvPr>
+            <p:ph type="sldNum" sz="quarter" idx="12"/>
+          </p:nvPr>
+        </p:nvSpPr>
+        <p:spPr/>
+        <p:txBody>
+          <a:bodyPr/>
+          <a:lstStyle/>
+          <a:p>
+            <a:fld id="{36B5EA5A-BC32-A742-B11B-8E7414D5B535}" type="slidenum">
+              <a:rPr lang="en-US" smtClean="0"/>
+              <a:pPr/>
+              <a:t>3</a:t>
+            </a:fld>
+            <a:endParaRPr lang="en-US" dirty="0"/>
+          </a:p>
+        </p:txBody>
+      </p:sp>
+    </p:spTree>
+    <p:extLst>
+      <p:ext uri="{BB962C8B-B14F-4D97-AF65-F5344CB8AC3E}">
+        <p14:creationId xmlns:p14="http://schemas.microsoft.com/office/powerpoint/2010/main" val="3133702993"/>
+      </p:ext>
+    </p:extLst>
+  </p:cSld>
+  <p:clrMapOvr>
+    <a:masterClrMapping/>
+  </p:clrMapOvr>
+</p:sld>
+</file>
+
+<file path=ppt/slides/slide30.xml><?xml version="1.0" encoding="utf-8"?>
+<p:sld xmlns:a="http://schemas.openxmlformats.org/drawingml/2006/main" xmlns:r="http://schemas.openxmlformats.org/officeDocument/2006/relationships" xmlns:p="http://schemas.openxmlformats.org/presentationml/2006/main">
+  <p:cSld>
+    <p:spTree>
+      <p:nvGrpSpPr>
+        <p:cNvPr id="1" name=""/>
+        <p:cNvGrpSpPr/>
+        <p:nvPr/>
+      </p:nvGrpSpPr>
+      <p:grpSpPr>
+        <a:xfrm>
+          <a:off x="0" y="0"/>
+          <a:ext cx="0" cy="0"/>
+          <a:chOff x="0" y="0"/>
+          <a:chExt cx="0" cy="0"/>
+        </a:xfrm>
+      </p:grpSpPr>
+      <p:sp>
+        <p:nvSpPr>
+          <p:cNvPr id="2" name="Title 1">
+            <a:extLst>
+              <a:ext uri="{FF2B5EF4-FFF2-40B4-BE49-F238E27FC236}">
                 <a16:creationId xmlns:a16="http://schemas.microsoft.com/office/drawing/2014/main" id="{52C4DD42-43DA-6180-E67E-10B956FA29D7}"/>
               </a:ext>
             </a:extLst>
@@ -11543,10 +14544,10 @@
           <a:bodyPr/>
           <a:lstStyle/>
           <a:p>
-            <a:fld id="{3458EFE2-0F7C-4F06-9C30-E2176F1033E5}" type="datetime3">
-              <a:rPr lang="en-US" smtClean="0"/>
-              <a:t>10 September 2024</a:t>
-            </a:fld>
+            <a:r>
+              <a:rPr lang="en-US"/>
+              <a:t>23 de Septiembre de 2024</a:t>
+            </a:r>
             <a:endParaRPr lang="en-US" dirty="0"/>
           </a:p>
         </p:txBody>
@@ -11604,7 +14605,7 @@
             <a:fld id="{36B5EA5A-BC32-A742-B11B-8E7414D5B535}" type="slidenum">
               <a:rPr lang="en-US" smtClean="0"/>
               <a:pPr/>
-              <a:t>18</a:t>
+              <a:t>30</a:t>
             </a:fld>
             <a:endParaRPr lang="en-US" dirty="0"/>
           </a:p>
@@ -11651,7 +14652,7 @@
 </p:sld>
 </file>
 
-<file path=ppt/slides/slide19.xml><?xml version="1.0" encoding="utf-8"?>
+<file path=ppt/slides/slide31.xml><?xml version="1.0" encoding="utf-8"?>
 <p:sld xmlns:a="http://schemas.openxmlformats.org/drawingml/2006/main" xmlns:r="http://schemas.openxmlformats.org/officeDocument/2006/relationships" xmlns:p="http://schemas.openxmlformats.org/presentationml/2006/main">
   <p:cSld>
     <p:spTree>
@@ -11751,10 +14752,10 @@
           <a:bodyPr/>
           <a:lstStyle/>
           <a:p>
-            <a:fld id="{0414412B-C680-4DE7-B845-894B0AB88BD5}" type="datetime3">
-              <a:rPr lang="en-US" smtClean="0"/>
-              <a:t>10 September 2024</a:t>
-            </a:fld>
+            <a:r>
+              <a:rPr lang="en-US"/>
+              <a:t>23 de Septiembre de 2024</a:t>
+            </a:r>
             <a:endParaRPr lang="en-US" dirty="0"/>
           </a:p>
         </p:txBody>
@@ -11812,7 +14813,7 @@
             <a:fld id="{36B5EA5A-BC32-A742-B11B-8E7414D5B535}" type="slidenum">
               <a:rPr lang="en-US" smtClean="0"/>
               <a:pPr/>
-              <a:t>19</a:t>
+              <a:t>31</a:t>
             </a:fld>
             <a:endParaRPr lang="en-US" dirty="0"/>
           </a:p>
@@ -11831,7 +14832,7 @@
 </p:sld>
 </file>
 
-<file path=ppt/slides/slide2.xml><?xml version="1.0" encoding="utf-8"?>
+<file path=ppt/slides/slide32.xml><?xml version="1.0" encoding="utf-8"?>
 <p:sld xmlns:a="http://schemas.openxmlformats.org/drawingml/2006/main" xmlns:r="http://schemas.openxmlformats.org/officeDocument/2006/relationships" xmlns:p="http://schemas.openxmlformats.org/presentationml/2006/main">
   <p:cSld>
     <p:spTree>
@@ -11850,124 +14851,63 @@
       </p:grpSpPr>
       <p:sp>
         <p:nvSpPr>
-          <p:cNvPr id="2" name="Content Placeholder 1">
-            <a:extLst>
-              <a:ext uri="{FF2B5EF4-FFF2-40B4-BE49-F238E27FC236}">
-                <a16:creationId xmlns:a16="http://schemas.microsoft.com/office/drawing/2014/main" id="{A5B708AE-B6AF-3613-E6AB-508D5CD0774E}"/>
-              </a:ext>
-            </a:extLst>
-          </p:cNvPr>
-          <p:cNvSpPr>
-            <a:spLocks noGrp="1"/>
-          </p:cNvSpPr>
-          <p:nvPr>
-            <p:ph idx="1"/>
-          </p:nvPr>
-        </p:nvSpPr>
-        <p:spPr/>
-        <p:txBody>
-          <a:bodyPr/>
-          <a:lstStyle/>
-          <a:p>
-            <a:r>
-              <a:rPr lang="es-MX" noProof="0" dirty="0"/>
-              <a:t>Introducción</a:t>
-            </a:r>
-          </a:p>
-          <a:p>
-            <a:r>
-              <a:rPr lang="es-MX" noProof="0" dirty="0"/>
-              <a:t>Objetivos</a:t>
-            </a:r>
-          </a:p>
-          <a:p>
-            <a:r>
-              <a:rPr lang="es-MX" dirty="0"/>
-              <a:t>Antecedentes</a:t>
-            </a:r>
-          </a:p>
-          <a:p>
-            <a:r>
-              <a:rPr lang="es-MX" noProof="0" dirty="0"/>
-              <a:t>Máquinas de estado finito</a:t>
-            </a:r>
-          </a:p>
-          <a:p>
-            <a:r>
-              <a:rPr lang="es-MX" noProof="0" dirty="0" err="1"/>
-              <a:t>ADCs</a:t>
-            </a:r>
-            <a:r>
-              <a:rPr lang="es-MX" noProof="0" dirty="0"/>
-              <a:t> y </a:t>
-            </a:r>
-            <a:r>
-              <a:rPr lang="es-MX" noProof="0" dirty="0" err="1"/>
-              <a:t>DACs</a:t>
+          <p:cNvPr id="2" name="Title 1">
+            <a:extLst>
+              <a:ext uri="{FF2B5EF4-FFF2-40B4-BE49-F238E27FC236}">
+                <a16:creationId xmlns:a16="http://schemas.microsoft.com/office/drawing/2014/main" id="{52C4DD42-43DA-6180-E67E-10B956FA29D7}"/>
+              </a:ext>
+            </a:extLst>
+          </p:cNvPr>
+          <p:cNvSpPr>
+            <a:spLocks noGrp="1"/>
+          </p:cNvSpPr>
+          <p:nvPr>
+            <p:ph type="title"/>
+          </p:nvPr>
+        </p:nvSpPr>
+        <p:spPr/>
+        <p:txBody>
+          <a:bodyPr/>
+          <a:lstStyle/>
+          <a:p>
+            <a:r>
+              <a:rPr lang="es-MX" noProof="0" dirty="0" err="1"/>
+              <a:t>Anatomy</a:t>
+            </a:r>
+            <a:r>
+              <a:rPr lang="es-MX" noProof="0" dirty="0"/>
+              <a:t> </a:t>
+            </a:r>
+            <a:r>
+              <a:rPr lang="es-MX" noProof="0" dirty="0" err="1"/>
+              <a:t>of</a:t>
+            </a:r>
+            <a:r>
+              <a:rPr lang="es-MX" noProof="0" dirty="0"/>
+              <a:t> a </a:t>
+            </a:r>
+            <a:r>
+              <a:rPr lang="es-MX" noProof="0" dirty="0" err="1"/>
+              <a:t>Verification</a:t>
+            </a:r>
+            <a:r>
+              <a:rPr lang="es-MX" noProof="0" dirty="0"/>
+              <a:t> </a:t>
+            </a:r>
+            <a:r>
+              <a:rPr lang="es-MX" noProof="0" dirty="0" err="1"/>
+              <a:t>Environment</a:t>
             </a:r>
             <a:endParaRPr lang="es-MX" noProof="0" dirty="0"/>
           </a:p>
-          <a:p>
-            <a:r>
-              <a:rPr lang="es-MX" noProof="0" dirty="0"/>
-              <a:t>Diseño de firmware</a:t>
-            </a:r>
-          </a:p>
-          <a:p>
-            <a:r>
-              <a:rPr lang="es-MX" dirty="0"/>
-              <a:t>Diseño de PCB</a:t>
-            </a:r>
-          </a:p>
-          <a:p>
-            <a:r>
-              <a:rPr lang="es-MX" noProof="0" dirty="0"/>
-              <a:t>Resultados</a:t>
-            </a:r>
-          </a:p>
-          <a:p>
-            <a:r>
-              <a:rPr lang="es-MX" dirty="0"/>
-              <a:t>Conclusiones</a:t>
-            </a:r>
-            <a:endParaRPr lang="es-MX" noProof="0" dirty="0"/>
-          </a:p>
-        </p:txBody>
-      </p:sp>
-      <p:sp>
-        <p:nvSpPr>
-          <p:cNvPr id="3" name="Title 2">
-            <a:extLst>
-              <a:ext uri="{FF2B5EF4-FFF2-40B4-BE49-F238E27FC236}">
-                <a16:creationId xmlns:a16="http://schemas.microsoft.com/office/drawing/2014/main" id="{37574C0B-6F6F-9715-E2E2-EB7390D23E67}"/>
-              </a:ext>
-            </a:extLst>
-          </p:cNvPr>
-          <p:cNvSpPr>
-            <a:spLocks noGrp="1"/>
-          </p:cNvSpPr>
-          <p:nvPr>
-            <p:ph type="title"/>
-          </p:nvPr>
-        </p:nvSpPr>
-        <p:spPr/>
-        <p:txBody>
-          <a:bodyPr/>
-          <a:lstStyle/>
-          <a:p>
-            <a:r>
-              <a:rPr lang="es-MX" noProof="0" dirty="0"/>
-              <a:t>Índice</a:t>
-            </a:r>
-          </a:p>
-        </p:txBody>
-      </p:sp>
-      <p:sp>
-        <p:nvSpPr>
-          <p:cNvPr id="4" name="Date Placeholder 3">
-            <a:extLst>
-              <a:ext uri="{FF2B5EF4-FFF2-40B4-BE49-F238E27FC236}">
-                <a16:creationId xmlns:a16="http://schemas.microsoft.com/office/drawing/2014/main" id="{C74C43E3-38A1-EE50-7C51-53C78416EA1A}"/>
+        </p:txBody>
+      </p:sp>
+      <p:sp>
+        <p:nvSpPr>
+          <p:cNvPr id="5" name="Date Placeholder 4">
+            <a:extLst>
+              <a:ext uri="{FF2B5EF4-FFF2-40B4-BE49-F238E27FC236}">
+                <a16:creationId xmlns:a16="http://schemas.microsoft.com/office/drawing/2014/main" id="{39738A5D-185C-7371-FB5D-3160F6C7EBB0}"/>
               </a:ext>
             </a:extLst>
           </p:cNvPr>
@@ -11983,20 +14923,20 @@
           <a:bodyPr/>
           <a:lstStyle/>
           <a:p>
-            <a:fld id="{9AC66360-48CD-4CAC-8BCF-A023B5C41B11}" type="datetime3">
-              <a:rPr lang="en-US" smtClean="0"/>
-              <a:t>10 September 2024</a:t>
-            </a:fld>
+            <a:r>
+              <a:rPr lang="en-US"/>
+              <a:t>23 de Septiembre de 2024</a:t>
+            </a:r>
             <a:endParaRPr lang="en-US" dirty="0"/>
           </a:p>
         </p:txBody>
       </p:sp>
       <p:sp>
         <p:nvSpPr>
-          <p:cNvPr id="5" name="Footer Placeholder 4">
-            <a:extLst>
-              <a:ext uri="{FF2B5EF4-FFF2-40B4-BE49-F238E27FC236}">
-                <a16:creationId xmlns:a16="http://schemas.microsoft.com/office/drawing/2014/main" id="{C9C9F518-260B-89CA-F456-4202C5A82A5D}"/>
+          <p:cNvPr id="6" name="Footer Placeholder 5">
+            <a:extLst>
+              <a:ext uri="{FF2B5EF4-FFF2-40B4-BE49-F238E27FC236}">
+                <a16:creationId xmlns:a16="http://schemas.microsoft.com/office/drawing/2014/main" id="{06056D2D-DAAB-BE8D-C09E-13C016DD754E}"/>
               </a:ext>
             </a:extLst>
           </p:cNvPr>
@@ -12022,10 +14962,10 @@
       </p:sp>
       <p:sp>
         <p:nvSpPr>
-          <p:cNvPr id="6" name="Slide Number Placeholder 5">
-            <a:extLst>
-              <a:ext uri="{FF2B5EF4-FFF2-40B4-BE49-F238E27FC236}">
-                <a16:creationId xmlns:a16="http://schemas.microsoft.com/office/drawing/2014/main" id="{513EAD77-D27D-7148-AE4C-6B73C2ED6D6A}"/>
+          <p:cNvPr id="7" name="Slide Number Placeholder 6">
+            <a:extLst>
+              <a:ext uri="{FF2B5EF4-FFF2-40B4-BE49-F238E27FC236}">
+                <a16:creationId xmlns:a16="http://schemas.microsoft.com/office/drawing/2014/main" id="{845BB1B4-C227-5D92-2932-41A193178E55}"/>
               </a:ext>
             </a:extLst>
           </p:cNvPr>
@@ -12044,178 +14984,7 @@
             <a:fld id="{36B5EA5A-BC32-A742-B11B-8E7414D5B535}" type="slidenum">
               <a:rPr lang="en-US" smtClean="0"/>
               <a:pPr/>
-              <a:t>2</a:t>
-            </a:fld>
-            <a:endParaRPr lang="en-US" dirty="0"/>
-          </a:p>
-        </p:txBody>
-      </p:sp>
-    </p:spTree>
-    <p:extLst>
-      <p:ext uri="{BB962C8B-B14F-4D97-AF65-F5344CB8AC3E}">
-        <p14:creationId xmlns:p14="http://schemas.microsoft.com/office/powerpoint/2010/main" val="1707193205"/>
-      </p:ext>
-    </p:extLst>
-  </p:cSld>
-  <p:clrMapOvr>
-    <a:masterClrMapping/>
-  </p:clrMapOvr>
-</p:sld>
-</file>
-
-<file path=ppt/slides/slide20.xml><?xml version="1.0" encoding="utf-8"?>
-<p:sld xmlns:a="http://schemas.openxmlformats.org/drawingml/2006/main" xmlns:r="http://schemas.openxmlformats.org/officeDocument/2006/relationships" xmlns:p="http://schemas.openxmlformats.org/presentationml/2006/main">
-  <p:cSld>
-    <p:spTree>
-      <p:nvGrpSpPr>
-        <p:cNvPr id="1" name=""/>
-        <p:cNvGrpSpPr/>
-        <p:nvPr/>
-      </p:nvGrpSpPr>
-      <p:grpSpPr>
-        <a:xfrm>
-          <a:off x="0" y="0"/>
-          <a:ext cx="0" cy="0"/>
-          <a:chOff x="0" y="0"/>
-          <a:chExt cx="0" cy="0"/>
-        </a:xfrm>
-      </p:grpSpPr>
-      <p:sp>
-        <p:nvSpPr>
-          <p:cNvPr id="2" name="Title 1">
-            <a:extLst>
-              <a:ext uri="{FF2B5EF4-FFF2-40B4-BE49-F238E27FC236}">
-                <a16:creationId xmlns:a16="http://schemas.microsoft.com/office/drawing/2014/main" id="{52C4DD42-43DA-6180-E67E-10B956FA29D7}"/>
-              </a:ext>
-            </a:extLst>
-          </p:cNvPr>
-          <p:cNvSpPr>
-            <a:spLocks noGrp="1"/>
-          </p:cNvSpPr>
-          <p:nvPr>
-            <p:ph type="title"/>
-          </p:nvPr>
-        </p:nvSpPr>
-        <p:spPr/>
-        <p:txBody>
-          <a:bodyPr/>
-          <a:lstStyle/>
-          <a:p>
-            <a:r>
-              <a:rPr lang="es-MX" noProof="0" dirty="0" err="1"/>
-              <a:t>Anatomy</a:t>
-            </a:r>
-            <a:r>
-              <a:rPr lang="es-MX" noProof="0" dirty="0"/>
-              <a:t> </a:t>
-            </a:r>
-            <a:r>
-              <a:rPr lang="es-MX" noProof="0" dirty="0" err="1"/>
-              <a:t>of</a:t>
-            </a:r>
-            <a:r>
-              <a:rPr lang="es-MX" noProof="0" dirty="0"/>
-              <a:t> a </a:t>
-            </a:r>
-            <a:r>
-              <a:rPr lang="es-MX" noProof="0" dirty="0" err="1"/>
-              <a:t>Verification</a:t>
-            </a:r>
-            <a:r>
-              <a:rPr lang="es-MX" noProof="0" dirty="0"/>
-              <a:t> </a:t>
-            </a:r>
-            <a:r>
-              <a:rPr lang="es-MX" noProof="0" dirty="0" err="1"/>
-              <a:t>Environment</a:t>
-            </a:r>
-            <a:endParaRPr lang="es-MX" noProof="0" dirty="0"/>
-          </a:p>
-        </p:txBody>
-      </p:sp>
-      <p:sp>
-        <p:nvSpPr>
-          <p:cNvPr id="5" name="Date Placeholder 4">
-            <a:extLst>
-              <a:ext uri="{FF2B5EF4-FFF2-40B4-BE49-F238E27FC236}">
-                <a16:creationId xmlns:a16="http://schemas.microsoft.com/office/drawing/2014/main" id="{39738A5D-185C-7371-FB5D-3160F6C7EBB0}"/>
-              </a:ext>
-            </a:extLst>
-          </p:cNvPr>
-          <p:cNvSpPr>
-            <a:spLocks noGrp="1"/>
-          </p:cNvSpPr>
-          <p:nvPr>
-            <p:ph type="dt" sz="half" idx="10"/>
-          </p:nvPr>
-        </p:nvSpPr>
-        <p:spPr/>
-        <p:txBody>
-          <a:bodyPr/>
-          <a:lstStyle/>
-          <a:p>
-            <a:fld id="{BF307C81-D05C-4712-9DC3-A1158A1ECAD5}" type="datetime3">
-              <a:rPr lang="en-US" smtClean="0"/>
-              <a:t>10 September 2024</a:t>
-            </a:fld>
-            <a:endParaRPr lang="en-US" dirty="0"/>
-          </a:p>
-        </p:txBody>
-      </p:sp>
-      <p:sp>
-        <p:nvSpPr>
-          <p:cNvPr id="6" name="Footer Placeholder 5">
-            <a:extLst>
-              <a:ext uri="{FF2B5EF4-FFF2-40B4-BE49-F238E27FC236}">
-                <a16:creationId xmlns:a16="http://schemas.microsoft.com/office/drawing/2014/main" id="{06056D2D-DAAB-BE8D-C09E-13C016DD754E}"/>
-              </a:ext>
-            </a:extLst>
-          </p:cNvPr>
-          <p:cNvSpPr>
-            <a:spLocks noGrp="1"/>
-          </p:cNvSpPr>
-          <p:nvPr>
-            <p:ph type="ftr" sz="quarter" idx="11"/>
-          </p:nvPr>
-        </p:nvSpPr>
-        <p:spPr/>
-        <p:txBody>
-          <a:bodyPr/>
-          <a:lstStyle/>
-          <a:p>
-            <a:r>
-              <a:rPr lang="es-ES"/>
-              <a:t>Julisa Verdejo Palacios | Defensa de tesis de maestría</a:t>
-            </a:r>
-            <a:endParaRPr lang="en-US" dirty="0"/>
-          </a:p>
-        </p:txBody>
-      </p:sp>
-      <p:sp>
-        <p:nvSpPr>
-          <p:cNvPr id="7" name="Slide Number Placeholder 6">
-            <a:extLst>
-              <a:ext uri="{FF2B5EF4-FFF2-40B4-BE49-F238E27FC236}">
-                <a16:creationId xmlns:a16="http://schemas.microsoft.com/office/drawing/2014/main" id="{845BB1B4-C227-5D92-2932-41A193178E55}"/>
-              </a:ext>
-            </a:extLst>
-          </p:cNvPr>
-          <p:cNvSpPr>
-            <a:spLocks noGrp="1"/>
-          </p:cNvSpPr>
-          <p:nvPr>
-            <p:ph type="sldNum" sz="quarter" idx="12"/>
-          </p:nvPr>
-        </p:nvSpPr>
-        <p:spPr/>
-        <p:txBody>
-          <a:bodyPr/>
-          <a:lstStyle/>
-          <a:p>
-            <a:fld id="{36B5EA5A-BC32-A742-B11B-8E7414D5B535}" type="slidenum">
-              <a:rPr lang="en-US" smtClean="0"/>
-              <a:pPr/>
-              <a:t>20</a:t>
+              <a:t>32</a:t>
             </a:fld>
             <a:endParaRPr lang="en-US" dirty="0"/>
           </a:p>
@@ -12269,7 +15038,7 @@
 </p:sld>
 </file>
 
-<file path=ppt/slides/slide21.xml><?xml version="1.0" encoding="utf-8"?>
+<file path=ppt/slides/slide33.xml><?xml version="1.0" encoding="utf-8"?>
 <p:sld xmlns:a="http://schemas.openxmlformats.org/drawingml/2006/main" xmlns:r="http://schemas.openxmlformats.org/officeDocument/2006/relationships" xmlns:p="http://schemas.openxmlformats.org/presentationml/2006/main">
   <p:cSld>
     <p:spTree>
@@ -12533,10 +15302,10 @@
           <a:bodyPr/>
           <a:lstStyle/>
           <a:p>
-            <a:fld id="{D57449DC-C09C-43CB-BBB8-A0D5BC4AB1AE}" type="datetime3">
-              <a:rPr lang="en-US" smtClean="0"/>
-              <a:t>10 September 2024</a:t>
-            </a:fld>
+            <a:r>
+              <a:rPr lang="en-US"/>
+              <a:t>23 de Septiembre de 2024</a:t>
+            </a:r>
             <a:endParaRPr lang="en-US" dirty="0"/>
           </a:p>
         </p:txBody>
@@ -12594,7 +15363,7 @@
             <a:fld id="{36B5EA5A-BC32-A742-B11B-8E7414D5B535}" type="slidenum">
               <a:rPr lang="en-US" smtClean="0"/>
               <a:pPr/>
-              <a:t>21</a:t>
+              <a:t>33</a:t>
             </a:fld>
             <a:endParaRPr lang="en-US" dirty="0"/>
           </a:p>
@@ -12690,7 +15459,7 @@
 </p:sld>
 </file>
 
-<file path=ppt/slides/slide22.xml><?xml version="1.0" encoding="utf-8"?>
+<file path=ppt/slides/slide34.xml><?xml version="1.0" encoding="utf-8"?>
 <p:sld xmlns:a="http://schemas.openxmlformats.org/drawingml/2006/main" xmlns:r="http://schemas.openxmlformats.org/officeDocument/2006/relationships" xmlns:p="http://schemas.openxmlformats.org/presentationml/2006/main">
   <p:cSld>
     <p:spTree>
@@ -12830,10 +15599,10 @@
           <a:bodyPr/>
           <a:lstStyle/>
           <a:p>
-            <a:fld id="{FBE351A3-B09B-4327-82B3-233910BDCCEC}" type="datetime3">
-              <a:rPr lang="en-US" smtClean="0"/>
-              <a:t>10 September 2024</a:t>
-            </a:fld>
+            <a:r>
+              <a:rPr lang="en-US"/>
+              <a:t>23 de Septiembre de 2024</a:t>
+            </a:r>
             <a:endParaRPr lang="en-US" dirty="0"/>
           </a:p>
         </p:txBody>
@@ -12891,7 +15660,7 @@
             <a:fld id="{36B5EA5A-BC32-A742-B11B-8E7414D5B535}" type="slidenum">
               <a:rPr lang="en-US" smtClean="0"/>
               <a:pPr/>
-              <a:t>22</a:t>
+              <a:t>34</a:t>
             </a:fld>
             <a:endParaRPr lang="en-US" dirty="0"/>
           </a:p>
@@ -12910,7 +15679,7 @@
 </p:sld>
 </file>
 
-<file path=ppt/slides/slide23.xml><?xml version="1.0" encoding="utf-8"?>
+<file path=ppt/slides/slide35.xml><?xml version="1.0" encoding="utf-8"?>
 <p:sld xmlns:a="http://schemas.openxmlformats.org/drawingml/2006/main" xmlns:r="http://schemas.openxmlformats.org/officeDocument/2006/relationships" xmlns:p="http://schemas.openxmlformats.org/presentationml/2006/main">
   <p:cSld>
     <p:spTree>
@@ -13149,10 +15918,10 @@
           <a:bodyPr/>
           <a:lstStyle/>
           <a:p>
-            <a:fld id="{A474AB56-559F-4126-8FC9-D6EDD22541D7}" type="datetime3">
-              <a:rPr lang="en-US" smtClean="0"/>
-              <a:t>10 September 2024</a:t>
-            </a:fld>
+            <a:r>
+              <a:rPr lang="en-US"/>
+              <a:t>23 de Septiembre de 2024</a:t>
+            </a:r>
             <a:endParaRPr lang="en-US" dirty="0"/>
           </a:p>
         </p:txBody>
@@ -13210,7 +15979,7 @@
             <a:fld id="{36B5EA5A-BC32-A742-B11B-8E7414D5B535}" type="slidenum">
               <a:rPr lang="en-US" smtClean="0"/>
               <a:pPr/>
-              <a:t>23</a:t>
+              <a:t>35</a:t>
             </a:fld>
             <a:endParaRPr lang="en-US" dirty="0"/>
           </a:p>
@@ -13464,7 +16233,7 @@
 </p:sld>
 </file>
 
-<file path=ppt/slides/slide24.xml><?xml version="1.0" encoding="utf-8"?>
+<file path=ppt/slides/slide36.xml><?xml version="1.0" encoding="utf-8"?>
 <p:sld xmlns:a="http://schemas.openxmlformats.org/drawingml/2006/main" xmlns:r="http://schemas.openxmlformats.org/officeDocument/2006/relationships" xmlns:p="http://schemas.openxmlformats.org/presentationml/2006/main">
   <p:cSld>
     <p:spTree>
@@ -13817,10 +16586,10 @@
           <a:bodyPr/>
           <a:lstStyle/>
           <a:p>
-            <a:fld id="{E5696DB2-0BB4-459C-904A-4634B37108EB}" type="datetime3">
-              <a:rPr lang="en-US" smtClean="0"/>
-              <a:t>10 September 2024</a:t>
-            </a:fld>
+            <a:r>
+              <a:rPr lang="en-US"/>
+              <a:t>23 de Septiembre de 2024</a:t>
+            </a:r>
             <a:endParaRPr lang="en-US" dirty="0"/>
           </a:p>
         </p:txBody>
@@ -13878,7 +16647,7 @@
             <a:fld id="{36B5EA5A-BC32-A742-B11B-8E7414D5B535}" type="slidenum">
               <a:rPr lang="en-US" smtClean="0"/>
               <a:pPr/>
-              <a:t>24</a:t>
+              <a:t>36</a:t>
             </a:fld>
             <a:endParaRPr lang="en-US" dirty="0"/>
           </a:p>
@@ -14046,7 +16815,7 @@
 </p:sld>
 </file>
 
-<file path=ppt/slides/slide25.xml><?xml version="1.0" encoding="utf-8"?>
+<file path=ppt/slides/slide37.xml><?xml version="1.0" encoding="utf-8"?>
 <p:sld xmlns:a="http://schemas.openxmlformats.org/drawingml/2006/main" xmlns:r="http://schemas.openxmlformats.org/officeDocument/2006/relationships" xmlns:p="http://schemas.openxmlformats.org/presentationml/2006/main">
   <p:cSld>
     <p:spTree>
@@ -14166,10 +16935,10 @@
           <a:bodyPr/>
           <a:lstStyle/>
           <a:p>
-            <a:fld id="{67F1B412-86EC-4FFB-973C-BE9B9909645A}" type="datetime3">
-              <a:rPr lang="en-US" smtClean="0"/>
-              <a:t>10 September 2024</a:t>
-            </a:fld>
+            <a:r>
+              <a:rPr lang="en-US"/>
+              <a:t>23 de Septiembre de 2024</a:t>
+            </a:r>
             <a:endParaRPr lang="en-US" dirty="0"/>
           </a:p>
         </p:txBody>
@@ -14227,7 +16996,7 @@
             <a:fld id="{36B5EA5A-BC32-A742-B11B-8E7414D5B535}" type="slidenum">
               <a:rPr lang="en-US" smtClean="0"/>
               <a:pPr/>
-              <a:t>25</a:t>
+              <a:t>37</a:t>
             </a:fld>
             <a:endParaRPr lang="en-US" dirty="0"/>
           </a:p>
@@ -14246,7 +17015,7 @@
 </p:sld>
 </file>
 
-<file path=ppt/slides/slide26.xml><?xml version="1.0" encoding="utf-8"?>
+<file path=ppt/slides/slide38.xml><?xml version="1.0" encoding="utf-8"?>
 <p:sld xmlns:a="http://schemas.openxmlformats.org/drawingml/2006/main" xmlns:r="http://schemas.openxmlformats.org/officeDocument/2006/relationships" xmlns:p="http://schemas.openxmlformats.org/presentationml/2006/main">
   <p:cSld>
     <p:spTree>
@@ -14625,10 +17394,10 @@
           <a:bodyPr/>
           <a:lstStyle/>
           <a:p>
-            <a:fld id="{B2631F6A-D4FF-4E83-AAC9-6A98C5962384}" type="datetime3">
-              <a:rPr lang="en-US" smtClean="0"/>
-              <a:t>10 September 2024</a:t>
-            </a:fld>
+            <a:r>
+              <a:rPr lang="en-US"/>
+              <a:t>23 de Septiembre de 2024</a:t>
+            </a:r>
             <a:endParaRPr lang="en-US" dirty="0"/>
           </a:p>
         </p:txBody>
@@ -14686,7 +17455,7 @@
             <a:fld id="{36B5EA5A-BC32-A742-B11B-8E7414D5B535}" type="slidenum">
               <a:rPr lang="en-US" smtClean="0"/>
               <a:pPr/>
-              <a:t>26</a:t>
+              <a:t>38</a:t>
             </a:fld>
             <a:endParaRPr lang="en-US" dirty="0"/>
           </a:p>
@@ -14977,7 +17746,7 @@
 </p:sld>
 </file>
 
-<file path=ppt/slides/slide27.xml><?xml version="1.0" encoding="utf-8"?>
+<file path=ppt/slides/slide39.xml><?xml version="1.0" encoding="utf-8"?>
 <p:sld xmlns:a="http://schemas.openxmlformats.org/drawingml/2006/main" xmlns:r="http://schemas.openxmlformats.org/officeDocument/2006/relationships" xmlns:p="http://schemas.openxmlformats.org/presentationml/2006/main">
   <p:cSld>
     <p:spTree>
@@ -15392,10 +18161,10 @@
           <a:bodyPr/>
           <a:lstStyle/>
           <a:p>
-            <a:fld id="{06A634B7-EA0B-4341-BDCB-5DDC4C7F3CFC}" type="datetime3">
-              <a:rPr lang="en-US" smtClean="0"/>
-              <a:t>10 September 2024</a:t>
-            </a:fld>
+            <a:r>
+              <a:rPr lang="en-US"/>
+              <a:t>23 de Septiembre de 2024</a:t>
+            </a:r>
             <a:endParaRPr lang="en-US" dirty="0"/>
           </a:p>
         </p:txBody>
@@ -15453,7 +18222,7 @@
             <a:fld id="{36B5EA5A-BC32-A742-B11B-8E7414D5B535}" type="slidenum">
               <a:rPr lang="en-US" smtClean="0"/>
               <a:pPr/>
-              <a:t>27</a:t>
+              <a:t>39</a:t>
             </a:fld>
             <a:endParaRPr lang="en-US" dirty="0"/>
           </a:p>
@@ -15502,7 +18271,183 @@
 </p:sld>
 </file>
 
-<file path=ppt/slides/slide28.xml><?xml version="1.0" encoding="utf-8"?>
+<file path=ppt/slides/slide4.xml><?xml version="1.0" encoding="utf-8"?>
+<p:sld xmlns:a="http://schemas.openxmlformats.org/drawingml/2006/main" xmlns:r="http://schemas.openxmlformats.org/officeDocument/2006/relationships" xmlns:p="http://schemas.openxmlformats.org/presentationml/2006/main">
+  <p:cSld>
+    <p:spTree>
+      <p:nvGrpSpPr>
+        <p:cNvPr id="1" name=""/>
+        <p:cNvGrpSpPr/>
+        <p:nvPr/>
+      </p:nvGrpSpPr>
+      <p:grpSpPr>
+        <a:xfrm>
+          <a:off x="0" y="0"/>
+          <a:ext cx="0" cy="0"/>
+          <a:chOff x="0" y="0"/>
+          <a:chExt cx="0" cy="0"/>
+        </a:xfrm>
+      </p:grpSpPr>
+      <p:sp>
+        <p:nvSpPr>
+          <p:cNvPr id="2" name="Content Placeholder 1">
+            <a:extLst>
+              <a:ext uri="{FF2B5EF4-FFF2-40B4-BE49-F238E27FC236}">
+                <a16:creationId xmlns:a16="http://schemas.microsoft.com/office/drawing/2014/main" id="{0B392290-90D7-DBFD-BB03-5DEBDBBD27C4}"/>
+              </a:ext>
+            </a:extLst>
+          </p:cNvPr>
+          <p:cNvSpPr>
+            <a:spLocks noGrp="1"/>
+          </p:cNvSpPr>
+          <p:nvPr>
+            <p:ph idx="1"/>
+          </p:nvPr>
+        </p:nvSpPr>
+        <p:spPr/>
+        <p:txBody>
+          <a:bodyPr/>
+          <a:lstStyle/>
+          <a:p>
+            <a:pPr algn="just"/>
+            <a:r>
+              <a:rPr lang="es-ES" noProof="0" dirty="0" err="1"/>
+              <a:t>Lorem</a:t>
+            </a:r>
+            <a:endParaRPr lang="es-MX" b="0" noProof="0" dirty="0"/>
+          </a:p>
+        </p:txBody>
+      </p:sp>
+      <p:sp>
+        <p:nvSpPr>
+          <p:cNvPr id="3" name="Title 2">
+            <a:extLst>
+              <a:ext uri="{FF2B5EF4-FFF2-40B4-BE49-F238E27FC236}">
+                <a16:creationId xmlns:a16="http://schemas.microsoft.com/office/drawing/2014/main" id="{FC92709B-8339-A065-4CE2-344E2041C050}"/>
+              </a:ext>
+            </a:extLst>
+          </p:cNvPr>
+          <p:cNvSpPr>
+            <a:spLocks noGrp="1"/>
+          </p:cNvSpPr>
+          <p:nvPr>
+            <p:ph type="title"/>
+          </p:nvPr>
+        </p:nvSpPr>
+        <p:spPr/>
+        <p:txBody>
+          <a:bodyPr/>
+          <a:lstStyle/>
+          <a:p>
+            <a:r>
+              <a:rPr lang="es-MX" noProof="0" dirty="0"/>
+              <a:t>Sistemas de adquisición de datos (DAQ)</a:t>
+            </a:r>
+          </a:p>
+        </p:txBody>
+      </p:sp>
+      <p:sp>
+        <p:nvSpPr>
+          <p:cNvPr id="4" name="Date Placeholder 3">
+            <a:extLst>
+              <a:ext uri="{FF2B5EF4-FFF2-40B4-BE49-F238E27FC236}">
+                <a16:creationId xmlns:a16="http://schemas.microsoft.com/office/drawing/2014/main" id="{B7D15081-0B82-9F80-22A2-66AD0AE45856}"/>
+              </a:ext>
+            </a:extLst>
+          </p:cNvPr>
+          <p:cNvSpPr>
+            <a:spLocks noGrp="1"/>
+          </p:cNvSpPr>
+          <p:nvPr>
+            <p:ph type="dt" sz="half" idx="10"/>
+          </p:nvPr>
+        </p:nvSpPr>
+        <p:spPr/>
+        <p:txBody>
+          <a:bodyPr/>
+          <a:lstStyle/>
+          <a:p>
+            <a:r>
+              <a:rPr lang="en-US"/>
+              <a:t>23 de Septiembre de 2024</a:t>
+            </a:r>
+            <a:endParaRPr lang="en-US" dirty="0"/>
+          </a:p>
+        </p:txBody>
+      </p:sp>
+      <p:sp>
+        <p:nvSpPr>
+          <p:cNvPr id="5" name="Footer Placeholder 4">
+            <a:extLst>
+              <a:ext uri="{FF2B5EF4-FFF2-40B4-BE49-F238E27FC236}">
+                <a16:creationId xmlns:a16="http://schemas.microsoft.com/office/drawing/2014/main" id="{A6225D6D-E033-CFAE-D4B5-6E8CE41892DD}"/>
+              </a:ext>
+            </a:extLst>
+          </p:cNvPr>
+          <p:cNvSpPr>
+            <a:spLocks noGrp="1"/>
+          </p:cNvSpPr>
+          <p:nvPr>
+            <p:ph type="ftr" sz="quarter" idx="11"/>
+          </p:nvPr>
+        </p:nvSpPr>
+        <p:spPr/>
+        <p:txBody>
+          <a:bodyPr/>
+          <a:lstStyle/>
+          <a:p>
+            <a:r>
+              <a:rPr lang="es-ES"/>
+              <a:t>Julisa Verdejo Palacios | Defensa de tesis de maestría</a:t>
+            </a:r>
+            <a:endParaRPr lang="en-US" dirty="0"/>
+          </a:p>
+        </p:txBody>
+      </p:sp>
+      <p:sp>
+        <p:nvSpPr>
+          <p:cNvPr id="6" name="Slide Number Placeholder 5">
+            <a:extLst>
+              <a:ext uri="{FF2B5EF4-FFF2-40B4-BE49-F238E27FC236}">
+                <a16:creationId xmlns:a16="http://schemas.microsoft.com/office/drawing/2014/main" id="{4634F3CE-1FDE-E9E6-C919-82384086EA9D}"/>
+              </a:ext>
+            </a:extLst>
+          </p:cNvPr>
+          <p:cNvSpPr>
+            <a:spLocks noGrp="1"/>
+          </p:cNvSpPr>
+          <p:nvPr>
+            <p:ph type="sldNum" sz="quarter" idx="12"/>
+          </p:nvPr>
+        </p:nvSpPr>
+        <p:spPr/>
+        <p:txBody>
+          <a:bodyPr/>
+          <a:lstStyle/>
+          <a:p>
+            <a:fld id="{36B5EA5A-BC32-A742-B11B-8E7414D5B535}" type="slidenum">
+              <a:rPr lang="en-US" smtClean="0"/>
+              <a:pPr/>
+              <a:t>4</a:t>
+            </a:fld>
+            <a:endParaRPr lang="en-US" dirty="0"/>
+          </a:p>
+        </p:txBody>
+      </p:sp>
+    </p:spTree>
+    <p:extLst>
+      <p:ext uri="{BB962C8B-B14F-4D97-AF65-F5344CB8AC3E}">
+        <p14:creationId xmlns:p14="http://schemas.microsoft.com/office/powerpoint/2010/main" val="3292040131"/>
+      </p:ext>
+    </p:extLst>
+  </p:cSld>
+  <p:clrMapOvr>
+    <a:masterClrMapping/>
+  </p:clrMapOvr>
+</p:sld>
+</file>
+
+<file path=ppt/slides/slide40.xml><?xml version="1.0" encoding="utf-8"?>
 <p:sld xmlns:a="http://schemas.openxmlformats.org/drawingml/2006/main" xmlns:r="http://schemas.openxmlformats.org/officeDocument/2006/relationships" xmlns:p="http://schemas.openxmlformats.org/presentationml/2006/main">
   <p:cSld>
     <p:spTree>
@@ -15532,7 +18477,7 @@
 </p:sld>
 </file>
 
-<file path=ppt/slides/slide29.xml><?xml version="1.0" encoding="utf-8"?>
+<file path=ppt/slides/slide41.xml><?xml version="1.0" encoding="utf-8"?>
 <p:sld xmlns:a="http://schemas.openxmlformats.org/drawingml/2006/main" xmlns:r="http://schemas.openxmlformats.org/officeDocument/2006/relationships" xmlns:p="http://schemas.openxmlformats.org/presentationml/2006/main">
   <p:cSld>
     <p:spTree>
@@ -15737,10 +18682,10 @@
           <a:bodyPr/>
           <a:lstStyle/>
           <a:p>
-            <a:fld id="{A63F0145-8065-4EB9-A370-24EF8B19B469}" type="datetime3">
-              <a:rPr lang="en-US" smtClean="0"/>
-              <a:t>10 September 2024</a:t>
-            </a:fld>
+            <a:r>
+              <a:rPr lang="en-US"/>
+              <a:t>23 de Septiembre de 2024</a:t>
+            </a:r>
             <a:endParaRPr lang="en-US" dirty="0"/>
           </a:p>
         </p:txBody>
@@ -15798,7 +18743,7 @@
             <a:fld id="{36B5EA5A-BC32-A742-B11B-8E7414D5B535}" type="slidenum">
               <a:rPr lang="en-US" smtClean="0"/>
               <a:pPr/>
-              <a:t>29</a:t>
+              <a:t>41</a:t>
             </a:fld>
             <a:endParaRPr lang="en-US" dirty="0"/>
           </a:p>
@@ -15906,7 +18851,7 @@
 </p:sld>
 </file>
 
-<file path=ppt/slides/slide3.xml><?xml version="1.0" encoding="utf-8"?>
+<file path=ppt/slides/slide42.xml><?xml version="1.0" encoding="utf-8"?>
 <p:sld xmlns:a="http://schemas.openxmlformats.org/drawingml/2006/main" xmlns:r="http://schemas.openxmlformats.org/officeDocument/2006/relationships" xmlns:p="http://schemas.openxmlformats.org/presentationml/2006/main">
   <p:cSld>
     <p:spTree>
@@ -15928,177 +18873,6 @@
           <p:cNvPr id="2" name="Title 1">
             <a:extLst>
               <a:ext uri="{FF2B5EF4-FFF2-40B4-BE49-F238E27FC236}">
-                <a16:creationId xmlns:a16="http://schemas.microsoft.com/office/drawing/2014/main" id="{DADC95AA-4A37-E463-6476-9ACB0C4023A5}"/>
-              </a:ext>
-            </a:extLst>
-          </p:cNvPr>
-          <p:cNvSpPr>
-            <a:spLocks noGrp="1"/>
-          </p:cNvSpPr>
-          <p:nvPr>
-            <p:ph type="ctrTitle"/>
-          </p:nvPr>
-        </p:nvSpPr>
-        <p:spPr/>
-        <p:txBody>
-          <a:bodyPr/>
-          <a:lstStyle/>
-          <a:p>
-            <a:r>
-              <a:rPr lang="es-MX" noProof="0" dirty="0"/>
-              <a:t>Introducción</a:t>
-            </a:r>
-          </a:p>
-        </p:txBody>
-      </p:sp>
-      <p:sp>
-        <p:nvSpPr>
-          <p:cNvPr id="3" name="Subtitle 2">
-            <a:extLst>
-              <a:ext uri="{FF2B5EF4-FFF2-40B4-BE49-F238E27FC236}">
-                <a16:creationId xmlns:a16="http://schemas.microsoft.com/office/drawing/2014/main" id="{D84140F7-8425-C993-E34E-99C89BF3F339}"/>
-              </a:ext>
-            </a:extLst>
-          </p:cNvPr>
-          <p:cNvSpPr>
-            <a:spLocks noGrp="1"/>
-          </p:cNvSpPr>
-          <p:nvPr>
-            <p:ph type="subTitle" idx="1"/>
-          </p:nvPr>
-        </p:nvSpPr>
-        <p:spPr/>
-        <p:txBody>
-          <a:bodyPr/>
-          <a:lstStyle/>
-          <a:p>
-            <a:endParaRPr lang="en-US"/>
-          </a:p>
-        </p:txBody>
-      </p:sp>
-      <p:sp>
-        <p:nvSpPr>
-          <p:cNvPr id="4" name="Date Placeholder 3">
-            <a:extLst>
-              <a:ext uri="{FF2B5EF4-FFF2-40B4-BE49-F238E27FC236}">
-                <a16:creationId xmlns:a16="http://schemas.microsoft.com/office/drawing/2014/main" id="{75A7162D-D612-6FA5-8E00-6C033C9D1343}"/>
-              </a:ext>
-            </a:extLst>
-          </p:cNvPr>
-          <p:cNvSpPr>
-            <a:spLocks noGrp="1"/>
-          </p:cNvSpPr>
-          <p:nvPr>
-            <p:ph type="dt" sz="half" idx="10"/>
-          </p:nvPr>
-        </p:nvSpPr>
-        <p:spPr/>
-        <p:txBody>
-          <a:bodyPr/>
-          <a:lstStyle/>
-          <a:p>
-            <a:fld id="{6C63F6D8-0BE3-4DFD-A4A8-43C7192B7E31}" type="datetime3">
-              <a:rPr lang="en-US" smtClean="0"/>
-              <a:t>10 September 2024</a:t>
-            </a:fld>
-            <a:endParaRPr lang="en-US" dirty="0"/>
-          </a:p>
-        </p:txBody>
-      </p:sp>
-      <p:sp>
-        <p:nvSpPr>
-          <p:cNvPr id="5" name="Footer Placeholder 4">
-            <a:extLst>
-              <a:ext uri="{FF2B5EF4-FFF2-40B4-BE49-F238E27FC236}">
-                <a16:creationId xmlns:a16="http://schemas.microsoft.com/office/drawing/2014/main" id="{B6E32D0C-E644-BCDD-2D86-EFE84602CF8D}"/>
-              </a:ext>
-            </a:extLst>
-          </p:cNvPr>
-          <p:cNvSpPr>
-            <a:spLocks noGrp="1"/>
-          </p:cNvSpPr>
-          <p:nvPr>
-            <p:ph type="ftr" sz="quarter" idx="11"/>
-          </p:nvPr>
-        </p:nvSpPr>
-        <p:spPr/>
-        <p:txBody>
-          <a:bodyPr/>
-          <a:lstStyle/>
-          <a:p>
-            <a:r>
-              <a:rPr lang="es-ES"/>
-              <a:t>Julisa Verdejo Palacios | Defensa de tesis de maestría</a:t>
-            </a:r>
-            <a:endParaRPr lang="en-US" dirty="0"/>
-          </a:p>
-        </p:txBody>
-      </p:sp>
-      <p:sp>
-        <p:nvSpPr>
-          <p:cNvPr id="6" name="Slide Number Placeholder 5">
-            <a:extLst>
-              <a:ext uri="{FF2B5EF4-FFF2-40B4-BE49-F238E27FC236}">
-                <a16:creationId xmlns:a16="http://schemas.microsoft.com/office/drawing/2014/main" id="{9B6C52DA-AFD7-A4DC-D721-0BD931241DAA}"/>
-              </a:ext>
-            </a:extLst>
-          </p:cNvPr>
-          <p:cNvSpPr>
-            <a:spLocks noGrp="1"/>
-          </p:cNvSpPr>
-          <p:nvPr>
-            <p:ph type="sldNum" sz="quarter" idx="12"/>
-          </p:nvPr>
-        </p:nvSpPr>
-        <p:spPr/>
-        <p:txBody>
-          <a:bodyPr/>
-          <a:lstStyle/>
-          <a:p>
-            <a:fld id="{36B5EA5A-BC32-A742-B11B-8E7414D5B535}" type="slidenum">
-              <a:rPr lang="en-US" smtClean="0"/>
-              <a:pPr/>
-              <a:t>3</a:t>
-            </a:fld>
-            <a:endParaRPr lang="en-US" dirty="0"/>
-          </a:p>
-        </p:txBody>
-      </p:sp>
-    </p:spTree>
-    <p:extLst>
-      <p:ext uri="{BB962C8B-B14F-4D97-AF65-F5344CB8AC3E}">
-        <p14:creationId xmlns:p14="http://schemas.microsoft.com/office/powerpoint/2010/main" val="3133702993"/>
-      </p:ext>
-    </p:extLst>
-  </p:cSld>
-  <p:clrMapOvr>
-    <a:masterClrMapping/>
-  </p:clrMapOvr>
-</p:sld>
-</file>
-
-<file path=ppt/slides/slide30.xml><?xml version="1.0" encoding="utf-8"?>
-<p:sld xmlns:a="http://schemas.openxmlformats.org/drawingml/2006/main" xmlns:r="http://schemas.openxmlformats.org/officeDocument/2006/relationships" xmlns:p="http://schemas.openxmlformats.org/presentationml/2006/main">
-  <p:cSld>
-    <p:spTree>
-      <p:nvGrpSpPr>
-        <p:cNvPr id="1" name=""/>
-        <p:cNvGrpSpPr/>
-        <p:nvPr/>
-      </p:nvGrpSpPr>
-      <p:grpSpPr>
-        <a:xfrm>
-          <a:off x="0" y="0"/>
-          <a:ext cx="0" cy="0"/>
-          <a:chOff x="0" y="0"/>
-          <a:chExt cx="0" cy="0"/>
-        </a:xfrm>
-      </p:grpSpPr>
-      <p:sp>
-        <p:nvSpPr>
-          <p:cNvPr id="2" name="Title 1">
-            <a:extLst>
-              <a:ext uri="{FF2B5EF4-FFF2-40B4-BE49-F238E27FC236}">
                 <a16:creationId xmlns:a16="http://schemas.microsoft.com/office/drawing/2014/main" id="{52C4DD42-43DA-6180-E67E-10B956FA29D7}"/>
               </a:ext>
             </a:extLst>
@@ -16540,10 +19314,10 @@
           <a:bodyPr/>
           <a:lstStyle/>
           <a:p>
-            <a:fld id="{8F68C8E6-0C66-402A-B566-19D10227F844}" type="datetime3">
-              <a:rPr lang="en-US" smtClean="0"/>
-              <a:t>10 September 2024</a:t>
-            </a:fld>
+            <a:r>
+              <a:rPr lang="en-US"/>
+              <a:t>23 de Septiembre de 2024</a:t>
+            </a:r>
             <a:endParaRPr lang="en-US" dirty="0"/>
           </a:p>
         </p:txBody>
@@ -16601,7 +19375,7 @@
             <a:fld id="{36B5EA5A-BC32-A742-B11B-8E7414D5B535}" type="slidenum">
               <a:rPr lang="en-US" smtClean="0"/>
               <a:pPr/>
-              <a:t>30</a:t>
+              <a:t>42</a:t>
             </a:fld>
             <a:endParaRPr lang="en-US" dirty="0"/>
           </a:p>
@@ -16740,190 +19514,6 @@
 </p:sld>
 </file>
 
-<file path=ppt/slides/slide4.xml><?xml version="1.0" encoding="utf-8"?>
-<p:sld xmlns:a="http://schemas.openxmlformats.org/drawingml/2006/main" xmlns:r="http://schemas.openxmlformats.org/officeDocument/2006/relationships" xmlns:p="http://schemas.openxmlformats.org/presentationml/2006/main">
-  <p:cSld>
-    <p:spTree>
-      <p:nvGrpSpPr>
-        <p:cNvPr id="1" name=""/>
-        <p:cNvGrpSpPr/>
-        <p:nvPr/>
-      </p:nvGrpSpPr>
-      <p:grpSpPr>
-        <a:xfrm>
-          <a:off x="0" y="0"/>
-          <a:ext cx="0" cy="0"/>
-          <a:chOff x="0" y="0"/>
-          <a:chExt cx="0" cy="0"/>
-        </a:xfrm>
-      </p:grpSpPr>
-      <p:sp>
-        <p:nvSpPr>
-          <p:cNvPr id="2" name="Content Placeholder 1">
-            <a:extLst>
-              <a:ext uri="{FF2B5EF4-FFF2-40B4-BE49-F238E27FC236}">
-                <a16:creationId xmlns:a16="http://schemas.microsoft.com/office/drawing/2014/main" id="{0B392290-90D7-DBFD-BB03-5DEBDBBD27C4}"/>
-              </a:ext>
-            </a:extLst>
-          </p:cNvPr>
-          <p:cNvSpPr>
-            <a:spLocks noGrp="1"/>
-          </p:cNvSpPr>
-          <p:nvPr>
-            <p:ph idx="1"/>
-          </p:nvPr>
-        </p:nvSpPr>
-        <p:spPr/>
-        <p:txBody>
-          <a:bodyPr/>
-          <a:lstStyle/>
-          <a:p>
-            <a:r>
-              <a:rPr lang="es-MX" noProof="0" dirty="0"/>
-              <a:t>Alguna introducción</a:t>
-            </a:r>
-            <a:endParaRPr lang="es-MX" b="0" noProof="0" dirty="0"/>
-          </a:p>
-        </p:txBody>
-      </p:sp>
-      <p:sp>
-        <p:nvSpPr>
-          <p:cNvPr id="3" name="Title 2">
-            <a:extLst>
-              <a:ext uri="{FF2B5EF4-FFF2-40B4-BE49-F238E27FC236}">
-                <a16:creationId xmlns:a16="http://schemas.microsoft.com/office/drawing/2014/main" id="{FC92709B-8339-A065-4CE2-344E2041C050}"/>
-              </a:ext>
-            </a:extLst>
-          </p:cNvPr>
-          <p:cNvSpPr>
-            <a:spLocks noGrp="1"/>
-          </p:cNvSpPr>
-          <p:nvPr>
-            <p:ph type="title"/>
-          </p:nvPr>
-        </p:nvSpPr>
-        <p:spPr/>
-        <p:txBody>
-          <a:bodyPr/>
-          <a:lstStyle/>
-          <a:p>
-            <a:r>
-              <a:rPr lang="es-MX" noProof="0" dirty="0"/>
-              <a:t>¿Qué son los </a:t>
-            </a:r>
-            <a:r>
-              <a:rPr lang="es-MX" noProof="0" dirty="0" err="1"/>
-              <a:t>microbolómetros</a:t>
-            </a:r>
-            <a:r>
-              <a:rPr lang="es-MX" dirty="0"/>
-              <a:t>?</a:t>
-            </a:r>
-            <a:endParaRPr lang="es-MX" noProof="0" dirty="0"/>
-          </a:p>
-        </p:txBody>
-      </p:sp>
-      <p:sp>
-        <p:nvSpPr>
-          <p:cNvPr id="4" name="Date Placeholder 3">
-            <a:extLst>
-              <a:ext uri="{FF2B5EF4-FFF2-40B4-BE49-F238E27FC236}">
-                <a16:creationId xmlns:a16="http://schemas.microsoft.com/office/drawing/2014/main" id="{B7D15081-0B82-9F80-22A2-66AD0AE45856}"/>
-              </a:ext>
-            </a:extLst>
-          </p:cNvPr>
-          <p:cNvSpPr>
-            <a:spLocks noGrp="1"/>
-          </p:cNvSpPr>
-          <p:nvPr>
-            <p:ph type="dt" sz="half" idx="10"/>
-          </p:nvPr>
-        </p:nvSpPr>
-        <p:spPr/>
-        <p:txBody>
-          <a:bodyPr/>
-          <a:lstStyle/>
-          <a:p>
-            <a:fld id="{2EAEA38C-F63C-4379-B768-8CD64A075358}" type="datetime3">
-              <a:rPr lang="en-US" smtClean="0"/>
-              <a:t>10 September 2024</a:t>
-            </a:fld>
-            <a:endParaRPr lang="en-US" dirty="0"/>
-          </a:p>
-        </p:txBody>
-      </p:sp>
-      <p:sp>
-        <p:nvSpPr>
-          <p:cNvPr id="5" name="Footer Placeholder 4">
-            <a:extLst>
-              <a:ext uri="{FF2B5EF4-FFF2-40B4-BE49-F238E27FC236}">
-                <a16:creationId xmlns:a16="http://schemas.microsoft.com/office/drawing/2014/main" id="{A6225D6D-E033-CFAE-D4B5-6E8CE41892DD}"/>
-              </a:ext>
-            </a:extLst>
-          </p:cNvPr>
-          <p:cNvSpPr>
-            <a:spLocks noGrp="1"/>
-          </p:cNvSpPr>
-          <p:nvPr>
-            <p:ph type="ftr" sz="quarter" idx="11"/>
-          </p:nvPr>
-        </p:nvSpPr>
-        <p:spPr/>
-        <p:txBody>
-          <a:bodyPr/>
-          <a:lstStyle/>
-          <a:p>
-            <a:r>
-              <a:rPr lang="es-ES"/>
-              <a:t>Julisa Verdejo Palacios | Defensa de tesis de maestría</a:t>
-            </a:r>
-            <a:endParaRPr lang="en-US" dirty="0"/>
-          </a:p>
-        </p:txBody>
-      </p:sp>
-      <p:sp>
-        <p:nvSpPr>
-          <p:cNvPr id="6" name="Slide Number Placeholder 5">
-            <a:extLst>
-              <a:ext uri="{FF2B5EF4-FFF2-40B4-BE49-F238E27FC236}">
-                <a16:creationId xmlns:a16="http://schemas.microsoft.com/office/drawing/2014/main" id="{4634F3CE-1FDE-E9E6-C919-82384086EA9D}"/>
-              </a:ext>
-            </a:extLst>
-          </p:cNvPr>
-          <p:cNvSpPr>
-            <a:spLocks noGrp="1"/>
-          </p:cNvSpPr>
-          <p:nvPr>
-            <p:ph type="sldNum" sz="quarter" idx="12"/>
-          </p:nvPr>
-        </p:nvSpPr>
-        <p:spPr/>
-        <p:txBody>
-          <a:bodyPr/>
-          <a:lstStyle/>
-          <a:p>
-            <a:fld id="{36B5EA5A-BC32-A742-B11B-8E7414D5B535}" type="slidenum">
-              <a:rPr lang="en-US" smtClean="0"/>
-              <a:pPr/>
-              <a:t>4</a:t>
-            </a:fld>
-            <a:endParaRPr lang="en-US" dirty="0"/>
-          </a:p>
-        </p:txBody>
-      </p:sp>
-    </p:spTree>
-    <p:extLst>
-      <p:ext uri="{BB962C8B-B14F-4D97-AF65-F5344CB8AC3E}">
-        <p14:creationId xmlns:p14="http://schemas.microsoft.com/office/powerpoint/2010/main" val="4279977205"/>
-      </p:ext>
-    </p:extLst>
-  </p:cSld>
-  <p:clrMapOvr>
-    <a:masterClrMapping/>
-  </p:clrMapOvr>
-</p:sld>
-</file>
-
 <file path=ppt/slides/slide5.xml><?xml version="1.0" encoding="utf-8"?>
 <p:sld xmlns:a="http://schemas.openxmlformats.org/drawingml/2006/main" xmlns:r="http://schemas.openxmlformats.org/officeDocument/2006/relationships" xmlns:p="http://schemas.openxmlformats.org/presentationml/2006/main">
   <p:cSld>
@@ -16943,54 +19533,66 @@
       </p:grpSpPr>
       <p:sp>
         <p:nvSpPr>
-          <p:cNvPr id="2" name="Title 1">
-            <a:extLst>
-              <a:ext uri="{FF2B5EF4-FFF2-40B4-BE49-F238E27FC236}">
-                <a16:creationId xmlns:a16="http://schemas.microsoft.com/office/drawing/2014/main" id="{DADC95AA-4A37-E463-6476-9ACB0C4023A5}"/>
-              </a:ext>
-            </a:extLst>
-          </p:cNvPr>
-          <p:cNvSpPr>
-            <a:spLocks noGrp="1"/>
-          </p:cNvSpPr>
-          <p:nvPr>
-            <p:ph type="ctrTitle"/>
-          </p:nvPr>
-        </p:nvSpPr>
-        <p:spPr/>
-        <p:txBody>
-          <a:bodyPr/>
-          <a:lstStyle/>
-          <a:p>
-            <a:r>
-              <a:rPr lang="es-MX" noProof="0" dirty="0"/>
-              <a:t>Objetivos</a:t>
-            </a:r>
-          </a:p>
-        </p:txBody>
-      </p:sp>
-      <p:sp>
-        <p:nvSpPr>
-          <p:cNvPr id="3" name="Subtitle 2">
-            <a:extLst>
-              <a:ext uri="{FF2B5EF4-FFF2-40B4-BE49-F238E27FC236}">
-                <a16:creationId xmlns:a16="http://schemas.microsoft.com/office/drawing/2014/main" id="{D84140F7-8425-C993-E34E-99C89BF3F339}"/>
-              </a:ext>
-            </a:extLst>
-          </p:cNvPr>
-          <p:cNvSpPr>
-            <a:spLocks noGrp="1"/>
-          </p:cNvSpPr>
-          <p:nvPr>
-            <p:ph type="subTitle" idx="1"/>
-          </p:nvPr>
-        </p:nvSpPr>
-        <p:spPr/>
-        <p:txBody>
-          <a:bodyPr/>
-          <a:lstStyle/>
-          <a:p>
-            <a:endParaRPr lang="en-US"/>
+          <p:cNvPr id="2" name="Content Placeholder 1">
+            <a:extLst>
+              <a:ext uri="{FF2B5EF4-FFF2-40B4-BE49-F238E27FC236}">
+                <a16:creationId xmlns:a16="http://schemas.microsoft.com/office/drawing/2014/main" id="{0B392290-90D7-DBFD-BB03-5DEBDBBD27C4}"/>
+              </a:ext>
+            </a:extLst>
+          </p:cNvPr>
+          <p:cNvSpPr>
+            <a:spLocks noGrp="1"/>
+          </p:cNvSpPr>
+          <p:nvPr>
+            <p:ph idx="1"/>
+          </p:nvPr>
+        </p:nvSpPr>
+        <p:spPr>
+          <a:xfrm>
+            <a:off x="407988" y="1592263"/>
+            <a:ext cx="11380811" cy="4608512"/>
+          </a:xfrm>
+        </p:spPr>
+        <p:txBody>
+          <a:bodyPr/>
+          <a:lstStyle/>
+          <a:p>
+            <a:pPr marL="0" indent="0" algn="just">
+              <a:buNone/>
+            </a:pPr>
+            <a:r>
+              <a:rPr lang="es-ES" noProof="0" dirty="0"/>
+              <a:t>La radiación electromagnética es la emisión y transmisión de energía en forma de ondas electromagnéticas. El espectro electromagnético es una representación de los diversos tipos de radiación existentes, en él se definen los intervalos de longitudes de onda o frecuencia que cada una de ellas abarca.</a:t>
+            </a:r>
+            <a:endParaRPr lang="es-MX" b="0" noProof="0" dirty="0"/>
+          </a:p>
+        </p:txBody>
+      </p:sp>
+      <p:sp>
+        <p:nvSpPr>
+          <p:cNvPr id="3" name="Title 2">
+            <a:extLst>
+              <a:ext uri="{FF2B5EF4-FFF2-40B4-BE49-F238E27FC236}">
+                <a16:creationId xmlns:a16="http://schemas.microsoft.com/office/drawing/2014/main" id="{FC92709B-8339-A065-4CE2-344E2041C050}"/>
+              </a:ext>
+            </a:extLst>
+          </p:cNvPr>
+          <p:cNvSpPr>
+            <a:spLocks noGrp="1"/>
+          </p:cNvSpPr>
+          <p:nvPr>
+            <p:ph type="title"/>
+          </p:nvPr>
+        </p:nvSpPr>
+        <p:spPr/>
+        <p:txBody>
+          <a:bodyPr/>
+          <a:lstStyle/>
+          <a:p>
+            <a:r>
+              <a:rPr lang="es-MX" noProof="0" dirty="0"/>
+              <a:t>Radiación Electromagnética</a:t>
+            </a:r>
           </a:p>
         </p:txBody>
       </p:sp>
@@ -16999,7 +19601,7 @@
           <p:cNvPr id="4" name="Date Placeholder 3">
             <a:extLst>
               <a:ext uri="{FF2B5EF4-FFF2-40B4-BE49-F238E27FC236}">
-                <a16:creationId xmlns:a16="http://schemas.microsoft.com/office/drawing/2014/main" id="{75A7162D-D612-6FA5-8E00-6C033C9D1343}"/>
+                <a16:creationId xmlns:a16="http://schemas.microsoft.com/office/drawing/2014/main" id="{B7D15081-0B82-9F80-22A2-66AD0AE45856}"/>
               </a:ext>
             </a:extLst>
           </p:cNvPr>
@@ -17015,10 +19617,10 @@
           <a:bodyPr/>
           <a:lstStyle/>
           <a:p>
-            <a:fld id="{6C63F6D8-0BE3-4DFD-A4A8-43C7192B7E31}" type="datetime3">
-              <a:rPr lang="en-US" smtClean="0"/>
-              <a:t>10 September 2024</a:t>
-            </a:fld>
+            <a:r>
+              <a:rPr lang="en-US"/>
+              <a:t>23 de Septiembre de 2024</a:t>
+            </a:r>
             <a:endParaRPr lang="en-US" dirty="0"/>
           </a:p>
         </p:txBody>
@@ -17028,7 +19630,7 @@
           <p:cNvPr id="5" name="Footer Placeholder 4">
             <a:extLst>
               <a:ext uri="{FF2B5EF4-FFF2-40B4-BE49-F238E27FC236}">
-                <a16:creationId xmlns:a16="http://schemas.microsoft.com/office/drawing/2014/main" id="{B6E32D0C-E644-BCDD-2D86-EFE84602CF8D}"/>
+                <a16:creationId xmlns:a16="http://schemas.microsoft.com/office/drawing/2014/main" id="{A6225D6D-E033-CFAE-D4B5-6E8CE41892DD}"/>
               </a:ext>
             </a:extLst>
           </p:cNvPr>
@@ -17057,7 +19659,7 @@
           <p:cNvPr id="6" name="Slide Number Placeholder 5">
             <a:extLst>
               <a:ext uri="{FF2B5EF4-FFF2-40B4-BE49-F238E27FC236}">
-                <a16:creationId xmlns:a16="http://schemas.microsoft.com/office/drawing/2014/main" id="{9B6C52DA-AFD7-A4DC-D721-0BD931241DAA}"/>
+                <a16:creationId xmlns:a16="http://schemas.microsoft.com/office/drawing/2014/main" id="{4634F3CE-1FDE-E9E6-C919-82384086EA9D}"/>
               </a:ext>
             </a:extLst>
           </p:cNvPr>
@@ -17085,7 +19687,7 @@
     </p:spTree>
     <p:extLst>
       <p:ext uri="{BB962C8B-B14F-4D97-AF65-F5344CB8AC3E}">
-        <p14:creationId xmlns:p14="http://schemas.microsoft.com/office/powerpoint/2010/main" val="2901929052"/>
+        <p14:creationId xmlns:p14="http://schemas.microsoft.com/office/powerpoint/2010/main" val="286582612"/>
       </p:ext>
     </p:extLst>
   </p:cSld>
@@ -17114,54 +19716,66 @@
       </p:grpSpPr>
       <p:sp>
         <p:nvSpPr>
-          <p:cNvPr id="2" name="Title 1">
-            <a:extLst>
-              <a:ext uri="{FF2B5EF4-FFF2-40B4-BE49-F238E27FC236}">
-                <a16:creationId xmlns:a16="http://schemas.microsoft.com/office/drawing/2014/main" id="{DADC95AA-4A37-E463-6476-9ACB0C4023A5}"/>
-              </a:ext>
-            </a:extLst>
-          </p:cNvPr>
-          <p:cNvSpPr>
-            <a:spLocks noGrp="1"/>
-          </p:cNvSpPr>
-          <p:nvPr>
-            <p:ph type="ctrTitle"/>
-          </p:nvPr>
-        </p:nvSpPr>
-        <p:spPr/>
-        <p:txBody>
-          <a:bodyPr/>
-          <a:lstStyle/>
-          <a:p>
-            <a:r>
-              <a:rPr lang="es-MX" noProof="0" dirty="0"/>
-              <a:t>Antecedentes</a:t>
-            </a:r>
-          </a:p>
-        </p:txBody>
-      </p:sp>
-      <p:sp>
-        <p:nvSpPr>
-          <p:cNvPr id="3" name="Subtitle 2">
-            <a:extLst>
-              <a:ext uri="{FF2B5EF4-FFF2-40B4-BE49-F238E27FC236}">
-                <a16:creationId xmlns:a16="http://schemas.microsoft.com/office/drawing/2014/main" id="{D84140F7-8425-C993-E34E-99C89BF3F339}"/>
-              </a:ext>
-            </a:extLst>
-          </p:cNvPr>
-          <p:cNvSpPr>
-            <a:spLocks noGrp="1"/>
-          </p:cNvSpPr>
-          <p:nvPr>
-            <p:ph type="subTitle" idx="1"/>
-          </p:nvPr>
-        </p:nvSpPr>
-        <p:spPr/>
-        <p:txBody>
-          <a:bodyPr/>
-          <a:lstStyle/>
-          <a:p>
-            <a:endParaRPr lang="en-US"/>
+          <p:cNvPr id="2" name="Content Placeholder 1">
+            <a:extLst>
+              <a:ext uri="{FF2B5EF4-FFF2-40B4-BE49-F238E27FC236}">
+                <a16:creationId xmlns:a16="http://schemas.microsoft.com/office/drawing/2014/main" id="{0B392290-90D7-DBFD-BB03-5DEBDBBD27C4}"/>
+              </a:ext>
+            </a:extLst>
+          </p:cNvPr>
+          <p:cNvSpPr>
+            <a:spLocks noGrp="1"/>
+          </p:cNvSpPr>
+          <p:nvPr>
+            <p:ph idx="1"/>
+          </p:nvPr>
+        </p:nvSpPr>
+        <p:spPr>
+          <a:xfrm>
+            <a:off x="407988" y="1592263"/>
+            <a:ext cx="11380811" cy="4608512"/>
+          </a:xfrm>
+        </p:spPr>
+        <p:txBody>
+          <a:bodyPr/>
+          <a:lstStyle/>
+          <a:p>
+            <a:pPr marL="0" indent="0" algn="just">
+              <a:buNone/>
+            </a:pPr>
+            <a:r>
+              <a:rPr lang="es-ES" noProof="0" dirty="0"/>
+              <a:t>La radiación electromagnética es la emisión y transmisión de energía en forma de ondas electromagnéticas. El espectro electromagnético es una representación de los diversos tipos de radiación existentes, en él se definen los intervalos de longitudes de onda o frecuencia que cada una de ellas abarca.</a:t>
+            </a:r>
+            <a:endParaRPr lang="es-MX" b="0" noProof="0" dirty="0"/>
+          </a:p>
+        </p:txBody>
+      </p:sp>
+      <p:sp>
+        <p:nvSpPr>
+          <p:cNvPr id="3" name="Title 2">
+            <a:extLst>
+              <a:ext uri="{FF2B5EF4-FFF2-40B4-BE49-F238E27FC236}">
+                <a16:creationId xmlns:a16="http://schemas.microsoft.com/office/drawing/2014/main" id="{FC92709B-8339-A065-4CE2-344E2041C050}"/>
+              </a:ext>
+            </a:extLst>
+          </p:cNvPr>
+          <p:cNvSpPr>
+            <a:spLocks noGrp="1"/>
+          </p:cNvSpPr>
+          <p:nvPr>
+            <p:ph type="title"/>
+          </p:nvPr>
+        </p:nvSpPr>
+        <p:spPr/>
+        <p:txBody>
+          <a:bodyPr/>
+          <a:lstStyle/>
+          <a:p>
+            <a:r>
+              <a:rPr lang="es-MX" noProof="0" dirty="0"/>
+              <a:t>Sensores de radiación</a:t>
+            </a:r>
           </a:p>
         </p:txBody>
       </p:sp>
@@ -17170,7 +19784,7 @@
           <p:cNvPr id="4" name="Date Placeholder 3">
             <a:extLst>
               <a:ext uri="{FF2B5EF4-FFF2-40B4-BE49-F238E27FC236}">
-                <a16:creationId xmlns:a16="http://schemas.microsoft.com/office/drawing/2014/main" id="{75A7162D-D612-6FA5-8E00-6C033C9D1343}"/>
+                <a16:creationId xmlns:a16="http://schemas.microsoft.com/office/drawing/2014/main" id="{B7D15081-0B82-9F80-22A2-66AD0AE45856}"/>
               </a:ext>
             </a:extLst>
           </p:cNvPr>
@@ -17186,10 +19800,10 @@
           <a:bodyPr/>
           <a:lstStyle/>
           <a:p>
-            <a:fld id="{6C63F6D8-0BE3-4DFD-A4A8-43C7192B7E31}" type="datetime3">
-              <a:rPr lang="en-US" smtClean="0"/>
-              <a:t>10 September 2024</a:t>
-            </a:fld>
+            <a:r>
+              <a:rPr lang="en-US"/>
+              <a:t>23 de Septiembre de 2024</a:t>
+            </a:r>
             <a:endParaRPr lang="en-US" dirty="0"/>
           </a:p>
         </p:txBody>
@@ -17199,7 +19813,7 @@
           <p:cNvPr id="5" name="Footer Placeholder 4">
             <a:extLst>
               <a:ext uri="{FF2B5EF4-FFF2-40B4-BE49-F238E27FC236}">
-                <a16:creationId xmlns:a16="http://schemas.microsoft.com/office/drawing/2014/main" id="{B6E32D0C-E644-BCDD-2D86-EFE84602CF8D}"/>
+                <a16:creationId xmlns:a16="http://schemas.microsoft.com/office/drawing/2014/main" id="{A6225D6D-E033-CFAE-D4B5-6E8CE41892DD}"/>
               </a:ext>
             </a:extLst>
           </p:cNvPr>
@@ -17228,7 +19842,7 @@
           <p:cNvPr id="6" name="Slide Number Placeholder 5">
             <a:extLst>
               <a:ext uri="{FF2B5EF4-FFF2-40B4-BE49-F238E27FC236}">
-                <a16:creationId xmlns:a16="http://schemas.microsoft.com/office/drawing/2014/main" id="{9B6C52DA-AFD7-A4DC-D721-0BD931241DAA}"/>
+                <a16:creationId xmlns:a16="http://schemas.microsoft.com/office/drawing/2014/main" id="{4634F3CE-1FDE-E9E6-C919-82384086EA9D}"/>
               </a:ext>
             </a:extLst>
           </p:cNvPr>
@@ -17256,7 +19870,7 @@
     </p:spTree>
     <p:extLst>
       <p:ext uri="{BB962C8B-B14F-4D97-AF65-F5344CB8AC3E}">
-        <p14:creationId xmlns:p14="http://schemas.microsoft.com/office/powerpoint/2010/main" val="1198284743"/>
+        <p14:creationId xmlns:p14="http://schemas.microsoft.com/office/powerpoint/2010/main" val="4070653911"/>
       </p:ext>
     </p:extLst>
   </p:cSld>
@@ -17285,54 +19899,67 @@
       </p:grpSpPr>
       <p:sp>
         <p:nvSpPr>
-          <p:cNvPr id="2" name="Title 1">
-            <a:extLst>
-              <a:ext uri="{FF2B5EF4-FFF2-40B4-BE49-F238E27FC236}">
-                <a16:creationId xmlns:a16="http://schemas.microsoft.com/office/drawing/2014/main" id="{DADC95AA-4A37-E463-6476-9ACB0C4023A5}"/>
-              </a:ext>
-            </a:extLst>
-          </p:cNvPr>
-          <p:cNvSpPr>
-            <a:spLocks noGrp="1"/>
-          </p:cNvSpPr>
-          <p:nvPr>
-            <p:ph type="ctrTitle"/>
-          </p:nvPr>
-        </p:nvSpPr>
-        <p:spPr/>
-        <p:txBody>
-          <a:bodyPr/>
-          <a:lstStyle/>
-          <a:p>
-            <a:r>
-              <a:rPr lang="es-MX" noProof="0" dirty="0"/>
-              <a:t>Máquinas de estado finito</a:t>
-            </a:r>
-          </a:p>
-        </p:txBody>
-      </p:sp>
-      <p:sp>
-        <p:nvSpPr>
-          <p:cNvPr id="3" name="Subtitle 2">
-            <a:extLst>
-              <a:ext uri="{FF2B5EF4-FFF2-40B4-BE49-F238E27FC236}">
-                <a16:creationId xmlns:a16="http://schemas.microsoft.com/office/drawing/2014/main" id="{D84140F7-8425-C993-E34E-99C89BF3F339}"/>
-              </a:ext>
-            </a:extLst>
-          </p:cNvPr>
-          <p:cNvSpPr>
-            <a:spLocks noGrp="1"/>
-          </p:cNvSpPr>
-          <p:nvPr>
-            <p:ph type="subTitle" idx="1"/>
-          </p:nvPr>
-        </p:nvSpPr>
-        <p:spPr/>
-        <p:txBody>
-          <a:bodyPr/>
-          <a:lstStyle/>
-          <a:p>
-            <a:endParaRPr lang="en-US"/>
+          <p:cNvPr id="2" name="Content Placeholder 1">
+            <a:extLst>
+              <a:ext uri="{FF2B5EF4-FFF2-40B4-BE49-F238E27FC236}">
+                <a16:creationId xmlns:a16="http://schemas.microsoft.com/office/drawing/2014/main" id="{0B392290-90D7-DBFD-BB03-5DEBDBBD27C4}"/>
+              </a:ext>
+            </a:extLst>
+          </p:cNvPr>
+          <p:cNvSpPr>
+            <a:spLocks noGrp="1"/>
+          </p:cNvSpPr>
+          <p:nvPr>
+            <p:ph idx="1"/>
+          </p:nvPr>
+        </p:nvSpPr>
+        <p:spPr/>
+        <p:txBody>
+          <a:bodyPr/>
+          <a:lstStyle/>
+          <a:p>
+            <a:r>
+              <a:rPr lang="es-MX" noProof="0" dirty="0"/>
+              <a:t>Alguna introducción</a:t>
+            </a:r>
+            <a:endParaRPr lang="es-MX" b="0" noProof="0" dirty="0"/>
+          </a:p>
+        </p:txBody>
+      </p:sp>
+      <p:sp>
+        <p:nvSpPr>
+          <p:cNvPr id="3" name="Title 2">
+            <a:extLst>
+              <a:ext uri="{FF2B5EF4-FFF2-40B4-BE49-F238E27FC236}">
+                <a16:creationId xmlns:a16="http://schemas.microsoft.com/office/drawing/2014/main" id="{FC92709B-8339-A065-4CE2-344E2041C050}"/>
+              </a:ext>
+            </a:extLst>
+          </p:cNvPr>
+          <p:cNvSpPr>
+            <a:spLocks noGrp="1"/>
+          </p:cNvSpPr>
+          <p:nvPr>
+            <p:ph type="title"/>
+          </p:nvPr>
+        </p:nvSpPr>
+        <p:spPr/>
+        <p:txBody>
+          <a:bodyPr/>
+          <a:lstStyle/>
+          <a:p>
+            <a:r>
+              <a:rPr lang="es-MX" noProof="0" dirty="0"/>
+              <a:t>¿Qué son los </a:t>
+            </a:r>
+            <a:r>
+              <a:rPr lang="es-MX" noProof="0" dirty="0" err="1"/>
+              <a:t>microbolómetros</a:t>
+            </a:r>
+            <a:r>
+              <a:rPr lang="es-MX" dirty="0"/>
+              <a:t>?</a:t>
+            </a:r>
+            <a:endParaRPr lang="es-MX" noProof="0" dirty="0"/>
           </a:p>
         </p:txBody>
       </p:sp>
@@ -17341,7 +19968,7 @@
           <p:cNvPr id="4" name="Date Placeholder 3">
             <a:extLst>
               <a:ext uri="{FF2B5EF4-FFF2-40B4-BE49-F238E27FC236}">
-                <a16:creationId xmlns:a16="http://schemas.microsoft.com/office/drawing/2014/main" id="{75A7162D-D612-6FA5-8E00-6C033C9D1343}"/>
+                <a16:creationId xmlns:a16="http://schemas.microsoft.com/office/drawing/2014/main" id="{B7D15081-0B82-9F80-22A2-66AD0AE45856}"/>
               </a:ext>
             </a:extLst>
           </p:cNvPr>
@@ -17357,10 +19984,10 @@
           <a:bodyPr/>
           <a:lstStyle/>
           <a:p>
-            <a:fld id="{6C63F6D8-0BE3-4DFD-A4A8-43C7192B7E31}" type="datetime3">
-              <a:rPr lang="en-US" smtClean="0"/>
-              <a:t>10 September 2024</a:t>
-            </a:fld>
+            <a:r>
+              <a:rPr lang="en-US"/>
+              <a:t>23 de Septiembre de 2024</a:t>
+            </a:r>
             <a:endParaRPr lang="en-US" dirty="0"/>
           </a:p>
         </p:txBody>
@@ -17370,7 +19997,7 @@
           <p:cNvPr id="5" name="Footer Placeholder 4">
             <a:extLst>
               <a:ext uri="{FF2B5EF4-FFF2-40B4-BE49-F238E27FC236}">
-                <a16:creationId xmlns:a16="http://schemas.microsoft.com/office/drawing/2014/main" id="{B6E32D0C-E644-BCDD-2D86-EFE84602CF8D}"/>
+                <a16:creationId xmlns:a16="http://schemas.microsoft.com/office/drawing/2014/main" id="{A6225D6D-E033-CFAE-D4B5-6E8CE41892DD}"/>
               </a:ext>
             </a:extLst>
           </p:cNvPr>
@@ -17399,7 +20026,7 @@
           <p:cNvPr id="6" name="Slide Number Placeholder 5">
             <a:extLst>
               <a:ext uri="{FF2B5EF4-FFF2-40B4-BE49-F238E27FC236}">
-                <a16:creationId xmlns:a16="http://schemas.microsoft.com/office/drawing/2014/main" id="{9B6C52DA-AFD7-A4DC-D721-0BD931241DAA}"/>
+                <a16:creationId xmlns:a16="http://schemas.microsoft.com/office/drawing/2014/main" id="{4634F3CE-1FDE-E9E6-C919-82384086EA9D}"/>
               </a:ext>
             </a:extLst>
           </p:cNvPr>
@@ -17427,7 +20054,7 @@
     </p:spTree>
     <p:extLst>
       <p:ext uri="{BB962C8B-B14F-4D97-AF65-F5344CB8AC3E}">
-        <p14:creationId xmlns:p14="http://schemas.microsoft.com/office/powerpoint/2010/main" val="1397630915"/>
+        <p14:creationId xmlns:p14="http://schemas.microsoft.com/office/powerpoint/2010/main" val="4279977205"/>
       </p:ext>
     </p:extLst>
   </p:cSld>
@@ -17476,18 +20103,9 @@
           <a:lstStyle/>
           <a:p>
             <a:r>
-              <a:rPr lang="es-MX" noProof="0" dirty="0" err="1"/>
-              <a:t>DACs</a:t>
-            </a:r>
-            <a:r>
-              <a:rPr lang="es-MX" noProof="0" dirty="0"/>
-              <a:t> y </a:t>
-            </a:r>
-            <a:r>
-              <a:rPr lang="es-MX" noProof="0" dirty="0" err="1"/>
-              <a:t>ADCs</a:t>
-            </a:r>
-            <a:endParaRPr lang="es-MX" noProof="0" dirty="0"/>
+              <a:rPr lang="es-MX" noProof="0" dirty="0"/>
+              <a:t>Objetivos</a:t>
+            </a:r>
           </a:p>
         </p:txBody>
       </p:sp>
@@ -17537,10 +20155,10 @@
           <a:bodyPr/>
           <a:lstStyle/>
           <a:p>
-            <a:fld id="{6C63F6D8-0BE3-4DFD-A4A8-43C7192B7E31}" type="datetime3">
-              <a:rPr lang="en-US" smtClean="0"/>
-              <a:t>10 September 2024</a:t>
-            </a:fld>
+            <a:r>
+              <a:rPr lang="en-US"/>
+              <a:t>23 de Septiembre de 2024</a:t>
+            </a:r>
             <a:endParaRPr lang="en-US" dirty="0"/>
           </a:p>
         </p:txBody>
@@ -17607,7 +20225,7 @@
     </p:spTree>
     <p:extLst>
       <p:ext uri="{BB962C8B-B14F-4D97-AF65-F5344CB8AC3E}">
-        <p14:creationId xmlns:p14="http://schemas.microsoft.com/office/powerpoint/2010/main" val="789808269"/>
+        <p14:creationId xmlns:p14="http://schemas.microsoft.com/office/powerpoint/2010/main" val="2901929052"/>
       </p:ext>
     </p:extLst>
   </p:cSld>
@@ -17639,60 +20257,196 @@
           <p:cNvPr id="2" name="Title 1">
             <a:extLst>
               <a:ext uri="{FF2B5EF4-FFF2-40B4-BE49-F238E27FC236}">
-                <a16:creationId xmlns:a16="http://schemas.microsoft.com/office/drawing/2014/main" id="{DADC95AA-4A37-E463-6476-9ACB0C4023A5}"/>
-              </a:ext>
-            </a:extLst>
-          </p:cNvPr>
-          <p:cNvSpPr>
-            <a:spLocks noGrp="1"/>
-          </p:cNvSpPr>
-          <p:nvPr>
-            <p:ph type="ctrTitle"/>
-          </p:nvPr>
-        </p:nvSpPr>
-        <p:spPr/>
-        <p:txBody>
-          <a:bodyPr/>
-          <a:lstStyle/>
-          <a:p>
-            <a:r>
-              <a:rPr lang="es-MX" noProof="0" dirty="0"/>
-              <a:t>Diseño de firmware</a:t>
-            </a:r>
-          </a:p>
-        </p:txBody>
-      </p:sp>
-      <p:sp>
-        <p:nvSpPr>
-          <p:cNvPr id="3" name="Subtitle 2">
-            <a:extLst>
-              <a:ext uri="{FF2B5EF4-FFF2-40B4-BE49-F238E27FC236}">
-                <a16:creationId xmlns:a16="http://schemas.microsoft.com/office/drawing/2014/main" id="{D84140F7-8425-C993-E34E-99C89BF3F339}"/>
-              </a:ext>
-            </a:extLst>
-          </p:cNvPr>
-          <p:cNvSpPr>
-            <a:spLocks noGrp="1"/>
-          </p:cNvSpPr>
-          <p:nvPr>
-            <p:ph type="subTitle" idx="1"/>
-          </p:nvPr>
-        </p:nvSpPr>
-        <p:spPr/>
-        <p:txBody>
-          <a:bodyPr/>
-          <a:lstStyle/>
-          <a:p>
-            <a:endParaRPr lang="en-US"/>
-          </a:p>
-        </p:txBody>
-      </p:sp>
-      <p:sp>
-        <p:nvSpPr>
-          <p:cNvPr id="4" name="Date Placeholder 3">
-            <a:extLst>
-              <a:ext uri="{FF2B5EF4-FFF2-40B4-BE49-F238E27FC236}">
-                <a16:creationId xmlns:a16="http://schemas.microsoft.com/office/drawing/2014/main" id="{75A7162D-D612-6FA5-8E00-6C033C9D1343}"/>
+                <a16:creationId xmlns:a16="http://schemas.microsoft.com/office/drawing/2014/main" id="{52C4DD42-43DA-6180-E67E-10B956FA29D7}"/>
+              </a:ext>
+            </a:extLst>
+          </p:cNvPr>
+          <p:cNvSpPr>
+            <a:spLocks noGrp="1"/>
+          </p:cNvSpPr>
+          <p:nvPr>
+            <p:ph type="title"/>
+          </p:nvPr>
+        </p:nvSpPr>
+        <p:spPr/>
+        <p:txBody>
+          <a:bodyPr/>
+          <a:lstStyle/>
+          <a:p>
+            <a:r>
+              <a:rPr lang="es-MX" noProof="0" dirty="0"/>
+              <a:t>Objetivos</a:t>
+            </a:r>
+          </a:p>
+        </p:txBody>
+      </p:sp>
+      <p:sp>
+        <p:nvSpPr>
+          <p:cNvPr id="3" name="Content Placeholder 2">
+            <a:extLst>
+              <a:ext uri="{FF2B5EF4-FFF2-40B4-BE49-F238E27FC236}">
+                <a16:creationId xmlns:a16="http://schemas.microsoft.com/office/drawing/2014/main" id="{5070CC9A-B491-A30C-A704-C6A478AC5513}"/>
+              </a:ext>
+            </a:extLst>
+          </p:cNvPr>
+          <p:cNvSpPr>
+            <a:spLocks noGrp="1"/>
+          </p:cNvSpPr>
+          <p:nvPr>
+            <p:ph sz="half" idx="1"/>
+          </p:nvPr>
+        </p:nvSpPr>
+        <p:spPr>
+          <a:xfrm>
+            <a:off x="407987" y="1592264"/>
+            <a:ext cx="11380813" cy="4608512"/>
+          </a:xfrm>
+        </p:spPr>
+        <p:txBody>
+          <a:bodyPr>
+            <a:normAutofit fontScale="92500" lnSpcReduction="20000"/>
+          </a:bodyPr>
+          <a:lstStyle/>
+          <a:p>
+            <a:pPr marL="342900" indent="-342900" algn="just">
+              <a:buFont typeface="Arial" panose="020B0604020202020204" pitchFamily="34" charset="0"/>
+              <a:buChar char="•"/>
+            </a:pPr>
+            <a:r>
+              <a:rPr lang="es-MX" noProof="0" dirty="0"/>
+              <a:t>Objetivo general:</a:t>
+            </a:r>
+          </a:p>
+          <a:p>
+            <a:pPr marL="666750" lvl="1" indent="-342900" algn="just">
+              <a:buFont typeface="Arial" panose="020B0604020202020204" pitchFamily="34" charset="0"/>
+              <a:buChar char="•"/>
+            </a:pPr>
+            <a:r>
+              <a:rPr lang="es-ES" noProof="0" dirty="0"/>
+              <a:t>Diseño de un sistema de adquisición de datos basado en FPGA para la medición de una matriz de pixeles de un </a:t>
+            </a:r>
+            <a:r>
+              <a:rPr lang="es-ES" noProof="0" dirty="0" err="1"/>
+              <a:t>microbolómetro</a:t>
+            </a:r>
+            <a:r>
+              <a:rPr lang="es-ES" noProof="0" dirty="0"/>
+              <a:t>.</a:t>
+            </a:r>
+            <a:endParaRPr lang="es-MX" noProof="0" dirty="0"/>
+          </a:p>
+          <a:p>
+            <a:pPr marL="342900" indent="-342900" algn="just">
+              <a:buFont typeface="Arial" panose="020B0604020202020204" pitchFamily="34" charset="0"/>
+              <a:buChar char="•"/>
+            </a:pPr>
+            <a:r>
+              <a:rPr lang="es-MX" dirty="0"/>
+              <a:t>Objetivos específicos:</a:t>
+            </a:r>
+          </a:p>
+          <a:p>
+            <a:pPr marL="666750" lvl="1" indent="-342900" algn="just">
+              <a:buFont typeface="Arial" panose="020B0604020202020204" pitchFamily="34" charset="0"/>
+              <a:buChar char="•"/>
+            </a:pPr>
+            <a:r>
+              <a:rPr lang="es-ES" dirty="0"/>
+              <a:t>Analizar las propiedades físicas y características de los </a:t>
+            </a:r>
+            <a:r>
+              <a:rPr lang="es-ES" dirty="0" err="1"/>
+              <a:t>microbolómetros</a:t>
+            </a:r>
+            <a:r>
+              <a:rPr lang="es-ES" dirty="0"/>
+              <a:t>, así como su funcionamiento y sus diferentes circuitos de lectura con el fin de fundamentar las decisiones en el diseño del sistema.</a:t>
+            </a:r>
+          </a:p>
+          <a:p>
+            <a:pPr marL="666750" lvl="1" indent="-342900" algn="just">
+              <a:buFont typeface="Arial" panose="020B0604020202020204" pitchFamily="34" charset="0"/>
+              <a:buChar char="•"/>
+            </a:pPr>
+            <a:r>
+              <a:rPr lang="es-ES" dirty="0"/>
+              <a:t>Estudiar las máquinas de estado finito (FSM) de tipo Moore y </a:t>
+            </a:r>
+            <a:r>
+              <a:rPr lang="es-ES" dirty="0" err="1"/>
+              <a:t>Mealy</a:t>
+            </a:r>
+            <a:r>
+              <a:rPr lang="es-ES" dirty="0"/>
+              <a:t>, los tipos de codificación en </a:t>
+            </a:r>
+            <a:r>
+              <a:rPr lang="es-ES" dirty="0" err="1"/>
+              <a:t>Verilog</a:t>
+            </a:r>
+            <a:r>
+              <a:rPr lang="es-ES" dirty="0"/>
+              <a:t> y las técnicas de diseño, con el fin de aplicar este conocimiento en la implementación y optimización del sistema de adquisición y procesamiento de datos.</a:t>
+            </a:r>
+          </a:p>
+          <a:p>
+            <a:pPr marL="666750" lvl="1" indent="-342900" algn="just">
+              <a:buFont typeface="Arial" panose="020B0604020202020204" pitchFamily="34" charset="0"/>
+              <a:buChar char="•"/>
+            </a:pPr>
+            <a:r>
+              <a:rPr lang="es-ES" dirty="0"/>
+              <a:t>Diseñar un firmware en el lenguaje </a:t>
+            </a:r>
+            <a:r>
+              <a:rPr lang="es-ES" dirty="0" err="1"/>
+              <a:t>Verilog</a:t>
+            </a:r>
+            <a:r>
+              <a:rPr lang="es-ES" dirty="0"/>
+              <a:t> para implementar los protocolos de comunicación SPI y UART reconfigurables y robustos, que permitan adaptabilidad y confiabilidad en aplicaciones de adquisición de datos y control.</a:t>
+            </a:r>
+          </a:p>
+          <a:p>
+            <a:pPr marL="666750" lvl="1" indent="-342900" algn="just">
+              <a:buFont typeface="Arial" panose="020B0604020202020204" pitchFamily="34" charset="0"/>
+              <a:buChar char="•"/>
+            </a:pPr>
+            <a:r>
+              <a:rPr lang="es-ES" dirty="0"/>
+              <a:t>Seleccionar los convertidores analógico-digital (ADC) y digital-analógico (DAC) más adecuados para el sistema de adquisición de datos y probarlos utilizando el firmware previamente diseñado.</a:t>
+            </a:r>
+          </a:p>
+          <a:p>
+            <a:pPr marL="666750" lvl="1" indent="-342900" algn="just">
+              <a:buFont typeface="Arial" panose="020B0604020202020204" pitchFamily="34" charset="0"/>
+              <a:buChar char="•"/>
+            </a:pPr>
+            <a:r>
+              <a:rPr lang="es-ES" dirty="0"/>
+              <a:t>Diseñar una PCB con una matriz de 8x8 fototransistores que funcione como banco de prueba para validar el funcionamiento del sistema de adquisición de datos.</a:t>
+            </a:r>
+          </a:p>
+          <a:p>
+            <a:pPr marL="666750" lvl="1" indent="-342900" algn="just">
+              <a:buFont typeface="Arial" panose="020B0604020202020204" pitchFamily="34" charset="0"/>
+              <a:buChar char="•"/>
+            </a:pPr>
+            <a:r>
+              <a:rPr lang="es-ES" dirty="0"/>
+              <a:t>Integrar los convertidores ADC y DAC, multiplexores, y la matriz de fototransistores en un sistema unificado para realizar pruebas y validar su capacidad de adquirir y procesar imágenes de manera eficiente.</a:t>
+            </a:r>
+            <a:endParaRPr lang="es-MX" dirty="0"/>
+          </a:p>
+        </p:txBody>
+      </p:sp>
+      <p:sp>
+        <p:nvSpPr>
+          <p:cNvPr id="5" name="Date Placeholder 4">
+            <a:extLst>
+              <a:ext uri="{FF2B5EF4-FFF2-40B4-BE49-F238E27FC236}">
+                <a16:creationId xmlns:a16="http://schemas.microsoft.com/office/drawing/2014/main" id="{39738A5D-185C-7371-FB5D-3160F6C7EBB0}"/>
               </a:ext>
             </a:extLst>
           </p:cNvPr>
@@ -17708,20 +20462,20 @@
           <a:bodyPr/>
           <a:lstStyle/>
           <a:p>
-            <a:fld id="{6C63F6D8-0BE3-4DFD-A4A8-43C7192B7E31}" type="datetime3">
-              <a:rPr lang="en-US" smtClean="0"/>
-              <a:t>10 September 2024</a:t>
-            </a:fld>
+            <a:r>
+              <a:rPr lang="en-US"/>
+              <a:t>23 de Septiembre de 2024</a:t>
+            </a:r>
             <a:endParaRPr lang="en-US" dirty="0"/>
           </a:p>
         </p:txBody>
       </p:sp>
       <p:sp>
         <p:nvSpPr>
-          <p:cNvPr id="5" name="Footer Placeholder 4">
-            <a:extLst>
-              <a:ext uri="{FF2B5EF4-FFF2-40B4-BE49-F238E27FC236}">
-                <a16:creationId xmlns:a16="http://schemas.microsoft.com/office/drawing/2014/main" id="{B6E32D0C-E644-BCDD-2D86-EFE84602CF8D}"/>
+          <p:cNvPr id="6" name="Footer Placeholder 5">
+            <a:extLst>
+              <a:ext uri="{FF2B5EF4-FFF2-40B4-BE49-F238E27FC236}">
+                <a16:creationId xmlns:a16="http://schemas.microsoft.com/office/drawing/2014/main" id="{06056D2D-DAAB-BE8D-C09E-13C016DD754E}"/>
               </a:ext>
             </a:extLst>
           </p:cNvPr>
@@ -17747,10 +20501,10 @@
       </p:sp>
       <p:sp>
         <p:nvSpPr>
-          <p:cNvPr id="6" name="Slide Number Placeholder 5">
-            <a:extLst>
-              <a:ext uri="{FF2B5EF4-FFF2-40B4-BE49-F238E27FC236}">
-                <a16:creationId xmlns:a16="http://schemas.microsoft.com/office/drawing/2014/main" id="{9B6C52DA-AFD7-A4DC-D721-0BD931241DAA}"/>
+          <p:cNvPr id="7" name="Slide Number Placeholder 6">
+            <a:extLst>
+              <a:ext uri="{FF2B5EF4-FFF2-40B4-BE49-F238E27FC236}">
+                <a16:creationId xmlns:a16="http://schemas.microsoft.com/office/drawing/2014/main" id="{845BB1B4-C227-5D92-2932-41A193178E55}"/>
               </a:ext>
             </a:extLst>
           </p:cNvPr>
@@ -17778,7 +20532,7 @@
     </p:spTree>
     <p:extLst>
       <p:ext uri="{BB962C8B-B14F-4D97-AF65-F5344CB8AC3E}">
-        <p14:creationId xmlns:p14="http://schemas.microsoft.com/office/powerpoint/2010/main" val="2683029909"/>
+        <p14:creationId xmlns:p14="http://schemas.microsoft.com/office/powerpoint/2010/main" val="4083809124"/>
       </p:ext>
     </p:extLst>
   </p:cSld>

--- a/presentacion/presentacion_maestria.pptx
+++ b/presentacion/presentacion_maestria.pptx
@@ -257,7 +257,7 @@
           <a:p>
             <a:fld id="{CBB72EAA-2733-D14F-950A-8F4240385864}" type="datetimeFigureOut">
               <a:rPr lang="en-US" smtClean="0"/>
-              <a:t>9/17/2024</a:t>
+              <a:t>9/18/2024</a:t>
             </a:fld>
             <a:endParaRPr lang="en-US"/>
           </a:p>
@@ -335,7 +335,7 @@
           <a:p>
             <a:fld id="{BC59750F-00B8-E148-9878-D197EE9CB895}" type="slidenum">
               <a:rPr lang="en-US" smtClean="0"/>
-              <a:t>‹#›</a:t>
+              <a:t>‹Nº›</a:t>
             </a:fld>
             <a:endParaRPr lang="en-US"/>
           </a:p>
@@ -434,7 +434,7 @@
           <a:p>
             <a:fld id="{D4DD062E-52F7-A14D-A443-1F3854784447}" type="datetimeFigureOut">
               <a:rPr lang="en-US" smtClean="0"/>
-              <a:t>9/17/2024</a:t>
+              <a:t>9/18/2024</a:t>
             </a:fld>
             <a:endParaRPr lang="en-US"/>
           </a:p>
@@ -592,7 +592,7 @@
           <a:p>
             <a:fld id="{8CB0EE9E-52B8-AA4F-8DD5-ED0FB4E5CBCC}" type="slidenum">
               <a:rPr lang="en-US" smtClean="0"/>
-              <a:t>‹#›</a:t>
+              <a:t>‹Nº›</a:t>
             </a:fld>
             <a:endParaRPr lang="en-US"/>
           </a:p>
@@ -917,6 +917,51 @@
           <a:bodyPr/>
           <a:lstStyle/>
           <a:p>
+            <a:r>
+              <a:rPr lang="es-MX" dirty="0">
+                <a:solidFill>
+                  <a:srgbClr val="000000"/>
+                </a:solidFill>
+                <a:effectLst/>
+              </a:rPr>
+              <a:t>Todos los cuerpos emiten radiación </a:t>
+            </a:r>
+            <a:r>
+              <a:rPr lang="es-MX" dirty="0" err="1">
+                <a:solidFill>
+                  <a:srgbClr val="000000"/>
+                </a:solidFill>
+                <a:effectLst/>
+              </a:rPr>
+              <a:t>e.m</a:t>
+            </a:r>
+            <a:r>
+              <a:rPr lang="es-MX" dirty="0">
+                <a:solidFill>
+                  <a:srgbClr val="000000"/>
+                </a:solidFill>
+                <a:effectLst/>
+              </a:rPr>
+              <a:t> y debido al movimiento de sus átomos y moléculas se genera una temperatura en ellos. La ley de </a:t>
+            </a:r>
+            <a:r>
+              <a:rPr lang="es-MX" dirty="0" err="1">
+                <a:solidFill>
+                  <a:srgbClr val="000000"/>
+                </a:solidFill>
+                <a:effectLst/>
+              </a:rPr>
+              <a:t>Wien</a:t>
+            </a:r>
+            <a:r>
+              <a:rPr lang="es-MX" dirty="0">
+                <a:solidFill>
+                  <a:srgbClr val="000000"/>
+                </a:solidFill>
+                <a:effectLst/>
+              </a:rPr>
+              <a:t> relaciona la longitud de onda con la temperatura y a través de ella se puede deducir que la radiación IR está asociada a la temperatura ambiente.</a:t>
+            </a:r>
             <a:endParaRPr lang="en-US" dirty="0"/>
           </a:p>
         </p:txBody>
@@ -1001,7 +1046,102 @@
           <a:bodyPr/>
           <a:lstStyle/>
           <a:p>
-            <a:endParaRPr lang="en-US" dirty="0"/>
+            <a:r>
+              <a:rPr lang="en-US" dirty="0" err="1"/>
+              <a:t>Generalmente</a:t>
+            </a:r>
+            <a:r>
+              <a:rPr lang="en-US" dirty="0"/>
+              <a:t> </a:t>
+            </a:r>
+            <a:r>
+              <a:rPr lang="en-US" dirty="0" err="1"/>
+              <a:t>los</a:t>
+            </a:r>
+            <a:r>
+              <a:rPr lang="en-US" dirty="0"/>
+              <a:t> </a:t>
+            </a:r>
+            <a:r>
+              <a:rPr lang="en-US" dirty="0" err="1"/>
+              <a:t>sensores</a:t>
+            </a:r>
+            <a:r>
+              <a:rPr lang="en-US" dirty="0"/>
+              <a:t> que se </a:t>
+            </a:r>
+            <a:r>
+              <a:rPr lang="en-US" dirty="0" err="1"/>
+              <a:t>utilizan</a:t>
+            </a:r>
+            <a:r>
+              <a:rPr lang="en-US" dirty="0"/>
+              <a:t> </a:t>
+            </a:r>
+            <a:r>
+              <a:rPr lang="en-US" dirty="0" err="1"/>
+              <a:t>en</a:t>
+            </a:r>
+            <a:r>
+              <a:rPr lang="en-US" dirty="0"/>
+              <a:t> </a:t>
+            </a:r>
+            <a:r>
+              <a:rPr lang="en-US" dirty="0" err="1"/>
+              <a:t>aplicaciones</a:t>
+            </a:r>
+            <a:r>
+              <a:rPr lang="en-US" dirty="0"/>
+              <a:t> </a:t>
+            </a:r>
+            <a:r>
+              <a:rPr lang="en-US" dirty="0" err="1"/>
+              <a:t>donde</a:t>
+            </a:r>
+            <a:r>
+              <a:rPr lang="en-US" dirty="0"/>
+              <a:t> se </a:t>
+            </a:r>
+            <a:r>
+              <a:rPr lang="en-US" dirty="0" err="1"/>
+              <a:t>requiera</a:t>
+            </a:r>
+            <a:r>
+              <a:rPr lang="en-US" dirty="0"/>
+              <a:t> </a:t>
+            </a:r>
+            <a:r>
+              <a:rPr lang="en-US" dirty="0" err="1"/>
+              <a:t>medir</a:t>
+            </a:r>
+            <a:r>
+              <a:rPr lang="en-US" dirty="0"/>
+              <a:t> temperature </a:t>
+            </a:r>
+            <a:r>
+              <a:rPr lang="en-US" dirty="0" err="1"/>
+              <a:t>ambiente</a:t>
+            </a:r>
+            <a:r>
+              <a:rPr lang="en-US" dirty="0"/>
+              <a:t> se </a:t>
+            </a:r>
+            <a:r>
+              <a:rPr lang="en-US" dirty="0" err="1"/>
+              <a:t>encuentra</a:t>
+            </a:r>
+            <a:r>
+              <a:rPr lang="en-US" dirty="0"/>
+              <a:t> </a:t>
+            </a:r>
+            <a:r>
+              <a:rPr lang="en-US" dirty="0" err="1"/>
+              <a:t>en</a:t>
+            </a:r>
+            <a:r>
+              <a:rPr lang="en-US" dirty="0"/>
+              <a:t> la region LWIR.</a:t>
+            </a:r>
           </a:p>
         </p:txBody>
       </p:sp>
@@ -1042,6 +1182,90 @@
 </file>
 
 <file path=ppt/notesSlides/notesSlide5.xml><?xml version="1.0" encoding="utf-8"?>
+<p:notes xmlns:a="http://schemas.openxmlformats.org/drawingml/2006/main" xmlns:r="http://schemas.openxmlformats.org/officeDocument/2006/relationships" xmlns:p="http://schemas.openxmlformats.org/presentationml/2006/main">
+  <p:cSld>
+    <p:spTree>
+      <p:nvGrpSpPr>
+        <p:cNvPr id="1" name=""/>
+        <p:cNvGrpSpPr/>
+        <p:nvPr/>
+      </p:nvGrpSpPr>
+      <p:grpSpPr>
+        <a:xfrm>
+          <a:off x="0" y="0"/>
+          <a:ext cx="0" cy="0"/>
+          <a:chOff x="0" y="0"/>
+          <a:chExt cx="0" cy="0"/>
+        </a:xfrm>
+      </p:grpSpPr>
+      <p:sp>
+        <p:nvSpPr>
+          <p:cNvPr id="2" name="Marcador de imagen de diapositiva 1"/>
+          <p:cNvSpPr>
+            <a:spLocks noGrp="1" noRot="1" noChangeAspect="1"/>
+          </p:cNvSpPr>
+          <p:nvPr>
+            <p:ph type="sldImg"/>
+          </p:nvPr>
+        </p:nvSpPr>
+        <p:spPr/>
+      </p:sp>
+      <p:sp>
+        <p:nvSpPr>
+          <p:cNvPr id="3" name="Marcador de notas 2"/>
+          <p:cNvSpPr>
+            <a:spLocks noGrp="1"/>
+          </p:cNvSpPr>
+          <p:nvPr>
+            <p:ph type="body" idx="1"/>
+          </p:nvPr>
+        </p:nvSpPr>
+        <p:spPr/>
+        <p:txBody>
+          <a:bodyPr/>
+          <a:lstStyle/>
+          <a:p>
+            <a:endParaRPr lang="es-MX" dirty="0"/>
+          </a:p>
+        </p:txBody>
+      </p:sp>
+      <p:sp>
+        <p:nvSpPr>
+          <p:cNvPr id="4" name="Marcador de número de diapositiva 3"/>
+          <p:cNvSpPr>
+            <a:spLocks noGrp="1"/>
+          </p:cNvSpPr>
+          <p:nvPr>
+            <p:ph type="sldNum" sz="quarter" idx="5"/>
+          </p:nvPr>
+        </p:nvSpPr>
+        <p:spPr/>
+        <p:txBody>
+          <a:bodyPr/>
+          <a:lstStyle/>
+          <a:p>
+            <a:fld id="{8CB0EE9E-52B8-AA4F-8DD5-ED0FB4E5CBCC}" type="slidenum">
+              <a:rPr lang="en-US" smtClean="0"/>
+              <a:t>8</a:t>
+            </a:fld>
+            <a:endParaRPr lang="en-US"/>
+          </a:p>
+        </p:txBody>
+      </p:sp>
+    </p:spTree>
+    <p:extLst>
+      <p:ext uri="{BB962C8B-B14F-4D97-AF65-F5344CB8AC3E}">
+        <p14:creationId xmlns:p14="http://schemas.microsoft.com/office/powerpoint/2010/main" val="192378143"/>
+      </p:ext>
+    </p:extLst>
+  </p:cSld>
+  <p:clrMapOvr>
+    <a:masterClrMapping/>
+  </p:clrMapOvr>
+</p:notes>
+</file>
+
+<file path=ppt/notesSlides/notesSlide6.xml><?xml version="1.0" encoding="utf-8"?>
 <p:notes xmlns:a="http://schemas.openxmlformats.org/drawingml/2006/main" xmlns:r="http://schemas.openxmlformats.org/officeDocument/2006/relationships" xmlns:p="http://schemas.openxmlformats.org/presentationml/2006/main">
   <p:cSld>
     <p:spTree>
@@ -1470,7 +1694,7 @@
             <a:fld id="{36B5EA5A-BC32-A742-B11B-8E7414D5B535}" type="slidenum">
               <a:rPr lang="en-US" smtClean="0"/>
               <a:pPr/>
-              <a:t>‹#›</a:t>
+              <a:t>‹Nº›</a:t>
             </a:fld>
             <a:endParaRPr lang="en-US" dirty="0"/>
           </a:p>
@@ -1681,7 +1905,7 @@
             <a:fld id="{36B5EA5A-BC32-A742-B11B-8E7414D5B535}" type="slidenum">
               <a:rPr lang="en-US" smtClean="0"/>
               <a:pPr/>
-              <a:t>‹#›</a:t>
+              <a:t>‹Nº›</a:t>
             </a:fld>
             <a:endParaRPr lang="en-US" dirty="0"/>
           </a:p>
@@ -1982,7 +2206,7 @@
             <a:fld id="{36B5EA5A-BC32-A742-B11B-8E7414D5B535}" type="slidenum">
               <a:rPr lang="en-US" smtClean="0"/>
               <a:pPr/>
-              <a:t>‹#›</a:t>
+              <a:t>‹Nº›</a:t>
             </a:fld>
             <a:endParaRPr lang="en-US" dirty="0"/>
           </a:p>
@@ -2491,7 +2715,7 @@
             <a:fld id="{36B5EA5A-BC32-A742-B11B-8E7414D5B535}" type="slidenum">
               <a:rPr lang="en-US" smtClean="0"/>
               <a:pPr/>
-              <a:t>‹#›</a:t>
+              <a:t>‹Nº›</a:t>
             </a:fld>
             <a:endParaRPr lang="en-US" dirty="0"/>
           </a:p>
@@ -3082,7 +3306,7 @@
             <a:fld id="{36B5EA5A-BC32-A742-B11B-8E7414D5B535}" type="slidenum">
               <a:rPr lang="en-US" smtClean="0"/>
               <a:pPr/>
-              <a:t>‹#›</a:t>
+              <a:t>‹Nº›</a:t>
             </a:fld>
             <a:endParaRPr lang="en-US" dirty="0"/>
           </a:p>
@@ -3376,7 +3600,7 @@
             <a:fld id="{36B5EA5A-BC32-A742-B11B-8E7414D5B535}" type="slidenum">
               <a:rPr lang="en-US" smtClean="0"/>
               <a:pPr/>
-              <a:t>‹#›</a:t>
+              <a:t>‹Nº›</a:t>
             </a:fld>
             <a:endParaRPr lang="en-US" dirty="0"/>
           </a:p>
@@ -3943,7 +4167,7 @@
             <a:fld id="{36B5EA5A-BC32-A742-B11B-8E7414D5B535}" type="slidenum">
               <a:rPr lang="en-US" smtClean="0"/>
               <a:pPr/>
-              <a:t>‹#›</a:t>
+              <a:t>‹Nº›</a:t>
             </a:fld>
             <a:endParaRPr lang="en-US" dirty="0"/>
           </a:p>
@@ -4344,7 +4568,7 @@
             <a:fld id="{36B5EA5A-BC32-A742-B11B-8E7414D5B535}" type="slidenum">
               <a:rPr lang="en-US" smtClean="0"/>
               <a:pPr/>
-              <a:t>‹#›</a:t>
+              <a:t>‹Nº›</a:t>
             </a:fld>
             <a:endParaRPr lang="en-US" dirty="0"/>
           </a:p>
@@ -4700,7 +4924,7 @@
             <a:fld id="{36B5EA5A-BC32-A742-B11B-8E7414D5B535}" type="slidenum">
               <a:rPr lang="en-US" smtClean="0"/>
               <a:pPr/>
-              <a:t>‹#›</a:t>
+              <a:t>‹Nº›</a:t>
             </a:fld>
             <a:endParaRPr lang="en-US" dirty="0"/>
           </a:p>
@@ -4841,7 +5065,7 @@
             <a:fld id="{36B5EA5A-BC32-A742-B11B-8E7414D5B535}" type="slidenum">
               <a:rPr lang="en-US" smtClean="0"/>
               <a:pPr/>
-              <a:t>‹#›</a:t>
+              <a:t>‹Nº›</a:t>
             </a:fld>
             <a:endParaRPr lang="en-US" dirty="0"/>
           </a:p>
@@ -5058,7 +5282,7 @@
             <a:fld id="{36B5EA5A-BC32-A742-B11B-8E7414D5B535}" type="slidenum">
               <a:rPr lang="en-US" smtClean="0"/>
               <a:pPr/>
-              <a:t>‹#›</a:t>
+              <a:t>‹Nº›</a:t>
             </a:fld>
             <a:endParaRPr lang="en-US" dirty="0"/>
           </a:p>
@@ -5176,7 +5400,7 @@
             <a:fld id="{36B5EA5A-BC32-A742-B11B-8E7414D5B535}" type="slidenum">
               <a:rPr lang="en-US" smtClean="0"/>
               <a:pPr/>
-              <a:t>‹#›</a:t>
+              <a:t>‹Nº›</a:t>
             </a:fld>
             <a:endParaRPr lang="en-US" dirty="0"/>
           </a:p>
@@ -5729,7 +5953,7 @@
             <a:fld id="{36B5EA5A-BC32-A742-B11B-8E7414D5B535}" type="slidenum">
               <a:rPr lang="en-US" smtClean="0"/>
               <a:pPr/>
-              <a:t>‹#›</a:t>
+              <a:t>‹Nº›</a:t>
             </a:fld>
             <a:endParaRPr lang="en-US" dirty="0"/>
           </a:p>
@@ -5982,7 +6206,7 @@
             <a:fld id="{36B5EA5A-BC32-A742-B11B-8E7414D5B535}" type="slidenum">
               <a:rPr lang="en-US" smtClean="0"/>
               <a:pPr/>
-              <a:t>‹#›</a:t>
+              <a:t>‹Nº›</a:t>
             </a:fld>
             <a:endParaRPr lang="en-US" dirty="0"/>
           </a:p>
@@ -6129,7 +6353,7 @@
             <a:fld id="{36B5EA5A-BC32-A742-B11B-8E7414D5B535}" type="slidenum">
               <a:rPr lang="en-US" smtClean="0"/>
               <a:pPr/>
-              <a:t>‹#›</a:t>
+              <a:t>‹Nº›</a:t>
             </a:fld>
             <a:endParaRPr lang="en-US" dirty="0"/>
           </a:p>
@@ -6443,7 +6667,7 @@
             <a:fld id="{36B5EA5A-BC32-A742-B11B-8E7414D5B535}" type="slidenum">
               <a:rPr lang="en-US" smtClean="0"/>
               <a:pPr/>
-              <a:t>‹#›</a:t>
+              <a:t>‹Nº›</a:t>
             </a:fld>
             <a:endParaRPr lang="en-US" dirty="0"/>
           </a:p>
@@ -6681,7 +6905,7 @@
             <a:fld id="{36B5EA5A-BC32-A742-B11B-8E7414D5B535}" type="slidenum">
               <a:rPr lang="en-US" smtClean="0"/>
               <a:pPr/>
-              <a:t>‹#›</a:t>
+              <a:t>‹Nº›</a:t>
             </a:fld>
             <a:endParaRPr lang="en-US" dirty="0"/>
           </a:p>
@@ -7075,7 +7299,7 @@
             <a:fld id="{36B5EA5A-BC32-A742-B11B-8E7414D5B535}" type="slidenum">
               <a:rPr lang="en-US" smtClean="0"/>
               <a:pPr/>
-              <a:t>‹#›</a:t>
+              <a:t>‹Nº›</a:t>
             </a:fld>
             <a:endParaRPr lang="en-US" dirty="0"/>
           </a:p>
@@ -7296,7 +7520,7 @@
             <a:fld id="{36B5EA5A-BC32-A742-B11B-8E7414D5B535}" type="slidenum">
               <a:rPr lang="en-US" smtClean="0"/>
               <a:pPr/>
-              <a:t>‹#›</a:t>
+              <a:t>‹Nº›</a:t>
             </a:fld>
             <a:endParaRPr lang="en-US" dirty="0"/>
           </a:p>
@@ -14827,9 +15051,16 @@
             <p:ph idx="1"/>
           </p:nvPr>
         </p:nvSpPr>
-        <p:spPr/>
-        <p:txBody>
-          <a:bodyPr/>
+        <p:spPr>
+          <a:xfrm>
+            <a:off x="407989" y="1592263"/>
+            <a:ext cx="5688011" cy="4608512"/>
+          </a:xfrm>
+        </p:spPr>
+        <p:txBody>
+          <a:bodyPr>
+            <a:normAutofit/>
+          </a:bodyPr>
           <a:lstStyle/>
           <a:p>
             <a:pPr marL="0" indent="0" algn="just">
@@ -14837,7 +15068,7 @@
             </a:pPr>
             <a:r>
               <a:rPr lang="es-ES" noProof="0" dirty="0"/>
-              <a:t>Los sistemas de adquisición de datos capturan, procesan y analizan señales de sensores, esenciales en automatización, investigación y control de procesos.</a:t>
+              <a:t>Los sistemas de adquisición de datos son un conjunto de herramientas utilizadas para recopilar, procesar y analizar datos de fenómenos físicos.</a:t>
             </a:r>
           </a:p>
           <a:p>
@@ -14859,18 +15090,7 @@
             <a:pPr algn="just"/>
             <a:r>
               <a:rPr lang="es-ES" b="1" noProof="0" dirty="0"/>
-              <a:t>Industria: </a:t>
-            </a:r>
-            <a:r>
-              <a:rPr lang="es-ES" b="0" noProof="0" dirty="0"/>
-              <a:t>Monitoreo de temperatura, presión y voltaje.</a:t>
-            </a:r>
-          </a:p>
-          <a:p>
-            <a:pPr algn="just"/>
-            <a:r>
-              <a:rPr lang="es-ES" b="1" noProof="0" dirty="0"/>
-              <a:t>Agricultura</a:t>
+              <a:t>Medicina</a:t>
             </a:r>
             <a:r>
               <a:rPr lang="es-ES" noProof="0" dirty="0"/>
@@ -14878,29 +15098,7 @@
             </a:r>
             <a:r>
               <a:rPr lang="es-ES" b="0" noProof="0" dirty="0"/>
-              <a:t>Identificación de estrés hídrico o exceso de riego.</a:t>
-            </a:r>
-          </a:p>
-          <a:p>
-            <a:pPr algn="just"/>
-            <a:r>
-              <a:rPr lang="es-ES" b="1" noProof="0" dirty="0"/>
-              <a:t>Medicina: </a:t>
-            </a:r>
-            <a:r>
-              <a:rPr lang="es-ES" b="0" noProof="0" dirty="0"/>
-              <a:t>Diagnóstico de enfermedades como cáncer de mama y diabetes.</a:t>
-            </a:r>
-          </a:p>
-          <a:p>
-            <a:pPr algn="just"/>
-            <a:r>
-              <a:rPr lang="es-ES" b="1" noProof="0" dirty="0"/>
-              <a:t>Seguridad: </a:t>
-            </a:r>
-            <a:r>
-              <a:rPr lang="es-ES" b="0" noProof="0" dirty="0"/>
-              <a:t>Vigilancia en hogares y dispositivos inteligentes.</a:t>
+              <a:t>Diagnóstico de cáncer de mama y diabetes.</a:t>
             </a:r>
           </a:p>
           <a:p>
@@ -14911,7 +15109,29 @@
             </a:r>
             <a:r>
               <a:rPr lang="es-ES" b="0" noProof="0" dirty="0"/>
-              <a:t>Monitoreo de emisiones de CO2 en la atmósfera.</a:t>
+              <a:t>Monitoreo de emisiones de  </a:t>
+            </a:r>
+          </a:p>
+          <a:p>
+            <a:pPr algn="just"/>
+            <a:r>
+              <a:rPr lang="es-ES" b="1" noProof="0" dirty="0"/>
+              <a:t>Vigilancia: </a:t>
+            </a:r>
+            <a:r>
+              <a:rPr lang="es-ES" b="0" noProof="0" dirty="0"/>
+              <a:t>Monitoreo de temperatura corporal de intrusos.</a:t>
+            </a:r>
+          </a:p>
+          <a:p>
+            <a:pPr algn="just"/>
+            <a:r>
+              <a:rPr lang="es-ES" b="1" noProof="0" dirty="0"/>
+              <a:t>Agricultura: </a:t>
+            </a:r>
+            <a:r>
+              <a:rPr lang="es-ES" b="0" noProof="0" dirty="0"/>
+              <a:t>Identificación de zonas con estrés hídrico.</a:t>
             </a:r>
           </a:p>
         </p:txBody>
@@ -14939,7 +15159,15 @@
           <a:p>
             <a:r>
               <a:rPr lang="es-MX" noProof="0" dirty="0"/>
-              <a:t>Sistemas de adquisición de datos (DAQ)</a:t>
+              <a:t>Sistemas de adquisición de datos (</a:t>
+            </a:r>
+            <a:r>
+              <a:rPr lang="es-MX" noProof="0" dirty="0" err="1"/>
+              <a:t>DAQs</a:t>
+            </a:r>
+            <a:r>
+              <a:rPr lang="es-MX" noProof="0" dirty="0"/>
+              <a:t>)</a:t>
             </a:r>
           </a:p>
         </p:txBody>
@@ -15032,6 +15260,737 @@
           </a:p>
         </p:txBody>
       </p:sp>
+      <p:grpSp>
+        <p:nvGrpSpPr>
+          <p:cNvPr id="22" name="Grupo 21">
+            <a:extLst>
+              <a:ext uri="{FF2B5EF4-FFF2-40B4-BE49-F238E27FC236}">
+                <a16:creationId xmlns:a16="http://schemas.microsoft.com/office/drawing/2014/main" id="{DC5A3521-E634-74D3-FFEA-AD288F93FA1A}"/>
+              </a:ext>
+            </a:extLst>
+          </p:cNvPr>
+          <p:cNvGrpSpPr/>
+          <p:nvPr/>
+        </p:nvGrpSpPr>
+        <p:grpSpPr>
+          <a:xfrm>
+            <a:off x="6282074" y="2148682"/>
+            <a:ext cx="5501937" cy="3477418"/>
+            <a:chOff x="6289521" y="1753394"/>
+            <a:chExt cx="5501937" cy="3351211"/>
+          </a:xfrm>
+        </p:grpSpPr>
+        <p:sp>
+          <p:nvSpPr>
+            <p:cNvPr id="9" name="Nube 8">
+              <a:extLst>
+                <a:ext uri="{FF2B5EF4-FFF2-40B4-BE49-F238E27FC236}">
+                  <a16:creationId xmlns:a16="http://schemas.microsoft.com/office/drawing/2014/main" id="{DF24EC07-BD78-2BD5-9937-A8B4EF2BB472}"/>
+                </a:ext>
+              </a:extLst>
+            </p:cNvPr>
+            <p:cNvSpPr/>
+            <p:nvPr/>
+          </p:nvSpPr>
+          <p:spPr>
+            <a:xfrm>
+              <a:off x="6289521" y="1753394"/>
+              <a:ext cx="1527402" cy="1021645"/>
+            </a:xfrm>
+            <a:prstGeom prst="cloud">
+              <a:avLst/>
+            </a:prstGeom>
+            <a:noFill/>
+            <a:ln>
+              <a:solidFill>
+                <a:schemeClr val="tx2"/>
+              </a:solidFill>
+            </a:ln>
+          </p:spPr>
+          <p:style>
+            <a:lnRef idx="2">
+              <a:schemeClr val="accent1">
+                <a:shade val="15000"/>
+              </a:schemeClr>
+            </a:lnRef>
+            <a:fillRef idx="1">
+              <a:schemeClr val="accent1"/>
+            </a:fillRef>
+            <a:effectRef idx="0">
+              <a:schemeClr val="accent1"/>
+            </a:effectRef>
+            <a:fontRef idx="minor">
+              <a:schemeClr val="lt1"/>
+            </a:fontRef>
+          </p:style>
+          <p:txBody>
+            <a:bodyPr rtlCol="0" anchor="ctr"/>
+            <a:lstStyle/>
+            <a:p>
+              <a:pPr algn="ctr"/>
+              <a:r>
+                <a:rPr lang="es-MX" sz="1200" dirty="0">
+                  <a:solidFill>
+                    <a:schemeClr val="tx2"/>
+                  </a:solidFill>
+                  <a:latin typeface="Aptos Serif" panose="02020604070405020304" pitchFamily="18" charset="0"/>
+                  <a:cs typeface="Aptos Serif" panose="02020604070405020304" pitchFamily="18" charset="0"/>
+                </a:rPr>
+                <a:t>Fenómeno físico</a:t>
+              </a:r>
+            </a:p>
+          </p:txBody>
+        </p:sp>
+        <p:cxnSp>
+          <p:nvCxnSpPr>
+            <p:cNvPr id="10" name="Conector recto de flecha 9">
+              <a:extLst>
+                <a:ext uri="{FF2B5EF4-FFF2-40B4-BE49-F238E27FC236}">
+                  <a16:creationId xmlns:a16="http://schemas.microsoft.com/office/drawing/2014/main" id="{88770103-6109-384D-76FB-F0B383D8BE5C}"/>
+                </a:ext>
+              </a:extLst>
+            </p:cNvPr>
+            <p:cNvCxnSpPr>
+              <a:cxnSpLocks/>
+            </p:cNvCxnSpPr>
+            <p:nvPr/>
+          </p:nvCxnSpPr>
+          <p:spPr>
+            <a:xfrm>
+              <a:off x="7815651" y="2292319"/>
+              <a:ext cx="522094" cy="0"/>
+            </a:xfrm>
+            <a:prstGeom prst="straightConnector1">
+              <a:avLst/>
+            </a:prstGeom>
+            <a:ln>
+              <a:solidFill>
+                <a:schemeClr val="tx2"/>
+              </a:solidFill>
+              <a:tailEnd type="triangle"/>
+            </a:ln>
+          </p:spPr>
+          <p:style>
+            <a:lnRef idx="1">
+              <a:schemeClr val="accent1"/>
+            </a:lnRef>
+            <a:fillRef idx="0">
+              <a:schemeClr val="accent1"/>
+            </a:fillRef>
+            <a:effectRef idx="0">
+              <a:schemeClr val="accent1"/>
+            </a:effectRef>
+            <a:fontRef idx="minor">
+              <a:schemeClr val="tx1"/>
+            </a:fontRef>
+          </p:style>
+        </p:cxnSp>
+        <p:sp>
+          <p:nvSpPr>
+            <p:cNvPr id="11" name="Rectángulo 10">
+              <a:extLst>
+                <a:ext uri="{FF2B5EF4-FFF2-40B4-BE49-F238E27FC236}">
+                  <a16:creationId xmlns:a16="http://schemas.microsoft.com/office/drawing/2014/main" id="{AA78238C-E102-B992-94D7-031C0CFFAAC8}"/>
+                </a:ext>
+              </a:extLst>
+            </p:cNvPr>
+            <p:cNvSpPr/>
+            <p:nvPr/>
+          </p:nvSpPr>
+          <p:spPr>
+            <a:xfrm>
+              <a:off x="8390522" y="1952383"/>
+              <a:ext cx="1305233" cy="670371"/>
+            </a:xfrm>
+            <a:prstGeom prst="rect">
+              <a:avLst/>
+            </a:prstGeom>
+            <a:noFill/>
+            <a:ln>
+              <a:solidFill>
+                <a:schemeClr val="tx2"/>
+              </a:solidFill>
+            </a:ln>
+          </p:spPr>
+          <p:style>
+            <a:lnRef idx="2">
+              <a:schemeClr val="accent1">
+                <a:shade val="15000"/>
+              </a:schemeClr>
+            </a:lnRef>
+            <a:fillRef idx="1">
+              <a:schemeClr val="accent1"/>
+            </a:fillRef>
+            <a:effectRef idx="0">
+              <a:schemeClr val="accent1"/>
+            </a:effectRef>
+            <a:fontRef idx="minor">
+              <a:schemeClr val="lt1"/>
+            </a:fontRef>
+          </p:style>
+          <p:txBody>
+            <a:bodyPr rtlCol="0" anchor="ctr"/>
+            <a:lstStyle/>
+            <a:p>
+              <a:pPr algn="ctr"/>
+              <a:r>
+                <a:rPr lang="es-MX" sz="1200" dirty="0">
+                  <a:solidFill>
+                    <a:schemeClr val="tx2"/>
+                  </a:solidFill>
+                  <a:latin typeface="Aptos Serif" panose="02020604070405020304" pitchFamily="18" charset="0"/>
+                  <a:cs typeface="Aptos Serif" panose="02020604070405020304" pitchFamily="18" charset="0"/>
+                </a:rPr>
+                <a:t>Sensor</a:t>
+              </a:r>
+            </a:p>
+          </p:txBody>
+        </p:sp>
+        <p:sp>
+          <p:nvSpPr>
+            <p:cNvPr id="12" name="Rectángulo 11">
+              <a:extLst>
+                <a:ext uri="{FF2B5EF4-FFF2-40B4-BE49-F238E27FC236}">
+                  <a16:creationId xmlns:a16="http://schemas.microsoft.com/office/drawing/2014/main" id="{39399073-CBB6-8F77-0CE3-9B44E43D25FF}"/>
+                </a:ext>
+              </a:extLst>
+            </p:cNvPr>
+            <p:cNvSpPr/>
+            <p:nvPr/>
+          </p:nvSpPr>
+          <p:spPr>
+            <a:xfrm>
+              <a:off x="10243041" y="1952383"/>
+              <a:ext cx="1545130" cy="670371"/>
+            </a:xfrm>
+            <a:prstGeom prst="rect">
+              <a:avLst/>
+            </a:prstGeom>
+            <a:noFill/>
+            <a:ln>
+              <a:solidFill>
+                <a:schemeClr val="tx2"/>
+              </a:solidFill>
+            </a:ln>
+          </p:spPr>
+          <p:style>
+            <a:lnRef idx="2">
+              <a:schemeClr val="accent1">
+                <a:shade val="15000"/>
+              </a:schemeClr>
+            </a:lnRef>
+            <a:fillRef idx="1">
+              <a:schemeClr val="accent1"/>
+            </a:fillRef>
+            <a:effectRef idx="0">
+              <a:schemeClr val="accent1"/>
+            </a:effectRef>
+            <a:fontRef idx="minor">
+              <a:schemeClr val="lt1"/>
+            </a:fontRef>
+          </p:style>
+          <p:txBody>
+            <a:bodyPr rtlCol="0" anchor="ctr"/>
+            <a:lstStyle/>
+            <a:p>
+              <a:pPr algn="ctr"/>
+              <a:r>
+                <a:rPr lang="es-MX" sz="1200" dirty="0">
+                  <a:solidFill>
+                    <a:schemeClr val="tx2"/>
+                  </a:solidFill>
+                  <a:latin typeface="Aptos Serif" panose="02020604070405020304" pitchFamily="18" charset="0"/>
+                  <a:cs typeface="Aptos Serif" panose="02020604070405020304" pitchFamily="18" charset="0"/>
+                </a:rPr>
+                <a:t>Acondicionamiento de señal</a:t>
+              </a:r>
+            </a:p>
+          </p:txBody>
+        </p:sp>
+        <p:sp>
+          <p:nvSpPr>
+            <p:cNvPr id="13" name="Rectángulo 12">
+              <a:extLst>
+                <a:ext uri="{FF2B5EF4-FFF2-40B4-BE49-F238E27FC236}">
+                  <a16:creationId xmlns:a16="http://schemas.microsoft.com/office/drawing/2014/main" id="{174EA606-7F11-F85D-2522-63C89272D2E1}"/>
+                </a:ext>
+              </a:extLst>
+            </p:cNvPr>
+            <p:cNvSpPr/>
+            <p:nvPr/>
+          </p:nvSpPr>
+          <p:spPr>
+            <a:xfrm>
+              <a:off x="10246328" y="3199752"/>
+              <a:ext cx="1545130" cy="670371"/>
+            </a:xfrm>
+            <a:prstGeom prst="rect">
+              <a:avLst/>
+            </a:prstGeom>
+            <a:noFill/>
+            <a:ln>
+              <a:solidFill>
+                <a:schemeClr val="tx2"/>
+              </a:solidFill>
+            </a:ln>
+          </p:spPr>
+          <p:style>
+            <a:lnRef idx="2">
+              <a:schemeClr val="accent1">
+                <a:shade val="15000"/>
+              </a:schemeClr>
+            </a:lnRef>
+            <a:fillRef idx="1">
+              <a:schemeClr val="accent1"/>
+            </a:fillRef>
+            <a:effectRef idx="0">
+              <a:schemeClr val="accent1"/>
+            </a:effectRef>
+            <a:fontRef idx="minor">
+              <a:schemeClr val="lt1"/>
+            </a:fontRef>
+          </p:style>
+          <p:txBody>
+            <a:bodyPr rtlCol="0" anchor="ctr"/>
+            <a:lstStyle/>
+            <a:p>
+              <a:pPr algn="ctr"/>
+              <a:r>
+                <a:rPr lang="es-MX" sz="1200" dirty="0">
+                  <a:solidFill>
+                    <a:schemeClr val="tx2"/>
+                  </a:solidFill>
+                  <a:latin typeface="Aptos Serif" panose="02020604070405020304" pitchFamily="18" charset="0"/>
+                  <a:cs typeface="Aptos Serif" panose="02020604070405020304" pitchFamily="18" charset="0"/>
+                </a:rPr>
+                <a:t>Computadora</a:t>
+              </a:r>
+            </a:p>
+          </p:txBody>
+        </p:sp>
+        <p:sp>
+          <p:nvSpPr>
+            <p:cNvPr id="14" name="Rectángulo 13">
+              <a:extLst>
+                <a:ext uri="{FF2B5EF4-FFF2-40B4-BE49-F238E27FC236}">
+                  <a16:creationId xmlns:a16="http://schemas.microsoft.com/office/drawing/2014/main" id="{F12E6B94-72C9-5480-BAA5-C854779CAE80}"/>
+                </a:ext>
+              </a:extLst>
+            </p:cNvPr>
+            <p:cNvSpPr/>
+            <p:nvPr/>
+          </p:nvSpPr>
+          <p:spPr>
+            <a:xfrm>
+              <a:off x="10362990" y="4434234"/>
+              <a:ext cx="1305233" cy="670371"/>
+            </a:xfrm>
+            <a:prstGeom prst="rect">
+              <a:avLst/>
+            </a:prstGeom>
+            <a:noFill/>
+            <a:ln>
+              <a:solidFill>
+                <a:schemeClr val="tx2"/>
+              </a:solidFill>
+            </a:ln>
+          </p:spPr>
+          <p:style>
+            <a:lnRef idx="2">
+              <a:schemeClr val="accent1">
+                <a:shade val="15000"/>
+              </a:schemeClr>
+            </a:lnRef>
+            <a:fillRef idx="1">
+              <a:schemeClr val="accent1"/>
+            </a:fillRef>
+            <a:effectRef idx="0">
+              <a:schemeClr val="accent1"/>
+            </a:effectRef>
+            <a:fontRef idx="minor">
+              <a:schemeClr val="lt1"/>
+            </a:fontRef>
+          </p:style>
+          <p:txBody>
+            <a:bodyPr rtlCol="0" anchor="ctr"/>
+            <a:lstStyle/>
+            <a:p>
+              <a:pPr algn="ctr"/>
+              <a:r>
+                <a:rPr lang="es-MX" sz="1200" dirty="0">
+                  <a:solidFill>
+                    <a:schemeClr val="tx2"/>
+                  </a:solidFill>
+                  <a:latin typeface="Aptos Serif" panose="02020604070405020304" pitchFamily="18" charset="0"/>
+                  <a:cs typeface="Aptos Serif" panose="02020604070405020304" pitchFamily="18" charset="0"/>
+                </a:rPr>
+                <a:t>Software</a:t>
+              </a:r>
+            </a:p>
+          </p:txBody>
+        </p:sp>
+        <p:sp>
+          <p:nvSpPr>
+            <p:cNvPr id="15" name="Rectángulo 14">
+              <a:extLst>
+                <a:ext uri="{FF2B5EF4-FFF2-40B4-BE49-F238E27FC236}">
+                  <a16:creationId xmlns:a16="http://schemas.microsoft.com/office/drawing/2014/main" id="{723D69AB-E83A-2C90-FD76-75C933D114F5}"/>
+                </a:ext>
+              </a:extLst>
+            </p:cNvPr>
+            <p:cNvSpPr/>
+            <p:nvPr/>
+          </p:nvSpPr>
+          <p:spPr>
+            <a:xfrm>
+              <a:off x="8506562" y="4430532"/>
+              <a:ext cx="1304409" cy="670371"/>
+            </a:xfrm>
+            <a:prstGeom prst="rect">
+              <a:avLst/>
+            </a:prstGeom>
+            <a:noFill/>
+            <a:ln>
+              <a:solidFill>
+                <a:schemeClr val="tx2"/>
+              </a:solidFill>
+            </a:ln>
+          </p:spPr>
+          <p:style>
+            <a:lnRef idx="2">
+              <a:schemeClr val="accent1">
+                <a:shade val="15000"/>
+              </a:schemeClr>
+            </a:lnRef>
+            <a:fillRef idx="1">
+              <a:schemeClr val="accent1"/>
+            </a:fillRef>
+            <a:effectRef idx="0">
+              <a:schemeClr val="accent1"/>
+            </a:effectRef>
+            <a:fontRef idx="minor">
+              <a:schemeClr val="lt1"/>
+            </a:fontRef>
+          </p:style>
+          <p:txBody>
+            <a:bodyPr rtlCol="0" anchor="ctr"/>
+            <a:lstStyle/>
+            <a:p>
+              <a:pPr algn="ctr"/>
+              <a:r>
+                <a:rPr lang="es-MX" sz="1200" dirty="0">
+                  <a:solidFill>
+                    <a:schemeClr val="tx2"/>
+                  </a:solidFill>
+                  <a:latin typeface="Aptos Serif" panose="02020604070405020304" pitchFamily="18" charset="0"/>
+                  <a:cs typeface="Aptos Serif" panose="02020604070405020304" pitchFamily="18" charset="0"/>
+                </a:rPr>
+                <a:t>Resultados</a:t>
+              </a:r>
+            </a:p>
+          </p:txBody>
+        </p:sp>
+        <p:cxnSp>
+          <p:nvCxnSpPr>
+            <p:cNvPr id="17" name="Conector recto de flecha 16">
+              <a:extLst>
+                <a:ext uri="{FF2B5EF4-FFF2-40B4-BE49-F238E27FC236}">
+                  <a16:creationId xmlns:a16="http://schemas.microsoft.com/office/drawing/2014/main" id="{A6E31300-EB18-5089-A86C-D240C4BF9DAD}"/>
+                </a:ext>
+              </a:extLst>
+            </p:cNvPr>
+            <p:cNvCxnSpPr>
+              <a:cxnSpLocks/>
+            </p:cNvCxnSpPr>
+            <p:nvPr/>
+          </p:nvCxnSpPr>
+          <p:spPr>
+            <a:xfrm>
+              <a:off x="9695755" y="2292318"/>
+              <a:ext cx="522095" cy="0"/>
+            </a:xfrm>
+            <a:prstGeom prst="straightConnector1">
+              <a:avLst/>
+            </a:prstGeom>
+            <a:ln>
+              <a:solidFill>
+                <a:schemeClr val="tx2"/>
+              </a:solidFill>
+              <a:tailEnd type="triangle"/>
+            </a:ln>
+          </p:spPr>
+          <p:style>
+            <a:lnRef idx="1">
+              <a:schemeClr val="accent1"/>
+            </a:lnRef>
+            <a:fillRef idx="0">
+              <a:schemeClr val="accent1"/>
+            </a:fillRef>
+            <a:effectRef idx="0">
+              <a:schemeClr val="accent1"/>
+            </a:effectRef>
+            <a:fontRef idx="minor">
+              <a:schemeClr val="tx1"/>
+            </a:fontRef>
+          </p:style>
+        </p:cxnSp>
+        <p:cxnSp>
+          <p:nvCxnSpPr>
+            <p:cNvPr id="18" name="Conector recto de flecha 17">
+              <a:extLst>
+                <a:ext uri="{FF2B5EF4-FFF2-40B4-BE49-F238E27FC236}">
+                  <a16:creationId xmlns:a16="http://schemas.microsoft.com/office/drawing/2014/main" id="{7A0D0BEB-B3EC-F25D-08D8-E580F9B33FA3}"/>
+                </a:ext>
+              </a:extLst>
+            </p:cNvPr>
+            <p:cNvCxnSpPr>
+              <a:cxnSpLocks/>
+            </p:cNvCxnSpPr>
+            <p:nvPr/>
+          </p:nvCxnSpPr>
+          <p:spPr>
+            <a:xfrm rot="5400000">
+              <a:off x="10748577" y="2890901"/>
+              <a:ext cx="536297" cy="0"/>
+            </a:xfrm>
+            <a:prstGeom prst="straightConnector1">
+              <a:avLst/>
+            </a:prstGeom>
+            <a:ln>
+              <a:solidFill>
+                <a:schemeClr val="tx2"/>
+              </a:solidFill>
+              <a:tailEnd type="triangle"/>
+            </a:ln>
+          </p:spPr>
+          <p:style>
+            <a:lnRef idx="1">
+              <a:schemeClr val="accent1"/>
+            </a:lnRef>
+            <a:fillRef idx="0">
+              <a:schemeClr val="accent1"/>
+            </a:fillRef>
+            <a:effectRef idx="0">
+              <a:schemeClr val="accent1"/>
+            </a:effectRef>
+            <a:fontRef idx="minor">
+              <a:schemeClr val="tx1"/>
+            </a:fontRef>
+          </p:style>
+        </p:cxnSp>
+        <p:cxnSp>
+          <p:nvCxnSpPr>
+            <p:cNvPr id="19" name="Conector recto de flecha 18">
+              <a:extLst>
+                <a:ext uri="{FF2B5EF4-FFF2-40B4-BE49-F238E27FC236}">
+                  <a16:creationId xmlns:a16="http://schemas.microsoft.com/office/drawing/2014/main" id="{5762D603-D6F6-B9B2-C674-3D4E41451E1D}"/>
+                </a:ext>
+              </a:extLst>
+            </p:cNvPr>
+            <p:cNvCxnSpPr>
+              <a:cxnSpLocks/>
+            </p:cNvCxnSpPr>
+            <p:nvPr/>
+          </p:nvCxnSpPr>
+          <p:spPr>
+            <a:xfrm rot="5400000">
+              <a:off x="10741621" y="4138271"/>
+              <a:ext cx="536297" cy="0"/>
+            </a:xfrm>
+            <a:prstGeom prst="straightConnector1">
+              <a:avLst/>
+            </a:prstGeom>
+            <a:ln>
+              <a:solidFill>
+                <a:schemeClr val="tx2"/>
+              </a:solidFill>
+              <a:tailEnd type="triangle"/>
+            </a:ln>
+          </p:spPr>
+          <p:style>
+            <a:lnRef idx="1">
+              <a:schemeClr val="accent1"/>
+            </a:lnRef>
+            <a:fillRef idx="0">
+              <a:schemeClr val="accent1"/>
+            </a:fillRef>
+            <a:effectRef idx="0">
+              <a:schemeClr val="accent1"/>
+            </a:effectRef>
+            <a:fontRef idx="minor">
+              <a:schemeClr val="tx1"/>
+            </a:fontRef>
+          </p:style>
+        </p:cxnSp>
+        <p:cxnSp>
+          <p:nvCxnSpPr>
+            <p:cNvPr id="20" name="Conector recto de flecha 19">
+              <a:extLst>
+                <a:ext uri="{FF2B5EF4-FFF2-40B4-BE49-F238E27FC236}">
+                  <a16:creationId xmlns:a16="http://schemas.microsoft.com/office/drawing/2014/main" id="{8FDCC5B0-B9E6-F18B-7A6F-552410C888FF}"/>
+                </a:ext>
+              </a:extLst>
+            </p:cNvPr>
+            <p:cNvCxnSpPr>
+              <a:cxnSpLocks/>
+            </p:cNvCxnSpPr>
+            <p:nvPr/>
+          </p:nvCxnSpPr>
+          <p:spPr>
+            <a:xfrm flipH="1">
+              <a:off x="9834683" y="4785267"/>
+              <a:ext cx="521764" cy="0"/>
+            </a:xfrm>
+            <a:prstGeom prst="straightConnector1">
+              <a:avLst/>
+            </a:prstGeom>
+            <a:ln>
+              <a:solidFill>
+                <a:schemeClr val="tx2"/>
+              </a:solidFill>
+              <a:tailEnd type="triangle"/>
+            </a:ln>
+          </p:spPr>
+          <p:style>
+            <a:lnRef idx="1">
+              <a:schemeClr val="accent1"/>
+            </a:lnRef>
+            <a:fillRef idx="0">
+              <a:schemeClr val="accent1"/>
+            </a:fillRef>
+            <a:effectRef idx="0">
+              <a:schemeClr val="accent1"/>
+            </a:effectRef>
+            <a:fontRef idx="minor">
+              <a:schemeClr val="tx1"/>
+            </a:fontRef>
+          </p:style>
+        </p:cxnSp>
+      </p:grpSp>
+      <mc:AlternateContent xmlns:mc="http://schemas.openxmlformats.org/markup-compatibility/2006">
+        <mc:Choice xmlns:a14="http://schemas.microsoft.com/office/drawing/2010/main" Requires="a14">
+          <p:sp>
+            <p:nvSpPr>
+              <p:cNvPr id="25" name="CuadroTexto 24">
+                <a:extLst>
+                  <a:ext uri="{FF2B5EF4-FFF2-40B4-BE49-F238E27FC236}">
+                    <a16:creationId xmlns:a16="http://schemas.microsoft.com/office/drawing/2014/main" id="{BFA90301-4077-3EA3-F566-2002CBE54F4D}"/>
+                  </a:ext>
+                </a:extLst>
+              </p:cNvPr>
+              <p:cNvSpPr txBox="1"/>
+              <p:nvPr/>
+            </p:nvSpPr>
+            <p:spPr>
+              <a:xfrm>
+                <a:off x="5118100" y="4323180"/>
+                <a:ext cx="520700" cy="415498"/>
+              </a:xfrm>
+              <a:prstGeom prst="rect">
+                <a:avLst/>
+              </a:prstGeom>
+              <a:noFill/>
+            </p:spPr>
+            <p:txBody>
+              <a:bodyPr wrap="square">
+                <a:spAutoFit/>
+              </a:bodyPr>
+              <a:lstStyle/>
+              <a:p>
+                <a:pPr/>
+                <a14:m>
+                  <m:oMathPara xmlns:m="http://schemas.openxmlformats.org/officeDocument/2006/math">
+                    <m:oMathParaPr>
+                      <m:jc m:val="centerGroup"/>
+                    </m:oMathParaPr>
+                    <m:oMath xmlns:m="http://schemas.openxmlformats.org/officeDocument/2006/math">
+                      <m:sSub>
+                        <m:sSubPr>
+                          <m:ctrlPr>
+                            <a:rPr lang="es-MX" sz="2100" b="0" i="1" noProof="0" smtClean="0">
+                              <a:solidFill>
+                                <a:schemeClr val="tx2"/>
+                              </a:solidFill>
+                              <a:latin typeface="Cambria Math" panose="02040503050406030204" pitchFamily="18" charset="0"/>
+                            </a:rPr>
+                          </m:ctrlPr>
+                        </m:sSubPr>
+                        <m:e>
+                          <m:r>
+                            <a:rPr lang="es-MX" sz="2100" b="0" i="1" noProof="0" smtClean="0">
+                              <a:solidFill>
+                                <a:schemeClr val="tx2"/>
+                              </a:solidFill>
+                              <a:latin typeface="Cambria Math" panose="02040503050406030204" pitchFamily="18" charset="0"/>
+                            </a:rPr>
+                            <m:t>𝐶𝑂</m:t>
+                          </m:r>
+                        </m:e>
+                        <m:sub>
+                          <m:r>
+                            <a:rPr lang="es-MX" sz="2100" b="0" i="1" noProof="0" smtClean="0">
+                              <a:solidFill>
+                                <a:schemeClr val="tx2"/>
+                              </a:solidFill>
+                              <a:latin typeface="Cambria Math" panose="02040503050406030204" pitchFamily="18" charset="0"/>
+                            </a:rPr>
+                            <m:t>2</m:t>
+                          </m:r>
+                        </m:sub>
+                      </m:sSub>
+                    </m:oMath>
+                  </m:oMathPara>
+                </a14:m>
+                <a:endParaRPr lang="es-MX" sz="2100" dirty="0"/>
+              </a:p>
+            </p:txBody>
+          </p:sp>
+        </mc:Choice>
+        <mc:Fallback>
+          <p:sp>
+            <p:nvSpPr>
+              <p:cNvPr id="25" name="CuadroTexto 24">
+                <a:extLst>
+                  <a:ext uri="{FF2B5EF4-FFF2-40B4-BE49-F238E27FC236}">
+                    <a16:creationId xmlns:a16="http://schemas.microsoft.com/office/drawing/2014/main" id="{BFA90301-4077-3EA3-F566-2002CBE54F4D}"/>
+                  </a:ext>
+                </a:extLst>
+              </p:cNvPr>
+              <p:cNvSpPr txBox="1">
+                <a:spLocks noRot="1" noChangeAspect="1" noMove="1" noResize="1" noEditPoints="1" noAdjustHandles="1" noChangeArrowheads="1" noChangeShapeType="1" noTextEdit="1"/>
+              </p:cNvSpPr>
+              <p:nvPr/>
+            </p:nvSpPr>
+            <p:spPr>
+              <a:xfrm>
+                <a:off x="5118100" y="4323180"/>
+                <a:ext cx="520700" cy="415498"/>
+              </a:xfrm>
+              <a:prstGeom prst="rect">
+                <a:avLst/>
+              </a:prstGeom>
+              <a:blipFill>
+                <a:blip r:embed="rId3"/>
+                <a:stretch>
+                  <a:fillRect l="-1176" r="-15294" b="-2941"/>
+                </a:stretch>
+              </a:blipFill>
+            </p:spPr>
+            <p:txBody>
+              <a:bodyPr/>
+              <a:lstStyle/>
+              <a:p>
+                <a:r>
+                  <a:rPr lang="es-MX">
+                    <a:noFill/>
+                  </a:rPr>
+                  <a:t> </a:t>
+                </a:r>
+              </a:p>
+            </p:txBody>
+          </p:sp>
+        </mc:Fallback>
+      </mc:AlternateContent>
     </p:spTree>
     <p:extLst>
       <p:ext uri="{BB962C8B-B14F-4D97-AF65-F5344CB8AC3E}">
@@ -16112,7 +17071,7 @@
         </p:spPr>
         <p:txBody>
           <a:bodyPr>
-            <a:normAutofit fontScale="92500"/>
+            <a:normAutofit/>
           </a:bodyPr>
           <a:lstStyle/>
           <a:p>
@@ -16134,25 +17093,18 @@
             </a:r>
             <a:r>
               <a:rPr lang="es-ES" b="0" noProof="0" dirty="0"/>
-              <a:t>Es utilizada para hallar cáncer y diabetes en el cuerpo humano.</a:t>
+              <a:t>Diagnóstico de cáncer y diabetes en el cuerpo humano.</a:t>
             </a:r>
           </a:p>
           <a:p>
             <a:pPr algn="just"/>
             <a:r>
+              <a:rPr lang="es-ES" noProof="0" dirty="0"/>
+              <a:t>Industria: </a:t>
+            </a:r>
+            <a:r>
               <a:rPr lang="es-ES" b="0" noProof="0" dirty="0"/>
-              <a:t>Industria: Inspección del estado de equipos eléctricos y mecánicos.</a:t>
-            </a:r>
-          </a:p>
-          <a:p>
-            <a:pPr algn="just"/>
-            <a:r>
-              <a:rPr lang="es-ES" noProof="0" dirty="0"/>
-              <a:t>Conservación de energía: </a:t>
-            </a:r>
-            <a:r>
-              <a:rPr lang="es-ES" b="0" noProof="0" dirty="0"/>
-              <a:t>Con escáneres IR se detectan pérdidas y fugas de calor en casas o industrias.</a:t>
+              <a:t>Inspección del estado de equipos eléctricos y mecánicos.</a:t>
             </a:r>
           </a:p>
           <a:p>
@@ -16175,17 +17127,6 @@
             <a:r>
               <a:rPr lang="es-ES" b="0" noProof="0" dirty="0"/>
               <a:t>Monitoreo del estado de los cultivos y la salud de las plantas, la humedad del suelo y la presencia de plagas o enfermedades.</a:t>
-            </a:r>
-          </a:p>
-          <a:p>
-            <a:pPr algn="just"/>
-            <a:r>
-              <a:rPr lang="es-ES" noProof="0" dirty="0"/>
-              <a:t>Astronomía: </a:t>
-            </a:r>
-            <a:r>
-              <a:rPr lang="es-ES" b="0" noProof="0" dirty="0"/>
-              <a:t>Los telescopios infrarrojos permiten estudiar regiones del espacio donde se están formando estrellas.</a:t>
             </a:r>
           </a:p>
           <a:p>

--- a/presentacion/presentacion_maestria.pptx
+++ b/presentacion/presentacion_maestria.pptx
@@ -257,7 +257,7 @@
           <a:p>
             <a:fld id="{CBB72EAA-2733-D14F-950A-8F4240385864}" type="datetimeFigureOut">
               <a:rPr lang="en-US" smtClean="0"/>
-              <a:t>9/18/2024</a:t>
+              <a:t>9/19/2024</a:t>
             </a:fld>
             <a:endParaRPr lang="en-US"/>
           </a:p>
@@ -350,6 +350,222 @@
   </p:cSld>
   <p:clrMap bg1="lt1" tx1="dk1" bg2="lt2" tx2="dk2" accent1="accent1" accent2="accent2" accent3="accent3" accent4="accent4" accent5="accent5" accent6="accent6" hlink="hlink" folHlink="folHlink"/>
 </p:handoutMaster>
+</file>
+
+<file path=ppt/ink/ink1.xml><?xml version="1.0" encoding="utf-8"?>
+<inkml:ink xmlns:inkml="http://www.w3.org/2003/InkML">
+  <inkml:definitions>
+    <inkml:context xml:id="ctx0">
+      <inkml:inkSource xml:id="inkSrc0">
+        <inkml:traceFormat>
+          <inkml:channel name="X" type="integer" min="-2.14748E9" max="2.14748E9" units="cm"/>
+          <inkml:channel name="Y" type="integer" min="-2.14748E9" max="2.14748E9" units="cm"/>
+          <inkml:channel name="F" type="integer" max="32767" units="dev"/>
+        </inkml:traceFormat>
+        <inkml:channelProperties>
+          <inkml:channelProperty channel="X" name="resolution" value="1000" units="1/cm"/>
+          <inkml:channelProperty channel="Y" name="resolution" value="1000" units="1/cm"/>
+          <inkml:channelProperty channel="F" name="resolution" value="0" units="1/dev"/>
+        </inkml:channelProperties>
+      </inkml:inkSource>
+      <inkml:timestamp xml:id="ts0" timeString="2024-09-19T14:44:39.508"/>
+    </inkml:context>
+    <inkml:brush xml:id="br0">
+      <inkml:brushProperty name="width" value="0.35" units="cm"/>
+      <inkml:brushProperty name="height" value="0.35" units="cm"/>
+    </inkml:brush>
+  </inkml:definitions>
+  <inkml:trace contextRef="#ctx0" brushRef="#br0">1 1 24575,'0'0'-8191</inkml:trace>
+</inkml:ink>
+</file>
+
+<file path=ppt/ink/ink2.xml><?xml version="1.0" encoding="utf-8"?>
+<inkml:ink xmlns:inkml="http://www.w3.org/2003/InkML">
+  <inkml:definitions>
+    <inkml:context xml:id="ctx0">
+      <inkml:inkSource xml:id="inkSrc0">
+        <inkml:traceFormat>
+          <inkml:channel name="X" type="integer" min="-2.14748E9" max="2.14748E9" units="cm"/>
+          <inkml:channel name="Y" type="integer" min="-2.14748E9" max="2.14748E9" units="cm"/>
+          <inkml:channel name="F" type="integer" max="32767" units="dev"/>
+        </inkml:traceFormat>
+        <inkml:channelProperties>
+          <inkml:channelProperty channel="X" name="resolution" value="1000" units="1/cm"/>
+          <inkml:channelProperty channel="Y" name="resolution" value="1000" units="1/cm"/>
+          <inkml:channelProperty channel="F" name="resolution" value="0" units="1/dev"/>
+        </inkml:channelProperties>
+      </inkml:inkSource>
+      <inkml:timestamp xml:id="ts0" timeString="2024-09-19T14:44:44.820"/>
+    </inkml:context>
+    <inkml:brush xml:id="br0">
+      <inkml:brushProperty name="width" value="0.35" units="cm"/>
+      <inkml:brushProperty name="height" value="0.35" units="cm"/>
+    </inkml:brush>
+  </inkml:definitions>
+  <inkml:trace contextRef="#ctx0" brushRef="#br0">0 0 24575,'0'0'-8191</inkml:trace>
+</inkml:ink>
+</file>
+
+<file path=ppt/ink/ink3.xml><?xml version="1.0" encoding="utf-8"?>
+<inkml:ink xmlns:inkml="http://www.w3.org/2003/InkML">
+  <inkml:definitions>
+    <inkml:context xml:id="ctx0">
+      <inkml:inkSource xml:id="inkSrc0">
+        <inkml:traceFormat>
+          <inkml:channel name="X" type="integer" min="-2.14748E9" max="2.14748E9" units="cm"/>
+          <inkml:channel name="Y" type="integer" min="-2.14748E9" max="2.14748E9" units="cm"/>
+          <inkml:channel name="F" type="integer" max="32767" units="dev"/>
+        </inkml:traceFormat>
+        <inkml:channelProperties>
+          <inkml:channelProperty channel="X" name="resolution" value="1000" units="1/cm"/>
+          <inkml:channelProperty channel="Y" name="resolution" value="1000" units="1/cm"/>
+          <inkml:channelProperty channel="F" name="resolution" value="0" units="1/dev"/>
+        </inkml:channelProperties>
+      </inkml:inkSource>
+      <inkml:timestamp xml:id="ts0" timeString="2024-09-19T14:44:49.412"/>
+    </inkml:context>
+    <inkml:brush xml:id="br0">
+      <inkml:brushProperty name="width" value="0.35" units="cm"/>
+      <inkml:brushProperty name="height" value="0.35" units="cm"/>
+    </inkml:brush>
+  </inkml:definitions>
+  <inkml:trace contextRef="#ctx0" brushRef="#br0">0 0 24575,'0'0'-8191</inkml:trace>
+</inkml:ink>
+</file>
+
+<file path=ppt/ink/ink4.xml><?xml version="1.0" encoding="utf-8"?>
+<inkml:ink xmlns:inkml="http://www.w3.org/2003/InkML">
+  <inkml:definitions>
+    <inkml:context xml:id="ctx0">
+      <inkml:inkSource xml:id="inkSrc0">
+        <inkml:traceFormat>
+          <inkml:channel name="X" type="integer" min="-2.14748E9" max="2.14748E9" units="cm"/>
+          <inkml:channel name="Y" type="integer" min="-2.14748E9" max="2.14748E9" units="cm"/>
+          <inkml:channel name="F" type="integer" max="32767" units="dev"/>
+        </inkml:traceFormat>
+        <inkml:channelProperties>
+          <inkml:channelProperty channel="X" name="resolution" value="1000" units="1/cm"/>
+          <inkml:channelProperty channel="Y" name="resolution" value="1000" units="1/cm"/>
+          <inkml:channelProperty channel="F" name="resolution" value="0" units="1/dev"/>
+        </inkml:channelProperties>
+      </inkml:inkSource>
+      <inkml:timestamp xml:id="ts0" timeString="2024-09-19T14:44:50.787"/>
+    </inkml:context>
+    <inkml:brush xml:id="br0">
+      <inkml:brushProperty name="width" value="0.35" units="cm"/>
+      <inkml:brushProperty name="height" value="0.35" units="cm"/>
+    </inkml:brush>
+  </inkml:definitions>
+  <inkml:trace contextRef="#ctx0" brushRef="#br0">0 1 24575,'0'0'-8191</inkml:trace>
+</inkml:ink>
+</file>
+
+<file path=ppt/ink/ink5.xml><?xml version="1.0" encoding="utf-8"?>
+<inkml:ink xmlns:inkml="http://www.w3.org/2003/InkML">
+  <inkml:definitions>
+    <inkml:context xml:id="ctx0">
+      <inkml:inkSource xml:id="inkSrc0">
+        <inkml:traceFormat>
+          <inkml:channel name="X" type="integer" min="-2.14748E9" max="2.14748E9" units="cm"/>
+          <inkml:channel name="Y" type="integer" min="-2.14748E9" max="2.14748E9" units="cm"/>
+          <inkml:channel name="F" type="integer" max="32767" units="dev"/>
+        </inkml:traceFormat>
+        <inkml:channelProperties>
+          <inkml:channelProperty channel="X" name="resolution" value="1000" units="1/cm"/>
+          <inkml:channelProperty channel="Y" name="resolution" value="1000" units="1/cm"/>
+          <inkml:channelProperty channel="F" name="resolution" value="0" units="1/dev"/>
+        </inkml:channelProperties>
+      </inkml:inkSource>
+      <inkml:timestamp xml:id="ts0" timeString="2024-09-19T14:44:57.707"/>
+    </inkml:context>
+    <inkml:brush xml:id="br0">
+      <inkml:brushProperty name="width" value="0.35" units="cm"/>
+      <inkml:brushProperty name="height" value="0.35" units="cm"/>
+    </inkml:brush>
+  </inkml:definitions>
+  <inkml:trace contextRef="#ctx0" brushRef="#br0">0 1 24575,'0'0'-8191</inkml:trace>
+</inkml:ink>
+</file>
+
+<file path=ppt/ink/ink6.xml><?xml version="1.0" encoding="utf-8"?>
+<inkml:ink xmlns:inkml="http://www.w3.org/2003/InkML">
+  <inkml:definitions>
+    <inkml:context xml:id="ctx0">
+      <inkml:inkSource xml:id="inkSrc0">
+        <inkml:traceFormat>
+          <inkml:channel name="X" type="integer" min="-2.14748E9" max="2.14748E9" units="cm"/>
+          <inkml:channel name="Y" type="integer" min="-2.14748E9" max="2.14748E9" units="cm"/>
+          <inkml:channel name="F" type="integer" max="32767" units="dev"/>
+        </inkml:traceFormat>
+        <inkml:channelProperties>
+          <inkml:channelProperty channel="X" name="resolution" value="1000" units="1/cm"/>
+          <inkml:channelProperty channel="Y" name="resolution" value="1000" units="1/cm"/>
+          <inkml:channelProperty channel="F" name="resolution" value="0" units="1/dev"/>
+        </inkml:channelProperties>
+      </inkml:inkSource>
+      <inkml:timestamp xml:id="ts0" timeString="2024-09-19T14:44:58.832"/>
+    </inkml:context>
+    <inkml:brush xml:id="br0">
+      <inkml:brushProperty name="width" value="0.35" units="cm"/>
+      <inkml:brushProperty name="height" value="0.35" units="cm"/>
+    </inkml:brush>
+  </inkml:definitions>
+  <inkml:trace contextRef="#ctx0" brushRef="#br0">1 1 24575,'0'0'-8191</inkml:trace>
+</inkml:ink>
+</file>
+
+<file path=ppt/ink/ink7.xml><?xml version="1.0" encoding="utf-8"?>
+<inkml:ink xmlns:inkml="http://www.w3.org/2003/InkML">
+  <inkml:definitions>
+    <inkml:context xml:id="ctx0">
+      <inkml:inkSource xml:id="inkSrc0">
+        <inkml:traceFormat>
+          <inkml:channel name="X" type="integer" min="-2.14748E9" max="2.14748E9" units="cm"/>
+          <inkml:channel name="Y" type="integer" min="-2.14748E9" max="2.14748E9" units="cm"/>
+          <inkml:channel name="F" type="integer" max="32767" units="dev"/>
+        </inkml:traceFormat>
+        <inkml:channelProperties>
+          <inkml:channelProperty channel="X" name="resolution" value="1000" units="1/cm"/>
+          <inkml:channelProperty channel="Y" name="resolution" value="1000" units="1/cm"/>
+          <inkml:channelProperty channel="F" name="resolution" value="0" units="1/dev"/>
+        </inkml:channelProperties>
+      </inkml:inkSource>
+      <inkml:timestamp xml:id="ts0" timeString="2024-09-19T14:44:59.738"/>
+    </inkml:context>
+    <inkml:brush xml:id="br0">
+      <inkml:brushProperty name="width" value="0.35" units="cm"/>
+      <inkml:brushProperty name="height" value="0.35" units="cm"/>
+    </inkml:brush>
+  </inkml:definitions>
+  <inkml:trace contextRef="#ctx0" brushRef="#br0">0 0 24575</inkml:trace>
+</inkml:ink>
+</file>
+
+<file path=ppt/ink/ink8.xml><?xml version="1.0" encoding="utf-8"?>
+<inkml:ink xmlns:inkml="http://www.w3.org/2003/InkML">
+  <inkml:definitions>
+    <inkml:context xml:id="ctx0">
+      <inkml:inkSource xml:id="inkSrc0">
+        <inkml:traceFormat>
+          <inkml:channel name="X" type="integer" min="-2.14748E9" max="2.14748E9" units="cm"/>
+          <inkml:channel name="Y" type="integer" min="-2.14748E9" max="2.14748E9" units="cm"/>
+          <inkml:channel name="F" type="integer" max="32767" units="dev"/>
+        </inkml:traceFormat>
+        <inkml:channelProperties>
+          <inkml:channelProperty channel="X" name="resolution" value="1000" units="1/cm"/>
+          <inkml:channelProperty channel="Y" name="resolution" value="1000" units="1/cm"/>
+          <inkml:channelProperty channel="F" name="resolution" value="0" units="1/dev"/>
+        </inkml:channelProperties>
+      </inkml:inkSource>
+      <inkml:timestamp xml:id="ts0" timeString="2024-09-19T14:45:01.566"/>
+    </inkml:context>
+    <inkml:brush xml:id="br0">
+      <inkml:brushProperty name="width" value="0.35" units="cm"/>
+      <inkml:brushProperty name="height" value="0.35" units="cm"/>
+    </inkml:brush>
+  </inkml:definitions>
+  <inkml:trace contextRef="#ctx0" brushRef="#br0">1 1 24575,'0'0'-8191</inkml:trace>
+</inkml:ink>
 </file>
 
 <file path=ppt/notesMasters/notesMaster1.xml><?xml version="1.0" encoding="utf-8"?>
@@ -434,7 +650,7 @@
           <a:p>
             <a:fld id="{D4DD062E-52F7-A14D-A443-1F3854784447}" type="datetimeFigureOut">
               <a:rPr lang="en-US" smtClean="0"/>
-              <a:t>9/18/2024</a:t>
+              <a:t>9/19/2024</a:t>
             </a:fld>
             <a:endParaRPr lang="en-US"/>
           </a:p>
@@ -785,6 +1001,486 @@
 </p:notes>
 </file>
 
+<file path=ppt/notesSlides/notesSlide10.xml><?xml version="1.0" encoding="utf-8"?>
+<p:notes xmlns:a="http://schemas.openxmlformats.org/drawingml/2006/main" xmlns:r="http://schemas.openxmlformats.org/officeDocument/2006/relationships" xmlns:p="http://schemas.openxmlformats.org/presentationml/2006/main">
+  <p:cSld>
+    <p:spTree>
+      <p:nvGrpSpPr>
+        <p:cNvPr id="1" name=""/>
+        <p:cNvGrpSpPr/>
+        <p:nvPr/>
+      </p:nvGrpSpPr>
+      <p:grpSpPr>
+        <a:xfrm>
+          <a:off x="0" y="0"/>
+          <a:ext cx="0" cy="0"/>
+          <a:chOff x="0" y="0"/>
+          <a:chExt cx="0" cy="0"/>
+        </a:xfrm>
+      </p:grpSpPr>
+      <p:sp>
+        <p:nvSpPr>
+          <p:cNvPr id="2" name="Marcador de imagen de diapositiva 1"/>
+          <p:cNvSpPr>
+            <a:spLocks noGrp="1" noRot="1" noChangeAspect="1"/>
+          </p:cNvSpPr>
+          <p:nvPr>
+            <p:ph type="sldImg"/>
+          </p:nvPr>
+        </p:nvSpPr>
+        <p:spPr/>
+      </p:sp>
+      <p:sp>
+        <p:nvSpPr>
+          <p:cNvPr id="3" name="Marcador de notas 2"/>
+          <p:cNvSpPr>
+            <a:spLocks noGrp="1"/>
+          </p:cNvSpPr>
+          <p:nvPr>
+            <p:ph type="body" idx="1"/>
+          </p:nvPr>
+        </p:nvSpPr>
+        <p:spPr/>
+        <p:txBody>
+          <a:bodyPr/>
+          <a:lstStyle/>
+          <a:p>
+            <a:r>
+              <a:rPr lang="es-MX" dirty="0"/>
+              <a:t>Sin embargo, el consumo de potencia es mayor y se tiene mayor área ocupada</a:t>
+            </a:r>
+          </a:p>
+        </p:txBody>
+      </p:sp>
+      <p:sp>
+        <p:nvSpPr>
+          <p:cNvPr id="4" name="Marcador de número de diapositiva 3"/>
+          <p:cNvSpPr>
+            <a:spLocks noGrp="1"/>
+          </p:cNvSpPr>
+          <p:nvPr>
+            <p:ph type="sldNum" sz="quarter" idx="5"/>
+          </p:nvPr>
+        </p:nvSpPr>
+        <p:spPr/>
+        <p:txBody>
+          <a:bodyPr/>
+          <a:lstStyle/>
+          <a:p>
+            <a:fld id="{8CB0EE9E-52B8-AA4F-8DD5-ED0FB4E5CBCC}" type="slidenum">
+              <a:rPr lang="en-US" smtClean="0"/>
+              <a:t>18</a:t>
+            </a:fld>
+            <a:endParaRPr lang="en-US"/>
+          </a:p>
+        </p:txBody>
+      </p:sp>
+    </p:spTree>
+    <p:extLst>
+      <p:ext uri="{BB962C8B-B14F-4D97-AF65-F5344CB8AC3E}">
+        <p14:creationId xmlns:p14="http://schemas.microsoft.com/office/powerpoint/2010/main" val="2738199902"/>
+      </p:ext>
+    </p:extLst>
+  </p:cSld>
+  <p:clrMapOvr>
+    <a:masterClrMapping/>
+  </p:clrMapOvr>
+</p:notes>
+</file>
+
+<file path=ppt/notesSlides/notesSlide11.xml><?xml version="1.0" encoding="utf-8"?>
+<p:notes xmlns:a="http://schemas.openxmlformats.org/drawingml/2006/main" xmlns:r="http://schemas.openxmlformats.org/officeDocument/2006/relationships" xmlns:p="http://schemas.openxmlformats.org/presentationml/2006/main">
+  <p:cSld>
+    <p:spTree>
+      <p:nvGrpSpPr>
+        <p:cNvPr id="1" name=""/>
+        <p:cNvGrpSpPr/>
+        <p:nvPr/>
+      </p:nvGrpSpPr>
+      <p:grpSpPr>
+        <a:xfrm>
+          <a:off x="0" y="0"/>
+          <a:ext cx="0" cy="0"/>
+          <a:chOff x="0" y="0"/>
+          <a:chExt cx="0" cy="0"/>
+        </a:xfrm>
+      </p:grpSpPr>
+      <p:sp>
+        <p:nvSpPr>
+          <p:cNvPr id="2" name="Marcador de imagen de diapositiva 1"/>
+          <p:cNvSpPr>
+            <a:spLocks noGrp="1" noRot="1" noChangeAspect="1"/>
+          </p:cNvSpPr>
+          <p:nvPr>
+            <p:ph type="sldImg"/>
+          </p:nvPr>
+        </p:nvSpPr>
+        <p:spPr/>
+      </p:sp>
+      <p:sp>
+        <p:nvSpPr>
+          <p:cNvPr id="3" name="Marcador de notas 2"/>
+          <p:cNvSpPr>
+            <a:spLocks noGrp="1"/>
+          </p:cNvSpPr>
+          <p:nvPr>
+            <p:ph type="body" idx="1"/>
+          </p:nvPr>
+        </p:nvSpPr>
+        <p:spPr/>
+        <p:txBody>
+          <a:bodyPr/>
+          <a:lstStyle/>
+          <a:p>
+            <a:r>
+              <a:rPr lang="es-MX" dirty="0"/>
+              <a:t>Para lograr la compensación del calentamiento, se utiliza un puente de Wheatstone, lo que</a:t>
+            </a:r>
+          </a:p>
+          <a:p>
+            <a:r>
+              <a:rPr lang="es-MX" dirty="0"/>
+              <a:t>incrementa el área ocupada. Además, las etapas de amplificación y filtrado de la señal</a:t>
+            </a:r>
+          </a:p>
+          <a:p>
+            <a:r>
+              <a:rPr lang="es-MX" dirty="0"/>
+              <a:t>también contribuyen a un mayor consumo de potencia.</a:t>
+            </a:r>
+          </a:p>
+        </p:txBody>
+      </p:sp>
+      <p:sp>
+        <p:nvSpPr>
+          <p:cNvPr id="4" name="Marcador de número de diapositiva 3"/>
+          <p:cNvSpPr>
+            <a:spLocks noGrp="1"/>
+          </p:cNvSpPr>
+          <p:nvPr>
+            <p:ph type="sldNum" sz="quarter" idx="5"/>
+          </p:nvPr>
+        </p:nvSpPr>
+        <p:spPr/>
+        <p:txBody>
+          <a:bodyPr/>
+          <a:lstStyle/>
+          <a:p>
+            <a:fld id="{8CB0EE9E-52B8-AA4F-8DD5-ED0FB4E5CBCC}" type="slidenum">
+              <a:rPr lang="en-US" smtClean="0"/>
+              <a:t>19</a:t>
+            </a:fld>
+            <a:endParaRPr lang="en-US"/>
+          </a:p>
+        </p:txBody>
+      </p:sp>
+    </p:spTree>
+    <p:extLst>
+      <p:ext uri="{BB962C8B-B14F-4D97-AF65-F5344CB8AC3E}">
+        <p14:creationId xmlns:p14="http://schemas.microsoft.com/office/powerpoint/2010/main" val="1993277060"/>
+      </p:ext>
+    </p:extLst>
+  </p:cSld>
+  <p:clrMapOvr>
+    <a:masterClrMapping/>
+  </p:clrMapOvr>
+</p:notes>
+</file>
+
+<file path=ppt/notesSlides/notesSlide12.xml><?xml version="1.0" encoding="utf-8"?>
+<p:notes xmlns:a="http://schemas.openxmlformats.org/drawingml/2006/main" xmlns:r="http://schemas.openxmlformats.org/officeDocument/2006/relationships" xmlns:p="http://schemas.openxmlformats.org/presentationml/2006/main">
+  <p:cSld>
+    <p:spTree>
+      <p:nvGrpSpPr>
+        <p:cNvPr id="1" name=""/>
+        <p:cNvGrpSpPr/>
+        <p:nvPr/>
+      </p:nvGrpSpPr>
+      <p:grpSpPr>
+        <a:xfrm>
+          <a:off x="0" y="0"/>
+          <a:ext cx="0" cy="0"/>
+          <a:chOff x="0" y="0"/>
+          <a:chExt cx="0" cy="0"/>
+        </a:xfrm>
+      </p:grpSpPr>
+      <p:sp>
+        <p:nvSpPr>
+          <p:cNvPr id="2" name="Marcador de imagen de diapositiva 1"/>
+          <p:cNvSpPr>
+            <a:spLocks noGrp="1" noRot="1" noChangeAspect="1"/>
+          </p:cNvSpPr>
+          <p:nvPr>
+            <p:ph type="sldImg"/>
+          </p:nvPr>
+        </p:nvSpPr>
+        <p:spPr/>
+      </p:sp>
+      <p:sp>
+        <p:nvSpPr>
+          <p:cNvPr id="3" name="Marcador de notas 2"/>
+          <p:cNvSpPr>
+            <a:spLocks noGrp="1"/>
+          </p:cNvSpPr>
+          <p:nvPr>
+            <p:ph type="body" idx="1"/>
+          </p:nvPr>
+        </p:nvSpPr>
+        <p:spPr/>
+        <p:txBody>
+          <a:bodyPr/>
+          <a:lstStyle/>
+          <a:p>
+            <a:r>
+              <a:rPr lang="es-MX" dirty="0"/>
+              <a:t>Este </a:t>
+            </a:r>
+            <a:r>
+              <a:rPr lang="es-MX" dirty="0" err="1"/>
+              <a:t>readout</a:t>
+            </a:r>
+            <a:r>
+              <a:rPr lang="es-MX" dirty="0"/>
+              <a:t> reduce en su totalidad el ruido mediante la disminución del ancho de banda en frecuencia a expensas de un mayor consumo de energía y un aumento en el área ocupada.</a:t>
+            </a:r>
+          </a:p>
+        </p:txBody>
+      </p:sp>
+      <p:sp>
+        <p:nvSpPr>
+          <p:cNvPr id="4" name="Marcador de número de diapositiva 3"/>
+          <p:cNvSpPr>
+            <a:spLocks noGrp="1"/>
+          </p:cNvSpPr>
+          <p:nvPr>
+            <p:ph type="sldNum" sz="quarter" idx="5"/>
+          </p:nvPr>
+        </p:nvSpPr>
+        <p:spPr/>
+        <p:txBody>
+          <a:bodyPr/>
+          <a:lstStyle/>
+          <a:p>
+            <a:fld id="{8CB0EE9E-52B8-AA4F-8DD5-ED0FB4E5CBCC}" type="slidenum">
+              <a:rPr lang="en-US" smtClean="0"/>
+              <a:t>20</a:t>
+            </a:fld>
+            <a:endParaRPr lang="en-US"/>
+          </a:p>
+        </p:txBody>
+      </p:sp>
+    </p:spTree>
+    <p:extLst>
+      <p:ext uri="{BB962C8B-B14F-4D97-AF65-F5344CB8AC3E}">
+        <p14:creationId xmlns:p14="http://schemas.microsoft.com/office/powerpoint/2010/main" val="319308250"/>
+      </p:ext>
+    </p:extLst>
+  </p:cSld>
+  <p:clrMapOvr>
+    <a:masterClrMapping/>
+  </p:clrMapOvr>
+</p:notes>
+</file>
+
+<file path=ppt/notesSlides/notesSlide13.xml><?xml version="1.0" encoding="utf-8"?>
+<p:notes xmlns:a="http://schemas.openxmlformats.org/drawingml/2006/main" xmlns:r="http://schemas.openxmlformats.org/officeDocument/2006/relationships" xmlns:p="http://schemas.openxmlformats.org/presentationml/2006/main">
+  <p:cSld>
+    <p:spTree>
+      <p:nvGrpSpPr>
+        <p:cNvPr id="1" name=""/>
+        <p:cNvGrpSpPr/>
+        <p:nvPr/>
+      </p:nvGrpSpPr>
+      <p:grpSpPr>
+        <a:xfrm>
+          <a:off x="0" y="0"/>
+          <a:ext cx="0" cy="0"/>
+          <a:chOff x="0" y="0"/>
+          <a:chExt cx="0" cy="0"/>
+        </a:xfrm>
+      </p:grpSpPr>
+      <p:sp>
+        <p:nvSpPr>
+          <p:cNvPr id="2" name="Marcador de imagen de diapositiva 1"/>
+          <p:cNvSpPr>
+            <a:spLocks noGrp="1" noRot="1" noChangeAspect="1"/>
+          </p:cNvSpPr>
+          <p:nvPr>
+            <p:ph type="sldImg"/>
+          </p:nvPr>
+        </p:nvSpPr>
+        <p:spPr/>
+      </p:sp>
+      <p:sp>
+        <p:nvSpPr>
+          <p:cNvPr id="3" name="Marcador de notas 2"/>
+          <p:cNvSpPr>
+            <a:spLocks noGrp="1"/>
+          </p:cNvSpPr>
+          <p:nvPr>
+            <p:ph type="body" idx="1"/>
+          </p:nvPr>
+        </p:nvSpPr>
+        <p:spPr/>
+        <p:txBody>
+          <a:bodyPr/>
+          <a:lstStyle/>
+          <a:p>
+            <a:endParaRPr lang="es-MX" dirty="0"/>
+          </a:p>
+        </p:txBody>
+      </p:sp>
+      <p:sp>
+        <p:nvSpPr>
+          <p:cNvPr id="4" name="Marcador de número de diapositiva 3"/>
+          <p:cNvSpPr>
+            <a:spLocks noGrp="1"/>
+          </p:cNvSpPr>
+          <p:nvPr>
+            <p:ph type="sldNum" sz="quarter" idx="5"/>
+          </p:nvPr>
+        </p:nvSpPr>
+        <p:spPr/>
+        <p:txBody>
+          <a:bodyPr/>
+          <a:lstStyle/>
+          <a:p>
+            <a:fld id="{8CB0EE9E-52B8-AA4F-8DD5-ED0FB4E5CBCC}" type="slidenum">
+              <a:rPr lang="en-US" smtClean="0"/>
+              <a:t>21</a:t>
+            </a:fld>
+            <a:endParaRPr lang="en-US"/>
+          </a:p>
+        </p:txBody>
+      </p:sp>
+    </p:spTree>
+    <p:extLst>
+      <p:ext uri="{BB962C8B-B14F-4D97-AF65-F5344CB8AC3E}">
+        <p14:creationId xmlns:p14="http://schemas.microsoft.com/office/powerpoint/2010/main" val="2803203836"/>
+      </p:ext>
+    </p:extLst>
+  </p:cSld>
+  <p:clrMapOvr>
+    <a:masterClrMapping/>
+  </p:clrMapOvr>
+</p:notes>
+</file>
+
+<file path=ppt/notesSlides/notesSlide14.xml><?xml version="1.0" encoding="utf-8"?>
+<p:notes xmlns:a="http://schemas.openxmlformats.org/drawingml/2006/main" xmlns:r="http://schemas.openxmlformats.org/officeDocument/2006/relationships" xmlns:p="http://schemas.openxmlformats.org/presentationml/2006/main">
+  <p:cSld>
+    <p:spTree>
+      <p:nvGrpSpPr>
+        <p:cNvPr id="1" name=""/>
+        <p:cNvGrpSpPr/>
+        <p:nvPr/>
+      </p:nvGrpSpPr>
+      <p:grpSpPr>
+        <a:xfrm>
+          <a:off x="0" y="0"/>
+          <a:ext cx="0" cy="0"/>
+          <a:chOff x="0" y="0"/>
+          <a:chExt cx="0" cy="0"/>
+        </a:xfrm>
+      </p:grpSpPr>
+      <p:sp>
+        <p:nvSpPr>
+          <p:cNvPr id="2" name="Slide Image Placeholder 1"/>
+          <p:cNvSpPr>
+            <a:spLocks noGrp="1" noRot="1" noChangeAspect="1"/>
+          </p:cNvSpPr>
+          <p:nvPr>
+            <p:ph type="sldImg"/>
+          </p:nvPr>
+        </p:nvSpPr>
+        <p:spPr/>
+      </p:sp>
+      <p:sp>
+        <p:nvSpPr>
+          <p:cNvPr id="3" name="Notes Placeholder 2"/>
+          <p:cNvSpPr>
+            <a:spLocks noGrp="1"/>
+          </p:cNvSpPr>
+          <p:nvPr>
+            <p:ph type="body" idx="1"/>
+          </p:nvPr>
+        </p:nvSpPr>
+        <p:spPr/>
+        <p:txBody>
+          <a:bodyPr/>
+          <a:lstStyle/>
+          <a:p>
+            <a:pPr marL="0" marR="0" lvl="0" indent="0" algn="l" defTabSz="914400" rtl="0" eaLnBrk="1" fontAlgn="auto" latinLnBrk="0" hangingPunct="1">
+              <a:lnSpc>
+                <a:spcPct val="100000"/>
+              </a:lnSpc>
+              <a:spcBef>
+                <a:spcPts val="0"/>
+              </a:spcBef>
+              <a:spcAft>
+                <a:spcPts val="0"/>
+              </a:spcAft>
+              <a:buClrTx/>
+              <a:buSzTx/>
+              <a:buFontTx/>
+              <a:buNone/>
+              <a:tabLst/>
+              <a:defRPr/>
+            </a:pPr>
+            <a:r>
+              <a:rPr lang="es-ES" b="0" noProof="0" dirty="0"/>
+              <a:t>La señal proveniente de los </a:t>
+            </a:r>
+            <a:r>
+              <a:rPr lang="es-ES" b="0" noProof="0" dirty="0" err="1"/>
+              <a:t>microbolómetros</a:t>
+            </a:r>
+            <a:r>
+              <a:rPr lang="es-ES" b="0" noProof="0" dirty="0"/>
+              <a:t> debe ser acondicionada y convertida a formato digital para su almacenamiento y procesamiento. Estos datos permiten crear una imagen térmica.</a:t>
+            </a:r>
+          </a:p>
+          <a:p>
+            <a:endParaRPr lang="en-US" dirty="0"/>
+          </a:p>
+        </p:txBody>
+      </p:sp>
+      <p:sp>
+        <p:nvSpPr>
+          <p:cNvPr id="4" name="Slide Number Placeholder 3"/>
+          <p:cNvSpPr>
+            <a:spLocks noGrp="1"/>
+          </p:cNvSpPr>
+          <p:nvPr>
+            <p:ph type="sldNum" sz="quarter" idx="5"/>
+          </p:nvPr>
+        </p:nvSpPr>
+        <p:spPr/>
+        <p:txBody>
+          <a:bodyPr/>
+          <a:lstStyle/>
+          <a:p>
+            <a:fld id="{8CB0EE9E-52B8-AA4F-8DD5-ED0FB4E5CBCC}" type="slidenum">
+              <a:rPr lang="en-US" smtClean="0"/>
+              <a:t>22</a:t>
+            </a:fld>
+            <a:endParaRPr lang="en-US"/>
+          </a:p>
+        </p:txBody>
+      </p:sp>
+    </p:spTree>
+    <p:extLst>
+      <p:ext uri="{BB962C8B-B14F-4D97-AF65-F5344CB8AC3E}">
+        <p14:creationId xmlns:p14="http://schemas.microsoft.com/office/powerpoint/2010/main" val="476885138"/>
+      </p:ext>
+    </p:extLst>
+  </p:cSld>
+  <p:clrMapOvr>
+    <a:masterClrMapping/>
+  </p:clrMapOvr>
+</p:notes>
+</file>
+
 <file path=ppt/notesSlides/notesSlide2.xml><?xml version="1.0" encoding="utf-8"?>
 <p:notes xmlns:a="http://schemas.openxmlformats.org/drawingml/2006/main" xmlns:r="http://schemas.openxmlformats.org/officeDocument/2006/relationships" xmlns:p="http://schemas.openxmlformats.org/presentationml/2006/main">
   <p:cSld>
@@ -831,7 +1527,7 @@
           <a:p>
             <a:r>
               <a:rPr lang="es-ES" dirty="0"/>
-              <a:t>Debido a la importancia de los sistemas de adquisición de datos en aplicaciones que utilizan detectores infrarrojos, es fundamental comprender el comportamiento de estos detectores. Conocer cómo responden a diferentes condiciones de luz y temperatura permite diseñar sistemas más eficientes y precisos para capturar imágenes térmicas.</a:t>
+              <a:t>Debido a la importancia de los sistemas de adquisición de datos en aplicaciones que utilizan detectores infrarrojos, es fundamental comprender el comportamiento de estos detectores. </a:t>
             </a:r>
             <a:endParaRPr lang="en-US" dirty="0"/>
           </a:p>
@@ -1047,6 +1743,68 @@
           <a:lstStyle/>
           <a:p>
             <a:r>
+              <a:rPr lang="en-US" dirty="0"/>
+              <a:t>La </a:t>
+            </a:r>
+            <a:r>
+              <a:rPr lang="en-US" dirty="0" err="1"/>
+              <a:t>radiación</a:t>
+            </a:r>
+            <a:r>
+              <a:rPr lang="en-US" dirty="0"/>
+              <a:t> IR es imperceptible para </a:t>
+            </a:r>
+            <a:r>
+              <a:rPr lang="en-US" dirty="0" err="1"/>
+              <a:t>el</a:t>
+            </a:r>
+            <a:r>
+              <a:rPr lang="en-US" dirty="0"/>
+              <a:t> </a:t>
+            </a:r>
+            <a:r>
+              <a:rPr lang="en-US" dirty="0" err="1"/>
+              <a:t>ojo</a:t>
+            </a:r>
+            <a:r>
+              <a:rPr lang="en-US" dirty="0"/>
+              <a:t> </a:t>
+            </a:r>
+            <a:r>
+              <a:rPr lang="en-US" dirty="0" err="1"/>
+              <a:t>humano</a:t>
+            </a:r>
+            <a:r>
+              <a:rPr lang="en-US" dirty="0"/>
+              <a:t>, se </a:t>
+            </a:r>
+            <a:r>
+              <a:rPr lang="en-US" dirty="0" err="1"/>
+              <a:t>necesitan</a:t>
+            </a:r>
+            <a:r>
+              <a:rPr lang="en-US" dirty="0"/>
+              <a:t> </a:t>
+            </a:r>
+            <a:r>
+              <a:rPr lang="en-US" dirty="0" err="1"/>
+              <a:t>sensores</a:t>
+            </a:r>
+            <a:r>
+              <a:rPr lang="en-US" dirty="0"/>
+              <a:t> para </a:t>
+            </a:r>
+            <a:r>
+              <a:rPr lang="en-US" dirty="0" err="1"/>
+              <a:t>detectarla</a:t>
+            </a:r>
+            <a:r>
+              <a:rPr lang="en-US" dirty="0"/>
+              <a:t>.</a:t>
+            </a:r>
+          </a:p>
+          <a:p>
+            <a:r>
               <a:rPr lang="en-US" dirty="0" err="1"/>
               <a:t>Generalmente</a:t>
             </a:r>
@@ -1225,7 +1983,24 @@
           <a:bodyPr/>
           <a:lstStyle/>
           <a:p>
-            <a:endParaRPr lang="es-MX" dirty="0"/>
+            <a:r>
+              <a:rPr lang="es-MX" dirty="0"/>
+              <a:t>Detectores de fotones: Cuando los fotones llegan al material detector, excitan a los electrones generando una señal eléctrica (cambian su estado energético), temperaturas criogénicas, tiempo-respuesta </a:t>
+            </a:r>
+            <a:r>
+              <a:rPr lang="es-MX" dirty="0" err="1"/>
+              <a:t>us</a:t>
+            </a:r>
+            <a:r>
+              <a:rPr lang="es-MX" dirty="0"/>
+              <a:t>, sensibilidad baja.</a:t>
+            </a:r>
+          </a:p>
+          <a:p>
+            <a:r>
+              <a:rPr lang="es-MX" dirty="0"/>
+              <a:t>Detectores térmicos: Cambio de temperatura en el detector provocada por la radiación infrarroja absorbida y se genera una señal eléctrica medible.</a:t>
+            </a:r>
           </a:p>
         </p:txBody>
       </p:sp>
@@ -1246,7 +2021,7 @@
           <a:p>
             <a:fld id="{8CB0EE9E-52B8-AA4F-8DD5-ED0FB4E5CBCC}" type="slidenum">
               <a:rPr lang="en-US" smtClean="0"/>
-              <a:t>8</a:t>
+              <a:t>7</a:t>
             </a:fld>
             <a:endParaRPr lang="en-US"/>
           </a:p>
@@ -1255,7 +2030,7 @@
     </p:spTree>
     <p:extLst>
       <p:ext uri="{BB962C8B-B14F-4D97-AF65-F5344CB8AC3E}">
-        <p14:creationId xmlns:p14="http://schemas.microsoft.com/office/powerpoint/2010/main" val="192378143"/>
+        <p14:creationId xmlns:p14="http://schemas.microsoft.com/office/powerpoint/2010/main" val="2933073056"/>
       </p:ext>
     </p:extLst>
   </p:cSld>
@@ -1284,7 +2059,7 @@
       </p:grpSpPr>
       <p:sp>
         <p:nvSpPr>
-          <p:cNvPr id="2" name="Slide Image Placeholder 1"/>
+          <p:cNvPr id="2" name="Marcador de imagen de diapositiva 1"/>
           <p:cNvSpPr>
             <a:spLocks noGrp="1" noRot="1" noChangeAspect="1"/>
           </p:cNvSpPr>
@@ -1296,7 +2071,7 @@
       </p:sp>
       <p:sp>
         <p:nvSpPr>
-          <p:cNvPr id="3" name="Notes Placeholder 2"/>
+          <p:cNvPr id="3" name="Marcador de notas 2"/>
           <p:cNvSpPr>
             <a:spLocks noGrp="1"/>
           </p:cNvSpPr>
@@ -1309,44 +2084,13 @@
           <a:bodyPr/>
           <a:lstStyle/>
           <a:p>
-            <a:pPr marL="0" marR="0" lvl="0" indent="0" algn="l" defTabSz="914400" rtl="0" eaLnBrk="1" fontAlgn="auto" latinLnBrk="0" hangingPunct="1">
-              <a:lnSpc>
-                <a:spcPct val="100000"/>
-              </a:lnSpc>
-              <a:spcBef>
-                <a:spcPts val="0"/>
-              </a:spcBef>
-              <a:spcAft>
-                <a:spcPts val="0"/>
-              </a:spcAft>
-              <a:buClrTx/>
-              <a:buSzTx/>
-              <a:buFontTx/>
-              <a:buNone/>
-              <a:tabLst/>
-              <a:defRPr/>
-            </a:pPr>
-            <a:r>
-              <a:rPr lang="es-ES" b="0" noProof="0" dirty="0"/>
-              <a:t>La señal proveniente de los </a:t>
-            </a:r>
-            <a:r>
-              <a:rPr lang="es-ES" b="0" noProof="0" dirty="0" err="1"/>
-              <a:t>microbolómetros</a:t>
-            </a:r>
-            <a:r>
-              <a:rPr lang="es-ES" b="0" noProof="0" dirty="0"/>
-              <a:t> debe ser acondicionada y convertida a formato digital para su almacenamiento y procesamiento. Estos datos permiten crear una imagen térmica.</a:t>
-            </a:r>
-          </a:p>
-          <a:p>
-            <a:endParaRPr lang="en-US" dirty="0"/>
-          </a:p>
-        </p:txBody>
-      </p:sp>
-      <p:sp>
-        <p:nvSpPr>
-          <p:cNvPr id="4" name="Slide Number Placeholder 3"/>
+            <a:endParaRPr lang="es-MX" dirty="0"/>
+          </a:p>
+        </p:txBody>
+      </p:sp>
+      <p:sp>
+        <p:nvSpPr>
+          <p:cNvPr id="4" name="Marcador de número de diapositiva 3"/>
           <p:cNvSpPr>
             <a:spLocks noGrp="1"/>
           </p:cNvSpPr>
@@ -1361,7 +2105,7 @@
           <a:p>
             <a:fld id="{8CB0EE9E-52B8-AA4F-8DD5-ED0FB4E5CBCC}" type="slidenum">
               <a:rPr lang="en-US" smtClean="0"/>
-              <a:t>22</a:t>
+              <a:t>8</a:t>
             </a:fld>
             <a:endParaRPr lang="en-US"/>
           </a:p>
@@ -1370,7 +2114,299 @@
     </p:spTree>
     <p:extLst>
       <p:ext uri="{BB962C8B-B14F-4D97-AF65-F5344CB8AC3E}">
-        <p14:creationId xmlns:p14="http://schemas.microsoft.com/office/powerpoint/2010/main" val="476885138"/>
+        <p14:creationId xmlns:p14="http://schemas.microsoft.com/office/powerpoint/2010/main" val="192378143"/>
+      </p:ext>
+    </p:extLst>
+  </p:cSld>
+  <p:clrMapOvr>
+    <a:masterClrMapping/>
+  </p:clrMapOvr>
+</p:notes>
+</file>
+
+<file path=ppt/notesSlides/notesSlide7.xml><?xml version="1.0" encoding="utf-8"?>
+<p:notes xmlns:a="http://schemas.openxmlformats.org/drawingml/2006/main" xmlns:r="http://schemas.openxmlformats.org/officeDocument/2006/relationships" xmlns:p="http://schemas.openxmlformats.org/presentationml/2006/main">
+  <p:cSld>
+    <p:spTree>
+      <p:nvGrpSpPr>
+        <p:cNvPr id="1" name=""/>
+        <p:cNvGrpSpPr/>
+        <p:nvPr/>
+      </p:nvGrpSpPr>
+      <p:grpSpPr>
+        <a:xfrm>
+          <a:off x="0" y="0"/>
+          <a:ext cx="0" cy="0"/>
+          <a:chOff x="0" y="0"/>
+          <a:chExt cx="0" cy="0"/>
+        </a:xfrm>
+      </p:grpSpPr>
+      <p:sp>
+        <p:nvSpPr>
+          <p:cNvPr id="2" name="Marcador de imagen de diapositiva 1"/>
+          <p:cNvSpPr>
+            <a:spLocks noGrp="1" noRot="1" noChangeAspect="1"/>
+          </p:cNvSpPr>
+          <p:nvPr>
+            <p:ph type="sldImg"/>
+          </p:nvPr>
+        </p:nvSpPr>
+        <p:spPr/>
+      </p:sp>
+      <p:sp>
+        <p:nvSpPr>
+          <p:cNvPr id="3" name="Marcador de notas 2"/>
+          <p:cNvSpPr>
+            <a:spLocks noGrp="1"/>
+          </p:cNvSpPr>
+          <p:nvPr>
+            <p:ph type="body" idx="1"/>
+          </p:nvPr>
+        </p:nvSpPr>
+        <p:spPr/>
+        <p:txBody>
+          <a:bodyPr/>
+          <a:lstStyle/>
+          <a:p>
+            <a:r>
+              <a:rPr lang="el-GR" dirty="0"/>
+              <a:t>Δ</a:t>
+            </a:r>
+            <a:r>
+              <a:rPr lang="es-MX" dirty="0"/>
+              <a:t>R: variación de la resistencia del </a:t>
+            </a:r>
+            <a:r>
+              <a:rPr lang="es-MX" dirty="0" err="1"/>
+              <a:t>ubol</a:t>
+            </a:r>
+            <a:r>
+              <a:rPr lang="es-MX" dirty="0"/>
+              <a:t> debido a la potencia incidente.</a:t>
+            </a:r>
+          </a:p>
+          <a:p>
+            <a:r>
+              <a:rPr lang="es-MX" dirty="0"/>
+              <a:t>Ventajas de topología: Consumo de potencia bajo, área pequeña ocupada, se disminuye un poco el calentamiento, pero no limita el ruido.</a:t>
+            </a:r>
+          </a:p>
+        </p:txBody>
+      </p:sp>
+      <p:sp>
+        <p:nvSpPr>
+          <p:cNvPr id="4" name="Marcador de número de diapositiva 3"/>
+          <p:cNvSpPr>
+            <a:spLocks noGrp="1"/>
+          </p:cNvSpPr>
+          <p:nvPr>
+            <p:ph type="sldNum" sz="quarter" idx="5"/>
+          </p:nvPr>
+        </p:nvSpPr>
+        <p:spPr/>
+        <p:txBody>
+          <a:bodyPr/>
+          <a:lstStyle/>
+          <a:p>
+            <a:fld id="{8CB0EE9E-52B8-AA4F-8DD5-ED0FB4E5CBCC}" type="slidenum">
+              <a:rPr lang="en-US" smtClean="0"/>
+              <a:t>15</a:t>
+            </a:fld>
+            <a:endParaRPr lang="en-US"/>
+          </a:p>
+        </p:txBody>
+      </p:sp>
+    </p:spTree>
+    <p:extLst>
+      <p:ext uri="{BB962C8B-B14F-4D97-AF65-F5344CB8AC3E}">
+        <p14:creationId xmlns:p14="http://schemas.microsoft.com/office/powerpoint/2010/main" val="759108836"/>
+      </p:ext>
+    </p:extLst>
+  </p:cSld>
+  <p:clrMapOvr>
+    <a:masterClrMapping/>
+  </p:clrMapOvr>
+</p:notes>
+</file>
+
+<file path=ppt/notesSlides/notesSlide8.xml><?xml version="1.0" encoding="utf-8"?>
+<p:notes xmlns:a="http://schemas.openxmlformats.org/drawingml/2006/main" xmlns:r="http://schemas.openxmlformats.org/officeDocument/2006/relationships" xmlns:p="http://schemas.openxmlformats.org/presentationml/2006/main">
+  <p:cSld>
+    <p:spTree>
+      <p:nvGrpSpPr>
+        <p:cNvPr id="1" name=""/>
+        <p:cNvGrpSpPr/>
+        <p:nvPr/>
+      </p:nvGrpSpPr>
+      <p:grpSpPr>
+        <a:xfrm>
+          <a:off x="0" y="0"/>
+          <a:ext cx="0" cy="0"/>
+          <a:chOff x="0" y="0"/>
+          <a:chExt cx="0" cy="0"/>
+        </a:xfrm>
+      </p:grpSpPr>
+      <p:sp>
+        <p:nvSpPr>
+          <p:cNvPr id="2" name="Marcador de imagen de diapositiva 1"/>
+          <p:cNvSpPr>
+            <a:spLocks noGrp="1" noRot="1" noChangeAspect="1"/>
+          </p:cNvSpPr>
+          <p:nvPr>
+            <p:ph type="sldImg"/>
+          </p:nvPr>
+        </p:nvSpPr>
+        <p:spPr/>
+      </p:sp>
+      <p:sp>
+        <p:nvSpPr>
+          <p:cNvPr id="3" name="Marcador de notas 2"/>
+          <p:cNvSpPr>
+            <a:spLocks noGrp="1"/>
+          </p:cNvSpPr>
+          <p:nvPr>
+            <p:ph type="body" idx="1"/>
+          </p:nvPr>
+        </p:nvSpPr>
+        <p:spPr/>
+        <p:txBody>
+          <a:bodyPr/>
+          <a:lstStyle/>
+          <a:p>
+            <a:r>
+              <a:rPr lang="es-MX" dirty="0"/>
+              <a:t>El puente de Wheatstone es un circuito eléctrico que consta de cuatro resistencias.</a:t>
+            </a:r>
+          </a:p>
+          <a:p>
+            <a:r>
+              <a:rPr lang="es-MX" dirty="0"/>
+              <a:t>Normalmente se utiliza para medir la resistencia eléctrica de una de ellas de valor desconocido.</a:t>
+            </a:r>
+          </a:p>
+          <a:p>
+            <a:r>
+              <a:rPr lang="es-MX" dirty="0"/>
+              <a:t>El área ocupada y la potencia es mayor, el calentamiento disminuye un poco y no se reduce el ruido.</a:t>
+            </a:r>
+          </a:p>
+        </p:txBody>
+      </p:sp>
+      <p:sp>
+        <p:nvSpPr>
+          <p:cNvPr id="4" name="Marcador de número de diapositiva 3"/>
+          <p:cNvSpPr>
+            <a:spLocks noGrp="1"/>
+          </p:cNvSpPr>
+          <p:nvPr>
+            <p:ph type="sldNum" sz="quarter" idx="5"/>
+          </p:nvPr>
+        </p:nvSpPr>
+        <p:spPr/>
+        <p:txBody>
+          <a:bodyPr/>
+          <a:lstStyle/>
+          <a:p>
+            <a:fld id="{8CB0EE9E-52B8-AA4F-8DD5-ED0FB4E5CBCC}" type="slidenum">
+              <a:rPr lang="en-US" smtClean="0"/>
+              <a:t>16</a:t>
+            </a:fld>
+            <a:endParaRPr lang="en-US"/>
+          </a:p>
+        </p:txBody>
+      </p:sp>
+    </p:spTree>
+    <p:extLst>
+      <p:ext uri="{BB962C8B-B14F-4D97-AF65-F5344CB8AC3E}">
+        <p14:creationId xmlns:p14="http://schemas.microsoft.com/office/powerpoint/2010/main" val="1825484397"/>
+      </p:ext>
+    </p:extLst>
+  </p:cSld>
+  <p:clrMapOvr>
+    <a:masterClrMapping/>
+  </p:clrMapOvr>
+</p:notes>
+</file>
+
+<file path=ppt/notesSlides/notesSlide9.xml><?xml version="1.0" encoding="utf-8"?>
+<p:notes xmlns:a="http://schemas.openxmlformats.org/drawingml/2006/main" xmlns:r="http://schemas.openxmlformats.org/officeDocument/2006/relationships" xmlns:p="http://schemas.openxmlformats.org/presentationml/2006/main">
+  <p:cSld>
+    <p:spTree>
+      <p:nvGrpSpPr>
+        <p:cNvPr id="1" name=""/>
+        <p:cNvGrpSpPr/>
+        <p:nvPr/>
+      </p:nvGrpSpPr>
+      <p:grpSpPr>
+        <a:xfrm>
+          <a:off x="0" y="0"/>
+          <a:ext cx="0" cy="0"/>
+          <a:chOff x="0" y="0"/>
+          <a:chExt cx="0" cy="0"/>
+        </a:xfrm>
+      </p:grpSpPr>
+      <p:sp>
+        <p:nvSpPr>
+          <p:cNvPr id="2" name="Marcador de imagen de diapositiva 1"/>
+          <p:cNvSpPr>
+            <a:spLocks noGrp="1" noRot="1" noChangeAspect="1"/>
+          </p:cNvSpPr>
+          <p:nvPr>
+            <p:ph type="sldImg"/>
+          </p:nvPr>
+        </p:nvSpPr>
+        <p:spPr/>
+      </p:sp>
+      <p:sp>
+        <p:nvSpPr>
+          <p:cNvPr id="3" name="Marcador de notas 2"/>
+          <p:cNvSpPr>
+            <a:spLocks noGrp="1"/>
+          </p:cNvSpPr>
+          <p:nvPr>
+            <p:ph type="body" idx="1"/>
+          </p:nvPr>
+        </p:nvSpPr>
+        <p:spPr/>
+        <p:txBody>
+          <a:bodyPr/>
+          <a:lstStyle/>
+          <a:p>
+            <a:r>
+              <a:rPr lang="es-MX" b="0" noProof="0" dirty="0"/>
+              <a:t>A medida que aumenta la potencia incidente, la resistencia disminuye y la frecuencia de corte se incrementa, su ventaja principal es que limita la frecuencia, lo que mejora la relación señal-ruido.</a:t>
+            </a:r>
+            <a:endParaRPr lang="es-MX" dirty="0"/>
+          </a:p>
+        </p:txBody>
+      </p:sp>
+      <p:sp>
+        <p:nvSpPr>
+          <p:cNvPr id="4" name="Marcador de número de diapositiva 3"/>
+          <p:cNvSpPr>
+            <a:spLocks noGrp="1"/>
+          </p:cNvSpPr>
+          <p:nvPr>
+            <p:ph type="sldNum" sz="quarter" idx="5"/>
+          </p:nvPr>
+        </p:nvSpPr>
+        <p:spPr/>
+        <p:txBody>
+          <a:bodyPr/>
+          <a:lstStyle/>
+          <a:p>
+            <a:fld id="{8CB0EE9E-52B8-AA4F-8DD5-ED0FB4E5CBCC}" type="slidenum">
+              <a:rPr lang="en-US" smtClean="0"/>
+              <a:t>17</a:t>
+            </a:fld>
+            <a:endParaRPr lang="en-US"/>
+          </a:p>
+        </p:txBody>
+      </p:sp>
+    </p:spTree>
+    <p:extLst>
+      <p:ext uri="{BB962C8B-B14F-4D97-AF65-F5344CB8AC3E}">
+        <p14:creationId xmlns:p14="http://schemas.microsoft.com/office/powerpoint/2010/main" val="3343245684"/>
       </p:ext>
     </p:extLst>
   </p:cSld>
@@ -8923,7 +9959,7 @@
             </a:pPr>
             <a:r>
               <a:rPr lang="es-ES" noProof="0" dirty="0"/>
-              <a:t>Es muy difícil tener una representación exacta de un </a:t>
+              <a:t>Un </a:t>
             </a:r>
             <a:r>
               <a:rPr lang="es-ES" noProof="0" dirty="0" err="1"/>
@@ -8931,16 +9967,21 @@
             </a:r>
             <a:r>
               <a:rPr lang="es-ES" noProof="0" dirty="0"/>
-              <a:t>, pero este se puede representar como un circuito divisor de voltaje. </a:t>
-            </a:r>
-          </a:p>
-          <a:p>
-            <a:pPr marL="0" indent="0" algn="just">
-              <a:buNone/>
-            </a:pPr>
+              <a:t> se puede representar como un circuito divisor de voltaje. </a:t>
+            </a:r>
+          </a:p>
+          <a:p>
+            <a:pPr algn="just"/>
             <a:r>
               <a:rPr lang="es-ES" b="0" dirty="0"/>
-              <a:t>En ausencia de radiación y con el circuito abierto, su temperatura es T0. Al cerrarse el circuito, la corriente fluye, calentando la resistencia del </a:t>
+              <a:t>En ausencia de radiación y con el circuito abierto, su temperatura es T0. </a:t>
+            </a:r>
+          </a:p>
+          <a:p>
+            <a:pPr algn="just"/>
+            <a:r>
+              <a:rPr lang="es-ES" b="0" dirty="0"/>
+              <a:t>Al cerrarse el circuito, la corriente fluye, calentando la resistencia del </a:t>
             </a:r>
             <a:r>
               <a:rPr lang="es-ES" b="0" dirty="0" err="1"/>
@@ -8948,7 +9989,14 @@
             </a:r>
             <a:r>
               <a:rPr lang="es-ES" b="0" dirty="0"/>
-              <a:t> (RB) a T1. Si la radiación incide sobre el </a:t>
+              <a:t> (RB) a T1.</a:t>
+            </a:r>
+          </a:p>
+          <a:p>
+            <a:pPr algn="just"/>
+            <a:r>
+              <a:rPr lang="es-ES" b="0" dirty="0"/>
+              <a:t>Si la radiación incide sobre el </a:t>
             </a:r>
             <a:r>
               <a:rPr lang="es-ES" b="0" dirty="0" err="1"/>
@@ -9423,8 +10471,8 @@
         </p:nvSpPr>
         <p:spPr>
           <a:xfrm>
-            <a:off x="407989" y="1592263"/>
-            <a:ext cx="5616574" cy="4608512"/>
+            <a:off x="407988" y="1592263"/>
+            <a:ext cx="7524750" cy="4608512"/>
           </a:xfrm>
         </p:spPr>
         <p:txBody>
@@ -9435,33 +10483,37 @@
               <a:buNone/>
             </a:pPr>
             <a:r>
-              <a:rPr lang="es-ES" b="0" noProof="0" dirty="0"/>
-              <a:t>El diseño de un </a:t>
-            </a:r>
-            <a:r>
-              <a:rPr lang="es-ES" b="0" noProof="0" dirty="0" err="1"/>
-              <a:t>microbolómetro</a:t>
-            </a:r>
-            <a:r>
-              <a:rPr lang="es-ES" b="0" noProof="0" dirty="0"/>
-              <a:t> generalmente incluye un material </a:t>
-            </a:r>
-            <a:r>
               <a:rPr lang="es-ES" noProof="0" dirty="0"/>
-              <a:t>absorbedor</a:t>
-            </a:r>
-            <a:r>
-              <a:rPr lang="es-ES" b="0" noProof="0" dirty="0"/>
-              <a:t> y un material que funge como </a:t>
-            </a:r>
-            <a:r>
-              <a:rPr lang="es-ES" noProof="0" dirty="0"/>
-              <a:t>termómetro</a:t>
-            </a:r>
-            <a:r>
-              <a:rPr lang="es-ES" b="0" noProof="0" dirty="0"/>
-              <a:t>, lo que lleva a un incremento de la temperatura debido a la absorción de radiación infrarroja, provocando finalmente un cambio en la resistencia de sus elementos. </a:t>
-            </a:r>
+              <a:t>Este circuito </a:t>
+            </a:r>
+            <a:r>
+              <a:rPr lang="es-MX" dirty="0">
+                <a:solidFill>
+                  <a:srgbClr val="000000"/>
+                </a:solidFill>
+                <a:effectLst/>
+              </a:rPr>
+              <a:t>mide la tensión en la salida de un divisor resistivo formado por una resistencia de referencia y un microbolómetro.</a:t>
+            </a:r>
+          </a:p>
+          <a:p>
+            <a:pPr marL="0" indent="0" algn="just">
+              <a:buNone/>
+            </a:pPr>
+            <a:r>
+              <a:rPr lang="es-MX" b="0" noProof="0" dirty="0"/>
+              <a:t>A medida que aumenta la radiación incidente en el microbolómetro, su resistencia disminuye proporcionalmente, lo que hace que la tensión de salida dependa de la radiación recibida por el sensor.</a:t>
+            </a:r>
+          </a:p>
+          <a:p>
+            <a:pPr marL="0" indent="0" algn="just">
+              <a:buNone/>
+            </a:pPr>
+            <a:r>
+              <a:rPr lang="es-MX" b="0" dirty="0"/>
+              <a:t>La tensión de salida es:</a:t>
+            </a:r>
+            <a:endParaRPr lang="es-ES" b="0" noProof="0" dirty="0"/>
           </a:p>
         </p:txBody>
       </p:sp>
@@ -9597,14 +10649,14 @@
           <p:nvPr/>
         </p:nvPicPr>
         <p:blipFill>
-          <a:blip r:embed="rId2"/>
+          <a:blip r:embed="rId3"/>
           <a:stretch>
             <a:fillRect/>
           </a:stretch>
         </p:blipFill>
         <p:spPr>
           <a:xfrm>
-            <a:off x="7723410" y="1421485"/>
+            <a:off x="8988876" y="1592263"/>
             <a:ext cx="2726876" cy="4015030"/>
           </a:xfrm>
           <a:prstGeom prst="rect">
@@ -9612,6 +10664,341 @@
           </a:prstGeom>
         </p:spPr>
       </p:pic>
+      <mc:AlternateContent xmlns:mc="http://schemas.openxmlformats.org/markup-compatibility/2006">
+        <mc:Choice xmlns:a14="http://schemas.microsoft.com/office/drawing/2010/main" Requires="a14">
+          <p:sp>
+            <p:nvSpPr>
+              <p:cNvPr id="7" name="CuadroTexto 6">
+                <a:extLst>
+                  <a:ext uri="{FF2B5EF4-FFF2-40B4-BE49-F238E27FC236}">
+                    <a16:creationId xmlns:a16="http://schemas.microsoft.com/office/drawing/2014/main" id="{51D698F9-43A7-DCC7-7399-522744C9FD25}"/>
+                  </a:ext>
+                </a:extLst>
+              </p:cNvPr>
+              <p:cNvSpPr txBox="1"/>
+              <p:nvPr/>
+            </p:nvSpPr>
+            <p:spPr>
+              <a:xfrm>
+                <a:off x="2706503" y="4660058"/>
+                <a:ext cx="2447785" cy="596638"/>
+              </a:xfrm>
+              <a:prstGeom prst="rect">
+                <a:avLst/>
+              </a:prstGeom>
+              <a:noFill/>
+            </p:spPr>
+            <p:txBody>
+              <a:bodyPr wrap="none" lIns="0" tIns="0" rIns="0" bIns="0" rtlCol="0">
+                <a:spAutoFit/>
+              </a:bodyPr>
+              <a:lstStyle/>
+              <a:p>
+                <a14:m>
+                  <m:oMathPara xmlns:m="http://schemas.openxmlformats.org/officeDocument/2006/math">
+                    <m:oMathParaPr>
+                      <m:jc m:val="centerGroup"/>
+                    </m:oMathParaPr>
+                    <m:oMath xmlns:m="http://schemas.openxmlformats.org/officeDocument/2006/math">
+                      <m:sSub>
+                        <m:sSubPr>
+                          <m:ctrlPr>
+                            <a:rPr lang="es-MX" i="1" smtClean="0">
+                              <a:solidFill>
+                                <a:schemeClr val="bg2">
+                                  <a:lumMod val="10000"/>
+                                </a:schemeClr>
+                              </a:solidFill>
+                              <a:latin typeface="Cambria Math" panose="02040503050406030204" pitchFamily="18" charset="0"/>
+                            </a:rPr>
+                          </m:ctrlPr>
+                        </m:sSubPr>
+                        <m:e>
+                          <m:r>
+                            <a:rPr lang="es-MX" b="0" i="1" smtClean="0">
+                              <a:solidFill>
+                                <a:schemeClr val="bg2">
+                                  <a:lumMod val="10000"/>
+                                </a:schemeClr>
+                              </a:solidFill>
+                              <a:latin typeface="Cambria Math" panose="02040503050406030204" pitchFamily="18" charset="0"/>
+                            </a:rPr>
+                            <m:t>𝑉</m:t>
+                          </m:r>
+                        </m:e>
+                        <m:sub>
+                          <m:r>
+                            <a:rPr lang="es-MX" b="0" i="1" smtClean="0">
+                              <a:solidFill>
+                                <a:schemeClr val="bg2">
+                                  <a:lumMod val="10000"/>
+                                </a:schemeClr>
+                              </a:solidFill>
+                              <a:latin typeface="Cambria Math" panose="02040503050406030204" pitchFamily="18" charset="0"/>
+                            </a:rPr>
+                            <m:t>𝑜𝑢𝑡</m:t>
+                          </m:r>
+                        </m:sub>
+                      </m:sSub>
+                      <m:r>
+                        <a:rPr lang="es-MX" b="0" i="1" smtClean="0">
+                          <a:solidFill>
+                            <a:schemeClr val="bg2">
+                              <a:lumMod val="10000"/>
+                            </a:schemeClr>
+                          </a:solidFill>
+                          <a:latin typeface="Cambria Math" panose="02040503050406030204" pitchFamily="18" charset="0"/>
+                        </a:rPr>
+                        <m:t>=</m:t>
+                      </m:r>
+                      <m:f>
+                        <m:fPr>
+                          <m:ctrlPr>
+                            <a:rPr lang="es-MX" b="0" i="1" smtClean="0">
+                              <a:solidFill>
+                                <a:schemeClr val="bg2">
+                                  <a:lumMod val="10000"/>
+                                </a:schemeClr>
+                              </a:solidFill>
+                              <a:latin typeface="Cambria Math" panose="02040503050406030204" pitchFamily="18" charset="0"/>
+                            </a:rPr>
+                          </m:ctrlPr>
+                        </m:fPr>
+                        <m:num>
+                          <m:sSub>
+                            <m:sSubPr>
+                              <m:ctrlPr>
+                                <a:rPr lang="es-MX" b="0" i="1" smtClean="0">
+                                  <a:solidFill>
+                                    <a:schemeClr val="bg2">
+                                      <a:lumMod val="10000"/>
+                                    </a:schemeClr>
+                                  </a:solidFill>
+                                  <a:latin typeface="Cambria Math" panose="02040503050406030204" pitchFamily="18" charset="0"/>
+                                </a:rPr>
+                              </m:ctrlPr>
+                            </m:sSubPr>
+                            <m:e>
+                              <m:r>
+                                <a:rPr lang="es-MX" b="0" i="1" smtClean="0">
+                                  <a:solidFill>
+                                    <a:schemeClr val="bg2">
+                                      <a:lumMod val="10000"/>
+                                    </a:schemeClr>
+                                  </a:solidFill>
+                                  <a:latin typeface="Cambria Math" panose="02040503050406030204" pitchFamily="18" charset="0"/>
+                                </a:rPr>
+                                <m:t>𝑅</m:t>
+                              </m:r>
+                            </m:e>
+                            <m:sub>
+                              <m:r>
+                                <a:rPr lang="es-MX" b="0" i="1" smtClean="0">
+                                  <a:solidFill>
+                                    <a:schemeClr val="bg2">
+                                      <a:lumMod val="10000"/>
+                                    </a:schemeClr>
+                                  </a:solidFill>
+                                  <a:latin typeface="Cambria Math" panose="02040503050406030204" pitchFamily="18" charset="0"/>
+                                </a:rPr>
+                                <m:t>𝐵𝑜𝑙</m:t>
+                              </m:r>
+                            </m:sub>
+                          </m:sSub>
+                        </m:num>
+                        <m:den>
+                          <m:sSub>
+                            <m:sSubPr>
+                              <m:ctrlPr>
+                                <a:rPr lang="es-MX" b="0" i="1" smtClean="0">
+                                  <a:solidFill>
+                                    <a:schemeClr val="bg2">
+                                      <a:lumMod val="10000"/>
+                                    </a:schemeClr>
+                                  </a:solidFill>
+                                  <a:latin typeface="Cambria Math" panose="02040503050406030204" pitchFamily="18" charset="0"/>
+                                </a:rPr>
+                              </m:ctrlPr>
+                            </m:sSubPr>
+                            <m:e>
+                              <m:r>
+                                <a:rPr lang="es-MX" b="0" i="1" smtClean="0">
+                                  <a:solidFill>
+                                    <a:schemeClr val="bg2">
+                                      <a:lumMod val="10000"/>
+                                    </a:schemeClr>
+                                  </a:solidFill>
+                                  <a:latin typeface="Cambria Math" panose="02040503050406030204" pitchFamily="18" charset="0"/>
+                                </a:rPr>
+                                <m:t>𝑅</m:t>
+                              </m:r>
+                            </m:e>
+                            <m:sub>
+                              <m:r>
+                                <a:rPr lang="es-MX" b="0" i="1" smtClean="0">
+                                  <a:solidFill>
+                                    <a:schemeClr val="bg2">
+                                      <a:lumMod val="10000"/>
+                                    </a:schemeClr>
+                                  </a:solidFill>
+                                  <a:latin typeface="Cambria Math" panose="02040503050406030204" pitchFamily="18" charset="0"/>
+                                </a:rPr>
+                                <m:t>𝑟𝑒𝑓</m:t>
+                              </m:r>
+                            </m:sub>
+                          </m:sSub>
+                          <m:r>
+                            <a:rPr lang="es-MX" b="0" i="1" smtClean="0">
+                              <a:solidFill>
+                                <a:schemeClr val="bg2">
+                                  <a:lumMod val="10000"/>
+                                </a:schemeClr>
+                              </a:solidFill>
+                              <a:latin typeface="Cambria Math" panose="02040503050406030204" pitchFamily="18" charset="0"/>
+                            </a:rPr>
+                            <m:t>+</m:t>
+                          </m:r>
+                          <m:sSub>
+                            <m:sSubPr>
+                              <m:ctrlPr>
+                                <a:rPr lang="es-MX" b="0" i="1" smtClean="0">
+                                  <a:solidFill>
+                                    <a:schemeClr val="bg2">
+                                      <a:lumMod val="10000"/>
+                                    </a:schemeClr>
+                                  </a:solidFill>
+                                  <a:latin typeface="Cambria Math" panose="02040503050406030204" pitchFamily="18" charset="0"/>
+                                </a:rPr>
+                              </m:ctrlPr>
+                            </m:sSubPr>
+                            <m:e>
+                              <m:r>
+                                <a:rPr lang="es-MX" b="0" i="1" smtClean="0">
+                                  <a:solidFill>
+                                    <a:schemeClr val="bg2">
+                                      <a:lumMod val="10000"/>
+                                    </a:schemeClr>
+                                  </a:solidFill>
+                                  <a:latin typeface="Cambria Math" panose="02040503050406030204" pitchFamily="18" charset="0"/>
+                                </a:rPr>
+                                <m:t>𝑅</m:t>
+                              </m:r>
+                            </m:e>
+                            <m:sub>
+                              <m:r>
+                                <a:rPr lang="es-MX" b="0" i="1" smtClean="0">
+                                  <a:solidFill>
+                                    <a:schemeClr val="bg2">
+                                      <a:lumMod val="10000"/>
+                                    </a:schemeClr>
+                                  </a:solidFill>
+                                  <a:latin typeface="Cambria Math" panose="02040503050406030204" pitchFamily="18" charset="0"/>
+                                </a:rPr>
+                                <m:t>𝐵𝑜𝑙</m:t>
+                              </m:r>
+                            </m:sub>
+                          </m:sSub>
+                        </m:den>
+                      </m:f>
+                      <m:sSub>
+                        <m:sSubPr>
+                          <m:ctrlPr>
+                            <a:rPr lang="es-MX" b="0" i="1" smtClean="0">
+                              <a:solidFill>
+                                <a:schemeClr val="bg2">
+                                  <a:lumMod val="10000"/>
+                                </a:schemeClr>
+                              </a:solidFill>
+                              <a:latin typeface="Cambria Math" panose="02040503050406030204" pitchFamily="18" charset="0"/>
+                            </a:rPr>
+                          </m:ctrlPr>
+                        </m:sSubPr>
+                        <m:e>
+                          <m:r>
+                            <a:rPr lang="es-MX" b="0" i="1" smtClean="0">
+                              <a:solidFill>
+                                <a:schemeClr val="bg2">
+                                  <a:lumMod val="10000"/>
+                                </a:schemeClr>
+                              </a:solidFill>
+                              <a:latin typeface="Cambria Math" panose="02040503050406030204" pitchFamily="18" charset="0"/>
+                            </a:rPr>
+                            <m:t>𝑉</m:t>
+                          </m:r>
+                        </m:e>
+                        <m:sub>
+                          <m:r>
+                            <a:rPr lang="es-MX" b="0" i="1" smtClean="0">
+                              <a:solidFill>
+                                <a:schemeClr val="bg2">
+                                  <a:lumMod val="10000"/>
+                                </a:schemeClr>
+                              </a:solidFill>
+                              <a:latin typeface="Cambria Math" panose="02040503050406030204" pitchFamily="18" charset="0"/>
+                            </a:rPr>
+                            <m:t>𝐵𝑖𝑎𝑠</m:t>
+                          </m:r>
+                        </m:sub>
+                      </m:sSub>
+                    </m:oMath>
+                  </m:oMathPara>
+                </a14:m>
+                <a:endParaRPr lang="es-MX" dirty="0">
+                  <a:solidFill>
+                    <a:schemeClr val="bg2">
+                      <a:lumMod val="10000"/>
+                    </a:schemeClr>
+                  </a:solidFill>
+                </a:endParaRPr>
+              </a:p>
+            </p:txBody>
+          </p:sp>
+        </mc:Choice>
+        <mc:Fallback>
+          <p:sp>
+            <p:nvSpPr>
+              <p:cNvPr id="7" name="CuadroTexto 6">
+                <a:extLst>
+                  <a:ext uri="{FF2B5EF4-FFF2-40B4-BE49-F238E27FC236}">
+                    <a16:creationId xmlns:a16="http://schemas.microsoft.com/office/drawing/2014/main" id="{51D698F9-43A7-DCC7-7399-522744C9FD25}"/>
+                  </a:ext>
+                </a:extLst>
+              </p:cNvPr>
+              <p:cNvSpPr txBox="1">
+                <a:spLocks noRot="1" noChangeAspect="1" noMove="1" noResize="1" noEditPoints="1" noAdjustHandles="1" noChangeArrowheads="1" noChangeShapeType="1" noTextEdit="1"/>
+              </p:cNvSpPr>
+              <p:nvPr/>
+            </p:nvSpPr>
+            <p:spPr>
+              <a:xfrm>
+                <a:off x="2706503" y="4660058"/>
+                <a:ext cx="2447785" cy="596638"/>
+              </a:xfrm>
+              <a:prstGeom prst="rect">
+                <a:avLst/>
+              </a:prstGeom>
+              <a:blipFill>
+                <a:blip r:embed="rId4"/>
+                <a:stretch>
+                  <a:fillRect/>
+                </a:stretch>
+              </a:blipFill>
+            </p:spPr>
+            <p:txBody>
+              <a:bodyPr/>
+              <a:lstStyle/>
+              <a:p>
+                <a:r>
+                  <a:rPr lang="es-MX">
+                    <a:noFill/>
+                  </a:rPr>
+                  <a:t> </a:t>
+                </a:r>
+              </a:p>
+            </p:txBody>
+          </p:sp>
+        </mc:Fallback>
+      </mc:AlternateContent>
     </p:spTree>
     <p:extLst>
       <p:ext uri="{BB962C8B-B14F-4D97-AF65-F5344CB8AC3E}">
@@ -9673,32 +11060,31 @@
             </a:pPr>
             <a:r>
               <a:rPr lang="es-ES" b="0" noProof="0" dirty="0"/>
-              <a:t>El diseño de un </a:t>
-            </a:r>
-            <a:r>
-              <a:rPr lang="es-ES" b="0" noProof="0" dirty="0" err="1"/>
-              <a:t>microbolómetro</a:t>
-            </a:r>
-            <a:r>
-              <a:rPr lang="es-ES" b="0" noProof="0" dirty="0"/>
-              <a:t> generalmente incluye un material </a:t>
-            </a:r>
-            <a:r>
-              <a:rPr lang="es-ES" noProof="0" dirty="0"/>
-              <a:t>absorbedor</a:t>
-            </a:r>
-            <a:r>
-              <a:rPr lang="es-ES" b="0" noProof="0" dirty="0"/>
-              <a:t> y un material que funge como </a:t>
-            </a:r>
-            <a:r>
-              <a:rPr lang="es-ES" noProof="0" dirty="0"/>
-              <a:t>termómetro</a:t>
-            </a:r>
-            <a:r>
-              <a:rPr lang="es-ES" b="0" noProof="0" dirty="0"/>
-              <a:t>, lo que lleva a un incremento de la temperatura debido a la absorción de radiación infrarroja, provocando finalmente un cambio en la resistencia de sus elementos. </a:t>
-            </a:r>
+              <a:t> Esta topología se compone de dos ramas: </a:t>
+            </a:r>
+            <a:r>
+              <a:rPr lang="es-MX" b="0" dirty="0"/>
+              <a:t>l</a:t>
+            </a:r>
+            <a:r>
+              <a:rPr lang="es-MX" b="0" noProof="0" dirty="0"/>
+              <a:t>a parte superior de cada rama está compuesta por una resistencia de referencia, En la parte inferior se encuentra el microbolómetro sensor y un microbolómetro aislado de la radiación incidente.</a:t>
+            </a:r>
+          </a:p>
+          <a:p>
+            <a:pPr marL="0" indent="0" algn="just">
+              <a:buNone/>
+            </a:pPr>
+            <a:r>
+              <a:rPr lang="es-MX" b="0" dirty="0"/>
+              <a:t>La tensión de salida es:</a:t>
+            </a:r>
+          </a:p>
+          <a:p>
+            <a:pPr marL="0" indent="0" algn="just">
+              <a:buNone/>
+            </a:pPr>
+            <a:endParaRPr lang="es-MX" b="0" noProof="0" dirty="0"/>
           </a:p>
         </p:txBody>
       </p:sp>
@@ -9834,7 +11220,7 @@
           <p:nvPr/>
         </p:nvPicPr>
         <p:blipFill>
-          <a:blip r:embed="rId2"/>
+          <a:blip r:embed="rId3"/>
           <a:stretch>
             <a:fillRect/>
           </a:stretch>
@@ -9849,6 +11235,580 @@
           </a:prstGeom>
         </p:spPr>
       </p:pic>
+      <mc:AlternateContent xmlns:mc="http://schemas.openxmlformats.org/markup-compatibility/2006">
+        <mc:Choice xmlns:a14="http://schemas.microsoft.com/office/drawing/2010/main" Requires="a14">
+          <p:sp>
+            <p:nvSpPr>
+              <p:cNvPr id="7" name="CuadroTexto 6">
+                <a:extLst>
+                  <a:ext uri="{FF2B5EF4-FFF2-40B4-BE49-F238E27FC236}">
+                    <a16:creationId xmlns:a16="http://schemas.microsoft.com/office/drawing/2014/main" id="{D7B640F7-559F-CC15-B3D2-0311F9628056}"/>
+                  </a:ext>
+                </a:extLst>
+              </p:cNvPr>
+              <p:cNvSpPr txBox="1"/>
+              <p:nvPr/>
+            </p:nvSpPr>
+            <p:spPr>
+              <a:xfrm>
+                <a:off x="798531" y="4372175"/>
+                <a:ext cx="4835490" cy="628249"/>
+              </a:xfrm>
+              <a:prstGeom prst="rect">
+                <a:avLst/>
+              </a:prstGeom>
+              <a:noFill/>
+            </p:spPr>
+            <p:txBody>
+              <a:bodyPr wrap="none" lIns="0" tIns="0" rIns="0" bIns="0" rtlCol="0">
+                <a:spAutoFit/>
+              </a:bodyPr>
+              <a:lstStyle/>
+              <a:p>
+                <a:pPr algn="l"/>
+                <a14:m>
+                  <m:oMathPara xmlns:m="http://schemas.openxmlformats.org/officeDocument/2006/math">
+                    <m:oMathParaPr>
+                      <m:jc m:val="centerGroup"/>
+                    </m:oMathParaPr>
+                    <m:oMath xmlns:m="http://schemas.openxmlformats.org/officeDocument/2006/math">
+                      <m:sSub>
+                        <m:sSubPr>
+                          <m:ctrlPr>
+                            <a:rPr lang="es-MX" i="1" smtClean="0">
+                              <a:solidFill>
+                                <a:schemeClr val="bg2">
+                                  <a:lumMod val="10000"/>
+                                </a:schemeClr>
+                              </a:solidFill>
+                              <a:latin typeface="Cambria Math" panose="02040503050406030204" pitchFamily="18" charset="0"/>
+                            </a:rPr>
+                          </m:ctrlPr>
+                        </m:sSubPr>
+                        <m:e>
+                          <m:r>
+                            <a:rPr lang="es-MX" b="0" i="1" smtClean="0">
+                              <a:solidFill>
+                                <a:schemeClr val="bg2">
+                                  <a:lumMod val="10000"/>
+                                </a:schemeClr>
+                              </a:solidFill>
+                              <a:latin typeface="Cambria Math" panose="02040503050406030204" pitchFamily="18" charset="0"/>
+                            </a:rPr>
+                            <m:t>𝑉</m:t>
+                          </m:r>
+                        </m:e>
+                        <m:sub>
+                          <m:r>
+                            <a:rPr lang="es-MX" b="0" i="1" smtClean="0">
+                              <a:solidFill>
+                                <a:schemeClr val="bg2">
+                                  <a:lumMod val="10000"/>
+                                </a:schemeClr>
+                              </a:solidFill>
+                              <a:latin typeface="Cambria Math" panose="02040503050406030204" pitchFamily="18" charset="0"/>
+                            </a:rPr>
+                            <m:t>𝑜𝑢𝑡</m:t>
+                          </m:r>
+                        </m:sub>
+                      </m:sSub>
+                      <m:r>
+                        <a:rPr lang="es-MX" b="0" i="1" smtClean="0">
+                          <a:solidFill>
+                            <a:schemeClr val="bg2">
+                              <a:lumMod val="10000"/>
+                            </a:schemeClr>
+                          </a:solidFill>
+                          <a:latin typeface="Cambria Math" panose="02040503050406030204" pitchFamily="18" charset="0"/>
+                        </a:rPr>
+                        <m:t>=</m:t>
+                      </m:r>
+                      <m:d>
+                        <m:dPr>
+                          <m:ctrlPr>
+                            <a:rPr lang="es-MX" b="0" i="1" smtClean="0">
+                              <a:solidFill>
+                                <a:schemeClr val="bg2">
+                                  <a:lumMod val="10000"/>
+                                </a:schemeClr>
+                              </a:solidFill>
+                              <a:latin typeface="Cambria Math" panose="02040503050406030204" pitchFamily="18" charset="0"/>
+                            </a:rPr>
+                          </m:ctrlPr>
+                        </m:dPr>
+                        <m:e>
+                          <m:f>
+                            <m:fPr>
+                              <m:ctrlPr>
+                                <a:rPr lang="es-MX" b="0" i="1" smtClean="0">
+                                  <a:solidFill>
+                                    <a:schemeClr val="bg2">
+                                      <a:lumMod val="10000"/>
+                                    </a:schemeClr>
+                                  </a:solidFill>
+                                  <a:latin typeface="Cambria Math" panose="02040503050406030204" pitchFamily="18" charset="0"/>
+                                </a:rPr>
+                              </m:ctrlPr>
+                            </m:fPr>
+                            <m:num>
+                              <m:sSub>
+                                <m:sSubPr>
+                                  <m:ctrlPr>
+                                    <a:rPr lang="es-MX" b="0" i="1" smtClean="0">
+                                      <a:solidFill>
+                                        <a:schemeClr val="bg2">
+                                          <a:lumMod val="10000"/>
+                                        </a:schemeClr>
+                                      </a:solidFill>
+                                      <a:latin typeface="Cambria Math" panose="02040503050406030204" pitchFamily="18" charset="0"/>
+                                    </a:rPr>
+                                  </m:ctrlPr>
+                                </m:sSubPr>
+                                <m:e>
+                                  <m:r>
+                                    <a:rPr lang="es-MX" b="0" i="1" smtClean="0">
+                                      <a:solidFill>
+                                        <a:schemeClr val="bg2">
+                                          <a:lumMod val="10000"/>
+                                        </a:schemeClr>
+                                      </a:solidFill>
+                                      <a:latin typeface="Cambria Math" panose="02040503050406030204" pitchFamily="18" charset="0"/>
+                                    </a:rPr>
+                                    <m:t>𝑉</m:t>
+                                  </m:r>
+                                </m:e>
+                                <m:sub>
+                                  <m:r>
+                                    <a:rPr lang="es-MX" b="0" i="1" smtClean="0">
+                                      <a:solidFill>
+                                        <a:schemeClr val="bg2">
+                                          <a:lumMod val="10000"/>
+                                        </a:schemeClr>
+                                      </a:solidFill>
+                                      <a:latin typeface="Cambria Math" panose="02040503050406030204" pitchFamily="18" charset="0"/>
+                                    </a:rPr>
+                                    <m:t>𝐵𝑖𝑎𝑠</m:t>
+                                  </m:r>
+                                </m:sub>
+                              </m:sSub>
+                            </m:num>
+                            <m:den>
+                              <m:sSub>
+                                <m:sSubPr>
+                                  <m:ctrlPr>
+                                    <a:rPr lang="es-MX" b="0" i="1" smtClean="0">
+                                      <a:solidFill>
+                                        <a:schemeClr val="bg2">
+                                          <a:lumMod val="10000"/>
+                                        </a:schemeClr>
+                                      </a:solidFill>
+                                      <a:latin typeface="Cambria Math" panose="02040503050406030204" pitchFamily="18" charset="0"/>
+                                    </a:rPr>
+                                  </m:ctrlPr>
+                                </m:sSubPr>
+                                <m:e>
+                                  <m:r>
+                                    <a:rPr lang="es-MX" b="0" i="1" smtClean="0">
+                                      <a:solidFill>
+                                        <a:schemeClr val="bg2">
+                                          <a:lumMod val="10000"/>
+                                        </a:schemeClr>
+                                      </a:solidFill>
+                                      <a:latin typeface="Cambria Math" panose="02040503050406030204" pitchFamily="18" charset="0"/>
+                                    </a:rPr>
+                                    <m:t>𝑅</m:t>
+                                  </m:r>
+                                </m:e>
+                                <m:sub>
+                                  <m:r>
+                                    <a:rPr lang="es-MX" b="0" i="1" smtClean="0">
+                                      <a:solidFill>
+                                        <a:schemeClr val="bg2">
+                                          <a:lumMod val="10000"/>
+                                        </a:schemeClr>
+                                      </a:solidFill>
+                                      <a:latin typeface="Cambria Math" panose="02040503050406030204" pitchFamily="18" charset="0"/>
+                                    </a:rPr>
+                                    <m:t>𝑅𝑒𝑓</m:t>
+                                  </m:r>
+                                  <m:r>
+                                    <a:rPr lang="es-MX" b="0" i="1" smtClean="0">
+                                      <a:solidFill>
+                                        <a:schemeClr val="bg2">
+                                          <a:lumMod val="10000"/>
+                                        </a:schemeClr>
+                                      </a:solidFill>
+                                      <a:latin typeface="Cambria Math" panose="02040503050406030204" pitchFamily="18" charset="0"/>
+                                    </a:rPr>
+                                    <m:t>1</m:t>
+                                  </m:r>
+                                </m:sub>
+                              </m:sSub>
+                              <m:r>
+                                <a:rPr lang="es-MX" b="0" i="1" smtClean="0">
+                                  <a:solidFill>
+                                    <a:schemeClr val="bg2">
+                                      <a:lumMod val="10000"/>
+                                    </a:schemeClr>
+                                  </a:solidFill>
+                                  <a:latin typeface="Cambria Math" panose="02040503050406030204" pitchFamily="18" charset="0"/>
+                                </a:rPr>
+                                <m:t>+</m:t>
+                              </m:r>
+                              <m:sSub>
+                                <m:sSubPr>
+                                  <m:ctrlPr>
+                                    <a:rPr lang="es-MX" b="0" i="1" smtClean="0">
+                                      <a:solidFill>
+                                        <a:schemeClr val="bg2">
+                                          <a:lumMod val="10000"/>
+                                        </a:schemeClr>
+                                      </a:solidFill>
+                                      <a:latin typeface="Cambria Math" panose="02040503050406030204" pitchFamily="18" charset="0"/>
+                                    </a:rPr>
+                                  </m:ctrlPr>
+                                </m:sSubPr>
+                                <m:e>
+                                  <m:r>
+                                    <a:rPr lang="es-MX" b="0" i="1" smtClean="0">
+                                      <a:solidFill>
+                                        <a:schemeClr val="bg2">
+                                          <a:lumMod val="10000"/>
+                                        </a:schemeClr>
+                                      </a:solidFill>
+                                      <a:latin typeface="Cambria Math" panose="02040503050406030204" pitchFamily="18" charset="0"/>
+                                    </a:rPr>
+                                    <m:t>𝑅</m:t>
+                                  </m:r>
+                                </m:e>
+                                <m:sub>
+                                  <m:r>
+                                    <a:rPr lang="es-MX" b="0" i="1" smtClean="0">
+                                      <a:solidFill>
+                                        <a:schemeClr val="bg2">
+                                          <a:lumMod val="10000"/>
+                                        </a:schemeClr>
+                                      </a:solidFill>
+                                      <a:latin typeface="Cambria Math" panose="02040503050406030204" pitchFamily="18" charset="0"/>
+                                    </a:rPr>
+                                    <m:t>𝐵𝑜𝑙</m:t>
+                                  </m:r>
+                                </m:sub>
+                              </m:sSub>
+                            </m:den>
+                          </m:f>
+                          <m:sSub>
+                            <m:sSubPr>
+                              <m:ctrlPr>
+                                <a:rPr lang="es-MX" b="0" i="1" smtClean="0">
+                                  <a:solidFill>
+                                    <a:schemeClr val="bg2">
+                                      <a:lumMod val="10000"/>
+                                    </a:schemeClr>
+                                  </a:solidFill>
+                                  <a:latin typeface="Cambria Math" panose="02040503050406030204" pitchFamily="18" charset="0"/>
+                                </a:rPr>
+                              </m:ctrlPr>
+                            </m:sSubPr>
+                            <m:e>
+                              <m:r>
+                                <a:rPr lang="es-MX" b="0" i="1" smtClean="0">
+                                  <a:solidFill>
+                                    <a:schemeClr val="bg2">
+                                      <a:lumMod val="10000"/>
+                                    </a:schemeClr>
+                                  </a:solidFill>
+                                  <a:latin typeface="Cambria Math" panose="02040503050406030204" pitchFamily="18" charset="0"/>
+                                </a:rPr>
+                                <m:t>𝑅</m:t>
+                              </m:r>
+                            </m:e>
+                            <m:sub>
+                              <m:r>
+                                <a:rPr lang="es-MX" b="0" i="1" smtClean="0">
+                                  <a:solidFill>
+                                    <a:schemeClr val="bg2">
+                                      <a:lumMod val="10000"/>
+                                    </a:schemeClr>
+                                  </a:solidFill>
+                                  <a:latin typeface="Cambria Math" panose="02040503050406030204" pitchFamily="18" charset="0"/>
+                                </a:rPr>
+                                <m:t>𝐵𝑜𝑙</m:t>
+                              </m:r>
+                            </m:sub>
+                          </m:sSub>
+                          <m:r>
+                            <a:rPr lang="es-MX" b="0" i="1" smtClean="0">
+                              <a:solidFill>
+                                <a:schemeClr val="bg2">
+                                  <a:lumMod val="10000"/>
+                                </a:schemeClr>
+                              </a:solidFill>
+                              <a:latin typeface="Cambria Math" panose="02040503050406030204" pitchFamily="18" charset="0"/>
+                            </a:rPr>
+                            <m:t>−</m:t>
+                          </m:r>
+                          <m:f>
+                            <m:fPr>
+                              <m:ctrlPr>
+                                <a:rPr lang="es-MX" b="0" i="1" smtClean="0">
+                                  <a:solidFill>
+                                    <a:schemeClr val="bg2">
+                                      <a:lumMod val="10000"/>
+                                    </a:schemeClr>
+                                  </a:solidFill>
+                                  <a:latin typeface="Cambria Math" panose="02040503050406030204" pitchFamily="18" charset="0"/>
+                                </a:rPr>
+                              </m:ctrlPr>
+                            </m:fPr>
+                            <m:num>
+                              <m:sSub>
+                                <m:sSubPr>
+                                  <m:ctrlPr>
+                                    <a:rPr lang="es-MX" b="0" i="1" smtClean="0">
+                                      <a:solidFill>
+                                        <a:schemeClr val="bg2">
+                                          <a:lumMod val="10000"/>
+                                        </a:schemeClr>
+                                      </a:solidFill>
+                                      <a:latin typeface="Cambria Math" panose="02040503050406030204" pitchFamily="18" charset="0"/>
+                                    </a:rPr>
+                                  </m:ctrlPr>
+                                </m:sSubPr>
+                                <m:e>
+                                  <m:r>
+                                    <a:rPr lang="es-MX" b="0" i="1" smtClean="0">
+                                      <a:solidFill>
+                                        <a:schemeClr val="bg2">
+                                          <a:lumMod val="10000"/>
+                                        </a:schemeClr>
+                                      </a:solidFill>
+                                      <a:latin typeface="Cambria Math" panose="02040503050406030204" pitchFamily="18" charset="0"/>
+                                    </a:rPr>
+                                    <m:t>𝑉</m:t>
+                                  </m:r>
+                                </m:e>
+                                <m:sub>
+                                  <m:r>
+                                    <a:rPr lang="es-MX" b="0" i="1" smtClean="0">
+                                      <a:solidFill>
+                                        <a:schemeClr val="bg2">
+                                          <a:lumMod val="10000"/>
+                                        </a:schemeClr>
+                                      </a:solidFill>
+                                      <a:latin typeface="Cambria Math" panose="02040503050406030204" pitchFamily="18" charset="0"/>
+                                    </a:rPr>
+                                    <m:t>𝐵𝑖𝑎𝑠</m:t>
+                                  </m:r>
+                                </m:sub>
+                              </m:sSub>
+                            </m:num>
+                            <m:den>
+                              <m:sSub>
+                                <m:sSubPr>
+                                  <m:ctrlPr>
+                                    <a:rPr lang="es-MX" b="0" i="1" smtClean="0">
+                                      <a:solidFill>
+                                        <a:schemeClr val="bg2">
+                                          <a:lumMod val="10000"/>
+                                        </a:schemeClr>
+                                      </a:solidFill>
+                                      <a:latin typeface="Cambria Math" panose="02040503050406030204" pitchFamily="18" charset="0"/>
+                                    </a:rPr>
+                                  </m:ctrlPr>
+                                </m:sSubPr>
+                                <m:e>
+                                  <m:r>
+                                    <a:rPr lang="es-MX" b="0" i="1" smtClean="0">
+                                      <a:solidFill>
+                                        <a:schemeClr val="bg2">
+                                          <a:lumMod val="10000"/>
+                                        </a:schemeClr>
+                                      </a:solidFill>
+                                      <a:latin typeface="Cambria Math" panose="02040503050406030204" pitchFamily="18" charset="0"/>
+                                    </a:rPr>
+                                    <m:t>𝑅</m:t>
+                                  </m:r>
+                                </m:e>
+                                <m:sub>
+                                  <m:r>
+                                    <a:rPr lang="es-MX" b="0" i="1" smtClean="0">
+                                      <a:solidFill>
+                                        <a:schemeClr val="bg2">
+                                          <a:lumMod val="10000"/>
+                                        </a:schemeClr>
+                                      </a:solidFill>
+                                      <a:latin typeface="Cambria Math" panose="02040503050406030204" pitchFamily="18" charset="0"/>
+                                    </a:rPr>
+                                    <m:t>𝑅𝑒𝑓</m:t>
+                                  </m:r>
+                                  <m:r>
+                                    <a:rPr lang="es-MX" b="0" i="1" smtClean="0">
+                                      <a:solidFill>
+                                        <a:schemeClr val="bg2">
+                                          <a:lumMod val="10000"/>
+                                        </a:schemeClr>
+                                      </a:solidFill>
+                                      <a:latin typeface="Cambria Math" panose="02040503050406030204" pitchFamily="18" charset="0"/>
+                                    </a:rPr>
+                                    <m:t>2</m:t>
+                                  </m:r>
+                                </m:sub>
+                              </m:sSub>
+                              <m:r>
+                                <a:rPr lang="es-MX" b="0" i="1" smtClean="0">
+                                  <a:solidFill>
+                                    <a:schemeClr val="bg2">
+                                      <a:lumMod val="10000"/>
+                                    </a:schemeClr>
+                                  </a:solidFill>
+                                  <a:latin typeface="Cambria Math" panose="02040503050406030204" pitchFamily="18" charset="0"/>
+                                </a:rPr>
+                                <m:t>+</m:t>
+                              </m:r>
+                              <m:sSub>
+                                <m:sSubPr>
+                                  <m:ctrlPr>
+                                    <a:rPr lang="es-MX" b="0" i="1" smtClean="0">
+                                      <a:solidFill>
+                                        <a:schemeClr val="bg2">
+                                          <a:lumMod val="10000"/>
+                                        </a:schemeClr>
+                                      </a:solidFill>
+                                      <a:latin typeface="Cambria Math" panose="02040503050406030204" pitchFamily="18" charset="0"/>
+                                    </a:rPr>
+                                  </m:ctrlPr>
+                                </m:sSubPr>
+                                <m:e>
+                                  <m:r>
+                                    <a:rPr lang="es-MX" b="0" i="1" smtClean="0">
+                                      <a:solidFill>
+                                        <a:schemeClr val="bg2">
+                                          <a:lumMod val="10000"/>
+                                        </a:schemeClr>
+                                      </a:solidFill>
+                                      <a:latin typeface="Cambria Math" panose="02040503050406030204" pitchFamily="18" charset="0"/>
+                                    </a:rPr>
+                                    <m:t>𝑅</m:t>
+                                  </m:r>
+                                </m:e>
+                                <m:sub>
+                                  <m:r>
+                                    <a:rPr lang="es-MX" b="0" i="1" smtClean="0">
+                                      <a:solidFill>
+                                        <a:schemeClr val="bg2">
+                                          <a:lumMod val="10000"/>
+                                        </a:schemeClr>
+                                      </a:solidFill>
+                                      <a:latin typeface="Cambria Math" panose="02040503050406030204" pitchFamily="18" charset="0"/>
+                                    </a:rPr>
+                                    <m:t>𝑅𝑒𝑓</m:t>
+                                  </m:r>
+                                </m:sub>
+                              </m:sSub>
+                            </m:den>
+                          </m:f>
+                          <m:sSub>
+                            <m:sSubPr>
+                              <m:ctrlPr>
+                                <a:rPr lang="es-MX" b="0" i="1" smtClean="0">
+                                  <a:solidFill>
+                                    <a:schemeClr val="bg2">
+                                      <a:lumMod val="10000"/>
+                                    </a:schemeClr>
+                                  </a:solidFill>
+                                  <a:latin typeface="Cambria Math" panose="02040503050406030204" pitchFamily="18" charset="0"/>
+                                </a:rPr>
+                              </m:ctrlPr>
+                            </m:sSubPr>
+                            <m:e>
+                              <m:r>
+                                <a:rPr lang="es-MX" b="0" i="1" smtClean="0">
+                                  <a:solidFill>
+                                    <a:schemeClr val="bg2">
+                                      <a:lumMod val="10000"/>
+                                    </a:schemeClr>
+                                  </a:solidFill>
+                                  <a:latin typeface="Cambria Math" panose="02040503050406030204" pitchFamily="18" charset="0"/>
+                                </a:rPr>
+                                <m:t>𝑅</m:t>
+                              </m:r>
+                            </m:e>
+                            <m:sub>
+                              <m:r>
+                                <a:rPr lang="es-MX" b="0" i="1" smtClean="0">
+                                  <a:solidFill>
+                                    <a:schemeClr val="bg2">
+                                      <a:lumMod val="10000"/>
+                                    </a:schemeClr>
+                                  </a:solidFill>
+                                  <a:latin typeface="Cambria Math" panose="02040503050406030204" pitchFamily="18" charset="0"/>
+                                </a:rPr>
+                                <m:t>𝑅𝑒𝑓</m:t>
+                              </m:r>
+                            </m:sub>
+                          </m:sSub>
+                        </m:e>
+                      </m:d>
+                    </m:oMath>
+                  </m:oMathPara>
+                </a14:m>
+                <a:endParaRPr lang="es-MX" dirty="0">
+                  <a:solidFill>
+                    <a:schemeClr val="bg2">
+                      <a:lumMod val="10000"/>
+                    </a:schemeClr>
+                  </a:solidFill>
+                </a:endParaRPr>
+              </a:p>
+            </p:txBody>
+          </p:sp>
+        </mc:Choice>
+        <mc:Fallback>
+          <p:sp>
+            <p:nvSpPr>
+              <p:cNvPr id="7" name="CuadroTexto 6">
+                <a:extLst>
+                  <a:ext uri="{FF2B5EF4-FFF2-40B4-BE49-F238E27FC236}">
+                    <a16:creationId xmlns:a16="http://schemas.microsoft.com/office/drawing/2014/main" id="{D7B640F7-559F-CC15-B3D2-0311F9628056}"/>
+                  </a:ext>
+                </a:extLst>
+              </p:cNvPr>
+              <p:cNvSpPr txBox="1">
+                <a:spLocks noRot="1" noChangeAspect="1" noMove="1" noResize="1" noEditPoints="1" noAdjustHandles="1" noChangeArrowheads="1" noChangeShapeType="1" noTextEdit="1"/>
+              </p:cNvSpPr>
+              <p:nvPr/>
+            </p:nvSpPr>
+            <p:spPr>
+              <a:xfrm>
+                <a:off x="798531" y="4372175"/>
+                <a:ext cx="4835490" cy="628249"/>
+              </a:xfrm>
+              <a:prstGeom prst="rect">
+                <a:avLst/>
+              </a:prstGeom>
+              <a:blipFill>
+                <a:blip r:embed="rId4"/>
+                <a:stretch>
+                  <a:fillRect/>
+                </a:stretch>
+              </a:blipFill>
+            </p:spPr>
+            <p:txBody>
+              <a:bodyPr/>
+              <a:lstStyle/>
+              <a:p>
+                <a:r>
+                  <a:rPr lang="es-MX">
+                    <a:noFill/>
+                  </a:rPr>
+                  <a:t> </a:t>
+                </a:r>
+              </a:p>
+            </p:txBody>
+          </p:sp>
+        </mc:Fallback>
+      </mc:AlternateContent>
     </p:spTree>
     <p:extLst>
       <p:ext uri="{BB962C8B-B14F-4D97-AF65-F5344CB8AC3E}">
@@ -9897,8 +11857,8 @@
         </p:nvSpPr>
         <p:spPr>
           <a:xfrm>
-            <a:off x="407989" y="1592263"/>
-            <a:ext cx="5616574" cy="4608512"/>
+            <a:off x="407988" y="1592263"/>
+            <a:ext cx="5759449" cy="4608512"/>
           </a:xfrm>
         </p:spPr>
         <p:txBody>
@@ -9909,33 +11869,47 @@
               <a:buNone/>
             </a:pPr>
             <a:r>
-              <a:rPr lang="es-ES" b="0" noProof="0" dirty="0"/>
-              <a:t>El diseño de un </a:t>
-            </a:r>
-            <a:r>
-              <a:rPr lang="es-ES" b="0" noProof="0" dirty="0" err="1"/>
-              <a:t>microbolómetro</a:t>
-            </a:r>
-            <a:r>
-              <a:rPr lang="es-ES" b="0" noProof="0" dirty="0"/>
-              <a:t> generalmente incluye un material </a:t>
-            </a:r>
-            <a:r>
-              <a:rPr lang="es-ES" noProof="0" dirty="0"/>
-              <a:t>absorbedor</a:t>
-            </a:r>
-            <a:r>
-              <a:rPr lang="es-ES" b="0" noProof="0" dirty="0"/>
-              <a:t> y un material que funge como </a:t>
-            </a:r>
-            <a:r>
-              <a:rPr lang="es-ES" noProof="0" dirty="0"/>
-              <a:t>termómetro</a:t>
-            </a:r>
-            <a:r>
-              <a:rPr lang="es-ES" b="0" noProof="0" dirty="0"/>
-              <a:t>, lo que lleva a un incremento de la temperatura debido a la absorción de radiación infrarroja, provocando finalmente un cambio en la resistencia de sus elementos. </a:t>
-            </a:r>
+              <a:rPr lang="es-MX" b="0" noProof="0" dirty="0"/>
+              <a:t>Este circuito de lectura emplea un capacitor en el nodo de salida, el cual filtra frecuencias, esto contribuye a disminuir el ruido.</a:t>
+            </a:r>
+          </a:p>
+          <a:p>
+            <a:pPr marL="0" indent="0" algn="just">
+              <a:buNone/>
+            </a:pPr>
+            <a:r>
+              <a:rPr lang="es-MX" b="0" dirty="0"/>
+              <a:t>L</a:t>
+            </a:r>
+            <a:r>
+              <a:rPr lang="es-MX" b="0" noProof="0" dirty="0"/>
+              <a:t>a frecuencia de corte en la salida está determinada por el valor de la resistencia del microbolómetro.</a:t>
+            </a:r>
+          </a:p>
+          <a:p>
+            <a:pPr marL="0" indent="0" algn="just">
+              <a:buNone/>
+            </a:pPr>
+            <a:r>
+              <a:rPr lang="es-MX" b="0" dirty="0"/>
+              <a:t>La tensión de salida está dada por:</a:t>
+            </a:r>
+          </a:p>
+          <a:p>
+            <a:pPr marL="0" indent="0" algn="just">
+              <a:buNone/>
+            </a:pPr>
+            <a:endParaRPr lang="es-MX" b="0" noProof="0" dirty="0"/>
+          </a:p>
+          <a:p>
+            <a:pPr marL="0" indent="0" algn="just">
+              <a:buNone/>
+            </a:pPr>
+            <a:r>
+              <a:rPr lang="es-MX" b="0" noProof="0" dirty="0"/>
+              <a:t> </a:t>
+            </a:r>
+            <a:endParaRPr lang="es-ES" b="0" noProof="0" dirty="0"/>
           </a:p>
         </p:txBody>
       </p:sp>
@@ -10095,7 +12069,7 @@
           <p:nvPr/>
         </p:nvPicPr>
         <p:blipFill>
-          <a:blip r:embed="rId2"/>
+          <a:blip r:embed="rId3"/>
           <a:stretch>
             <a:fillRect/>
           </a:stretch>
@@ -10110,6 +12084,431 @@
           </a:prstGeom>
         </p:spPr>
       </p:pic>
+      <mc:AlternateContent xmlns:mc="http://schemas.openxmlformats.org/markup-compatibility/2006">
+        <mc:Choice xmlns:a14="http://schemas.microsoft.com/office/drawing/2010/main" Requires="a14">
+          <p:sp>
+            <p:nvSpPr>
+              <p:cNvPr id="7" name="CuadroTexto 6">
+                <a:extLst>
+                  <a:ext uri="{FF2B5EF4-FFF2-40B4-BE49-F238E27FC236}">
+                    <a16:creationId xmlns:a16="http://schemas.microsoft.com/office/drawing/2014/main" id="{3A243716-CD34-C3E8-B4DF-6C475E39588D}"/>
+                  </a:ext>
+                </a:extLst>
+              </p:cNvPr>
+              <p:cNvSpPr txBox="1"/>
+              <p:nvPr/>
+            </p:nvSpPr>
+            <p:spPr>
+              <a:xfrm>
+                <a:off x="1672782" y="4588329"/>
+                <a:ext cx="3229859" cy="596638"/>
+              </a:xfrm>
+              <a:prstGeom prst="rect">
+                <a:avLst/>
+              </a:prstGeom>
+              <a:noFill/>
+            </p:spPr>
+            <p:txBody>
+              <a:bodyPr wrap="none" lIns="0" tIns="0" rIns="0" bIns="0" rtlCol="0">
+                <a:spAutoFit/>
+              </a:bodyPr>
+              <a:lstStyle/>
+              <a:p>
+                <a:pPr algn="l"/>
+                <a14:m>
+                  <m:oMathPara xmlns:m="http://schemas.openxmlformats.org/officeDocument/2006/math">
+                    <m:oMathParaPr>
+                      <m:jc m:val="centerGroup"/>
+                    </m:oMathParaPr>
+                    <m:oMath xmlns:m="http://schemas.openxmlformats.org/officeDocument/2006/math">
+                      <m:sSub>
+                        <m:sSubPr>
+                          <m:ctrlPr>
+                            <a:rPr lang="es-MX" i="1" smtClean="0">
+                              <a:solidFill>
+                                <a:schemeClr val="bg2">
+                                  <a:lumMod val="10000"/>
+                                </a:schemeClr>
+                              </a:solidFill>
+                              <a:latin typeface="Cambria Math" panose="02040503050406030204" pitchFamily="18" charset="0"/>
+                            </a:rPr>
+                          </m:ctrlPr>
+                        </m:sSubPr>
+                        <m:e>
+                          <m:r>
+                            <a:rPr lang="es-MX" b="0" i="1" smtClean="0">
+                              <a:solidFill>
+                                <a:schemeClr val="bg2">
+                                  <a:lumMod val="10000"/>
+                                </a:schemeClr>
+                              </a:solidFill>
+                              <a:latin typeface="Cambria Math" panose="02040503050406030204" pitchFamily="18" charset="0"/>
+                            </a:rPr>
+                            <m:t>𝑉</m:t>
+                          </m:r>
+                        </m:e>
+                        <m:sub>
+                          <m:r>
+                            <a:rPr lang="es-MX" b="0" i="1" smtClean="0">
+                              <a:solidFill>
+                                <a:schemeClr val="bg2">
+                                  <a:lumMod val="10000"/>
+                                </a:schemeClr>
+                              </a:solidFill>
+                              <a:latin typeface="Cambria Math" panose="02040503050406030204" pitchFamily="18" charset="0"/>
+                            </a:rPr>
+                            <m:t>𝑜𝑢𝑡</m:t>
+                          </m:r>
+                        </m:sub>
+                      </m:sSub>
+                      <m:r>
+                        <a:rPr lang="es-MX" b="0" i="1" smtClean="0">
+                          <a:solidFill>
+                            <a:schemeClr val="bg2">
+                              <a:lumMod val="10000"/>
+                            </a:schemeClr>
+                          </a:solidFill>
+                          <a:latin typeface="Cambria Math" panose="02040503050406030204" pitchFamily="18" charset="0"/>
+                        </a:rPr>
+                        <m:t>=</m:t>
+                      </m:r>
+                      <m:f>
+                        <m:fPr>
+                          <m:ctrlPr>
+                            <a:rPr lang="es-MX" b="0" i="1" smtClean="0">
+                              <a:solidFill>
+                                <a:schemeClr val="bg2">
+                                  <a:lumMod val="10000"/>
+                                </a:schemeClr>
+                              </a:solidFill>
+                              <a:latin typeface="Cambria Math" panose="02040503050406030204" pitchFamily="18" charset="0"/>
+                            </a:rPr>
+                          </m:ctrlPr>
+                        </m:fPr>
+                        <m:num>
+                          <m:sSub>
+                            <m:sSubPr>
+                              <m:ctrlPr>
+                                <a:rPr lang="es-MX" b="0" i="1" smtClean="0">
+                                  <a:solidFill>
+                                    <a:schemeClr val="bg2">
+                                      <a:lumMod val="10000"/>
+                                    </a:schemeClr>
+                                  </a:solidFill>
+                                  <a:latin typeface="Cambria Math" panose="02040503050406030204" pitchFamily="18" charset="0"/>
+                                </a:rPr>
+                              </m:ctrlPr>
+                            </m:sSubPr>
+                            <m:e>
+                              <m:r>
+                                <a:rPr lang="es-MX" b="0" i="1" smtClean="0">
+                                  <a:solidFill>
+                                    <a:schemeClr val="bg2">
+                                      <a:lumMod val="10000"/>
+                                    </a:schemeClr>
+                                  </a:solidFill>
+                                  <a:latin typeface="Cambria Math" panose="02040503050406030204" pitchFamily="18" charset="0"/>
+                                </a:rPr>
+                                <m:t>𝑉</m:t>
+                              </m:r>
+                            </m:e>
+                            <m:sub>
+                              <m:r>
+                                <a:rPr lang="es-MX" b="0" i="1" smtClean="0">
+                                  <a:solidFill>
+                                    <a:schemeClr val="bg2">
+                                      <a:lumMod val="10000"/>
+                                    </a:schemeClr>
+                                  </a:solidFill>
+                                  <a:latin typeface="Cambria Math" panose="02040503050406030204" pitchFamily="18" charset="0"/>
+                                </a:rPr>
+                                <m:t>𝐵𝑖𝑎𝑠</m:t>
+                              </m:r>
+                            </m:sub>
+                          </m:sSub>
+                          <m:sSub>
+                            <m:sSubPr>
+                              <m:ctrlPr>
+                                <a:rPr lang="es-MX" b="0" i="1" smtClean="0">
+                                  <a:solidFill>
+                                    <a:schemeClr val="bg2">
+                                      <a:lumMod val="10000"/>
+                                    </a:schemeClr>
+                                  </a:solidFill>
+                                  <a:latin typeface="Cambria Math" panose="02040503050406030204" pitchFamily="18" charset="0"/>
+                                </a:rPr>
+                              </m:ctrlPr>
+                            </m:sSubPr>
+                            <m:e>
+                              <m:r>
+                                <a:rPr lang="es-MX" b="0" i="1" smtClean="0">
+                                  <a:solidFill>
+                                    <a:schemeClr val="bg2">
+                                      <a:lumMod val="10000"/>
+                                    </a:schemeClr>
+                                  </a:solidFill>
+                                  <a:latin typeface="Cambria Math" panose="02040503050406030204" pitchFamily="18" charset="0"/>
+                                </a:rPr>
+                                <m:t>𝑅</m:t>
+                              </m:r>
+                            </m:e>
+                            <m:sub>
+                              <m:r>
+                                <a:rPr lang="es-MX" b="0" i="1" smtClean="0">
+                                  <a:solidFill>
+                                    <a:schemeClr val="bg2">
+                                      <a:lumMod val="10000"/>
+                                    </a:schemeClr>
+                                  </a:solidFill>
+                                  <a:latin typeface="Cambria Math" panose="02040503050406030204" pitchFamily="18" charset="0"/>
+                                </a:rPr>
+                                <m:t>𝐵𝑜𝑙</m:t>
+                              </m:r>
+                            </m:sub>
+                          </m:sSub>
+                        </m:num>
+                        <m:den>
+                          <m:sSub>
+                            <m:sSubPr>
+                              <m:ctrlPr>
+                                <a:rPr lang="es-MX" b="0" i="1" smtClean="0">
+                                  <a:solidFill>
+                                    <a:schemeClr val="bg2">
+                                      <a:lumMod val="10000"/>
+                                    </a:schemeClr>
+                                  </a:solidFill>
+                                  <a:latin typeface="Cambria Math" panose="02040503050406030204" pitchFamily="18" charset="0"/>
+                                </a:rPr>
+                              </m:ctrlPr>
+                            </m:sSubPr>
+                            <m:e>
+                              <m:r>
+                                <a:rPr lang="es-MX" b="0" i="1" smtClean="0">
+                                  <a:solidFill>
+                                    <a:schemeClr val="bg2">
+                                      <a:lumMod val="10000"/>
+                                    </a:schemeClr>
+                                  </a:solidFill>
+                                  <a:latin typeface="Cambria Math" panose="02040503050406030204" pitchFamily="18" charset="0"/>
+                                </a:rPr>
+                                <m:t>𝑅</m:t>
+                              </m:r>
+                            </m:e>
+                            <m:sub>
+                              <m:r>
+                                <a:rPr lang="es-MX" b="0" i="1" smtClean="0">
+                                  <a:solidFill>
+                                    <a:schemeClr val="bg2">
+                                      <a:lumMod val="10000"/>
+                                    </a:schemeClr>
+                                  </a:solidFill>
+                                  <a:latin typeface="Cambria Math" panose="02040503050406030204" pitchFamily="18" charset="0"/>
+                                </a:rPr>
+                                <m:t>𝑅𝑒𝑓</m:t>
+                              </m:r>
+                            </m:sub>
+                          </m:sSub>
+                          <m:d>
+                            <m:dPr>
+                              <m:ctrlPr>
+                                <a:rPr lang="es-MX" b="0" i="1" smtClean="0">
+                                  <a:solidFill>
+                                    <a:schemeClr val="bg2">
+                                      <a:lumMod val="10000"/>
+                                    </a:schemeClr>
+                                  </a:solidFill>
+                                  <a:latin typeface="Cambria Math" panose="02040503050406030204" pitchFamily="18" charset="0"/>
+                                </a:rPr>
+                              </m:ctrlPr>
+                            </m:dPr>
+                            <m:e>
+                              <m:r>
+                                <a:rPr lang="es-MX" b="0" i="1" smtClean="0">
+                                  <a:solidFill>
+                                    <a:schemeClr val="bg2">
+                                      <a:lumMod val="10000"/>
+                                    </a:schemeClr>
+                                  </a:solidFill>
+                                  <a:latin typeface="Cambria Math" panose="02040503050406030204" pitchFamily="18" charset="0"/>
+                                </a:rPr>
+                                <m:t>𝑠</m:t>
+                              </m:r>
+                              <m:sSub>
+                                <m:sSubPr>
+                                  <m:ctrlPr>
+                                    <a:rPr lang="es-MX" b="0" i="1" smtClean="0">
+                                      <a:solidFill>
+                                        <a:schemeClr val="bg2">
+                                          <a:lumMod val="10000"/>
+                                        </a:schemeClr>
+                                      </a:solidFill>
+                                      <a:latin typeface="Cambria Math" panose="02040503050406030204" pitchFamily="18" charset="0"/>
+                                    </a:rPr>
+                                  </m:ctrlPr>
+                                </m:sSubPr>
+                                <m:e>
+                                  <m:r>
+                                    <a:rPr lang="es-MX" b="0" i="1" smtClean="0">
+                                      <a:solidFill>
+                                        <a:schemeClr val="bg2">
+                                          <a:lumMod val="10000"/>
+                                        </a:schemeClr>
+                                      </a:solidFill>
+                                      <a:latin typeface="Cambria Math" panose="02040503050406030204" pitchFamily="18" charset="0"/>
+                                    </a:rPr>
+                                    <m:t>𝑅</m:t>
+                                  </m:r>
+                                </m:e>
+                                <m:sub>
+                                  <m:r>
+                                    <a:rPr lang="es-MX" b="0" i="1" smtClean="0">
+                                      <a:solidFill>
+                                        <a:schemeClr val="bg2">
+                                          <a:lumMod val="10000"/>
+                                        </a:schemeClr>
+                                      </a:solidFill>
+                                      <a:latin typeface="Cambria Math" panose="02040503050406030204" pitchFamily="18" charset="0"/>
+                                    </a:rPr>
+                                    <m:t>𝐵𝑜𝑙</m:t>
+                                  </m:r>
+                                </m:sub>
+                              </m:sSub>
+                              <m:r>
+                                <a:rPr lang="es-MX" b="0" i="1" smtClean="0">
+                                  <a:solidFill>
+                                    <a:schemeClr val="bg2">
+                                      <a:lumMod val="10000"/>
+                                    </a:schemeClr>
+                                  </a:solidFill>
+                                  <a:latin typeface="Cambria Math" panose="02040503050406030204" pitchFamily="18" charset="0"/>
+                                </a:rPr>
+                                <m:t>𝐶</m:t>
+                              </m:r>
+                              <m:r>
+                                <a:rPr lang="es-MX" b="0" i="1" smtClean="0">
+                                  <a:solidFill>
+                                    <a:schemeClr val="bg2">
+                                      <a:lumMod val="10000"/>
+                                    </a:schemeClr>
+                                  </a:solidFill>
+                                  <a:latin typeface="Cambria Math" panose="02040503050406030204" pitchFamily="18" charset="0"/>
+                                </a:rPr>
+                                <m:t>+1</m:t>
+                              </m:r>
+                            </m:e>
+                          </m:d>
+                          <m:r>
+                            <a:rPr lang="es-MX" b="0" i="1" smtClean="0">
+                              <a:solidFill>
+                                <a:schemeClr val="bg2">
+                                  <a:lumMod val="10000"/>
+                                </a:schemeClr>
+                              </a:solidFill>
+                              <a:latin typeface="Cambria Math" panose="02040503050406030204" pitchFamily="18" charset="0"/>
+                            </a:rPr>
+                            <m:t>+</m:t>
+                          </m:r>
+                          <m:sSub>
+                            <m:sSubPr>
+                              <m:ctrlPr>
+                                <a:rPr lang="es-MX" b="0" i="1" smtClean="0">
+                                  <a:solidFill>
+                                    <a:schemeClr val="bg2">
+                                      <a:lumMod val="10000"/>
+                                    </a:schemeClr>
+                                  </a:solidFill>
+                                  <a:latin typeface="Cambria Math" panose="02040503050406030204" pitchFamily="18" charset="0"/>
+                                </a:rPr>
+                              </m:ctrlPr>
+                            </m:sSubPr>
+                            <m:e>
+                              <m:r>
+                                <a:rPr lang="es-MX" b="0" i="1" smtClean="0">
+                                  <a:solidFill>
+                                    <a:schemeClr val="bg2">
+                                      <a:lumMod val="10000"/>
+                                    </a:schemeClr>
+                                  </a:solidFill>
+                                  <a:latin typeface="Cambria Math" panose="02040503050406030204" pitchFamily="18" charset="0"/>
+                                </a:rPr>
+                                <m:t>𝑅</m:t>
+                              </m:r>
+                            </m:e>
+                            <m:sub>
+                              <m:r>
+                                <a:rPr lang="es-MX" b="0" i="1" smtClean="0">
+                                  <a:solidFill>
+                                    <a:schemeClr val="bg2">
+                                      <a:lumMod val="10000"/>
+                                    </a:schemeClr>
+                                  </a:solidFill>
+                                  <a:latin typeface="Cambria Math" panose="02040503050406030204" pitchFamily="18" charset="0"/>
+                                </a:rPr>
+                                <m:t>𝐵𝑜𝑙</m:t>
+                              </m:r>
+                            </m:sub>
+                          </m:sSub>
+                        </m:den>
+                      </m:f>
+                    </m:oMath>
+                  </m:oMathPara>
+                </a14:m>
+                <a:endParaRPr lang="es-MX" dirty="0">
+                  <a:solidFill>
+                    <a:schemeClr val="bg2">
+                      <a:lumMod val="10000"/>
+                    </a:schemeClr>
+                  </a:solidFill>
+                </a:endParaRPr>
+              </a:p>
+            </p:txBody>
+          </p:sp>
+        </mc:Choice>
+        <mc:Fallback>
+          <p:sp>
+            <p:nvSpPr>
+              <p:cNvPr id="7" name="CuadroTexto 6">
+                <a:extLst>
+                  <a:ext uri="{FF2B5EF4-FFF2-40B4-BE49-F238E27FC236}">
+                    <a16:creationId xmlns:a16="http://schemas.microsoft.com/office/drawing/2014/main" id="{3A243716-CD34-C3E8-B4DF-6C475E39588D}"/>
+                  </a:ext>
+                </a:extLst>
+              </p:cNvPr>
+              <p:cNvSpPr txBox="1">
+                <a:spLocks noRot="1" noChangeAspect="1" noMove="1" noResize="1" noEditPoints="1" noAdjustHandles="1" noChangeArrowheads="1" noChangeShapeType="1" noTextEdit="1"/>
+              </p:cNvSpPr>
+              <p:nvPr/>
+            </p:nvSpPr>
+            <p:spPr>
+              <a:xfrm>
+                <a:off x="1672782" y="4588329"/>
+                <a:ext cx="3229859" cy="596638"/>
+              </a:xfrm>
+              <a:prstGeom prst="rect">
+                <a:avLst/>
+              </a:prstGeom>
+              <a:blipFill>
+                <a:blip r:embed="rId4"/>
+                <a:stretch>
+                  <a:fillRect/>
+                </a:stretch>
+              </a:blipFill>
+            </p:spPr>
+            <p:txBody>
+              <a:bodyPr/>
+              <a:lstStyle/>
+              <a:p>
+                <a:r>
+                  <a:rPr lang="es-MX">
+                    <a:noFill/>
+                  </a:rPr>
+                  <a:t> </a:t>
+                </a:r>
+              </a:p>
+            </p:txBody>
+          </p:sp>
+        </mc:Fallback>
+      </mc:AlternateContent>
     </p:spTree>
     <p:extLst>
       <p:ext uri="{BB962C8B-B14F-4D97-AF65-F5344CB8AC3E}">
@@ -10171,32 +12570,29 @@
             </a:pPr>
             <a:r>
               <a:rPr lang="es-ES" b="0" noProof="0" dirty="0"/>
-              <a:t>El diseño de un </a:t>
-            </a:r>
-            <a:r>
-              <a:rPr lang="es-ES" b="0" noProof="0" dirty="0" err="1"/>
-              <a:t>microbolómetro</a:t>
-            </a:r>
+              <a:t>En esta topología el ruido y el calentamiento se reducen debido al uso de un amplificador y un capacitor como integrador.</a:t>
+            </a:r>
+          </a:p>
+          <a:p>
+            <a:pPr marL="0" indent="0" algn="just">
+              <a:buNone/>
+            </a:pPr>
+            <a:endParaRPr lang="es-ES" b="0" dirty="0"/>
+          </a:p>
+          <a:p>
+            <a:pPr marL="0" indent="0" algn="just">
+              <a:buNone/>
+            </a:pPr>
             <a:r>
               <a:rPr lang="es-ES" b="0" noProof="0" dirty="0"/>
-              <a:t> generalmente incluye un material </a:t>
-            </a:r>
-            <a:r>
-              <a:rPr lang="es-ES" noProof="0" dirty="0"/>
-              <a:t>absorbedor</a:t>
-            </a:r>
-            <a:r>
-              <a:rPr lang="es-ES" b="0" noProof="0" dirty="0"/>
-              <a:t> y un material que funge como </a:t>
-            </a:r>
-            <a:r>
-              <a:rPr lang="es-ES" noProof="0" dirty="0"/>
-              <a:t>termómetro</a:t>
-            </a:r>
-            <a:r>
-              <a:rPr lang="es-ES" b="0" noProof="0" dirty="0"/>
-              <a:t>, lo que lleva a un incremento de la temperatura debido a la absorción de radiación infrarroja, provocando finalmente un cambio en la resistencia de sus elementos. </a:t>
-            </a:r>
+              <a:t>La tensión de salida es:</a:t>
+            </a:r>
+          </a:p>
+          <a:p>
+            <a:pPr marL="0" indent="0" algn="just">
+              <a:buNone/>
+            </a:pPr>
+            <a:endParaRPr lang="es-ES" b="0" noProof="0" dirty="0"/>
           </a:p>
         </p:txBody>
       </p:sp>
@@ -10348,7 +12744,7 @@
           <p:nvPr/>
         </p:nvPicPr>
         <p:blipFill>
-          <a:blip r:embed="rId2"/>
+          <a:blip r:embed="rId3"/>
           <a:stretch>
             <a:fillRect/>
           </a:stretch>
@@ -10363,6 +12759,478 @@
           </a:prstGeom>
         </p:spPr>
       </p:pic>
+      <mc:AlternateContent xmlns:mc="http://schemas.openxmlformats.org/markup-compatibility/2006">
+        <mc:Choice xmlns:a14="http://schemas.microsoft.com/office/drawing/2010/main" Requires="a14">
+          <p:sp>
+            <p:nvSpPr>
+              <p:cNvPr id="7" name="CuadroTexto 6">
+                <a:extLst>
+                  <a:ext uri="{FF2B5EF4-FFF2-40B4-BE49-F238E27FC236}">
+                    <a16:creationId xmlns:a16="http://schemas.microsoft.com/office/drawing/2014/main" id="{BE98F5F1-2026-1ED8-A071-576EF9E13689}"/>
+                  </a:ext>
+                </a:extLst>
+              </p:cNvPr>
+              <p:cNvSpPr txBox="1"/>
+              <p:nvPr/>
+            </p:nvSpPr>
+            <p:spPr>
+              <a:xfrm>
+                <a:off x="1580636" y="3985986"/>
+                <a:ext cx="3271280" cy="628249"/>
+              </a:xfrm>
+              <a:prstGeom prst="rect">
+                <a:avLst/>
+              </a:prstGeom>
+              <a:noFill/>
+            </p:spPr>
+            <p:txBody>
+              <a:bodyPr wrap="none" lIns="0" tIns="0" rIns="0" bIns="0" rtlCol="0">
+                <a:spAutoFit/>
+              </a:bodyPr>
+              <a:lstStyle/>
+              <a:p>
+                <a:pPr algn="l"/>
+                <a14:m>
+                  <m:oMathPara xmlns:m="http://schemas.openxmlformats.org/officeDocument/2006/math">
+                    <m:oMathParaPr>
+                      <m:jc m:val="centerGroup"/>
+                    </m:oMathParaPr>
+                    <m:oMath xmlns:m="http://schemas.openxmlformats.org/officeDocument/2006/math">
+                      <m:sSub>
+                        <m:sSubPr>
+                          <m:ctrlPr>
+                            <a:rPr lang="es-MX" i="1" smtClean="0">
+                              <a:solidFill>
+                                <a:schemeClr val="bg2">
+                                  <a:lumMod val="10000"/>
+                                </a:schemeClr>
+                              </a:solidFill>
+                              <a:latin typeface="Cambria Math" panose="02040503050406030204" pitchFamily="18" charset="0"/>
+                            </a:rPr>
+                          </m:ctrlPr>
+                        </m:sSubPr>
+                        <m:e>
+                          <m:r>
+                            <a:rPr lang="es-MX" b="0" i="1" smtClean="0">
+                              <a:solidFill>
+                                <a:schemeClr val="bg2">
+                                  <a:lumMod val="10000"/>
+                                </a:schemeClr>
+                              </a:solidFill>
+                              <a:latin typeface="Cambria Math" panose="02040503050406030204" pitchFamily="18" charset="0"/>
+                            </a:rPr>
+                            <m:t>𝑉</m:t>
+                          </m:r>
+                        </m:e>
+                        <m:sub>
+                          <m:r>
+                            <a:rPr lang="es-MX" b="0" i="1" smtClean="0">
+                              <a:solidFill>
+                                <a:schemeClr val="bg2">
+                                  <a:lumMod val="10000"/>
+                                </a:schemeClr>
+                              </a:solidFill>
+                              <a:latin typeface="Cambria Math" panose="02040503050406030204" pitchFamily="18" charset="0"/>
+                            </a:rPr>
+                            <m:t>𝑜𝑢𝑡</m:t>
+                          </m:r>
+                        </m:sub>
+                      </m:sSub>
+                      <m:r>
+                        <a:rPr lang="es-MX" b="0" i="1" smtClean="0">
+                          <a:solidFill>
+                            <a:schemeClr val="bg2">
+                              <a:lumMod val="10000"/>
+                            </a:schemeClr>
+                          </a:solidFill>
+                          <a:latin typeface="Cambria Math" panose="02040503050406030204" pitchFamily="18" charset="0"/>
+                        </a:rPr>
+                        <m:t>=</m:t>
+                      </m:r>
+                      <m:d>
+                        <m:dPr>
+                          <m:ctrlPr>
+                            <a:rPr lang="es-MX" b="0" i="1" smtClean="0">
+                              <a:solidFill>
+                                <a:schemeClr val="bg2">
+                                  <a:lumMod val="10000"/>
+                                </a:schemeClr>
+                              </a:solidFill>
+                              <a:latin typeface="Cambria Math" panose="02040503050406030204" pitchFamily="18" charset="0"/>
+                            </a:rPr>
+                          </m:ctrlPr>
+                        </m:dPr>
+                        <m:e>
+                          <m:f>
+                            <m:fPr>
+                              <m:ctrlPr>
+                                <a:rPr lang="es-MX" b="0" i="1" smtClean="0">
+                                  <a:solidFill>
+                                    <a:schemeClr val="bg2">
+                                      <a:lumMod val="10000"/>
+                                    </a:schemeClr>
+                                  </a:solidFill>
+                                  <a:latin typeface="Cambria Math" panose="02040503050406030204" pitchFamily="18" charset="0"/>
+                                </a:rPr>
+                              </m:ctrlPr>
+                            </m:fPr>
+                            <m:num>
+                              <m:sSub>
+                                <m:sSubPr>
+                                  <m:ctrlPr>
+                                    <a:rPr lang="es-MX" b="0" i="1" smtClean="0">
+                                      <a:solidFill>
+                                        <a:schemeClr val="bg2">
+                                          <a:lumMod val="10000"/>
+                                        </a:schemeClr>
+                                      </a:solidFill>
+                                      <a:latin typeface="Cambria Math" panose="02040503050406030204" pitchFamily="18" charset="0"/>
+                                    </a:rPr>
+                                  </m:ctrlPr>
+                                </m:sSubPr>
+                                <m:e>
+                                  <m:r>
+                                    <a:rPr lang="es-MX" b="0" i="1" smtClean="0">
+                                      <a:solidFill>
+                                        <a:schemeClr val="bg2">
+                                          <a:lumMod val="10000"/>
+                                        </a:schemeClr>
+                                      </a:solidFill>
+                                      <a:latin typeface="Cambria Math" panose="02040503050406030204" pitchFamily="18" charset="0"/>
+                                    </a:rPr>
+                                    <m:t>𝑉</m:t>
+                                  </m:r>
+                                </m:e>
+                                <m:sub>
+                                  <m:r>
+                                    <a:rPr lang="es-MX" b="0" i="1" smtClean="0">
+                                      <a:solidFill>
+                                        <a:schemeClr val="bg2">
+                                          <a:lumMod val="10000"/>
+                                        </a:schemeClr>
+                                      </a:solidFill>
+                                      <a:latin typeface="Cambria Math" panose="02040503050406030204" pitchFamily="18" charset="0"/>
+                                    </a:rPr>
+                                    <m:t>𝐵𝑖𝑎𝑠</m:t>
+                                  </m:r>
+                                  <m:r>
+                                    <a:rPr lang="es-MX" b="0" i="1" smtClean="0">
+                                      <a:solidFill>
+                                        <a:schemeClr val="bg2">
+                                          <a:lumMod val="10000"/>
+                                        </a:schemeClr>
+                                      </a:solidFill>
+                                      <a:latin typeface="Cambria Math" panose="02040503050406030204" pitchFamily="18" charset="0"/>
+                                    </a:rPr>
+                                    <m:t>2</m:t>
+                                  </m:r>
+                                </m:sub>
+                              </m:sSub>
+                              <m:r>
+                                <a:rPr lang="es-MX" b="0" i="1" smtClean="0">
+                                  <a:solidFill>
+                                    <a:schemeClr val="bg2">
+                                      <a:lumMod val="10000"/>
+                                    </a:schemeClr>
+                                  </a:solidFill>
+                                  <a:latin typeface="Cambria Math" panose="02040503050406030204" pitchFamily="18" charset="0"/>
+                                </a:rPr>
+                                <m:t>−</m:t>
+                              </m:r>
+                              <m:sSub>
+                                <m:sSubPr>
+                                  <m:ctrlPr>
+                                    <a:rPr lang="es-MX" b="0" i="1" smtClean="0">
+                                      <a:solidFill>
+                                        <a:schemeClr val="bg2">
+                                          <a:lumMod val="10000"/>
+                                        </a:schemeClr>
+                                      </a:solidFill>
+                                      <a:latin typeface="Cambria Math" panose="02040503050406030204" pitchFamily="18" charset="0"/>
+                                    </a:rPr>
+                                  </m:ctrlPr>
+                                </m:sSubPr>
+                                <m:e>
+                                  <m:r>
+                                    <a:rPr lang="es-MX" b="0" i="1" smtClean="0">
+                                      <a:solidFill>
+                                        <a:schemeClr val="bg2">
+                                          <a:lumMod val="10000"/>
+                                        </a:schemeClr>
+                                      </a:solidFill>
+                                      <a:latin typeface="Cambria Math" panose="02040503050406030204" pitchFamily="18" charset="0"/>
+                                    </a:rPr>
+                                    <m:t>𝑉</m:t>
+                                  </m:r>
+                                </m:e>
+                                <m:sub>
+                                  <m:r>
+                                    <a:rPr lang="es-MX" b="0" i="1" smtClean="0">
+                                      <a:solidFill>
+                                        <a:schemeClr val="bg2">
+                                          <a:lumMod val="10000"/>
+                                        </a:schemeClr>
+                                      </a:solidFill>
+                                      <a:latin typeface="Cambria Math" panose="02040503050406030204" pitchFamily="18" charset="0"/>
+                                    </a:rPr>
+                                    <m:t>𝑟𝑠𝑡</m:t>
+                                  </m:r>
+                                </m:sub>
+                              </m:sSub>
+                            </m:num>
+                            <m:den>
+                              <m:sSub>
+                                <m:sSubPr>
+                                  <m:ctrlPr>
+                                    <a:rPr lang="es-MX" b="0" i="1" smtClean="0">
+                                      <a:solidFill>
+                                        <a:schemeClr val="bg2">
+                                          <a:lumMod val="10000"/>
+                                        </a:schemeClr>
+                                      </a:solidFill>
+                                      <a:latin typeface="Cambria Math" panose="02040503050406030204" pitchFamily="18" charset="0"/>
+                                    </a:rPr>
+                                  </m:ctrlPr>
+                                </m:sSubPr>
+                                <m:e>
+                                  <m:r>
+                                    <a:rPr lang="es-MX" b="0" i="1" smtClean="0">
+                                      <a:solidFill>
+                                        <a:schemeClr val="bg2">
+                                          <a:lumMod val="10000"/>
+                                        </a:schemeClr>
+                                      </a:solidFill>
+                                      <a:latin typeface="Cambria Math" panose="02040503050406030204" pitchFamily="18" charset="0"/>
+                                    </a:rPr>
+                                    <m:t>𝑅</m:t>
+                                  </m:r>
+                                </m:e>
+                                <m:sub>
+                                  <m:r>
+                                    <a:rPr lang="es-MX" b="0" i="1" smtClean="0">
+                                      <a:solidFill>
+                                        <a:schemeClr val="bg2">
+                                          <a:lumMod val="10000"/>
+                                        </a:schemeClr>
+                                      </a:solidFill>
+                                      <a:latin typeface="Cambria Math" panose="02040503050406030204" pitchFamily="18" charset="0"/>
+                                    </a:rPr>
+                                    <m:t>𝑅𝑒𝑓</m:t>
+                                  </m:r>
+                                </m:sub>
+                              </m:sSub>
+                            </m:den>
+                          </m:f>
+                          <m:r>
+                            <a:rPr lang="es-MX" b="0" i="1" smtClean="0">
+                              <a:solidFill>
+                                <a:schemeClr val="bg2">
+                                  <a:lumMod val="10000"/>
+                                </a:schemeClr>
+                              </a:solidFill>
+                              <a:latin typeface="Cambria Math" panose="02040503050406030204" pitchFamily="18" charset="0"/>
+                            </a:rPr>
+                            <m:t>−</m:t>
+                          </m:r>
+                          <m:f>
+                            <m:fPr>
+                              <m:ctrlPr>
+                                <a:rPr lang="es-MX" b="0" i="1" smtClean="0">
+                                  <a:solidFill>
+                                    <a:schemeClr val="bg2">
+                                      <a:lumMod val="10000"/>
+                                    </a:schemeClr>
+                                  </a:solidFill>
+                                  <a:latin typeface="Cambria Math" panose="02040503050406030204" pitchFamily="18" charset="0"/>
+                                </a:rPr>
+                              </m:ctrlPr>
+                            </m:fPr>
+                            <m:num>
+                              <m:sSub>
+                                <m:sSubPr>
+                                  <m:ctrlPr>
+                                    <a:rPr lang="es-MX" b="0" i="1" smtClean="0">
+                                      <a:solidFill>
+                                        <a:schemeClr val="bg2">
+                                          <a:lumMod val="10000"/>
+                                        </a:schemeClr>
+                                      </a:solidFill>
+                                      <a:latin typeface="Cambria Math" panose="02040503050406030204" pitchFamily="18" charset="0"/>
+                                    </a:rPr>
+                                  </m:ctrlPr>
+                                </m:sSubPr>
+                                <m:e>
+                                  <m:r>
+                                    <a:rPr lang="es-MX" b="0" i="1" smtClean="0">
+                                      <a:solidFill>
+                                        <a:schemeClr val="bg2">
+                                          <a:lumMod val="10000"/>
+                                        </a:schemeClr>
+                                      </a:solidFill>
+                                      <a:latin typeface="Cambria Math" panose="02040503050406030204" pitchFamily="18" charset="0"/>
+                                    </a:rPr>
+                                    <m:t>𝑉</m:t>
+                                  </m:r>
+                                </m:e>
+                                <m:sub>
+                                  <m:r>
+                                    <a:rPr lang="es-MX" b="0" i="1" smtClean="0">
+                                      <a:solidFill>
+                                        <a:schemeClr val="bg2">
+                                          <a:lumMod val="10000"/>
+                                        </a:schemeClr>
+                                      </a:solidFill>
+                                      <a:latin typeface="Cambria Math" panose="02040503050406030204" pitchFamily="18" charset="0"/>
+                                    </a:rPr>
+                                    <m:t>𝑟𝑠𝑡</m:t>
+                                  </m:r>
+                                </m:sub>
+                              </m:sSub>
+                            </m:num>
+                            <m:den>
+                              <m:sSub>
+                                <m:sSubPr>
+                                  <m:ctrlPr>
+                                    <a:rPr lang="es-MX" b="0" i="1" smtClean="0">
+                                      <a:solidFill>
+                                        <a:schemeClr val="bg2">
+                                          <a:lumMod val="10000"/>
+                                        </a:schemeClr>
+                                      </a:solidFill>
+                                      <a:latin typeface="Cambria Math" panose="02040503050406030204" pitchFamily="18" charset="0"/>
+                                    </a:rPr>
+                                  </m:ctrlPr>
+                                </m:sSubPr>
+                                <m:e>
+                                  <m:r>
+                                    <a:rPr lang="es-MX" b="0" i="1" smtClean="0">
+                                      <a:solidFill>
+                                        <a:schemeClr val="bg2">
+                                          <a:lumMod val="10000"/>
+                                        </a:schemeClr>
+                                      </a:solidFill>
+                                      <a:latin typeface="Cambria Math" panose="02040503050406030204" pitchFamily="18" charset="0"/>
+                                    </a:rPr>
+                                    <m:t>𝑅</m:t>
+                                  </m:r>
+                                </m:e>
+                                <m:sub>
+                                  <m:r>
+                                    <a:rPr lang="es-MX" b="0" i="1" smtClean="0">
+                                      <a:solidFill>
+                                        <a:schemeClr val="bg2">
+                                          <a:lumMod val="10000"/>
+                                        </a:schemeClr>
+                                      </a:solidFill>
+                                      <a:latin typeface="Cambria Math" panose="02040503050406030204" pitchFamily="18" charset="0"/>
+                                    </a:rPr>
+                                    <m:t>𝐵𝑜𝑙</m:t>
+                                  </m:r>
+                                </m:sub>
+                              </m:sSub>
+                            </m:den>
+                          </m:f>
+                        </m:e>
+                      </m:d>
+                      <m:f>
+                        <m:fPr>
+                          <m:ctrlPr>
+                            <a:rPr lang="es-MX" b="0" i="1" smtClean="0">
+                              <a:solidFill>
+                                <a:schemeClr val="bg2">
+                                  <a:lumMod val="10000"/>
+                                </a:schemeClr>
+                              </a:solidFill>
+                              <a:latin typeface="Cambria Math" panose="02040503050406030204" pitchFamily="18" charset="0"/>
+                            </a:rPr>
+                          </m:ctrlPr>
+                        </m:fPr>
+                        <m:num>
+                          <m:r>
+                            <a:rPr lang="es-MX" b="0" i="1" smtClean="0">
+                              <a:solidFill>
+                                <a:schemeClr val="bg2">
+                                  <a:lumMod val="10000"/>
+                                </a:schemeClr>
+                              </a:solidFill>
+                              <a:latin typeface="Cambria Math" panose="02040503050406030204" pitchFamily="18" charset="0"/>
+                            </a:rPr>
+                            <m:t>1</m:t>
+                          </m:r>
+                        </m:num>
+                        <m:den>
+                          <m:r>
+                            <a:rPr lang="es-MX" b="0" i="1" smtClean="0">
+                              <a:solidFill>
+                                <a:schemeClr val="bg2">
+                                  <a:lumMod val="10000"/>
+                                </a:schemeClr>
+                              </a:solidFill>
+                              <a:latin typeface="Cambria Math" panose="02040503050406030204" pitchFamily="18" charset="0"/>
+                            </a:rPr>
+                            <m:t>𝑠𝐶</m:t>
+                          </m:r>
+                        </m:den>
+                      </m:f>
+                    </m:oMath>
+                  </m:oMathPara>
+                </a14:m>
+                <a:endParaRPr lang="es-MX" dirty="0">
+                  <a:solidFill>
+                    <a:schemeClr val="bg2">
+                      <a:lumMod val="10000"/>
+                    </a:schemeClr>
+                  </a:solidFill>
+                </a:endParaRPr>
+              </a:p>
+            </p:txBody>
+          </p:sp>
+        </mc:Choice>
+        <mc:Fallback>
+          <p:sp>
+            <p:nvSpPr>
+              <p:cNvPr id="7" name="CuadroTexto 6">
+                <a:extLst>
+                  <a:ext uri="{FF2B5EF4-FFF2-40B4-BE49-F238E27FC236}">
+                    <a16:creationId xmlns:a16="http://schemas.microsoft.com/office/drawing/2014/main" id="{BE98F5F1-2026-1ED8-A071-576EF9E13689}"/>
+                  </a:ext>
+                </a:extLst>
+              </p:cNvPr>
+              <p:cNvSpPr txBox="1">
+                <a:spLocks noRot="1" noChangeAspect="1" noMove="1" noResize="1" noEditPoints="1" noAdjustHandles="1" noChangeArrowheads="1" noChangeShapeType="1" noTextEdit="1"/>
+              </p:cNvSpPr>
+              <p:nvPr/>
+            </p:nvSpPr>
+            <p:spPr>
+              <a:xfrm>
+                <a:off x="1580636" y="3985986"/>
+                <a:ext cx="3271280" cy="628249"/>
+              </a:xfrm>
+              <a:prstGeom prst="rect">
+                <a:avLst/>
+              </a:prstGeom>
+              <a:blipFill>
+                <a:blip r:embed="rId4"/>
+                <a:stretch>
+                  <a:fillRect/>
+                </a:stretch>
+              </a:blipFill>
+            </p:spPr>
+            <p:txBody>
+              <a:bodyPr/>
+              <a:lstStyle/>
+              <a:p>
+                <a:r>
+                  <a:rPr lang="es-MX">
+                    <a:noFill/>
+                  </a:rPr>
+                  <a:t> </a:t>
+                </a:r>
+              </a:p>
+            </p:txBody>
+          </p:sp>
+        </mc:Fallback>
+      </mc:AlternateContent>
     </p:spTree>
     <p:extLst>
       <p:ext uri="{BB962C8B-B14F-4D97-AF65-F5344CB8AC3E}">
@@ -10424,32 +13292,35 @@
             </a:pPr>
             <a:r>
               <a:rPr lang="es-ES" b="0" noProof="0" dirty="0"/>
-              <a:t>El diseño de un </a:t>
-            </a:r>
-            <a:r>
-              <a:rPr lang="es-ES" b="0" noProof="0" dirty="0" err="1"/>
-              <a:t>microbolómetro</a:t>
-            </a:r>
+              <a:t>Se basa en el principio del puente de Wheatstone, con la ventaja de amplificar la tensión de salida y reducir el ruido. Esto se logra añadiendo un amplificador y un integrador.</a:t>
+            </a:r>
+          </a:p>
+          <a:p>
+            <a:pPr marL="0" indent="0" algn="just">
+              <a:buNone/>
+            </a:pPr>
+            <a:endParaRPr lang="es-ES" b="0" dirty="0"/>
+          </a:p>
+          <a:p>
+            <a:pPr marL="0" indent="0" algn="just">
+              <a:buNone/>
+            </a:pPr>
             <a:r>
               <a:rPr lang="es-ES" b="0" noProof="0" dirty="0"/>
-              <a:t> generalmente incluye un material </a:t>
-            </a:r>
-            <a:r>
-              <a:rPr lang="es-ES" noProof="0" dirty="0"/>
-              <a:t>absorbedor</a:t>
-            </a:r>
-            <a:r>
-              <a:rPr lang="es-ES" b="0" noProof="0" dirty="0"/>
-              <a:t> y un material que funge como </a:t>
-            </a:r>
-            <a:r>
-              <a:rPr lang="es-ES" noProof="0" dirty="0"/>
-              <a:t>termómetro</a:t>
-            </a:r>
-            <a:r>
-              <a:rPr lang="es-ES" b="0" noProof="0" dirty="0"/>
-              <a:t>, lo que lleva a un incremento de la temperatura debido a la absorción de radiación infrarroja, provocando finalmente un cambio en la resistencia de sus elementos. </a:t>
-            </a:r>
+              <a:t>La tensión de salida es:</a:t>
+            </a:r>
+          </a:p>
+          <a:p>
+            <a:pPr marL="0" indent="0" algn="just">
+              <a:buNone/>
+            </a:pPr>
+            <a:endParaRPr lang="es-ES" b="0" noProof="0" dirty="0"/>
+          </a:p>
+          <a:p>
+            <a:pPr marL="0" indent="0" algn="just">
+              <a:buNone/>
+            </a:pPr>
+            <a:endParaRPr lang="es-ES" b="0" noProof="0" dirty="0"/>
           </a:p>
         </p:txBody>
       </p:sp>
@@ -10589,7 +13460,7 @@
           <p:nvPr/>
         </p:nvPicPr>
         <p:blipFill>
-          <a:blip r:embed="rId2"/>
+          <a:blip r:embed="rId3"/>
           <a:stretch>
             <a:fillRect/>
           </a:stretch>
@@ -10604,6 +13475,533 @@
           </a:prstGeom>
         </p:spPr>
       </p:pic>
+      <mc:AlternateContent xmlns:mc="http://schemas.openxmlformats.org/markup-compatibility/2006">
+        <mc:Choice xmlns:a14="http://schemas.microsoft.com/office/drawing/2010/main" Requires="a14">
+          <p:sp>
+            <p:nvSpPr>
+              <p:cNvPr id="7" name="CuadroTexto 6">
+                <a:extLst>
+                  <a:ext uri="{FF2B5EF4-FFF2-40B4-BE49-F238E27FC236}">
+                    <a16:creationId xmlns:a16="http://schemas.microsoft.com/office/drawing/2014/main" id="{2B9BCAC9-C568-1BD1-1FD2-0DB231FEE1D8}"/>
+                  </a:ext>
+                </a:extLst>
+              </p:cNvPr>
+              <p:cNvSpPr txBox="1"/>
+              <p:nvPr/>
+            </p:nvSpPr>
+            <p:spPr>
+              <a:xfrm>
+                <a:off x="2073317" y="4343399"/>
+                <a:ext cx="3714158" cy="1010020"/>
+              </a:xfrm>
+              <a:prstGeom prst="rect">
+                <a:avLst/>
+              </a:prstGeom>
+              <a:noFill/>
+            </p:spPr>
+            <p:txBody>
+              <a:bodyPr wrap="none" lIns="0" tIns="0" rIns="0" bIns="0" rtlCol="0">
+                <a:spAutoFit/>
+              </a:bodyPr>
+              <a:lstStyle/>
+              <a:p>
+                <a:pPr algn="l"/>
+                <a14:m>
+                  <m:oMathPara xmlns:m="http://schemas.openxmlformats.org/officeDocument/2006/math">
+                    <m:oMathParaPr>
+                      <m:jc m:val="centerGroup"/>
+                    </m:oMathParaPr>
+                    <m:oMath xmlns:m="http://schemas.openxmlformats.org/officeDocument/2006/math">
+                      <m:sSub>
+                        <m:sSubPr>
+                          <m:ctrlPr>
+                            <a:rPr lang="es-MX" i="1" smtClean="0">
+                              <a:solidFill>
+                                <a:schemeClr val="bg2">
+                                  <a:lumMod val="10000"/>
+                                </a:schemeClr>
+                              </a:solidFill>
+                              <a:latin typeface="Cambria Math" panose="02040503050406030204" pitchFamily="18" charset="0"/>
+                            </a:rPr>
+                          </m:ctrlPr>
+                        </m:sSubPr>
+                        <m:e>
+                          <m:r>
+                            <a:rPr lang="es-MX" b="0" i="1" smtClean="0">
+                              <a:solidFill>
+                                <a:schemeClr val="bg2">
+                                  <a:lumMod val="10000"/>
+                                </a:schemeClr>
+                              </a:solidFill>
+                              <a:latin typeface="Cambria Math" panose="02040503050406030204" pitchFamily="18" charset="0"/>
+                            </a:rPr>
+                            <m:t>𝑉</m:t>
+                          </m:r>
+                        </m:e>
+                        <m:sub>
+                          <m:r>
+                            <a:rPr lang="es-MX" b="0" i="1" smtClean="0">
+                              <a:solidFill>
+                                <a:schemeClr val="bg2">
+                                  <a:lumMod val="10000"/>
+                                </a:schemeClr>
+                              </a:solidFill>
+                              <a:latin typeface="Cambria Math" panose="02040503050406030204" pitchFamily="18" charset="0"/>
+                            </a:rPr>
+                            <m:t>𝑜𝑢𝑡</m:t>
+                          </m:r>
+                        </m:sub>
+                      </m:sSub>
+                      <m:r>
+                        <a:rPr lang="es-MX" b="0" i="1" smtClean="0">
+                          <a:solidFill>
+                            <a:schemeClr val="bg2">
+                              <a:lumMod val="10000"/>
+                            </a:schemeClr>
+                          </a:solidFill>
+                          <a:latin typeface="Cambria Math" panose="02040503050406030204" pitchFamily="18" charset="0"/>
+                        </a:rPr>
+                        <m:t>= </m:t>
+                      </m:r>
+                      <m:f>
+                        <m:fPr>
+                          <m:ctrlPr>
+                            <a:rPr lang="es-MX" b="0" i="1" smtClean="0">
+                              <a:solidFill>
+                                <a:schemeClr val="bg2">
+                                  <a:lumMod val="10000"/>
+                                </a:schemeClr>
+                              </a:solidFill>
+                              <a:latin typeface="Cambria Math" panose="02040503050406030204" pitchFamily="18" charset="0"/>
+                            </a:rPr>
+                          </m:ctrlPr>
+                        </m:fPr>
+                        <m:num>
+                          <m:f>
+                            <m:fPr>
+                              <m:type m:val="skw"/>
+                              <m:ctrlPr>
+                                <a:rPr lang="es-MX" b="0" i="1" smtClean="0">
+                                  <a:solidFill>
+                                    <a:schemeClr val="bg2">
+                                      <a:lumMod val="10000"/>
+                                    </a:schemeClr>
+                                  </a:solidFill>
+                                  <a:latin typeface="Cambria Math" panose="02040503050406030204" pitchFamily="18" charset="0"/>
+                                </a:rPr>
+                              </m:ctrlPr>
+                            </m:fPr>
+                            <m:num>
+                              <m:sSub>
+                                <m:sSubPr>
+                                  <m:ctrlPr>
+                                    <a:rPr lang="es-MX" b="0" i="1" smtClean="0">
+                                      <a:solidFill>
+                                        <a:schemeClr val="bg2">
+                                          <a:lumMod val="10000"/>
+                                        </a:schemeClr>
+                                      </a:solidFill>
+                                      <a:latin typeface="Cambria Math" panose="02040503050406030204" pitchFamily="18" charset="0"/>
+                                    </a:rPr>
+                                  </m:ctrlPr>
+                                </m:sSubPr>
+                                <m:e>
+                                  <m:r>
+                                    <a:rPr lang="es-MX" b="0" i="1" smtClean="0">
+                                      <a:solidFill>
+                                        <a:schemeClr val="bg2">
+                                          <a:lumMod val="10000"/>
+                                        </a:schemeClr>
+                                      </a:solidFill>
+                                      <a:latin typeface="Cambria Math" panose="02040503050406030204" pitchFamily="18" charset="0"/>
+                                    </a:rPr>
+                                    <m:t>𝑉</m:t>
+                                  </m:r>
+                                </m:e>
+                                <m:sub>
+                                  <m:r>
+                                    <a:rPr lang="es-MX" b="0" i="1" smtClean="0">
+                                      <a:solidFill>
+                                        <a:schemeClr val="bg2">
+                                          <a:lumMod val="10000"/>
+                                        </a:schemeClr>
+                                      </a:solidFill>
+                                      <a:latin typeface="Cambria Math" panose="02040503050406030204" pitchFamily="18" charset="0"/>
+                                    </a:rPr>
+                                    <m:t>𝐵𝑖𝑎𝑠</m:t>
+                                  </m:r>
+                                </m:sub>
+                              </m:sSub>
+                            </m:num>
+                            <m:den>
+                              <m:sSub>
+                                <m:sSubPr>
+                                  <m:ctrlPr>
+                                    <a:rPr lang="es-MX" b="0" i="1" smtClean="0">
+                                      <a:solidFill>
+                                        <a:schemeClr val="bg2">
+                                          <a:lumMod val="10000"/>
+                                        </a:schemeClr>
+                                      </a:solidFill>
+                                      <a:latin typeface="Cambria Math" panose="02040503050406030204" pitchFamily="18" charset="0"/>
+                                    </a:rPr>
+                                  </m:ctrlPr>
+                                </m:sSubPr>
+                                <m:e>
+                                  <m:r>
+                                    <a:rPr lang="es-MX" b="0" i="1" smtClean="0">
+                                      <a:solidFill>
+                                        <a:schemeClr val="bg2">
+                                          <a:lumMod val="10000"/>
+                                        </a:schemeClr>
+                                      </a:solidFill>
+                                      <a:latin typeface="Cambria Math" panose="02040503050406030204" pitchFamily="18" charset="0"/>
+                                    </a:rPr>
+                                    <m:t>𝑅</m:t>
+                                  </m:r>
+                                </m:e>
+                                <m:sub>
+                                  <m:r>
+                                    <a:rPr lang="es-MX" b="0" i="1" smtClean="0">
+                                      <a:solidFill>
+                                        <a:schemeClr val="bg2">
+                                          <a:lumMod val="10000"/>
+                                        </a:schemeClr>
+                                      </a:solidFill>
+                                      <a:latin typeface="Cambria Math" panose="02040503050406030204" pitchFamily="18" charset="0"/>
+                                    </a:rPr>
+                                    <m:t>𝑅𝑒𝑓</m:t>
+                                  </m:r>
+                                </m:sub>
+                              </m:sSub>
+                            </m:den>
+                          </m:f>
+                        </m:num>
+                        <m:den>
+                          <m:r>
+                            <a:rPr lang="es-MX" b="0" i="1" smtClean="0">
+                              <a:solidFill>
+                                <a:schemeClr val="bg2">
+                                  <a:lumMod val="10000"/>
+                                </a:schemeClr>
+                              </a:solidFill>
+                              <a:latin typeface="Cambria Math" panose="02040503050406030204" pitchFamily="18" charset="0"/>
+                            </a:rPr>
+                            <m:t>1+</m:t>
+                          </m:r>
+                          <m:f>
+                            <m:fPr>
+                              <m:type m:val="skw"/>
+                              <m:ctrlPr>
+                                <a:rPr lang="es-MX" b="0" i="1" smtClean="0">
+                                  <a:solidFill>
+                                    <a:schemeClr val="bg2">
+                                      <a:lumMod val="10000"/>
+                                    </a:schemeClr>
+                                  </a:solidFill>
+                                  <a:latin typeface="Cambria Math" panose="02040503050406030204" pitchFamily="18" charset="0"/>
+                                </a:rPr>
+                              </m:ctrlPr>
+                            </m:fPr>
+                            <m:num>
+                              <m:sSub>
+                                <m:sSubPr>
+                                  <m:ctrlPr>
+                                    <a:rPr lang="es-MX" b="0" i="1" smtClean="0">
+                                      <a:solidFill>
+                                        <a:schemeClr val="bg2">
+                                          <a:lumMod val="10000"/>
+                                        </a:schemeClr>
+                                      </a:solidFill>
+                                      <a:latin typeface="Cambria Math" panose="02040503050406030204" pitchFamily="18" charset="0"/>
+                                    </a:rPr>
+                                  </m:ctrlPr>
+                                </m:sSubPr>
+                                <m:e>
+                                  <m:r>
+                                    <a:rPr lang="es-MX" b="0" i="1" smtClean="0">
+                                      <a:solidFill>
+                                        <a:schemeClr val="bg2">
+                                          <a:lumMod val="10000"/>
+                                        </a:schemeClr>
+                                      </a:solidFill>
+                                      <a:latin typeface="Cambria Math" panose="02040503050406030204" pitchFamily="18" charset="0"/>
+                                    </a:rPr>
+                                    <m:t>𝑅</m:t>
+                                  </m:r>
+                                </m:e>
+                                <m:sub>
+                                  <m:r>
+                                    <a:rPr lang="es-MX" b="0" i="1" smtClean="0">
+                                      <a:solidFill>
+                                        <a:schemeClr val="bg2">
+                                          <a:lumMod val="10000"/>
+                                        </a:schemeClr>
+                                      </a:solidFill>
+                                      <a:latin typeface="Cambria Math" panose="02040503050406030204" pitchFamily="18" charset="0"/>
+                                    </a:rPr>
+                                    <m:t>𝑅𝑒𝑓</m:t>
+                                  </m:r>
+                                </m:sub>
+                              </m:sSub>
+                            </m:num>
+                            <m:den>
+                              <m:sSub>
+                                <m:sSubPr>
+                                  <m:ctrlPr>
+                                    <a:rPr lang="es-MX" b="0" i="1" smtClean="0">
+                                      <a:solidFill>
+                                        <a:schemeClr val="bg2">
+                                          <a:lumMod val="10000"/>
+                                        </a:schemeClr>
+                                      </a:solidFill>
+                                      <a:latin typeface="Cambria Math" panose="02040503050406030204" pitchFamily="18" charset="0"/>
+                                    </a:rPr>
+                                  </m:ctrlPr>
+                                </m:sSubPr>
+                                <m:e>
+                                  <m:r>
+                                    <a:rPr lang="es-MX" b="0" i="1" smtClean="0">
+                                      <a:solidFill>
+                                        <a:schemeClr val="bg2">
+                                          <a:lumMod val="10000"/>
+                                        </a:schemeClr>
+                                      </a:solidFill>
+                                      <a:latin typeface="Cambria Math" panose="02040503050406030204" pitchFamily="18" charset="0"/>
+                                    </a:rPr>
+                                    <m:t>𝑅</m:t>
+                                  </m:r>
+                                </m:e>
+                                <m:sub>
+                                  <m:r>
+                                    <a:rPr lang="es-MX" b="0" i="1" smtClean="0">
+                                      <a:solidFill>
+                                        <a:schemeClr val="bg2">
+                                          <a:lumMod val="10000"/>
+                                        </a:schemeClr>
+                                      </a:solidFill>
+                                      <a:latin typeface="Cambria Math" panose="02040503050406030204" pitchFamily="18" charset="0"/>
+                                    </a:rPr>
+                                    <m:t>0</m:t>
+                                  </m:r>
+                                </m:sub>
+                              </m:sSub>
+                            </m:den>
+                          </m:f>
+                        </m:den>
+                      </m:f>
+                      <m:d>
+                        <m:dPr>
+                          <m:ctrlPr>
+                            <a:rPr lang="es-MX" b="0" i="1" smtClean="0">
+                              <a:solidFill>
+                                <a:schemeClr val="bg2">
+                                  <a:lumMod val="10000"/>
+                                </a:schemeClr>
+                              </a:solidFill>
+                              <a:latin typeface="Cambria Math" panose="02040503050406030204" pitchFamily="18" charset="0"/>
+                            </a:rPr>
+                          </m:ctrlPr>
+                        </m:dPr>
+                        <m:e>
+                          <m:r>
+                            <a:rPr lang="es-MX" b="0" i="1" smtClean="0">
+                              <a:solidFill>
+                                <a:schemeClr val="bg2">
+                                  <a:lumMod val="10000"/>
+                                </a:schemeClr>
+                              </a:solidFill>
+                              <a:latin typeface="Cambria Math" panose="02040503050406030204" pitchFamily="18" charset="0"/>
+                            </a:rPr>
+                            <m:t>−</m:t>
+                          </m:r>
+                          <m:r>
+                            <a:rPr lang="es-MX" b="0" i="1" smtClean="0">
+                              <a:solidFill>
+                                <a:schemeClr val="bg2">
+                                  <a:lumMod val="10000"/>
+                                </a:schemeClr>
+                              </a:solidFill>
+                              <a:latin typeface="Cambria Math" panose="02040503050406030204" pitchFamily="18" charset="0"/>
+                              <a:ea typeface="Cambria Math" panose="02040503050406030204" pitchFamily="18" charset="0"/>
+                            </a:rPr>
+                            <m:t>∆</m:t>
+                          </m:r>
+                          <m:r>
+                            <a:rPr lang="es-MX" b="0" i="1" smtClean="0">
+                              <a:solidFill>
+                                <a:schemeClr val="bg2">
+                                  <a:lumMod val="10000"/>
+                                </a:schemeClr>
+                              </a:solidFill>
+                              <a:latin typeface="Cambria Math" panose="02040503050406030204" pitchFamily="18" charset="0"/>
+                              <a:ea typeface="Cambria Math" panose="02040503050406030204" pitchFamily="18" charset="0"/>
+                            </a:rPr>
+                            <m:t>𝑅</m:t>
+                          </m:r>
+                        </m:e>
+                      </m:d>
+                      <m:r>
+                        <a:rPr lang="es-MX" b="0" i="1" smtClean="0">
+                          <a:solidFill>
+                            <a:schemeClr val="bg2">
+                              <a:lumMod val="10000"/>
+                            </a:schemeClr>
+                          </a:solidFill>
+                          <a:latin typeface="Cambria Math" panose="02040503050406030204" pitchFamily="18" charset="0"/>
+                        </a:rPr>
+                        <m:t>∗</m:t>
+                      </m:r>
+                      <m:sSub>
+                        <m:sSubPr>
+                          <m:ctrlPr>
+                            <a:rPr lang="es-MX" b="0" i="1" smtClean="0">
+                              <a:solidFill>
+                                <a:schemeClr val="bg2">
+                                  <a:lumMod val="10000"/>
+                                </a:schemeClr>
+                              </a:solidFill>
+                              <a:latin typeface="Cambria Math" panose="02040503050406030204" pitchFamily="18" charset="0"/>
+                            </a:rPr>
+                          </m:ctrlPr>
+                        </m:sSubPr>
+                        <m:e>
+                          <m:r>
+                            <a:rPr lang="es-MX" b="0" i="1" smtClean="0">
+                              <a:solidFill>
+                                <a:schemeClr val="bg2">
+                                  <a:lumMod val="10000"/>
+                                </a:schemeClr>
+                              </a:solidFill>
+                              <a:latin typeface="Cambria Math" panose="02040503050406030204" pitchFamily="18" charset="0"/>
+                            </a:rPr>
+                            <m:t>𝐺</m:t>
+                          </m:r>
+                        </m:e>
+                        <m:sub>
+                          <m:r>
+                            <a:rPr lang="es-MX" b="0" i="1" smtClean="0">
+                              <a:solidFill>
+                                <a:schemeClr val="bg2">
+                                  <a:lumMod val="10000"/>
+                                </a:schemeClr>
+                              </a:solidFill>
+                              <a:latin typeface="Cambria Math" panose="02040503050406030204" pitchFamily="18" charset="0"/>
+                            </a:rPr>
+                            <m:t>𝑚</m:t>
+                          </m:r>
+                        </m:sub>
+                      </m:sSub>
+                      <m:r>
+                        <a:rPr lang="es-MX" b="0" i="1" smtClean="0">
+                          <a:solidFill>
+                            <a:schemeClr val="bg2">
+                              <a:lumMod val="10000"/>
+                            </a:schemeClr>
+                          </a:solidFill>
+                          <a:latin typeface="Cambria Math" panose="02040503050406030204" pitchFamily="18" charset="0"/>
+                        </a:rPr>
+                        <m:t>∗</m:t>
+                      </m:r>
+                      <m:f>
+                        <m:fPr>
+                          <m:ctrlPr>
+                            <a:rPr lang="es-MX" b="0" i="1" smtClean="0">
+                              <a:solidFill>
+                                <a:schemeClr val="bg2">
+                                  <a:lumMod val="10000"/>
+                                </a:schemeClr>
+                              </a:solidFill>
+                              <a:latin typeface="Cambria Math" panose="02040503050406030204" pitchFamily="18" charset="0"/>
+                            </a:rPr>
+                          </m:ctrlPr>
+                        </m:fPr>
+                        <m:num>
+                          <m:r>
+                            <a:rPr lang="es-MX" b="0" i="1" smtClean="0">
+                              <a:solidFill>
+                                <a:schemeClr val="bg2">
+                                  <a:lumMod val="10000"/>
+                                </a:schemeClr>
+                              </a:solidFill>
+                              <a:latin typeface="Cambria Math" panose="02040503050406030204" pitchFamily="18" charset="0"/>
+                            </a:rPr>
+                            <m:t>1</m:t>
+                          </m:r>
+                        </m:num>
+                        <m:den>
+                          <m:r>
+                            <a:rPr lang="es-MX" b="0" i="1" smtClean="0">
+                              <a:solidFill>
+                                <a:schemeClr val="bg2">
+                                  <a:lumMod val="10000"/>
+                                </a:schemeClr>
+                              </a:solidFill>
+                              <a:latin typeface="Cambria Math" panose="02040503050406030204" pitchFamily="18" charset="0"/>
+                            </a:rPr>
+                            <m:t>𝑠𝐶</m:t>
+                          </m:r>
+                        </m:den>
+                      </m:f>
+                    </m:oMath>
+                  </m:oMathPara>
+                </a14:m>
+                <a:endParaRPr lang="es-MX" dirty="0">
+                  <a:solidFill>
+                    <a:schemeClr val="bg2">
+                      <a:lumMod val="10000"/>
+                    </a:schemeClr>
+                  </a:solidFill>
+                </a:endParaRPr>
+              </a:p>
+            </p:txBody>
+          </p:sp>
+        </mc:Choice>
+        <mc:Fallback>
+          <p:sp>
+            <p:nvSpPr>
+              <p:cNvPr id="7" name="CuadroTexto 6">
+                <a:extLst>
+                  <a:ext uri="{FF2B5EF4-FFF2-40B4-BE49-F238E27FC236}">
+                    <a16:creationId xmlns:a16="http://schemas.microsoft.com/office/drawing/2014/main" id="{2B9BCAC9-C568-1BD1-1FD2-0DB231FEE1D8}"/>
+                  </a:ext>
+                </a:extLst>
+              </p:cNvPr>
+              <p:cNvSpPr txBox="1">
+                <a:spLocks noRot="1" noChangeAspect="1" noMove="1" noResize="1" noEditPoints="1" noAdjustHandles="1" noChangeArrowheads="1" noChangeShapeType="1" noTextEdit="1"/>
+              </p:cNvSpPr>
+              <p:nvPr/>
+            </p:nvSpPr>
+            <p:spPr>
+              <a:xfrm>
+                <a:off x="2073317" y="4343399"/>
+                <a:ext cx="3714158" cy="1010020"/>
+              </a:xfrm>
+              <a:prstGeom prst="rect">
+                <a:avLst/>
+              </a:prstGeom>
+              <a:blipFill>
+                <a:blip r:embed="rId4"/>
+                <a:stretch>
+                  <a:fillRect/>
+                </a:stretch>
+              </a:blipFill>
+            </p:spPr>
+            <p:txBody>
+              <a:bodyPr/>
+              <a:lstStyle/>
+              <a:p>
+                <a:r>
+                  <a:rPr lang="es-MX">
+                    <a:noFill/>
+                  </a:rPr>
+                  <a:t> </a:t>
+                </a:r>
+              </a:p>
+            </p:txBody>
+          </p:sp>
+        </mc:Fallback>
+      </mc:AlternateContent>
     </p:spTree>
     <p:extLst>
       <p:ext uri="{BB962C8B-B14F-4D97-AF65-F5344CB8AC3E}">
@@ -10910,7 +14308,7 @@
             </a:pPr>
             <a:r>
               <a:rPr lang="es-ES" b="0" noProof="0" dirty="0"/>
-              <a:t>El diseño de un </a:t>
+              <a:t>Este circuito se basa en la comparación de tensiones entre un </a:t>
             </a:r>
             <a:r>
               <a:rPr lang="es-ES" b="0" noProof="0" dirty="0" err="1"/>
@@ -10918,24 +14316,44 @@
             </a:r>
             <a:r>
               <a:rPr lang="es-ES" b="0" noProof="0" dirty="0"/>
-              <a:t> generalmente incluye un material </a:t>
-            </a:r>
-            <a:r>
-              <a:rPr lang="es-ES" noProof="0" dirty="0"/>
-              <a:t>absorbedor</a:t>
-            </a:r>
-            <a:r>
-              <a:rPr lang="es-ES" b="0" noProof="0" dirty="0"/>
-              <a:t> y un material que funge como </a:t>
-            </a:r>
-            <a:r>
-              <a:rPr lang="es-ES" noProof="0" dirty="0"/>
-              <a:t>termómetro</a:t>
-            </a:r>
-            <a:r>
-              <a:rPr lang="es-ES" b="0" noProof="0" dirty="0"/>
-              <a:t>, lo que lleva a un incremento de la temperatura debido a la absorción de radiación infrarroja, provocando finalmente un cambio en la resistencia de sus elementos. </a:t>
-            </a:r>
+              <a:t> y una tensión de referencia, esta diferencia es convertida a corriente por medio del amplificador de transconductancia.</a:t>
+            </a:r>
+          </a:p>
+          <a:p>
+            <a:pPr marL="0" indent="0" algn="just">
+              <a:buNone/>
+            </a:pPr>
+            <a:r>
+              <a:rPr lang="es-ES" b="0" dirty="0"/>
+              <a:t>La corriente de referencia se encarga de restar parte de la corriente amplificada, el capacitor funciona como integrador.</a:t>
+            </a:r>
+          </a:p>
+          <a:p>
+            <a:pPr marL="0" indent="0" algn="just">
+              <a:buNone/>
+            </a:pPr>
+            <a:endParaRPr lang="es-ES" b="0" noProof="0" dirty="0"/>
+          </a:p>
+          <a:p>
+            <a:pPr marL="0" indent="0" algn="just">
+              <a:buNone/>
+            </a:pPr>
+            <a:r>
+              <a:rPr lang="es-ES" b="0" dirty="0"/>
+              <a:t>La tensión de salida es:</a:t>
+            </a:r>
+          </a:p>
+          <a:p>
+            <a:pPr marL="0" indent="0" algn="just">
+              <a:buNone/>
+            </a:pPr>
+            <a:endParaRPr lang="es-ES" b="0" dirty="0"/>
+          </a:p>
+          <a:p>
+            <a:pPr marL="0" indent="0" algn="just">
+              <a:buNone/>
+            </a:pPr>
+            <a:endParaRPr lang="es-ES" b="0" noProof="0" dirty="0"/>
           </a:p>
         </p:txBody>
       </p:sp>
@@ -11075,7 +14493,7 @@
           <p:nvPr/>
         </p:nvPicPr>
         <p:blipFill>
-          <a:blip r:embed="rId2"/>
+          <a:blip r:embed="rId3"/>
           <a:stretch>
             <a:fillRect/>
           </a:stretch>
@@ -11090,6 +14508,380 @@
           </a:prstGeom>
         </p:spPr>
       </p:pic>
+      <mc:AlternateContent xmlns:mc="http://schemas.openxmlformats.org/markup-compatibility/2006">
+        <mc:Choice xmlns:a14="http://schemas.microsoft.com/office/drawing/2010/main" Requires="a14">
+          <p:sp>
+            <p:nvSpPr>
+              <p:cNvPr id="7" name="CuadroTexto 6">
+                <a:extLst>
+                  <a:ext uri="{FF2B5EF4-FFF2-40B4-BE49-F238E27FC236}">
+                    <a16:creationId xmlns:a16="http://schemas.microsoft.com/office/drawing/2014/main" id="{36BCC6FF-BC91-3CAD-90DB-56F66F00FFA6}"/>
+                  </a:ext>
+                </a:extLst>
+              </p:cNvPr>
+              <p:cNvSpPr txBox="1"/>
+              <p:nvPr/>
+            </p:nvSpPr>
+            <p:spPr>
+              <a:xfrm>
+                <a:off x="1664505" y="5114625"/>
+                <a:ext cx="3103542" cy="576440"/>
+              </a:xfrm>
+              <a:prstGeom prst="rect">
+                <a:avLst/>
+              </a:prstGeom>
+              <a:noFill/>
+            </p:spPr>
+            <p:txBody>
+              <a:bodyPr wrap="none" lIns="0" tIns="0" rIns="0" bIns="0" rtlCol="0">
+                <a:spAutoFit/>
+              </a:bodyPr>
+              <a:lstStyle/>
+              <a:p>
+                <a:pPr algn="l"/>
+                <a14:m>
+                  <m:oMathPara xmlns:m="http://schemas.openxmlformats.org/officeDocument/2006/math">
+                    <m:oMathParaPr>
+                      <m:jc m:val="centerGroup"/>
+                    </m:oMathParaPr>
+                    <m:oMath xmlns:m="http://schemas.openxmlformats.org/officeDocument/2006/math">
+                      <m:sSub>
+                        <m:sSubPr>
+                          <m:ctrlPr>
+                            <a:rPr lang="es-MX" i="1" smtClean="0">
+                              <a:solidFill>
+                                <a:schemeClr val="bg2">
+                                  <a:lumMod val="10000"/>
+                                </a:schemeClr>
+                              </a:solidFill>
+                              <a:latin typeface="Cambria Math" panose="02040503050406030204" pitchFamily="18" charset="0"/>
+                            </a:rPr>
+                          </m:ctrlPr>
+                        </m:sSubPr>
+                        <m:e>
+                          <m:r>
+                            <a:rPr lang="es-MX" b="0" i="1" smtClean="0">
+                              <a:solidFill>
+                                <a:schemeClr val="bg2">
+                                  <a:lumMod val="10000"/>
+                                </a:schemeClr>
+                              </a:solidFill>
+                              <a:latin typeface="Cambria Math" panose="02040503050406030204" pitchFamily="18" charset="0"/>
+                            </a:rPr>
+                            <m:t>𝑉</m:t>
+                          </m:r>
+                        </m:e>
+                        <m:sub>
+                          <m:r>
+                            <a:rPr lang="es-MX" b="0" i="1" smtClean="0">
+                              <a:solidFill>
+                                <a:schemeClr val="bg2">
+                                  <a:lumMod val="10000"/>
+                                </a:schemeClr>
+                              </a:solidFill>
+                              <a:latin typeface="Cambria Math" panose="02040503050406030204" pitchFamily="18" charset="0"/>
+                            </a:rPr>
+                            <m:t>𝑜𝑢𝑡</m:t>
+                          </m:r>
+                        </m:sub>
+                      </m:sSub>
+                      <m:r>
+                        <a:rPr lang="es-MX" b="0" i="1" smtClean="0">
+                          <a:solidFill>
+                            <a:schemeClr val="bg2">
+                              <a:lumMod val="10000"/>
+                            </a:schemeClr>
+                          </a:solidFill>
+                          <a:latin typeface="Cambria Math" panose="02040503050406030204" pitchFamily="18" charset="0"/>
+                        </a:rPr>
+                        <m:t>=</m:t>
+                      </m:r>
+                      <m:f>
+                        <m:fPr>
+                          <m:ctrlPr>
+                            <a:rPr lang="es-MX" b="0" i="1" smtClean="0">
+                              <a:solidFill>
+                                <a:schemeClr val="bg2">
+                                  <a:lumMod val="10000"/>
+                                </a:schemeClr>
+                              </a:solidFill>
+                              <a:latin typeface="Cambria Math" panose="02040503050406030204" pitchFamily="18" charset="0"/>
+                            </a:rPr>
+                          </m:ctrlPr>
+                        </m:fPr>
+                        <m:num>
+                          <m:sSub>
+                            <m:sSubPr>
+                              <m:ctrlPr>
+                                <a:rPr lang="es-MX" b="0" i="1" smtClean="0">
+                                  <a:solidFill>
+                                    <a:schemeClr val="bg2">
+                                      <a:lumMod val="10000"/>
+                                    </a:schemeClr>
+                                  </a:solidFill>
+                                  <a:latin typeface="Cambria Math" panose="02040503050406030204" pitchFamily="18" charset="0"/>
+                                </a:rPr>
+                              </m:ctrlPr>
+                            </m:sSubPr>
+                            <m:e>
+                              <m:r>
+                                <a:rPr lang="es-MX" b="0" i="1" smtClean="0">
+                                  <a:solidFill>
+                                    <a:schemeClr val="bg2">
+                                      <a:lumMod val="10000"/>
+                                    </a:schemeClr>
+                                  </a:solidFill>
+                                  <a:latin typeface="Cambria Math" panose="02040503050406030204" pitchFamily="18" charset="0"/>
+                                </a:rPr>
+                                <m:t>𝐺</m:t>
+                              </m:r>
+                            </m:e>
+                            <m:sub>
+                              <m:r>
+                                <a:rPr lang="es-MX" b="0" i="1" smtClean="0">
+                                  <a:solidFill>
+                                    <a:schemeClr val="bg2">
+                                      <a:lumMod val="10000"/>
+                                    </a:schemeClr>
+                                  </a:solidFill>
+                                  <a:latin typeface="Cambria Math" panose="02040503050406030204" pitchFamily="18" charset="0"/>
+                                </a:rPr>
+                                <m:t>𝑚</m:t>
+                              </m:r>
+                            </m:sub>
+                          </m:sSub>
+                          <m:d>
+                            <m:dPr>
+                              <m:ctrlPr>
+                                <a:rPr lang="es-MX" b="0" i="1" smtClean="0">
+                                  <a:solidFill>
+                                    <a:schemeClr val="bg2">
+                                      <a:lumMod val="10000"/>
+                                    </a:schemeClr>
+                                  </a:solidFill>
+                                  <a:latin typeface="Cambria Math" panose="02040503050406030204" pitchFamily="18" charset="0"/>
+                                </a:rPr>
+                              </m:ctrlPr>
+                            </m:dPr>
+                            <m:e>
+                              <m:sSub>
+                                <m:sSubPr>
+                                  <m:ctrlPr>
+                                    <a:rPr lang="es-MX" b="0" i="1" smtClean="0">
+                                      <a:solidFill>
+                                        <a:schemeClr val="bg2">
+                                          <a:lumMod val="10000"/>
+                                        </a:schemeClr>
+                                      </a:solidFill>
+                                      <a:latin typeface="Cambria Math" panose="02040503050406030204" pitchFamily="18" charset="0"/>
+                                    </a:rPr>
+                                  </m:ctrlPr>
+                                </m:sSubPr>
+                                <m:e>
+                                  <m:r>
+                                    <a:rPr lang="es-MX" b="0" i="1" smtClean="0">
+                                      <a:solidFill>
+                                        <a:schemeClr val="bg2">
+                                          <a:lumMod val="10000"/>
+                                        </a:schemeClr>
+                                      </a:solidFill>
+                                      <a:latin typeface="Cambria Math" panose="02040503050406030204" pitchFamily="18" charset="0"/>
+                                    </a:rPr>
+                                    <m:t>𝑉</m:t>
+                                  </m:r>
+                                </m:e>
+                                <m:sub>
+                                  <m:r>
+                                    <a:rPr lang="es-MX" b="0" i="1" smtClean="0">
+                                      <a:solidFill>
+                                        <a:schemeClr val="bg2">
+                                          <a:lumMod val="10000"/>
+                                        </a:schemeClr>
+                                      </a:solidFill>
+                                      <a:latin typeface="Cambria Math" panose="02040503050406030204" pitchFamily="18" charset="0"/>
+                                    </a:rPr>
+                                    <m:t>𝐵𝑜𝑙</m:t>
+                                  </m:r>
+                                </m:sub>
+                              </m:sSub>
+                              <m:r>
+                                <a:rPr lang="es-MX" b="0" i="1" smtClean="0">
+                                  <a:solidFill>
+                                    <a:schemeClr val="bg2">
+                                      <a:lumMod val="10000"/>
+                                    </a:schemeClr>
+                                  </a:solidFill>
+                                  <a:latin typeface="Cambria Math" panose="02040503050406030204" pitchFamily="18" charset="0"/>
+                                </a:rPr>
+                                <m:t>−</m:t>
+                              </m:r>
+                              <m:sSub>
+                                <m:sSubPr>
+                                  <m:ctrlPr>
+                                    <a:rPr lang="es-MX" b="0" i="1" smtClean="0">
+                                      <a:solidFill>
+                                        <a:schemeClr val="bg2">
+                                          <a:lumMod val="10000"/>
+                                        </a:schemeClr>
+                                      </a:solidFill>
+                                      <a:latin typeface="Cambria Math" panose="02040503050406030204" pitchFamily="18" charset="0"/>
+                                    </a:rPr>
+                                  </m:ctrlPr>
+                                </m:sSubPr>
+                                <m:e>
+                                  <m:r>
+                                    <a:rPr lang="es-MX" b="0" i="1" smtClean="0">
+                                      <a:solidFill>
+                                        <a:schemeClr val="bg2">
+                                          <a:lumMod val="10000"/>
+                                        </a:schemeClr>
+                                      </a:solidFill>
+                                      <a:latin typeface="Cambria Math" panose="02040503050406030204" pitchFamily="18" charset="0"/>
+                                    </a:rPr>
+                                    <m:t>𝑉</m:t>
+                                  </m:r>
+                                </m:e>
+                                <m:sub>
+                                  <m:r>
+                                    <a:rPr lang="es-MX" b="0" i="1" smtClean="0">
+                                      <a:solidFill>
+                                        <a:schemeClr val="bg2">
+                                          <a:lumMod val="10000"/>
+                                        </a:schemeClr>
+                                      </a:solidFill>
+                                      <a:latin typeface="Cambria Math" panose="02040503050406030204" pitchFamily="18" charset="0"/>
+                                    </a:rPr>
+                                    <m:t>𝑅𝑒𝑓𝑔𝑚</m:t>
+                                  </m:r>
+                                </m:sub>
+                              </m:sSub>
+                            </m:e>
+                          </m:d>
+                          <m:r>
+                            <a:rPr lang="es-MX" b="0" i="1" smtClean="0">
+                              <a:solidFill>
+                                <a:schemeClr val="bg2">
+                                  <a:lumMod val="10000"/>
+                                </a:schemeClr>
+                              </a:solidFill>
+                              <a:latin typeface="Cambria Math" panose="02040503050406030204" pitchFamily="18" charset="0"/>
+                            </a:rPr>
+                            <m:t>−</m:t>
+                          </m:r>
+                          <m:sSub>
+                            <m:sSubPr>
+                              <m:ctrlPr>
+                                <a:rPr lang="es-MX" b="0" i="1" smtClean="0">
+                                  <a:solidFill>
+                                    <a:schemeClr val="bg2">
+                                      <a:lumMod val="10000"/>
+                                    </a:schemeClr>
+                                  </a:solidFill>
+                                  <a:latin typeface="Cambria Math" panose="02040503050406030204" pitchFamily="18" charset="0"/>
+                                </a:rPr>
+                              </m:ctrlPr>
+                            </m:sSubPr>
+                            <m:e>
+                              <m:r>
+                                <a:rPr lang="es-MX" b="0" i="1" smtClean="0">
+                                  <a:solidFill>
+                                    <a:schemeClr val="bg2">
+                                      <a:lumMod val="10000"/>
+                                    </a:schemeClr>
+                                  </a:solidFill>
+                                  <a:latin typeface="Cambria Math" panose="02040503050406030204" pitchFamily="18" charset="0"/>
+                                </a:rPr>
+                                <m:t>𝐼</m:t>
+                              </m:r>
+                            </m:e>
+                            <m:sub>
+                              <m:r>
+                                <a:rPr lang="es-MX" b="0" i="1" smtClean="0">
+                                  <a:solidFill>
+                                    <a:schemeClr val="bg2">
+                                      <a:lumMod val="10000"/>
+                                    </a:schemeClr>
+                                  </a:solidFill>
+                                  <a:latin typeface="Cambria Math" panose="02040503050406030204" pitchFamily="18" charset="0"/>
+                                </a:rPr>
+                                <m:t>𝑠</m:t>
+                              </m:r>
+                            </m:sub>
+                          </m:sSub>
+                        </m:num>
+                        <m:den>
+                          <m:r>
+                            <a:rPr lang="es-MX" b="0" i="1" smtClean="0">
+                              <a:solidFill>
+                                <a:schemeClr val="bg2">
+                                  <a:lumMod val="10000"/>
+                                </a:schemeClr>
+                              </a:solidFill>
+                              <a:latin typeface="Cambria Math" panose="02040503050406030204" pitchFamily="18" charset="0"/>
+                            </a:rPr>
+                            <m:t>𝑠𝐶</m:t>
+                          </m:r>
+                        </m:den>
+                      </m:f>
+                    </m:oMath>
+                  </m:oMathPara>
+                </a14:m>
+                <a:endParaRPr lang="es-MX" dirty="0">
+                  <a:solidFill>
+                    <a:schemeClr val="bg2">
+                      <a:lumMod val="10000"/>
+                    </a:schemeClr>
+                  </a:solidFill>
+                </a:endParaRPr>
+              </a:p>
+            </p:txBody>
+          </p:sp>
+        </mc:Choice>
+        <mc:Fallback>
+          <p:sp>
+            <p:nvSpPr>
+              <p:cNvPr id="7" name="CuadroTexto 6">
+                <a:extLst>
+                  <a:ext uri="{FF2B5EF4-FFF2-40B4-BE49-F238E27FC236}">
+                    <a16:creationId xmlns:a16="http://schemas.microsoft.com/office/drawing/2014/main" id="{36BCC6FF-BC91-3CAD-90DB-56F66F00FFA6}"/>
+                  </a:ext>
+                </a:extLst>
+              </p:cNvPr>
+              <p:cNvSpPr txBox="1">
+                <a:spLocks noRot="1" noChangeAspect="1" noMove="1" noResize="1" noEditPoints="1" noAdjustHandles="1" noChangeArrowheads="1" noChangeShapeType="1" noTextEdit="1"/>
+              </p:cNvSpPr>
+              <p:nvPr/>
+            </p:nvSpPr>
+            <p:spPr>
+              <a:xfrm>
+                <a:off x="1664505" y="5114625"/>
+                <a:ext cx="3103542" cy="576440"/>
+              </a:xfrm>
+              <a:prstGeom prst="rect">
+                <a:avLst/>
+              </a:prstGeom>
+              <a:blipFill>
+                <a:blip r:embed="rId4"/>
+                <a:stretch>
+                  <a:fillRect/>
+                </a:stretch>
+              </a:blipFill>
+            </p:spPr>
+            <p:txBody>
+              <a:bodyPr/>
+              <a:lstStyle/>
+              <a:p>
+                <a:r>
+                  <a:rPr lang="es-MX">
+                    <a:noFill/>
+                  </a:rPr>
+                  <a:t> </a:t>
+                </a:r>
+              </a:p>
+            </p:txBody>
+          </p:sp>
+        </mc:Fallback>
+      </mc:AlternateContent>
     </p:spTree>
     <p:extLst>
       <p:ext uri="{BB962C8B-B14F-4D97-AF65-F5344CB8AC3E}">
@@ -11296,14 +15088,14 @@
           <p:nvPr>
             <p:extLst>
               <p:ext uri="{D42A27DB-BD31-4B8C-83A1-F6EECF244321}">
-                <p14:modId xmlns:p14="http://schemas.microsoft.com/office/powerpoint/2010/main" val="4037639715"/>
+                <p14:modId xmlns:p14="http://schemas.microsoft.com/office/powerpoint/2010/main" val="3632321722"/>
               </p:ext>
             </p:extLst>
           </p:nvPr>
         </p:nvGraphicFramePr>
         <p:xfrm>
           <a:off x="600697" y="3066745"/>
-          <a:ext cx="10990605" cy="2865120"/>
+          <a:ext cx="10990605" cy="3134360"/>
         </p:xfrm>
         <a:graphic>
           <a:graphicData uri="http://schemas.openxmlformats.org/drawingml/2006/table">
@@ -11411,12 +15203,8 @@
                     <a:lstStyle/>
                     <a:p>
                       <a:r>
-                        <a:rPr lang="es-MX" dirty="0" err="1"/>
-                        <a:t>Area</a:t>
-                      </a:r>
-                      <a:r>
                         <a:rPr lang="es-MX" dirty="0"/>
-                        <a:t> ocupada</a:t>
+                        <a:t>Área ocupada</a:t>
                       </a:r>
                       <a:endParaRPr lang="en-US" dirty="0"/>
                     </a:p>
@@ -11435,6 +15223,240 @@
                     <a:bodyPr/>
                     <a:lstStyle/>
                     <a:p>
+                      <a:r>
+                        <a:rPr lang="en-US" dirty="0"/>
+                        <a:t>Divisor </a:t>
+                      </a:r>
+                      <a:r>
+                        <a:rPr lang="en-US" dirty="0" err="1"/>
+                        <a:t>resistivo</a:t>
+                      </a:r>
+                      <a:endParaRPr lang="en-US" dirty="0"/>
+                    </a:p>
+                  </a:txBody>
+                  <a:tcPr/>
+                </a:tc>
+                <a:tc>
+                  <a:txBody>
+                    <a:bodyPr/>
+                    <a:lstStyle/>
+                    <a:p>
+                      <a:endParaRPr lang="en-US" dirty="0"/>
+                    </a:p>
+                  </a:txBody>
+                  <a:tcPr/>
+                </a:tc>
+                <a:tc>
+                  <a:txBody>
+                    <a:bodyPr/>
+                    <a:lstStyle/>
+                    <a:p>
+                      <a:pPr marL="285750" indent="-285750">
+                        <a:buFont typeface="Arial" panose="020B0604020202020204" pitchFamily="34" charset="0"/>
+                        <a:buChar char="•"/>
+                      </a:pPr>
+                      <a:endParaRPr lang="en-US" dirty="0"/>
+                    </a:p>
+                  </a:txBody>
+                  <a:tcPr/>
+                </a:tc>
+                <a:tc>
+                  <a:txBody>
+                    <a:bodyPr/>
+                    <a:lstStyle/>
+                    <a:p>
+                      <a:endParaRPr lang="en-US"/>
+                    </a:p>
+                  </a:txBody>
+                  <a:tcPr/>
+                </a:tc>
+                <a:tc>
+                  <a:txBody>
+                    <a:bodyPr/>
+                    <a:lstStyle/>
+                    <a:p>
+                      <a:endParaRPr lang="en-US" dirty="0"/>
+                    </a:p>
+                  </a:txBody>
+                  <a:tcPr/>
+                </a:tc>
+                <a:extLst>
+                  <a:ext uri="{0D108BD9-81ED-4DB2-BD59-A6C34878D82A}">
+                    <a16:rowId xmlns:a16="http://schemas.microsoft.com/office/drawing/2014/main" val="3419858549"/>
+                  </a:ext>
+                </a:extLst>
+              </a:tr>
+              <a:tr h="370840">
+                <a:tc>
+                  <a:txBody>
+                    <a:bodyPr/>
+                    <a:lstStyle/>
+                    <a:p>
+                      <a:r>
+                        <a:rPr lang="en-US" dirty="0"/>
+                        <a:t>Puente de Wheatstone</a:t>
+                      </a:r>
+                    </a:p>
+                  </a:txBody>
+                  <a:tcPr/>
+                </a:tc>
+                <a:tc>
+                  <a:txBody>
+                    <a:bodyPr/>
+                    <a:lstStyle/>
+                    <a:p>
+                      <a:endParaRPr lang="en-US"/>
+                    </a:p>
+                  </a:txBody>
+                  <a:tcPr/>
+                </a:tc>
+                <a:tc>
+                  <a:txBody>
+                    <a:bodyPr/>
+                    <a:lstStyle/>
+                    <a:p>
+                      <a:pPr marL="285750" indent="-285750">
+                        <a:buFont typeface="Arial" panose="020B0604020202020204" pitchFamily="34" charset="0"/>
+                        <a:buChar char="•"/>
+                      </a:pPr>
+                      <a:endParaRPr lang="en-US" dirty="0"/>
+                    </a:p>
+                  </a:txBody>
+                  <a:tcPr/>
+                </a:tc>
+                <a:tc>
+                  <a:txBody>
+                    <a:bodyPr/>
+                    <a:lstStyle/>
+                    <a:p>
+                      <a:endParaRPr lang="en-US" dirty="0"/>
+                    </a:p>
+                  </a:txBody>
+                  <a:tcPr/>
+                </a:tc>
+                <a:tc>
+                  <a:txBody>
+                    <a:bodyPr/>
+                    <a:lstStyle/>
+                    <a:p>
+                      <a:endParaRPr lang="en-US"/>
+                    </a:p>
+                  </a:txBody>
+                  <a:tcPr/>
+                </a:tc>
+                <a:extLst>
+                  <a:ext uri="{0D108BD9-81ED-4DB2-BD59-A6C34878D82A}">
+                    <a16:rowId xmlns:a16="http://schemas.microsoft.com/office/drawing/2014/main" val="3087495627"/>
+                  </a:ext>
+                </a:extLst>
+              </a:tr>
+              <a:tr h="370840">
+                <a:tc>
+                  <a:txBody>
+                    <a:bodyPr/>
+                    <a:lstStyle/>
+                    <a:p>
+                      <a:r>
+                        <a:rPr lang="en-US" dirty="0"/>
+                        <a:t>BCDI</a:t>
+                      </a:r>
+                    </a:p>
+                  </a:txBody>
+                  <a:tcPr/>
+                </a:tc>
+                <a:tc>
+                  <a:txBody>
+                    <a:bodyPr/>
+                    <a:lstStyle/>
+                    <a:p>
+                      <a:pPr marL="0" indent="0">
+                        <a:buFont typeface="Arial" panose="020B0604020202020204" pitchFamily="34" charset="0"/>
+                        <a:buNone/>
+                      </a:pPr>
+                      <a:endParaRPr lang="en-US" dirty="0"/>
+                    </a:p>
+                  </a:txBody>
+                  <a:tcPr/>
+                </a:tc>
+                <a:tc>
+                  <a:txBody>
+                    <a:bodyPr/>
+                    <a:lstStyle/>
+                    <a:p>
+                      <a:endParaRPr lang="en-US"/>
+                    </a:p>
+                  </a:txBody>
+                  <a:tcPr/>
+                </a:tc>
+                <a:tc>
+                  <a:txBody>
+                    <a:bodyPr/>
+                    <a:lstStyle/>
+                    <a:p>
+                      <a:endParaRPr lang="en-US" dirty="0"/>
+                    </a:p>
+                  </a:txBody>
+                  <a:tcPr/>
+                </a:tc>
+                <a:tc>
+                  <a:txBody>
+                    <a:bodyPr/>
+                    <a:lstStyle/>
+                    <a:p>
+                      <a:endParaRPr lang="en-US"/>
+                    </a:p>
+                  </a:txBody>
+                  <a:tcPr/>
+                </a:tc>
+                <a:extLst>
+                  <a:ext uri="{0D108BD9-81ED-4DB2-BD59-A6C34878D82A}">
+                    <a16:rowId xmlns:a16="http://schemas.microsoft.com/office/drawing/2014/main" val="3778348859"/>
+                  </a:ext>
+                </a:extLst>
+              </a:tr>
+              <a:tr h="370840">
+                <a:tc>
+                  <a:txBody>
+                    <a:bodyPr/>
+                    <a:lstStyle/>
+                    <a:p>
+                      <a:r>
+                        <a:rPr lang="en-US" dirty="0"/>
+                        <a:t>CTIA</a:t>
+                      </a:r>
+                    </a:p>
+                  </a:txBody>
+                  <a:tcPr/>
+                </a:tc>
+                <a:tc>
+                  <a:txBody>
+                    <a:bodyPr/>
+                    <a:lstStyle/>
+                    <a:p>
+                      <a:pPr marL="0" indent="0">
+                        <a:buFontTx/>
+                        <a:buNone/>
+                      </a:pPr>
+                      <a:endParaRPr lang="en-US" dirty="0"/>
+                    </a:p>
+                  </a:txBody>
+                  <a:tcPr/>
+                </a:tc>
+                <a:tc>
+                  <a:txBody>
+                    <a:bodyPr/>
+                    <a:lstStyle/>
+                    <a:p>
+                      <a:endParaRPr lang="en-US" dirty="0"/>
+                    </a:p>
+                  </a:txBody>
+                  <a:tcPr/>
+                </a:tc>
+                <a:tc>
+                  <a:txBody>
+                    <a:bodyPr/>
+                    <a:lstStyle/>
+                    <a:p>
                       <a:endParaRPr lang="en-US"/>
                     </a:p>
                   </a:txBody>
@@ -11446,6 +15468,36 @@
                     <a:lstStyle/>
                     <a:p>
                       <a:endParaRPr lang="en-US"/>
+                    </a:p>
+                  </a:txBody>
+                  <a:tcPr/>
+                </a:tc>
+                <a:extLst>
+                  <a:ext uri="{0D108BD9-81ED-4DB2-BD59-A6C34878D82A}">
+                    <a16:rowId xmlns:a16="http://schemas.microsoft.com/office/drawing/2014/main" val="2850995765"/>
+                  </a:ext>
+                </a:extLst>
+              </a:tr>
+              <a:tr h="370840">
+                <a:tc>
+                  <a:txBody>
+                    <a:bodyPr/>
+                    <a:lstStyle/>
+                    <a:p>
+                      <a:r>
+                        <a:rPr lang="en-US" dirty="0"/>
+                        <a:t>WBDA</a:t>
+                      </a:r>
+                    </a:p>
+                  </a:txBody>
+                  <a:tcPr/>
+                </a:tc>
+                <a:tc>
+                  <a:txBody>
+                    <a:bodyPr/>
+                    <a:lstStyle/>
+                    <a:p>
+                      <a:endParaRPr lang="en-US" dirty="0"/>
                     </a:p>
                   </a:txBody>
                   <a:tcPr/>
@@ -11482,7 +15534,7 @@
                 </a:tc>
                 <a:extLst>
                   <a:ext uri="{0D108BD9-81ED-4DB2-BD59-A6C34878D82A}">
-                    <a16:rowId xmlns:a16="http://schemas.microsoft.com/office/drawing/2014/main" val="3419858549"/>
+                    <a16:rowId xmlns:a16="http://schemas.microsoft.com/office/drawing/2014/main" val="897958845"/>
                   </a:ext>
                 </a:extLst>
               </a:tr>
@@ -11492,7 +15544,10 @@
                     <a:bodyPr/>
                     <a:lstStyle/>
                     <a:p>
-                      <a:endParaRPr lang="en-US"/>
+                      <a:r>
+                        <a:rPr lang="en-US" dirty="0"/>
+                        <a:t>CCBDI</a:t>
+                      </a:r>
                     </a:p>
                   </a:txBody>
                   <a:tcPr/>
@@ -11512,235 +15567,7 @@
                     <a:bodyPr/>
                     <a:lstStyle/>
                     <a:p>
-                      <a:endParaRPr lang="en-US"/>
-                    </a:p>
-                  </a:txBody>
-                  <a:tcPr/>
-                </a:tc>
-                <a:tc>
-                  <a:txBody>
-                    <a:bodyPr/>
-                    <a:lstStyle/>
-                    <a:p>
-                      <a:endParaRPr lang="en-US"/>
-                    </a:p>
-                  </a:txBody>
-                  <a:tcPr/>
-                </a:tc>
-                <a:tc>
-                  <a:txBody>
-                    <a:bodyPr/>
-                    <a:lstStyle/>
-                    <a:p>
-                      <a:endParaRPr lang="en-US"/>
-                    </a:p>
-                  </a:txBody>
-                  <a:tcPr/>
-                </a:tc>
-                <a:extLst>
-                  <a:ext uri="{0D108BD9-81ED-4DB2-BD59-A6C34878D82A}">
-                    <a16:rowId xmlns:a16="http://schemas.microsoft.com/office/drawing/2014/main" val="3087495627"/>
-                  </a:ext>
-                </a:extLst>
-              </a:tr>
-              <a:tr h="370840">
-                <a:tc>
-                  <a:txBody>
-                    <a:bodyPr/>
-                    <a:lstStyle/>
-                    <a:p>
-                      <a:endParaRPr lang="en-US"/>
-                    </a:p>
-                  </a:txBody>
-                  <a:tcPr/>
-                </a:tc>
-                <a:tc>
-                  <a:txBody>
-                    <a:bodyPr/>
-                    <a:lstStyle/>
-                    <a:p>
-                      <a:endParaRPr lang="en-US"/>
-                    </a:p>
-                  </a:txBody>
-                  <a:tcPr/>
-                </a:tc>
-                <a:tc>
-                  <a:txBody>
-                    <a:bodyPr/>
-                    <a:lstStyle/>
-                    <a:p>
-                      <a:endParaRPr lang="en-US"/>
-                    </a:p>
-                  </a:txBody>
-                  <a:tcPr/>
-                </a:tc>
-                <a:tc>
-                  <a:txBody>
-                    <a:bodyPr/>
-                    <a:lstStyle/>
-                    <a:p>
-                      <a:endParaRPr lang="en-US"/>
-                    </a:p>
-                  </a:txBody>
-                  <a:tcPr/>
-                </a:tc>
-                <a:tc>
-                  <a:txBody>
-                    <a:bodyPr/>
-                    <a:lstStyle/>
-                    <a:p>
-                      <a:endParaRPr lang="en-US"/>
-                    </a:p>
-                  </a:txBody>
-                  <a:tcPr/>
-                </a:tc>
-                <a:extLst>
-                  <a:ext uri="{0D108BD9-81ED-4DB2-BD59-A6C34878D82A}">
-                    <a16:rowId xmlns:a16="http://schemas.microsoft.com/office/drawing/2014/main" val="3778348859"/>
-                  </a:ext>
-                </a:extLst>
-              </a:tr>
-              <a:tr h="370840">
-                <a:tc>
-                  <a:txBody>
-                    <a:bodyPr/>
-                    <a:lstStyle/>
-                    <a:p>
-                      <a:endParaRPr lang="en-US"/>
-                    </a:p>
-                  </a:txBody>
-                  <a:tcPr/>
-                </a:tc>
-                <a:tc>
-                  <a:txBody>
-                    <a:bodyPr/>
-                    <a:lstStyle/>
-                    <a:p>
-                      <a:endParaRPr lang="en-US"/>
-                    </a:p>
-                  </a:txBody>
-                  <a:tcPr/>
-                </a:tc>
-                <a:tc>
-                  <a:txBody>
-                    <a:bodyPr/>
-                    <a:lstStyle/>
-                    <a:p>
-                      <a:endParaRPr lang="en-US"/>
-                    </a:p>
-                  </a:txBody>
-                  <a:tcPr/>
-                </a:tc>
-                <a:tc>
-                  <a:txBody>
-                    <a:bodyPr/>
-                    <a:lstStyle/>
-                    <a:p>
-                      <a:endParaRPr lang="en-US"/>
-                    </a:p>
-                  </a:txBody>
-                  <a:tcPr/>
-                </a:tc>
-                <a:tc>
-                  <a:txBody>
-                    <a:bodyPr/>
-                    <a:lstStyle/>
-                    <a:p>
-                      <a:endParaRPr lang="en-US"/>
-                    </a:p>
-                  </a:txBody>
-                  <a:tcPr/>
-                </a:tc>
-                <a:extLst>
-                  <a:ext uri="{0D108BD9-81ED-4DB2-BD59-A6C34878D82A}">
-                    <a16:rowId xmlns:a16="http://schemas.microsoft.com/office/drawing/2014/main" val="2850995765"/>
-                  </a:ext>
-                </a:extLst>
-              </a:tr>
-              <a:tr h="370840">
-                <a:tc>
-                  <a:txBody>
-                    <a:bodyPr/>
-                    <a:lstStyle/>
-                    <a:p>
-                      <a:endParaRPr lang="en-US"/>
-                    </a:p>
-                  </a:txBody>
-                  <a:tcPr/>
-                </a:tc>
-                <a:tc>
-                  <a:txBody>
-                    <a:bodyPr/>
-                    <a:lstStyle/>
-                    <a:p>
-                      <a:endParaRPr lang="en-US"/>
-                    </a:p>
-                  </a:txBody>
-                  <a:tcPr/>
-                </a:tc>
-                <a:tc>
-                  <a:txBody>
-                    <a:bodyPr/>
-                    <a:lstStyle/>
-                    <a:p>
-                      <a:endParaRPr lang="en-US"/>
-                    </a:p>
-                  </a:txBody>
-                  <a:tcPr/>
-                </a:tc>
-                <a:tc>
-                  <a:txBody>
-                    <a:bodyPr/>
-                    <a:lstStyle/>
-                    <a:p>
-                      <a:endParaRPr lang="en-US"/>
-                    </a:p>
-                  </a:txBody>
-                  <a:tcPr/>
-                </a:tc>
-                <a:tc>
-                  <a:txBody>
-                    <a:bodyPr/>
-                    <a:lstStyle/>
-                    <a:p>
-                      <a:endParaRPr lang="en-US"/>
-                    </a:p>
-                  </a:txBody>
-                  <a:tcPr/>
-                </a:tc>
-                <a:extLst>
-                  <a:ext uri="{0D108BD9-81ED-4DB2-BD59-A6C34878D82A}">
-                    <a16:rowId xmlns:a16="http://schemas.microsoft.com/office/drawing/2014/main" val="897958845"/>
-                  </a:ext>
-                </a:extLst>
-              </a:tr>
-              <a:tr h="370840">
-                <a:tc>
-                  <a:txBody>
-                    <a:bodyPr/>
-                    <a:lstStyle/>
-                    <a:p>
-                      <a:endParaRPr lang="en-US"/>
-                    </a:p>
-                  </a:txBody>
-                  <a:tcPr/>
-                </a:tc>
-                <a:tc>
-                  <a:txBody>
-                    <a:bodyPr/>
-                    <a:lstStyle/>
-                    <a:p>
-                      <a:endParaRPr lang="en-US"/>
-                    </a:p>
-                  </a:txBody>
-                  <a:tcPr/>
-                </a:tc>
-                <a:tc>
-                  <a:txBody>
-                    <a:bodyPr/>
-                    <a:lstStyle/>
-                    <a:p>
-                      <a:endParaRPr lang="en-US"/>
+                      <a:endParaRPr lang="en-US" dirty="0"/>
                     </a:p>
                   </a:txBody>
                   <a:tcPr/>
@@ -11775,6 +15602,958 @@
           </a:graphicData>
         </a:graphic>
       </p:graphicFrame>
+      <mc:AlternateContent xmlns:mc="http://schemas.openxmlformats.org/markup-compatibility/2006">
+        <mc:Choice xmlns:p14="http://schemas.microsoft.com/office/powerpoint/2010/main" Requires="p14">
+          <p:contentPart p14:bwMode="auto" r:id="rId3">
+            <p14:nvContentPartPr>
+              <p14:cNvPr id="13" name="Entrada de lápiz 12">
+                <a:extLst>
+                  <a:ext uri="{FF2B5EF4-FFF2-40B4-BE49-F238E27FC236}">
+                    <a16:creationId xmlns:a16="http://schemas.microsoft.com/office/drawing/2014/main" id="{56BD8AE9-9D71-954C-4B05-E99B8CDDDBC0}"/>
+                  </a:ext>
+                </a:extLst>
+              </p14:cNvPr>
+              <p14:cNvContentPartPr/>
+              <p14:nvPr/>
+            </p14:nvContentPartPr>
+            <p14:xfrm>
+              <a:off x="5976283" y="3896159"/>
+              <a:ext cx="360" cy="360"/>
+            </p14:xfrm>
+          </p:contentPart>
+        </mc:Choice>
+        <mc:Fallback>
+          <p:pic>
+            <p:nvPicPr>
+              <p:cNvPr id="13" name="Entrada de lápiz 12">
+                <a:extLst>
+                  <a:ext uri="{FF2B5EF4-FFF2-40B4-BE49-F238E27FC236}">
+                    <a16:creationId xmlns:a16="http://schemas.microsoft.com/office/drawing/2014/main" id="{56BD8AE9-9D71-954C-4B05-E99B8CDDDBC0}"/>
+                  </a:ext>
+                </a:extLst>
+              </p:cNvPr>
+              <p:cNvPicPr/>
+              <p:nvPr/>
+            </p:nvPicPr>
+            <p:blipFill>
+              <a:blip r:embed="rId4"/>
+              <a:stretch>
+                <a:fillRect/>
+              </a:stretch>
+            </p:blipFill>
+            <p:spPr>
+              <a:xfrm>
+                <a:off x="5913643" y="3833519"/>
+                <a:ext cx="126000" cy="126000"/>
+              </a:xfrm>
+              <a:prstGeom prst="rect">
+                <a:avLst/>
+              </a:prstGeom>
+            </p:spPr>
+          </p:pic>
+        </mc:Fallback>
+      </mc:AlternateContent>
+      <mc:AlternateContent xmlns:mc="http://schemas.openxmlformats.org/markup-compatibility/2006">
+        <mc:Choice xmlns:p14="http://schemas.microsoft.com/office/powerpoint/2010/main" Requires="p14">
+          <p:contentPart p14:bwMode="auto" r:id="rId5">
+            <p14:nvContentPartPr>
+              <p14:cNvPr id="14" name="Entrada de lápiz 13">
+                <a:extLst>
+                  <a:ext uri="{FF2B5EF4-FFF2-40B4-BE49-F238E27FC236}">
+                    <a16:creationId xmlns:a16="http://schemas.microsoft.com/office/drawing/2014/main" id="{BBF86CB5-5CB4-D9B0-6A40-1FCD0D40CB33}"/>
+                  </a:ext>
+                </a:extLst>
+              </p14:cNvPr>
+              <p14:cNvContentPartPr/>
+              <p14:nvPr/>
+            </p14:nvContentPartPr>
+            <p14:xfrm>
+              <a:off x="5975563" y="4397649"/>
+              <a:ext cx="360" cy="360"/>
+            </p14:xfrm>
+          </p:contentPart>
+        </mc:Choice>
+        <mc:Fallback>
+          <p:pic>
+            <p:nvPicPr>
+              <p:cNvPr id="14" name="Entrada de lápiz 13">
+                <a:extLst>
+                  <a:ext uri="{FF2B5EF4-FFF2-40B4-BE49-F238E27FC236}">
+                    <a16:creationId xmlns:a16="http://schemas.microsoft.com/office/drawing/2014/main" id="{BBF86CB5-5CB4-D9B0-6A40-1FCD0D40CB33}"/>
+                  </a:ext>
+                </a:extLst>
+              </p:cNvPr>
+              <p:cNvPicPr/>
+              <p:nvPr/>
+            </p:nvPicPr>
+            <p:blipFill>
+              <a:blip r:embed="rId4"/>
+              <a:stretch>
+                <a:fillRect/>
+              </a:stretch>
+            </p:blipFill>
+            <p:spPr>
+              <a:xfrm>
+                <a:off x="5912563" y="4334649"/>
+                <a:ext cx="126000" cy="126000"/>
+              </a:xfrm>
+              <a:prstGeom prst="rect">
+                <a:avLst/>
+              </a:prstGeom>
+            </p:spPr>
+          </p:pic>
+        </mc:Fallback>
+      </mc:AlternateContent>
+      <mc:AlternateContent xmlns:mc="http://schemas.openxmlformats.org/markup-compatibility/2006">
+        <mc:Choice xmlns:p14="http://schemas.microsoft.com/office/powerpoint/2010/main" Requires="p14">
+          <p:contentPart p14:bwMode="auto" r:id="rId6">
+            <p14:nvContentPartPr>
+              <p14:cNvPr id="15" name="Entrada de lápiz 14">
+                <a:extLst>
+                  <a:ext uri="{FF2B5EF4-FFF2-40B4-BE49-F238E27FC236}">
+                    <a16:creationId xmlns:a16="http://schemas.microsoft.com/office/drawing/2014/main" id="{DFAD5BB3-46D1-CF77-0398-4CAA6295A245}"/>
+                  </a:ext>
+                </a:extLst>
+              </p14:cNvPr>
+              <p14:cNvContentPartPr/>
+              <p14:nvPr/>
+            </p14:nvContentPartPr>
+            <p14:xfrm>
+              <a:off x="5975203" y="5263789"/>
+              <a:ext cx="360" cy="360"/>
+            </p14:xfrm>
+          </p:contentPart>
+        </mc:Choice>
+        <mc:Fallback>
+          <p:pic>
+            <p:nvPicPr>
+              <p:cNvPr id="15" name="Entrada de lápiz 14">
+                <a:extLst>
+                  <a:ext uri="{FF2B5EF4-FFF2-40B4-BE49-F238E27FC236}">
+                    <a16:creationId xmlns:a16="http://schemas.microsoft.com/office/drawing/2014/main" id="{DFAD5BB3-46D1-CF77-0398-4CAA6295A245}"/>
+                  </a:ext>
+                </a:extLst>
+              </p:cNvPr>
+              <p:cNvPicPr/>
+              <p:nvPr/>
+            </p:nvPicPr>
+            <p:blipFill>
+              <a:blip r:embed="rId4"/>
+              <a:stretch>
+                <a:fillRect/>
+              </a:stretch>
+            </p:blipFill>
+            <p:spPr>
+              <a:xfrm>
+                <a:off x="5912203" y="5200789"/>
+                <a:ext cx="126000" cy="126000"/>
+              </a:xfrm>
+              <a:prstGeom prst="rect">
+                <a:avLst/>
+              </a:prstGeom>
+            </p:spPr>
+          </p:pic>
+        </mc:Fallback>
+      </mc:AlternateContent>
+      <mc:AlternateContent xmlns:mc="http://schemas.openxmlformats.org/markup-compatibility/2006">
+        <mc:Choice xmlns:p14="http://schemas.microsoft.com/office/powerpoint/2010/main" Requires="p14">
+          <p:contentPart p14:bwMode="auto" r:id="rId7">
+            <p14:nvContentPartPr>
+              <p14:cNvPr id="16" name="Entrada de lápiz 15">
+                <a:extLst>
+                  <a:ext uri="{FF2B5EF4-FFF2-40B4-BE49-F238E27FC236}">
+                    <a16:creationId xmlns:a16="http://schemas.microsoft.com/office/drawing/2014/main" id="{62ABAEEA-E157-3C0D-61DD-2C9747684241}"/>
+                  </a:ext>
+                </a:extLst>
+              </p14:cNvPr>
+              <p14:cNvContentPartPr/>
+              <p14:nvPr/>
+            </p14:nvContentPartPr>
+            <p14:xfrm>
+              <a:off x="5969786" y="5672202"/>
+              <a:ext cx="360" cy="360"/>
+            </p14:xfrm>
+          </p:contentPart>
+        </mc:Choice>
+        <mc:Fallback>
+          <p:pic>
+            <p:nvPicPr>
+              <p:cNvPr id="16" name="Entrada de lápiz 15">
+                <a:extLst>
+                  <a:ext uri="{FF2B5EF4-FFF2-40B4-BE49-F238E27FC236}">
+                    <a16:creationId xmlns:a16="http://schemas.microsoft.com/office/drawing/2014/main" id="{62ABAEEA-E157-3C0D-61DD-2C9747684241}"/>
+                  </a:ext>
+                </a:extLst>
+              </p:cNvPr>
+              <p:cNvPicPr/>
+              <p:nvPr/>
+            </p:nvPicPr>
+            <p:blipFill>
+              <a:blip r:embed="rId4"/>
+              <a:stretch>
+                <a:fillRect/>
+              </a:stretch>
+            </p:blipFill>
+            <p:spPr>
+              <a:xfrm>
+                <a:off x="5906786" y="5609562"/>
+                <a:ext cx="126000" cy="126000"/>
+              </a:xfrm>
+              <a:prstGeom prst="rect">
+                <a:avLst/>
+              </a:prstGeom>
+            </p:spPr>
+          </p:pic>
+        </mc:Fallback>
+      </mc:AlternateContent>
+      <mc:AlternateContent xmlns:mc="http://schemas.openxmlformats.org/markup-compatibility/2006">
+        <mc:Choice xmlns:p14="http://schemas.microsoft.com/office/powerpoint/2010/main" Requires="p14">
+          <p:contentPart p14:bwMode="auto" r:id="rId8">
+            <p14:nvContentPartPr>
+              <p14:cNvPr id="17" name="Entrada de lápiz 16">
+                <a:extLst>
+                  <a:ext uri="{FF2B5EF4-FFF2-40B4-BE49-F238E27FC236}">
+                    <a16:creationId xmlns:a16="http://schemas.microsoft.com/office/drawing/2014/main" id="{D1720662-3E01-9E87-D684-BAFC6EEC4BE7}"/>
+                  </a:ext>
+                </a:extLst>
+              </p14:cNvPr>
+              <p14:cNvContentPartPr/>
+              <p14:nvPr/>
+            </p14:nvContentPartPr>
+            <p14:xfrm>
+              <a:off x="3949051" y="4908023"/>
+              <a:ext cx="360" cy="360"/>
+            </p14:xfrm>
+          </p:contentPart>
+        </mc:Choice>
+        <mc:Fallback>
+          <p:pic>
+            <p:nvPicPr>
+              <p:cNvPr id="17" name="Entrada de lápiz 16">
+                <a:extLst>
+                  <a:ext uri="{FF2B5EF4-FFF2-40B4-BE49-F238E27FC236}">
+                    <a16:creationId xmlns:a16="http://schemas.microsoft.com/office/drawing/2014/main" id="{D1720662-3E01-9E87-D684-BAFC6EEC4BE7}"/>
+                  </a:ext>
+                </a:extLst>
+              </p:cNvPr>
+              <p:cNvPicPr/>
+              <p:nvPr/>
+            </p:nvPicPr>
+            <p:blipFill>
+              <a:blip r:embed="rId4"/>
+              <a:stretch>
+                <a:fillRect/>
+              </a:stretch>
+            </p:blipFill>
+            <p:spPr>
+              <a:xfrm>
+                <a:off x="3886051" y="4845383"/>
+                <a:ext cx="126000" cy="126000"/>
+              </a:xfrm>
+              <a:prstGeom prst="rect">
+                <a:avLst/>
+              </a:prstGeom>
+            </p:spPr>
+          </p:pic>
+        </mc:Fallback>
+      </mc:AlternateContent>
+      <mc:AlternateContent xmlns:mc="http://schemas.openxmlformats.org/markup-compatibility/2006">
+        <mc:Choice xmlns:p14="http://schemas.microsoft.com/office/powerpoint/2010/main" Requires="p14">
+          <p:contentPart p14:bwMode="auto" r:id="rId9">
+            <p14:nvContentPartPr>
+              <p14:cNvPr id="18" name="Entrada de lápiz 17">
+                <a:extLst>
+                  <a:ext uri="{FF2B5EF4-FFF2-40B4-BE49-F238E27FC236}">
+                    <a16:creationId xmlns:a16="http://schemas.microsoft.com/office/drawing/2014/main" id="{61B6B22B-4EB8-FDF3-E493-A053A9C6A33F}"/>
+                  </a:ext>
+                </a:extLst>
+              </p14:cNvPr>
+              <p14:cNvContentPartPr/>
+              <p14:nvPr/>
+            </p14:nvContentPartPr>
+            <p14:xfrm>
+              <a:off x="3948691" y="5306169"/>
+              <a:ext cx="360" cy="360"/>
+            </p14:xfrm>
+          </p:contentPart>
+        </mc:Choice>
+        <mc:Fallback>
+          <p:pic>
+            <p:nvPicPr>
+              <p:cNvPr id="18" name="Entrada de lápiz 17">
+                <a:extLst>
+                  <a:ext uri="{FF2B5EF4-FFF2-40B4-BE49-F238E27FC236}">
+                    <a16:creationId xmlns:a16="http://schemas.microsoft.com/office/drawing/2014/main" id="{61B6B22B-4EB8-FDF3-E493-A053A9C6A33F}"/>
+                  </a:ext>
+                </a:extLst>
+              </p:cNvPr>
+              <p:cNvPicPr/>
+              <p:nvPr/>
+            </p:nvPicPr>
+            <p:blipFill>
+              <a:blip r:embed="rId4"/>
+              <a:stretch>
+                <a:fillRect/>
+              </a:stretch>
+            </p:blipFill>
+            <p:spPr>
+              <a:xfrm>
+                <a:off x="3886051" y="5243529"/>
+                <a:ext cx="126000" cy="126000"/>
+              </a:xfrm>
+              <a:prstGeom prst="rect">
+                <a:avLst/>
+              </a:prstGeom>
+            </p:spPr>
+          </p:pic>
+        </mc:Fallback>
+      </mc:AlternateContent>
+      <mc:AlternateContent xmlns:mc="http://schemas.openxmlformats.org/markup-compatibility/2006">
+        <mc:Choice xmlns:p14="http://schemas.microsoft.com/office/powerpoint/2010/main" Requires="p14">
+          <p:contentPart p14:bwMode="auto" r:id="rId10">
+            <p14:nvContentPartPr>
+              <p14:cNvPr id="19" name="Entrada de lápiz 18">
+                <a:extLst>
+                  <a:ext uri="{FF2B5EF4-FFF2-40B4-BE49-F238E27FC236}">
+                    <a16:creationId xmlns:a16="http://schemas.microsoft.com/office/drawing/2014/main" id="{CFF69560-B029-9481-9D8B-68F5F6770FA0}"/>
+                  </a:ext>
+                </a:extLst>
+              </p14:cNvPr>
+              <p14:cNvContentPartPr/>
+              <p14:nvPr/>
+            </p14:nvContentPartPr>
+            <p14:xfrm>
+              <a:off x="3948331" y="5676978"/>
+              <a:ext cx="360" cy="360"/>
+            </p14:xfrm>
+          </p:contentPart>
+        </mc:Choice>
+        <mc:Fallback>
+          <p:pic>
+            <p:nvPicPr>
+              <p:cNvPr id="19" name="Entrada de lápiz 18">
+                <a:extLst>
+                  <a:ext uri="{FF2B5EF4-FFF2-40B4-BE49-F238E27FC236}">
+                    <a16:creationId xmlns:a16="http://schemas.microsoft.com/office/drawing/2014/main" id="{CFF69560-B029-9481-9D8B-68F5F6770FA0}"/>
+                  </a:ext>
+                </a:extLst>
+              </p:cNvPr>
+              <p:cNvPicPr/>
+              <p:nvPr/>
+            </p:nvPicPr>
+            <p:blipFill>
+              <a:blip r:embed="rId4"/>
+              <a:stretch>
+                <a:fillRect/>
+              </a:stretch>
+            </p:blipFill>
+            <p:spPr>
+              <a:xfrm>
+                <a:off x="3885331" y="5613978"/>
+                <a:ext cx="126000" cy="126000"/>
+              </a:xfrm>
+              <a:prstGeom prst="rect">
+                <a:avLst/>
+              </a:prstGeom>
+            </p:spPr>
+          </p:pic>
+        </mc:Fallback>
+      </mc:AlternateContent>
+      <mc:AlternateContent xmlns:mc="http://schemas.openxmlformats.org/markup-compatibility/2006">
+        <mc:Choice xmlns:p14="http://schemas.microsoft.com/office/powerpoint/2010/main" Requires="p14">
+          <p:contentPart p14:bwMode="auto" r:id="rId11">
+            <p14:nvContentPartPr>
+              <p14:cNvPr id="20" name="Entrada de lápiz 19">
+                <a:extLst>
+                  <a:ext uri="{FF2B5EF4-FFF2-40B4-BE49-F238E27FC236}">
+                    <a16:creationId xmlns:a16="http://schemas.microsoft.com/office/drawing/2014/main" id="{9F656383-45EF-D7A5-3408-0CEC102AF72F}"/>
+                  </a:ext>
+                </a:extLst>
+              </p14:cNvPr>
+              <p14:cNvContentPartPr/>
+              <p14:nvPr/>
+            </p14:nvContentPartPr>
+            <p14:xfrm>
+              <a:off x="3947971" y="6024369"/>
+              <a:ext cx="360" cy="360"/>
+            </p14:xfrm>
+          </p:contentPart>
+        </mc:Choice>
+        <mc:Fallback>
+          <p:pic>
+            <p:nvPicPr>
+              <p:cNvPr id="20" name="Entrada de lápiz 19">
+                <a:extLst>
+                  <a:ext uri="{FF2B5EF4-FFF2-40B4-BE49-F238E27FC236}">
+                    <a16:creationId xmlns:a16="http://schemas.microsoft.com/office/drawing/2014/main" id="{9F656383-45EF-D7A5-3408-0CEC102AF72F}"/>
+                  </a:ext>
+                </a:extLst>
+              </p:cNvPr>
+              <p:cNvPicPr/>
+              <p:nvPr/>
+            </p:nvPicPr>
+            <p:blipFill>
+              <a:blip r:embed="rId4"/>
+              <a:stretch>
+                <a:fillRect/>
+              </a:stretch>
+            </p:blipFill>
+            <p:spPr>
+              <a:xfrm>
+                <a:off x="3885331" y="5961729"/>
+                <a:ext cx="126000" cy="126000"/>
+              </a:xfrm>
+              <a:prstGeom prst="rect">
+                <a:avLst/>
+              </a:prstGeom>
+            </p:spPr>
+          </p:pic>
+        </mc:Fallback>
+      </mc:AlternateContent>
+      <p:cxnSp>
+        <p:nvCxnSpPr>
+          <p:cNvPr id="22" name="Conector recto de flecha 21">
+            <a:extLst>
+              <a:ext uri="{FF2B5EF4-FFF2-40B4-BE49-F238E27FC236}">
+                <a16:creationId xmlns:a16="http://schemas.microsoft.com/office/drawing/2014/main" id="{CE3770ED-9815-0F99-D5FF-1D1AEE153AD7}"/>
+              </a:ext>
+            </a:extLst>
+          </p:cNvPr>
+          <p:cNvCxnSpPr/>
+          <p:nvPr/>
+        </p:nvCxnSpPr>
+        <p:spPr>
+          <a:xfrm>
+            <a:off x="8010797" y="3765349"/>
+            <a:ext cx="0" cy="288000"/>
+          </a:xfrm>
+          <a:prstGeom prst="straightConnector1">
+            <a:avLst/>
+          </a:prstGeom>
+          <a:ln>
+            <a:solidFill>
+              <a:schemeClr val="bg2">
+                <a:lumMod val="10000"/>
+              </a:schemeClr>
+            </a:solidFill>
+            <a:tailEnd type="triangle"/>
+          </a:ln>
+        </p:spPr>
+        <p:style>
+          <a:lnRef idx="1">
+            <a:schemeClr val="accent1"/>
+          </a:lnRef>
+          <a:fillRef idx="0">
+            <a:schemeClr val="accent1"/>
+          </a:fillRef>
+          <a:effectRef idx="0">
+            <a:schemeClr val="accent1"/>
+          </a:effectRef>
+          <a:fontRef idx="minor">
+            <a:schemeClr val="tx1"/>
+          </a:fontRef>
+        </p:style>
+      </p:cxnSp>
+      <p:cxnSp>
+        <p:nvCxnSpPr>
+          <p:cNvPr id="23" name="Conector recto de flecha 22">
+            <a:extLst>
+              <a:ext uri="{FF2B5EF4-FFF2-40B4-BE49-F238E27FC236}">
+                <a16:creationId xmlns:a16="http://schemas.microsoft.com/office/drawing/2014/main" id="{5F47945D-522A-C08A-42A1-BBE179F6ECB5}"/>
+              </a:ext>
+            </a:extLst>
+          </p:cNvPr>
+          <p:cNvCxnSpPr/>
+          <p:nvPr/>
+        </p:nvCxnSpPr>
+        <p:spPr>
+          <a:xfrm>
+            <a:off x="9946277" y="3752159"/>
+            <a:ext cx="0" cy="288000"/>
+          </a:xfrm>
+          <a:prstGeom prst="straightConnector1">
+            <a:avLst/>
+          </a:prstGeom>
+          <a:ln>
+            <a:solidFill>
+              <a:schemeClr val="bg2">
+                <a:lumMod val="10000"/>
+              </a:schemeClr>
+            </a:solidFill>
+            <a:tailEnd type="triangle"/>
+          </a:ln>
+        </p:spPr>
+        <p:style>
+          <a:lnRef idx="1">
+            <a:schemeClr val="accent1"/>
+          </a:lnRef>
+          <a:fillRef idx="0">
+            <a:schemeClr val="accent1"/>
+          </a:fillRef>
+          <a:effectRef idx="0">
+            <a:schemeClr val="accent1"/>
+          </a:effectRef>
+          <a:fontRef idx="minor">
+            <a:schemeClr val="tx1"/>
+          </a:fontRef>
+        </p:style>
+      </p:cxnSp>
+      <p:cxnSp>
+        <p:nvCxnSpPr>
+          <p:cNvPr id="24" name="Conector recto de flecha 23">
+            <a:extLst>
+              <a:ext uri="{FF2B5EF4-FFF2-40B4-BE49-F238E27FC236}">
+                <a16:creationId xmlns:a16="http://schemas.microsoft.com/office/drawing/2014/main" id="{8846D7E7-3C44-11CB-AC9E-BB28A2319743}"/>
+              </a:ext>
+            </a:extLst>
+          </p:cNvPr>
+          <p:cNvCxnSpPr>
+            <a:cxnSpLocks/>
+          </p:cNvCxnSpPr>
+          <p:nvPr/>
+        </p:nvCxnSpPr>
+        <p:spPr>
+          <a:xfrm flipV="1">
+            <a:off x="8010797" y="4254009"/>
+            <a:ext cx="0" cy="288000"/>
+          </a:xfrm>
+          <a:prstGeom prst="straightConnector1">
+            <a:avLst/>
+          </a:prstGeom>
+          <a:ln>
+            <a:solidFill>
+              <a:schemeClr val="bg2">
+                <a:lumMod val="10000"/>
+              </a:schemeClr>
+            </a:solidFill>
+            <a:tailEnd type="triangle"/>
+          </a:ln>
+        </p:spPr>
+        <p:style>
+          <a:lnRef idx="1">
+            <a:schemeClr val="accent1"/>
+          </a:lnRef>
+          <a:fillRef idx="0">
+            <a:schemeClr val="accent1"/>
+          </a:fillRef>
+          <a:effectRef idx="0">
+            <a:schemeClr val="accent1"/>
+          </a:effectRef>
+          <a:fontRef idx="minor">
+            <a:schemeClr val="tx1"/>
+          </a:fontRef>
+        </p:style>
+      </p:cxnSp>
+      <p:cxnSp>
+        <p:nvCxnSpPr>
+          <p:cNvPr id="26" name="Conector recto de flecha 25">
+            <a:extLst>
+              <a:ext uri="{FF2B5EF4-FFF2-40B4-BE49-F238E27FC236}">
+                <a16:creationId xmlns:a16="http://schemas.microsoft.com/office/drawing/2014/main" id="{30ABE6D9-DBB4-1203-F9EC-5192BC37AC9E}"/>
+              </a:ext>
+            </a:extLst>
+          </p:cNvPr>
+          <p:cNvCxnSpPr>
+            <a:cxnSpLocks/>
+          </p:cNvCxnSpPr>
+          <p:nvPr/>
+        </p:nvCxnSpPr>
+        <p:spPr>
+          <a:xfrm flipV="1">
+            <a:off x="9946277" y="4254009"/>
+            <a:ext cx="0" cy="288000"/>
+          </a:xfrm>
+          <a:prstGeom prst="straightConnector1">
+            <a:avLst/>
+          </a:prstGeom>
+          <a:ln>
+            <a:solidFill>
+              <a:schemeClr val="bg2">
+                <a:lumMod val="10000"/>
+              </a:schemeClr>
+            </a:solidFill>
+            <a:tailEnd type="triangle"/>
+          </a:ln>
+        </p:spPr>
+        <p:style>
+          <a:lnRef idx="1">
+            <a:schemeClr val="accent1"/>
+          </a:lnRef>
+          <a:fillRef idx="0">
+            <a:schemeClr val="accent1"/>
+          </a:fillRef>
+          <a:effectRef idx="0">
+            <a:schemeClr val="accent1"/>
+          </a:effectRef>
+          <a:fontRef idx="minor">
+            <a:schemeClr val="tx1"/>
+          </a:fontRef>
+        </p:style>
+      </p:cxnSp>
+      <p:cxnSp>
+        <p:nvCxnSpPr>
+          <p:cNvPr id="27" name="Conector recto de flecha 26">
+            <a:extLst>
+              <a:ext uri="{FF2B5EF4-FFF2-40B4-BE49-F238E27FC236}">
+                <a16:creationId xmlns:a16="http://schemas.microsoft.com/office/drawing/2014/main" id="{5859DC0C-74D0-1883-A3E6-BBAB3EBC6A48}"/>
+              </a:ext>
+            </a:extLst>
+          </p:cNvPr>
+          <p:cNvCxnSpPr/>
+          <p:nvPr/>
+        </p:nvCxnSpPr>
+        <p:spPr>
+          <a:xfrm>
+            <a:off x="8010797" y="4777213"/>
+            <a:ext cx="0" cy="288000"/>
+          </a:xfrm>
+          <a:prstGeom prst="straightConnector1">
+            <a:avLst/>
+          </a:prstGeom>
+          <a:ln>
+            <a:solidFill>
+              <a:schemeClr val="bg2">
+                <a:lumMod val="10000"/>
+              </a:schemeClr>
+            </a:solidFill>
+            <a:tailEnd type="triangle"/>
+          </a:ln>
+        </p:spPr>
+        <p:style>
+          <a:lnRef idx="1">
+            <a:schemeClr val="accent1"/>
+          </a:lnRef>
+          <a:fillRef idx="0">
+            <a:schemeClr val="accent1"/>
+          </a:fillRef>
+          <a:effectRef idx="0">
+            <a:schemeClr val="accent1"/>
+          </a:effectRef>
+          <a:fontRef idx="minor">
+            <a:schemeClr val="tx1"/>
+          </a:fontRef>
+        </p:style>
+      </p:cxnSp>
+      <p:cxnSp>
+        <p:nvCxnSpPr>
+          <p:cNvPr id="28" name="Conector recto de flecha 27">
+            <a:extLst>
+              <a:ext uri="{FF2B5EF4-FFF2-40B4-BE49-F238E27FC236}">
+                <a16:creationId xmlns:a16="http://schemas.microsoft.com/office/drawing/2014/main" id="{C8722E48-66E0-BCEE-2AB1-9EE2D470ED1F}"/>
+              </a:ext>
+            </a:extLst>
+          </p:cNvPr>
+          <p:cNvCxnSpPr/>
+          <p:nvPr/>
+        </p:nvCxnSpPr>
+        <p:spPr>
+          <a:xfrm>
+            <a:off x="9946277" y="4764023"/>
+            <a:ext cx="0" cy="288000"/>
+          </a:xfrm>
+          <a:prstGeom prst="straightConnector1">
+            <a:avLst/>
+          </a:prstGeom>
+          <a:ln>
+            <a:solidFill>
+              <a:schemeClr val="bg2">
+                <a:lumMod val="10000"/>
+              </a:schemeClr>
+            </a:solidFill>
+            <a:tailEnd type="triangle"/>
+          </a:ln>
+        </p:spPr>
+        <p:style>
+          <a:lnRef idx="1">
+            <a:schemeClr val="accent1"/>
+          </a:lnRef>
+          <a:fillRef idx="0">
+            <a:schemeClr val="accent1"/>
+          </a:fillRef>
+          <a:effectRef idx="0">
+            <a:schemeClr val="accent1"/>
+          </a:effectRef>
+          <a:fontRef idx="minor">
+            <a:schemeClr val="tx1"/>
+          </a:fontRef>
+        </p:style>
+      </p:cxnSp>
+      <p:cxnSp>
+        <p:nvCxnSpPr>
+          <p:cNvPr id="29" name="Conector recto de flecha 28">
+            <a:extLst>
+              <a:ext uri="{FF2B5EF4-FFF2-40B4-BE49-F238E27FC236}">
+                <a16:creationId xmlns:a16="http://schemas.microsoft.com/office/drawing/2014/main" id="{F3788559-94C5-1E4D-0669-40350A6BDEE5}"/>
+              </a:ext>
+            </a:extLst>
+          </p:cNvPr>
+          <p:cNvCxnSpPr>
+            <a:cxnSpLocks/>
+          </p:cNvCxnSpPr>
+          <p:nvPr/>
+        </p:nvCxnSpPr>
+        <p:spPr>
+          <a:xfrm flipV="1">
+            <a:off x="8010797" y="5169153"/>
+            <a:ext cx="0" cy="288000"/>
+          </a:xfrm>
+          <a:prstGeom prst="straightConnector1">
+            <a:avLst/>
+          </a:prstGeom>
+          <a:ln>
+            <a:solidFill>
+              <a:schemeClr val="bg2">
+                <a:lumMod val="10000"/>
+              </a:schemeClr>
+            </a:solidFill>
+            <a:tailEnd type="triangle"/>
+          </a:ln>
+        </p:spPr>
+        <p:style>
+          <a:lnRef idx="1">
+            <a:schemeClr val="accent1"/>
+          </a:lnRef>
+          <a:fillRef idx="0">
+            <a:schemeClr val="accent1"/>
+          </a:fillRef>
+          <a:effectRef idx="0">
+            <a:schemeClr val="accent1"/>
+          </a:effectRef>
+          <a:fontRef idx="minor">
+            <a:schemeClr val="tx1"/>
+          </a:fontRef>
+        </p:style>
+      </p:cxnSp>
+      <p:cxnSp>
+        <p:nvCxnSpPr>
+          <p:cNvPr id="30" name="Conector recto de flecha 29">
+            <a:extLst>
+              <a:ext uri="{FF2B5EF4-FFF2-40B4-BE49-F238E27FC236}">
+                <a16:creationId xmlns:a16="http://schemas.microsoft.com/office/drawing/2014/main" id="{28CE1D2D-E3ED-2C76-44A9-2693C20340C2}"/>
+              </a:ext>
+            </a:extLst>
+          </p:cNvPr>
+          <p:cNvCxnSpPr>
+            <a:cxnSpLocks/>
+          </p:cNvCxnSpPr>
+          <p:nvPr/>
+        </p:nvCxnSpPr>
+        <p:spPr>
+          <a:xfrm flipV="1">
+            <a:off x="9946277" y="5169153"/>
+            <a:ext cx="0" cy="288000"/>
+          </a:xfrm>
+          <a:prstGeom prst="straightConnector1">
+            <a:avLst/>
+          </a:prstGeom>
+          <a:ln>
+            <a:solidFill>
+              <a:schemeClr val="bg2">
+                <a:lumMod val="10000"/>
+              </a:schemeClr>
+            </a:solidFill>
+            <a:tailEnd type="triangle"/>
+          </a:ln>
+        </p:spPr>
+        <p:style>
+          <a:lnRef idx="1">
+            <a:schemeClr val="accent1"/>
+          </a:lnRef>
+          <a:fillRef idx="0">
+            <a:schemeClr val="accent1"/>
+          </a:fillRef>
+          <a:effectRef idx="0">
+            <a:schemeClr val="accent1"/>
+          </a:effectRef>
+          <a:fontRef idx="minor">
+            <a:schemeClr val="tx1"/>
+          </a:fontRef>
+        </p:style>
+      </p:cxnSp>
+      <p:cxnSp>
+        <p:nvCxnSpPr>
+          <p:cNvPr id="31" name="Conector recto de flecha 30">
+            <a:extLst>
+              <a:ext uri="{FF2B5EF4-FFF2-40B4-BE49-F238E27FC236}">
+                <a16:creationId xmlns:a16="http://schemas.microsoft.com/office/drawing/2014/main" id="{21D82BAC-F844-7D4A-A588-58C4EB8EE854}"/>
+              </a:ext>
+            </a:extLst>
+          </p:cNvPr>
+          <p:cNvCxnSpPr>
+            <a:cxnSpLocks/>
+          </p:cNvCxnSpPr>
+          <p:nvPr/>
+        </p:nvCxnSpPr>
+        <p:spPr>
+          <a:xfrm flipV="1">
+            <a:off x="8010797" y="5528202"/>
+            <a:ext cx="0" cy="288000"/>
+          </a:xfrm>
+          <a:prstGeom prst="straightConnector1">
+            <a:avLst/>
+          </a:prstGeom>
+          <a:ln>
+            <a:solidFill>
+              <a:schemeClr val="bg2">
+                <a:lumMod val="10000"/>
+              </a:schemeClr>
+            </a:solidFill>
+            <a:tailEnd type="triangle"/>
+          </a:ln>
+        </p:spPr>
+        <p:style>
+          <a:lnRef idx="1">
+            <a:schemeClr val="accent1"/>
+          </a:lnRef>
+          <a:fillRef idx="0">
+            <a:schemeClr val="accent1"/>
+          </a:fillRef>
+          <a:effectRef idx="0">
+            <a:schemeClr val="accent1"/>
+          </a:effectRef>
+          <a:fontRef idx="minor">
+            <a:schemeClr val="tx1"/>
+          </a:fontRef>
+        </p:style>
+      </p:cxnSp>
+      <p:cxnSp>
+        <p:nvCxnSpPr>
+          <p:cNvPr id="32" name="Conector recto de flecha 31">
+            <a:extLst>
+              <a:ext uri="{FF2B5EF4-FFF2-40B4-BE49-F238E27FC236}">
+                <a16:creationId xmlns:a16="http://schemas.microsoft.com/office/drawing/2014/main" id="{BAC0ECE4-A904-C1CD-312D-1A004A28C13F}"/>
+              </a:ext>
+            </a:extLst>
+          </p:cNvPr>
+          <p:cNvCxnSpPr>
+            <a:cxnSpLocks/>
+          </p:cNvCxnSpPr>
+          <p:nvPr/>
+        </p:nvCxnSpPr>
+        <p:spPr>
+          <a:xfrm flipV="1">
+            <a:off x="9946277" y="5528202"/>
+            <a:ext cx="0" cy="288000"/>
+          </a:xfrm>
+          <a:prstGeom prst="straightConnector1">
+            <a:avLst/>
+          </a:prstGeom>
+          <a:ln>
+            <a:solidFill>
+              <a:schemeClr val="bg2">
+                <a:lumMod val="10000"/>
+              </a:schemeClr>
+            </a:solidFill>
+            <a:tailEnd type="triangle"/>
+          </a:ln>
+        </p:spPr>
+        <p:style>
+          <a:lnRef idx="1">
+            <a:schemeClr val="accent1"/>
+          </a:lnRef>
+          <a:fillRef idx="0">
+            <a:schemeClr val="accent1"/>
+          </a:fillRef>
+          <a:effectRef idx="0">
+            <a:schemeClr val="accent1"/>
+          </a:effectRef>
+          <a:fontRef idx="minor">
+            <a:schemeClr val="tx1"/>
+          </a:fontRef>
+        </p:style>
+      </p:cxnSp>
+      <p:cxnSp>
+        <p:nvCxnSpPr>
+          <p:cNvPr id="33" name="Conector recto de flecha 32">
+            <a:extLst>
+              <a:ext uri="{FF2B5EF4-FFF2-40B4-BE49-F238E27FC236}">
+                <a16:creationId xmlns:a16="http://schemas.microsoft.com/office/drawing/2014/main" id="{8BA2E58E-968D-427D-6B68-E2090AC4BF03}"/>
+              </a:ext>
+            </a:extLst>
+          </p:cNvPr>
+          <p:cNvCxnSpPr>
+            <a:cxnSpLocks/>
+          </p:cNvCxnSpPr>
+          <p:nvPr/>
+        </p:nvCxnSpPr>
+        <p:spPr>
+          <a:xfrm flipV="1">
+            <a:off x="8012974" y="5880369"/>
+            <a:ext cx="0" cy="288000"/>
+          </a:xfrm>
+          <a:prstGeom prst="straightConnector1">
+            <a:avLst/>
+          </a:prstGeom>
+          <a:ln>
+            <a:solidFill>
+              <a:schemeClr val="bg2">
+                <a:lumMod val="10000"/>
+              </a:schemeClr>
+            </a:solidFill>
+            <a:tailEnd type="triangle"/>
+          </a:ln>
+        </p:spPr>
+        <p:style>
+          <a:lnRef idx="1">
+            <a:schemeClr val="accent1"/>
+          </a:lnRef>
+          <a:fillRef idx="0">
+            <a:schemeClr val="accent1"/>
+          </a:fillRef>
+          <a:effectRef idx="0">
+            <a:schemeClr val="accent1"/>
+          </a:effectRef>
+          <a:fontRef idx="minor">
+            <a:schemeClr val="tx1"/>
+          </a:fontRef>
+        </p:style>
+      </p:cxnSp>
+      <p:cxnSp>
+        <p:nvCxnSpPr>
+          <p:cNvPr id="34" name="Conector recto de flecha 33">
+            <a:extLst>
+              <a:ext uri="{FF2B5EF4-FFF2-40B4-BE49-F238E27FC236}">
+                <a16:creationId xmlns:a16="http://schemas.microsoft.com/office/drawing/2014/main" id="{9FBB9A98-3FB7-4555-A692-D7423CD85141}"/>
+              </a:ext>
+            </a:extLst>
+          </p:cNvPr>
+          <p:cNvCxnSpPr>
+            <a:cxnSpLocks/>
+          </p:cNvCxnSpPr>
+          <p:nvPr/>
+        </p:nvCxnSpPr>
+        <p:spPr>
+          <a:xfrm flipV="1">
+            <a:off x="9948454" y="5880369"/>
+            <a:ext cx="0" cy="288000"/>
+          </a:xfrm>
+          <a:prstGeom prst="straightConnector1">
+            <a:avLst/>
+          </a:prstGeom>
+          <a:ln>
+            <a:solidFill>
+              <a:schemeClr val="bg2">
+                <a:lumMod val="10000"/>
+              </a:schemeClr>
+            </a:solidFill>
+            <a:tailEnd type="triangle"/>
+          </a:ln>
+        </p:spPr>
+        <p:style>
+          <a:lnRef idx="1">
+            <a:schemeClr val="accent1"/>
+          </a:lnRef>
+          <a:fillRef idx="0">
+            <a:schemeClr val="accent1"/>
+          </a:fillRef>
+          <a:effectRef idx="0">
+            <a:schemeClr val="accent1"/>
+          </a:effectRef>
+          <a:fontRef idx="minor">
+            <a:schemeClr val="tx1"/>
+          </a:fontRef>
+        </p:style>
+      </p:cxnSp>
     </p:spTree>
     <p:extLst>
       <p:ext uri="{BB962C8B-B14F-4D97-AF65-F5344CB8AC3E}">
@@ -15059,7 +19838,7 @@
         </p:spPr>
         <p:txBody>
           <a:bodyPr>
-            <a:normAutofit/>
+            <a:normAutofit lnSpcReduction="10000"/>
           </a:bodyPr>
           <a:lstStyle/>
           <a:p>
@@ -15109,18 +19888,26 @@
             </a:r>
             <a:r>
               <a:rPr lang="es-ES" b="0" noProof="0" dirty="0"/>
-              <a:t>Monitoreo de emisiones de  </a:t>
+              <a:t>Monitoreo de emisiones de CO2. </a:t>
             </a:r>
           </a:p>
           <a:p>
             <a:pPr algn="just"/>
             <a:r>
-              <a:rPr lang="es-ES" b="1" noProof="0" dirty="0"/>
-              <a:t>Vigilancia: </a:t>
+              <a:rPr lang="es-ES" noProof="0" dirty="0"/>
+              <a:t>Visión nocturna: </a:t>
+            </a:r>
+            <a:r>
+              <a:rPr lang="es-ES" b="0" dirty="0"/>
+              <a:t>P</a:t>
+            </a:r>
+            <a:r>
+              <a:rPr lang="es-ES" b="0" noProof="0" dirty="0" err="1"/>
+              <a:t>ermiten</a:t>
             </a:r>
             <a:r>
               <a:rPr lang="es-ES" b="0" noProof="0" dirty="0"/>
-              <a:t>Monitoreo de temperatura corporal de intrusos.</a:t>
+              <a:t> la visión en la oscuridad, capturan la radiación emitida por objetos y seres vivos.</a:t>
             </a:r>
           </a:p>
           <a:p>
@@ -15867,130 +20654,6 @@
           </p:style>
         </p:cxnSp>
       </p:grpSp>
-      <mc:AlternateContent xmlns:mc="http://schemas.openxmlformats.org/markup-compatibility/2006">
-        <mc:Choice xmlns:a14="http://schemas.microsoft.com/office/drawing/2010/main" Requires="a14">
-          <p:sp>
-            <p:nvSpPr>
-              <p:cNvPr id="25" name="CuadroTexto 24">
-                <a:extLst>
-                  <a:ext uri="{FF2B5EF4-FFF2-40B4-BE49-F238E27FC236}">
-                    <a16:creationId xmlns:a16="http://schemas.microsoft.com/office/drawing/2014/main" id="{BFA90301-4077-3EA3-F566-2002CBE54F4D}"/>
-                  </a:ext>
-                </a:extLst>
-              </p:cNvPr>
-              <p:cNvSpPr txBox="1"/>
-              <p:nvPr/>
-            </p:nvSpPr>
-            <p:spPr>
-              <a:xfrm>
-                <a:off x="5118100" y="4323180"/>
-                <a:ext cx="520700" cy="415498"/>
-              </a:xfrm>
-              <a:prstGeom prst="rect">
-                <a:avLst/>
-              </a:prstGeom>
-              <a:noFill/>
-            </p:spPr>
-            <p:txBody>
-              <a:bodyPr wrap="square">
-                <a:spAutoFit/>
-              </a:bodyPr>
-              <a:lstStyle/>
-              <a:p>
-                <a:pPr/>
-                <a14:m>
-                  <m:oMathPara xmlns:m="http://schemas.openxmlformats.org/officeDocument/2006/math">
-                    <m:oMathParaPr>
-                      <m:jc m:val="centerGroup"/>
-                    </m:oMathParaPr>
-                    <m:oMath xmlns:m="http://schemas.openxmlformats.org/officeDocument/2006/math">
-                      <m:sSub>
-                        <m:sSubPr>
-                          <m:ctrlPr>
-                            <a:rPr lang="es-MX" sz="2100" b="0" i="1" noProof="0" smtClean="0">
-                              <a:solidFill>
-                                <a:schemeClr val="tx2"/>
-                              </a:solidFill>
-                              <a:latin typeface="Cambria Math" panose="02040503050406030204" pitchFamily="18" charset="0"/>
-                            </a:rPr>
-                          </m:ctrlPr>
-                        </m:sSubPr>
-                        <m:e>
-                          <m:r>
-                            <a:rPr lang="es-MX" sz="2100" b="0" i="1" noProof="0" smtClean="0">
-                              <a:solidFill>
-                                <a:schemeClr val="tx2"/>
-                              </a:solidFill>
-                              <a:latin typeface="Cambria Math" panose="02040503050406030204" pitchFamily="18" charset="0"/>
-                            </a:rPr>
-                            <m:t>𝐶𝑂</m:t>
-                          </m:r>
-                        </m:e>
-                        <m:sub>
-                          <m:r>
-                            <a:rPr lang="es-MX" sz="2100" b="0" i="1" noProof="0" smtClean="0">
-                              <a:solidFill>
-                                <a:schemeClr val="tx2"/>
-                              </a:solidFill>
-                              <a:latin typeface="Cambria Math" panose="02040503050406030204" pitchFamily="18" charset="0"/>
-                            </a:rPr>
-                            <m:t>2</m:t>
-                          </m:r>
-                        </m:sub>
-                      </m:sSub>
-                    </m:oMath>
-                  </m:oMathPara>
-                </a14:m>
-                <a:endParaRPr lang="es-MX" sz="2100" dirty="0"/>
-              </a:p>
-            </p:txBody>
-          </p:sp>
-        </mc:Choice>
-        <mc:Fallback>
-          <p:sp>
-            <p:nvSpPr>
-              <p:cNvPr id="25" name="CuadroTexto 24">
-                <a:extLst>
-                  <a:ext uri="{FF2B5EF4-FFF2-40B4-BE49-F238E27FC236}">
-                    <a16:creationId xmlns:a16="http://schemas.microsoft.com/office/drawing/2014/main" id="{BFA90301-4077-3EA3-F566-2002CBE54F4D}"/>
-                  </a:ext>
-                </a:extLst>
-              </p:cNvPr>
-              <p:cNvSpPr txBox="1">
-                <a:spLocks noRot="1" noChangeAspect="1" noMove="1" noResize="1" noEditPoints="1" noAdjustHandles="1" noChangeArrowheads="1" noChangeShapeType="1" noTextEdit="1"/>
-              </p:cNvSpPr>
-              <p:nvPr/>
-            </p:nvSpPr>
-            <p:spPr>
-              <a:xfrm>
-                <a:off x="5118100" y="4323180"/>
-                <a:ext cx="520700" cy="415498"/>
-              </a:xfrm>
-              <a:prstGeom prst="rect">
-                <a:avLst/>
-              </a:prstGeom>
-              <a:blipFill>
-                <a:blip r:embed="rId3"/>
-                <a:stretch>
-                  <a:fillRect l="-1176" r="-15294" b="-2941"/>
-                </a:stretch>
-              </a:blipFill>
-            </p:spPr>
-            <p:txBody>
-              <a:bodyPr/>
-              <a:lstStyle/>
-              <a:p>
-                <a:r>
-                  <a:rPr lang="es-MX">
-                    <a:noFill/>
-                  </a:rPr>
-                  <a:t> </a:t>
-                </a:r>
-              </a:p>
-            </p:txBody>
-          </p:sp>
-        </mc:Fallback>
-      </mc:AlternateContent>
     </p:spTree>
     <p:extLst>
       <p:ext uri="{BB962C8B-B14F-4D97-AF65-F5344CB8AC3E}">
@@ -16268,7 +20931,7 @@
             </a:pPr>
             <a:r>
               <a:rPr lang="es-MX" noProof="0" dirty="0"/>
-              <a:t>La radiación infrarroja es un tipo de radiación electromagnética que se encuentra en el rango de 0.77µm - 1mm.</a:t>
+              <a:t>La radiación infrarroja es un tipo de radiación electromagnética que se encuentra en el rango de 0.78µm - 1mm.</a:t>
             </a:r>
           </a:p>
         </p:txBody>
@@ -16881,7 +21544,7 @@
             <a:pPr algn="just"/>
             <a:r>
               <a:rPr lang="es-ES" b="0" noProof="0" dirty="0"/>
-              <a:t>Detectores de fotones (formación de pares electrón-hueco).</a:t>
+              <a:t>Detectores de fotones (interacción de fotones-electrones).</a:t>
             </a:r>
           </a:p>
           <a:p>
@@ -16896,7 +21559,15 @@
             </a:r>
             <a:r>
               <a:rPr lang="es-ES" b="0" noProof="0" dirty="0"/>
-              <a:t> térmicos (resistencia).</a:t>
+              <a:t> térmicos (</a:t>
+            </a:r>
+            <a:r>
+              <a:rPr lang="es-ES" b="0" dirty="0"/>
+              <a:t>cambio de temperatura</a:t>
+            </a:r>
+            <a:r>
+              <a:rPr lang="es-ES" b="0" noProof="0" dirty="0"/>
+              <a:t>).</a:t>
             </a:r>
           </a:p>
         </p:txBody>
@@ -17291,63 +21962,6 @@
       </p:grpSpPr>
       <p:sp>
         <p:nvSpPr>
-          <p:cNvPr id="2" name="Content Placeholder 1">
-            <a:extLst>
-              <a:ext uri="{FF2B5EF4-FFF2-40B4-BE49-F238E27FC236}">
-                <a16:creationId xmlns:a16="http://schemas.microsoft.com/office/drawing/2014/main" id="{0B392290-90D7-DBFD-BB03-5DEBDBBD27C4}"/>
-              </a:ext>
-            </a:extLst>
-          </p:cNvPr>
-          <p:cNvSpPr>
-            <a:spLocks noGrp="1"/>
-          </p:cNvSpPr>
-          <p:nvPr>
-            <p:ph idx="1"/>
-          </p:nvPr>
-        </p:nvSpPr>
-        <p:spPr/>
-        <p:txBody>
-          <a:bodyPr/>
-          <a:lstStyle/>
-          <a:p>
-            <a:pPr marL="0" indent="0" algn="just">
-              <a:buNone/>
-            </a:pPr>
-            <a:r>
-              <a:rPr lang="es-ES" noProof="0" dirty="0"/>
-              <a:t>Los </a:t>
-            </a:r>
-            <a:r>
-              <a:rPr lang="es-ES" noProof="0" dirty="0" err="1"/>
-              <a:t>microbolómetros</a:t>
-            </a:r>
-            <a:r>
-              <a:rPr lang="es-ES" noProof="0" dirty="0"/>
-              <a:t> son dispositivos que detectan la radiación infrarroja mediante el cambio en la resistencia eléctrica de un material al variar su temperatura. Conforme la resistencia absorbe calor, su temperatura aumenta y su resistencia se modifica.</a:t>
-            </a:r>
-          </a:p>
-          <a:p>
-            <a:pPr marL="0" indent="0" algn="just">
-              <a:buNone/>
-            </a:pPr>
-            <a:r>
-              <a:rPr lang="es-ES" b="0" dirty="0"/>
-              <a:t>Los detectores de este tipo ofrecen alta resolución y sensibilidad, distinguiendo mínimas variaciones de temperatura sin necesidad de enfriamiento externo, lo que los hace portátiles y fáciles de operar</a:t>
-            </a:r>
-            <a:r>
-              <a:rPr lang="en-US" b="0" dirty="0"/>
-              <a:t> [20]</a:t>
-            </a:r>
-            <a:r>
-              <a:rPr lang="es-ES" b="0" dirty="0"/>
-              <a:t>.</a:t>
-            </a:r>
-            <a:endParaRPr lang="es-MX" b="0" noProof="0" dirty="0"/>
-          </a:p>
-        </p:txBody>
-      </p:sp>
-      <p:sp>
-        <p:nvSpPr>
           <p:cNvPr id="3" name="Title 2">
             <a:extLst>
               <a:ext uri="{FF2B5EF4-FFF2-40B4-BE49-F238E27FC236}">
@@ -17362,9 +21976,16 @@
             <p:ph type="title"/>
           </p:nvPr>
         </p:nvSpPr>
-        <p:spPr/>
-        <p:txBody>
-          <a:bodyPr/>
+        <p:spPr>
+          <a:xfrm>
+            <a:off x="407988" y="373593"/>
+            <a:ext cx="11376025" cy="1065742"/>
+          </a:xfrm>
+        </p:spPr>
+        <p:txBody>
+          <a:bodyPr anchor="t">
+            <a:normAutofit/>
+          </a:bodyPr>
           <a:lstStyle/>
           <a:p>
             <a:r>
@@ -17383,157 +22004,231 @@
           </a:p>
         </p:txBody>
       </p:sp>
-      <p:sp>
-        <p:nvSpPr>
-          <p:cNvPr id="4" name="Date Placeholder 3">
-            <a:extLst>
-              <a:ext uri="{FF2B5EF4-FFF2-40B4-BE49-F238E27FC236}">
-                <a16:creationId xmlns:a16="http://schemas.microsoft.com/office/drawing/2014/main" id="{B7D15081-0B82-9F80-22A2-66AD0AE45856}"/>
-              </a:ext>
-            </a:extLst>
-          </p:cNvPr>
-          <p:cNvSpPr>
-            <a:spLocks noGrp="1"/>
-          </p:cNvSpPr>
-          <p:nvPr>
-            <p:ph type="dt" sz="half" idx="10"/>
-          </p:nvPr>
-        </p:nvSpPr>
-        <p:spPr/>
-        <p:txBody>
-          <a:bodyPr/>
-          <a:lstStyle/>
-          <a:p>
-            <a:r>
-              <a:rPr lang="en-US"/>
-              <a:t>23 de Septiembre de 2024</a:t>
-            </a:r>
-            <a:endParaRPr lang="en-US" dirty="0"/>
-          </a:p>
-        </p:txBody>
-      </p:sp>
-      <p:sp>
-        <p:nvSpPr>
-          <p:cNvPr id="5" name="Footer Placeholder 4">
-            <a:extLst>
-              <a:ext uri="{FF2B5EF4-FFF2-40B4-BE49-F238E27FC236}">
-                <a16:creationId xmlns:a16="http://schemas.microsoft.com/office/drawing/2014/main" id="{A6225D6D-E033-CFAE-D4B5-6E8CE41892DD}"/>
-              </a:ext>
-            </a:extLst>
-          </p:cNvPr>
-          <p:cNvSpPr>
-            <a:spLocks noGrp="1"/>
-          </p:cNvSpPr>
-          <p:nvPr>
-            <p:ph type="ftr" sz="quarter" idx="11"/>
-          </p:nvPr>
-        </p:nvSpPr>
-        <p:spPr/>
-        <p:txBody>
-          <a:bodyPr/>
-          <a:lstStyle/>
-          <a:p>
-            <a:r>
-              <a:rPr lang="es-ES"/>
-              <a:t>Julisa Verdejo Palacios | Defensa de tesis de maestría</a:t>
-            </a:r>
-            <a:endParaRPr lang="en-US" dirty="0"/>
-          </a:p>
-        </p:txBody>
-      </p:sp>
-      <p:sp>
-        <p:nvSpPr>
-          <p:cNvPr id="6" name="Slide Number Placeholder 5">
-            <a:extLst>
-              <a:ext uri="{FF2B5EF4-FFF2-40B4-BE49-F238E27FC236}">
-                <a16:creationId xmlns:a16="http://schemas.microsoft.com/office/drawing/2014/main" id="{4634F3CE-1FDE-E9E6-C919-82384086EA9D}"/>
-              </a:ext>
-            </a:extLst>
-          </p:cNvPr>
-          <p:cNvSpPr>
-            <a:spLocks noGrp="1"/>
-          </p:cNvSpPr>
-          <p:nvPr>
-            <p:ph type="sldNum" sz="quarter" idx="12"/>
-          </p:nvPr>
-        </p:nvSpPr>
-        <p:spPr/>
-        <p:txBody>
-          <a:bodyPr/>
-          <a:lstStyle/>
-          <a:p>
-            <a:fld id="{36B5EA5A-BC32-A742-B11B-8E7414D5B535}" type="slidenum">
-              <a:rPr lang="en-US" smtClean="0"/>
-              <a:pPr/>
-              <a:t>9</a:t>
-            </a:fld>
-            <a:endParaRPr lang="en-US" dirty="0"/>
-          </a:p>
-        </p:txBody>
-      </p:sp>
-      <p:sp>
-        <p:nvSpPr>
-          <p:cNvPr id="8" name="Rectangle 7">
-            <a:extLst>
-              <a:ext uri="{FF2B5EF4-FFF2-40B4-BE49-F238E27FC236}">
-                <a16:creationId xmlns:a16="http://schemas.microsoft.com/office/drawing/2014/main" id="{50FBA4F5-0EC4-C1E4-77D4-E35692262D77}"/>
-              </a:ext>
-            </a:extLst>
-          </p:cNvPr>
-          <p:cNvSpPr/>
+      <p:pic>
+        <p:nvPicPr>
+          <p:cNvPr id="9" name="Imagen 8" descr="Imagen en blanco y negro&#10;&#10;Descripción generada automáticamente con confianza media">
+            <a:extLst>
+              <a:ext uri="{FF2B5EF4-FFF2-40B4-BE49-F238E27FC236}">
+                <a16:creationId xmlns:a16="http://schemas.microsoft.com/office/drawing/2014/main" id="{5BBC1B3F-2881-3CF1-53D0-D656BCE6D5C1}"/>
+              </a:ext>
+            </a:extLst>
+          </p:cNvPr>
+          <p:cNvPicPr>
+            <a:picLocks noChangeAspect="1"/>
+          </p:cNvPicPr>
           <p:nvPr/>
-        </p:nvSpPr>
+        </p:nvPicPr>
+        <p:blipFill>
+          <a:blip r:embed="rId2"/>
+          <a:stretch>
+            <a:fillRect/>
+          </a:stretch>
+        </p:blipFill>
         <p:spPr>
           <a:xfrm>
-            <a:off x="3559629" y="3614057"/>
-            <a:ext cx="5072742" cy="2177144"/>
+            <a:off x="677148" y="1592264"/>
+            <a:ext cx="5078252" cy="4608512"/>
           </a:xfrm>
           <a:prstGeom prst="rect">
             <a:avLst/>
           </a:prstGeom>
+          <a:noFill/>
         </p:spPr>
-        <p:style>
-          <a:lnRef idx="2">
-            <a:schemeClr val="accent1">
-              <a:shade val="15000"/>
-            </a:schemeClr>
-          </a:lnRef>
-          <a:fillRef idx="1">
-            <a:schemeClr val="accent1"/>
-          </a:fillRef>
-          <a:effectRef idx="0">
-            <a:schemeClr val="accent1"/>
-          </a:effectRef>
-          <a:fontRef idx="minor">
-            <a:schemeClr val="lt1"/>
-          </a:fontRef>
-        </p:style>
-        <p:txBody>
-          <a:bodyPr rtlCol="0" anchor="ctr"/>
-          <a:lstStyle/>
-          <a:p>
-            <a:pPr algn="ctr"/>
-            <a:r>
-              <a:rPr lang="en-US" dirty="0" err="1"/>
-              <a:t>Poner</a:t>
-            </a:r>
-            <a:r>
-              <a:rPr lang="en-US" dirty="0"/>
-              <a:t> imagen de </a:t>
-            </a:r>
-            <a:r>
-              <a:rPr lang="en-US" dirty="0" err="1"/>
-              <a:t>micr</a:t>
-            </a:r>
-            <a:r>
-              <a:rPr lang="es-MX" dirty="0" err="1"/>
-              <a:t>ó</a:t>
-            </a:r>
-            <a:r>
-              <a:rPr lang="en-US" dirty="0" err="1"/>
-              <a:t>bolometro</a:t>
-            </a:r>
-            <a:endParaRPr lang="en-US" dirty="0"/>
+      </p:pic>
+      <p:sp>
+        <p:nvSpPr>
+          <p:cNvPr id="2" name="Content Placeholder 1">
+            <a:extLst>
+              <a:ext uri="{FF2B5EF4-FFF2-40B4-BE49-F238E27FC236}">
+                <a16:creationId xmlns:a16="http://schemas.microsoft.com/office/drawing/2014/main" id="{0B392290-90D7-DBFD-BB03-5DEBDBBD27C4}"/>
+              </a:ext>
+            </a:extLst>
+          </p:cNvPr>
+          <p:cNvSpPr>
+            <a:spLocks noGrp="1"/>
+          </p:cNvSpPr>
+          <p:nvPr>
+            <p:ph sz="half" idx="2"/>
+          </p:nvPr>
+        </p:nvSpPr>
+        <p:spPr>
+          <a:xfrm>
+            <a:off x="6172199" y="1592264"/>
+            <a:ext cx="5611813" cy="4608511"/>
+          </a:xfrm>
+        </p:spPr>
+        <p:txBody>
+          <a:bodyPr>
+            <a:normAutofit/>
+          </a:bodyPr>
+          <a:lstStyle/>
+          <a:p>
+            <a:pPr marL="0" indent="0">
+              <a:buNone/>
+            </a:pPr>
+            <a:r>
+              <a:rPr lang="es-ES" noProof="0" dirty="0"/>
+              <a:t>Los </a:t>
+            </a:r>
+            <a:r>
+              <a:rPr lang="es-ES" noProof="0" dirty="0" err="1"/>
+              <a:t>microbolómetros</a:t>
+            </a:r>
+            <a:r>
+              <a:rPr lang="es-ES" noProof="0" dirty="0"/>
+              <a:t> son dispositivos que detectan la radiación infrarroja mediante el cambio en la resistencia eléctrica de un material al variar su temperatura. Conforme el material absorbe calor, su temperatura aumenta y su resistencia se modifica.</a:t>
+            </a:r>
+          </a:p>
+          <a:p>
+            <a:pPr marL="0" indent="0">
+              <a:buNone/>
+            </a:pPr>
+            <a:endParaRPr lang="es-ES" noProof="0" dirty="0"/>
+          </a:p>
+          <a:p>
+            <a:pPr marL="0" indent="0">
+              <a:buNone/>
+            </a:pPr>
+            <a:r>
+              <a:rPr lang="es-ES" b="0" dirty="0"/>
+              <a:t>Los detectores de este tipo ofrecen alta resolución y sensibilidad, distinguiendo mínimas variaciones de temperatura sin necesidad de enfriamiento externo, lo que los hace portátiles y fáciles de operar</a:t>
+            </a:r>
+            <a:r>
+              <a:rPr lang="en-US" b="0" dirty="0"/>
+              <a:t> [20]</a:t>
+            </a:r>
+            <a:r>
+              <a:rPr lang="es-ES" b="0" dirty="0"/>
+              <a:t>.</a:t>
+            </a:r>
+            <a:endParaRPr lang="es-MX" b="0" noProof="0" dirty="0"/>
+          </a:p>
+        </p:txBody>
+      </p:sp>
+      <p:sp>
+        <p:nvSpPr>
+          <p:cNvPr id="4" name="Date Placeholder 3">
+            <a:extLst>
+              <a:ext uri="{FF2B5EF4-FFF2-40B4-BE49-F238E27FC236}">
+                <a16:creationId xmlns:a16="http://schemas.microsoft.com/office/drawing/2014/main" id="{B7D15081-0B82-9F80-22A2-66AD0AE45856}"/>
+              </a:ext>
+            </a:extLst>
+          </p:cNvPr>
+          <p:cNvSpPr>
+            <a:spLocks noGrp="1"/>
+          </p:cNvSpPr>
+          <p:nvPr>
+            <p:ph type="dt" sz="half" idx="10"/>
+          </p:nvPr>
+        </p:nvSpPr>
+        <p:spPr>
+          <a:xfrm>
+            <a:off x="8101915" y="6424993"/>
+            <a:ext cx="1773923" cy="365125"/>
+          </a:xfrm>
+        </p:spPr>
+        <p:txBody>
+          <a:bodyPr anchor="ctr">
+            <a:normAutofit/>
+          </a:bodyPr>
+          <a:lstStyle/>
+          <a:p>
+            <a:pPr>
+              <a:spcAft>
+                <a:spcPts val="600"/>
+              </a:spcAft>
+            </a:pPr>
+            <a:r>
+              <a:rPr lang="en-US"/>
+              <a:t>23 de Septiembre de 2024</a:t>
+            </a:r>
+          </a:p>
+        </p:txBody>
+      </p:sp>
+      <p:sp>
+        <p:nvSpPr>
+          <p:cNvPr id="5" name="Footer Placeholder 4">
+            <a:extLst>
+              <a:ext uri="{FF2B5EF4-FFF2-40B4-BE49-F238E27FC236}">
+                <a16:creationId xmlns:a16="http://schemas.microsoft.com/office/drawing/2014/main" id="{A6225D6D-E033-CFAE-D4B5-6E8CE41892DD}"/>
+              </a:ext>
+            </a:extLst>
+          </p:cNvPr>
+          <p:cNvSpPr>
+            <a:spLocks noGrp="1"/>
+          </p:cNvSpPr>
+          <p:nvPr>
+            <p:ph type="ftr" sz="quarter" idx="11"/>
+          </p:nvPr>
+        </p:nvSpPr>
+        <p:spPr>
+          <a:xfrm>
+            <a:off x="835152" y="6424993"/>
+            <a:ext cx="6190488" cy="365125"/>
+          </a:xfrm>
+        </p:spPr>
+        <p:txBody>
+          <a:bodyPr anchor="ctr">
+            <a:normAutofit/>
+          </a:bodyPr>
+          <a:lstStyle/>
+          <a:p>
+            <a:pPr>
+              <a:spcAft>
+                <a:spcPts val="600"/>
+              </a:spcAft>
+            </a:pPr>
+            <a:r>
+              <a:rPr lang="es-ES"/>
+              <a:t>Julisa Verdejo Palacios | Defensa de tesis de maestría</a:t>
+            </a:r>
+            <a:endParaRPr lang="en-US"/>
+          </a:p>
+        </p:txBody>
+      </p:sp>
+      <p:sp>
+        <p:nvSpPr>
+          <p:cNvPr id="6" name="Slide Number Placeholder 5">
+            <a:extLst>
+              <a:ext uri="{FF2B5EF4-FFF2-40B4-BE49-F238E27FC236}">
+                <a16:creationId xmlns:a16="http://schemas.microsoft.com/office/drawing/2014/main" id="{4634F3CE-1FDE-E9E6-C919-82384086EA9D}"/>
+              </a:ext>
+            </a:extLst>
+          </p:cNvPr>
+          <p:cNvSpPr>
+            <a:spLocks noGrp="1"/>
+          </p:cNvSpPr>
+          <p:nvPr>
+            <p:ph type="sldNum" sz="quarter" idx="12"/>
+          </p:nvPr>
+        </p:nvSpPr>
+        <p:spPr>
+          <a:xfrm>
+            <a:off x="11107546" y="6424993"/>
+            <a:ext cx="681254" cy="365125"/>
+          </a:xfrm>
+        </p:spPr>
+        <p:txBody>
+          <a:bodyPr anchor="ctr">
+            <a:normAutofit/>
+          </a:bodyPr>
+          <a:lstStyle/>
+          <a:p>
+            <a:pPr>
+              <a:spcAft>
+                <a:spcPts val="600"/>
+              </a:spcAft>
+            </a:pPr>
+            <a:fld id="{36B5EA5A-BC32-A742-B11B-8E7414D5B535}" type="slidenum">
+              <a:rPr lang="en-US" smtClean="0"/>
+              <a:pPr>
+                <a:spcAft>
+                  <a:spcPts val="600"/>
+                </a:spcAft>
+              </a:pPr>
+              <a:t>9</a:t>
+            </a:fld>
+            <a:endParaRPr lang="en-US"/>
           </a:p>
         </p:txBody>
       </p:sp>
